--- a/CG Finals.pptx
+++ b/CG Finals.pptx
@@ -5,30 +5,43 @@
     <p:sldMasterId id="2147483648" r:id="rId1"/>
   </p:sldMasterIdLst>
   <p:notesMasterIdLst>
-    <p:notesMasterId r:id="rId23"/>
+    <p:notesMasterId r:id="rId36"/>
   </p:notesMasterIdLst>
   <p:sldIdLst>
     <p:sldId id="263" r:id="rId2"/>
     <p:sldId id="300" r:id="rId3"/>
-    <p:sldId id="299" r:id="rId4"/>
+    <p:sldId id="351" r:id="rId4"/>
     <p:sldId id="274" r:id="rId5"/>
     <p:sldId id="330" r:id="rId6"/>
     <p:sldId id="329" r:id="rId7"/>
     <p:sldId id="331" r:id="rId8"/>
-    <p:sldId id="277" r:id="rId9"/>
+    <p:sldId id="352" r:id="rId9"/>
     <p:sldId id="282" r:id="rId10"/>
     <p:sldId id="334" r:id="rId11"/>
     <p:sldId id="333" r:id="rId12"/>
     <p:sldId id="328" r:id="rId13"/>
     <p:sldId id="335" r:id="rId14"/>
-    <p:sldId id="293" r:id="rId15"/>
-    <p:sldId id="297" r:id="rId16"/>
-    <p:sldId id="295" r:id="rId17"/>
-    <p:sldId id="286" r:id="rId18"/>
-    <p:sldId id="288" r:id="rId19"/>
-    <p:sldId id="326" r:id="rId20"/>
-    <p:sldId id="327" r:id="rId21"/>
-    <p:sldId id="272" r:id="rId22"/>
+    <p:sldId id="336" r:id="rId15"/>
+    <p:sldId id="337" r:id="rId16"/>
+    <p:sldId id="338" r:id="rId17"/>
+    <p:sldId id="339" r:id="rId18"/>
+    <p:sldId id="293" r:id="rId19"/>
+    <p:sldId id="340" r:id="rId20"/>
+    <p:sldId id="341" r:id="rId21"/>
+    <p:sldId id="342" r:id="rId22"/>
+    <p:sldId id="343" r:id="rId23"/>
+    <p:sldId id="344" r:id="rId24"/>
+    <p:sldId id="297" r:id="rId25"/>
+    <p:sldId id="345" r:id="rId26"/>
+    <p:sldId id="347" r:id="rId27"/>
+    <p:sldId id="346" r:id="rId28"/>
+    <p:sldId id="286" r:id="rId29"/>
+    <p:sldId id="348" r:id="rId30"/>
+    <p:sldId id="349" r:id="rId31"/>
+    <p:sldId id="350" r:id="rId32"/>
+    <p:sldId id="353" r:id="rId33"/>
+    <p:sldId id="326" r:id="rId34"/>
+    <p:sldId id="272" r:id="rId35"/>
   </p:sldIdLst>
   <p:sldSz cx="12192000" cy="6858000"/>
   <p:notesSz cx="6858000" cy="9144000"/>
@@ -217,7 +230,7 @@
           <a:p>
             <a:fld id="{1E33A845-C127-4FD0-BB99-A93A72E0DC55}" type="datetimeFigureOut">
               <a:rPr lang="zh-CN" altLang="en-US" smtClean="0"/>
-              <a:t>2020/6/13</a:t>
+              <a:t>2020/6/14</a:t>
             </a:fld>
             <a:endParaRPr lang="zh-CN" altLang="en-US"/>
           </a:p>
@@ -549,7 +562,7 @@
           <a:p>
             <a:fld id="{6F6891AA-A175-42AA-B6D9-04D79A0FE050}" type="slidenum">
               <a:rPr lang="zh-CN" altLang="en-US" smtClean="0"/>
-              <a:t>14</a:t>
+              <a:t>18</a:t>
             </a:fld>
             <a:endParaRPr lang="zh-CN" altLang="en-US"/>
           </a:p>
@@ -559,6 +572,426 @@
     <p:extLst>
       <p:ext uri="{BB962C8B-B14F-4D97-AF65-F5344CB8AC3E}">
         <p14:creationId xmlns:p14="http://schemas.microsoft.com/office/powerpoint/2010/main" val="1968294584"/>
+      </p:ext>
+    </p:extLst>
+  </p:cSld>
+  <p:clrMapOvr>
+    <a:masterClrMapping/>
+  </p:clrMapOvr>
+</p:notes>
+</file>
+
+<file path=ppt/notesSlides/notesSlide2.xml><?xml version="1.0" encoding="utf-8"?>
+<p:notes xmlns:a="http://schemas.openxmlformats.org/drawingml/2006/main" xmlns:r="http://schemas.openxmlformats.org/officeDocument/2006/relationships" xmlns:p="http://schemas.openxmlformats.org/presentationml/2006/main">
+  <p:cSld>
+    <p:spTree>
+      <p:nvGrpSpPr>
+        <p:cNvPr id="1" name=""/>
+        <p:cNvGrpSpPr/>
+        <p:nvPr/>
+      </p:nvGrpSpPr>
+      <p:grpSpPr>
+        <a:xfrm>
+          <a:off x="0" y="0"/>
+          <a:ext cx="0" cy="0"/>
+          <a:chOff x="0" y="0"/>
+          <a:chExt cx="0" cy="0"/>
+        </a:xfrm>
+      </p:grpSpPr>
+      <p:sp>
+        <p:nvSpPr>
+          <p:cNvPr id="2" name="幻灯片图像占位符 1"/>
+          <p:cNvSpPr>
+            <a:spLocks noGrp="1" noRot="1" noChangeAspect="1"/>
+          </p:cNvSpPr>
+          <p:nvPr>
+            <p:ph type="sldImg"/>
+          </p:nvPr>
+        </p:nvSpPr>
+        <p:spPr/>
+      </p:sp>
+      <p:sp>
+        <p:nvSpPr>
+          <p:cNvPr id="3" name="备注占位符 2"/>
+          <p:cNvSpPr>
+            <a:spLocks noGrp="1"/>
+          </p:cNvSpPr>
+          <p:nvPr>
+            <p:ph type="body" idx="1"/>
+          </p:nvPr>
+        </p:nvSpPr>
+        <p:spPr/>
+        <p:txBody>
+          <a:bodyPr/>
+          <a:lstStyle/>
+          <a:p>
+            <a:endParaRPr lang="zh-CN" altLang="en-US" dirty="0"/>
+          </a:p>
+        </p:txBody>
+      </p:sp>
+      <p:sp>
+        <p:nvSpPr>
+          <p:cNvPr id="4" name="灯片编号占位符 3"/>
+          <p:cNvSpPr>
+            <a:spLocks noGrp="1"/>
+          </p:cNvSpPr>
+          <p:nvPr>
+            <p:ph type="sldNum" sz="quarter" idx="10"/>
+          </p:nvPr>
+        </p:nvSpPr>
+        <p:spPr/>
+        <p:txBody>
+          <a:bodyPr/>
+          <a:lstStyle/>
+          <a:p>
+            <a:fld id="{6F6891AA-A175-42AA-B6D9-04D79A0FE050}" type="slidenum">
+              <a:rPr lang="zh-CN" altLang="en-US" smtClean="0"/>
+              <a:t>19</a:t>
+            </a:fld>
+            <a:endParaRPr lang="zh-CN" altLang="en-US"/>
+          </a:p>
+        </p:txBody>
+      </p:sp>
+    </p:spTree>
+    <p:extLst>
+      <p:ext uri="{BB962C8B-B14F-4D97-AF65-F5344CB8AC3E}">
+        <p14:creationId xmlns:p14="http://schemas.microsoft.com/office/powerpoint/2010/main" val="3189532881"/>
+      </p:ext>
+    </p:extLst>
+  </p:cSld>
+  <p:clrMapOvr>
+    <a:masterClrMapping/>
+  </p:clrMapOvr>
+</p:notes>
+</file>
+
+<file path=ppt/notesSlides/notesSlide3.xml><?xml version="1.0" encoding="utf-8"?>
+<p:notes xmlns:a="http://schemas.openxmlformats.org/drawingml/2006/main" xmlns:r="http://schemas.openxmlformats.org/officeDocument/2006/relationships" xmlns:p="http://schemas.openxmlformats.org/presentationml/2006/main">
+  <p:cSld>
+    <p:spTree>
+      <p:nvGrpSpPr>
+        <p:cNvPr id="1" name=""/>
+        <p:cNvGrpSpPr/>
+        <p:nvPr/>
+      </p:nvGrpSpPr>
+      <p:grpSpPr>
+        <a:xfrm>
+          <a:off x="0" y="0"/>
+          <a:ext cx="0" cy="0"/>
+          <a:chOff x="0" y="0"/>
+          <a:chExt cx="0" cy="0"/>
+        </a:xfrm>
+      </p:grpSpPr>
+      <p:sp>
+        <p:nvSpPr>
+          <p:cNvPr id="2" name="幻灯片图像占位符 1"/>
+          <p:cNvSpPr>
+            <a:spLocks noGrp="1" noRot="1" noChangeAspect="1"/>
+          </p:cNvSpPr>
+          <p:nvPr>
+            <p:ph type="sldImg"/>
+          </p:nvPr>
+        </p:nvSpPr>
+        <p:spPr/>
+      </p:sp>
+      <p:sp>
+        <p:nvSpPr>
+          <p:cNvPr id="3" name="备注占位符 2"/>
+          <p:cNvSpPr>
+            <a:spLocks noGrp="1"/>
+          </p:cNvSpPr>
+          <p:nvPr>
+            <p:ph type="body" idx="1"/>
+          </p:nvPr>
+        </p:nvSpPr>
+        <p:spPr/>
+        <p:txBody>
+          <a:bodyPr/>
+          <a:lstStyle/>
+          <a:p>
+            <a:endParaRPr lang="zh-CN" altLang="en-US" dirty="0"/>
+          </a:p>
+        </p:txBody>
+      </p:sp>
+      <p:sp>
+        <p:nvSpPr>
+          <p:cNvPr id="4" name="灯片编号占位符 3"/>
+          <p:cNvSpPr>
+            <a:spLocks noGrp="1"/>
+          </p:cNvSpPr>
+          <p:nvPr>
+            <p:ph type="sldNum" sz="quarter" idx="10"/>
+          </p:nvPr>
+        </p:nvSpPr>
+        <p:spPr/>
+        <p:txBody>
+          <a:bodyPr/>
+          <a:lstStyle/>
+          <a:p>
+            <a:fld id="{6F6891AA-A175-42AA-B6D9-04D79A0FE050}" type="slidenum">
+              <a:rPr lang="zh-CN" altLang="en-US" smtClean="0"/>
+              <a:t>20</a:t>
+            </a:fld>
+            <a:endParaRPr lang="zh-CN" altLang="en-US"/>
+          </a:p>
+        </p:txBody>
+      </p:sp>
+    </p:spTree>
+    <p:extLst>
+      <p:ext uri="{BB962C8B-B14F-4D97-AF65-F5344CB8AC3E}">
+        <p14:creationId xmlns:p14="http://schemas.microsoft.com/office/powerpoint/2010/main" val="1269296637"/>
+      </p:ext>
+    </p:extLst>
+  </p:cSld>
+  <p:clrMapOvr>
+    <a:masterClrMapping/>
+  </p:clrMapOvr>
+</p:notes>
+</file>
+
+<file path=ppt/notesSlides/notesSlide4.xml><?xml version="1.0" encoding="utf-8"?>
+<p:notes xmlns:a="http://schemas.openxmlformats.org/drawingml/2006/main" xmlns:r="http://schemas.openxmlformats.org/officeDocument/2006/relationships" xmlns:p="http://schemas.openxmlformats.org/presentationml/2006/main">
+  <p:cSld>
+    <p:spTree>
+      <p:nvGrpSpPr>
+        <p:cNvPr id="1" name=""/>
+        <p:cNvGrpSpPr/>
+        <p:nvPr/>
+      </p:nvGrpSpPr>
+      <p:grpSpPr>
+        <a:xfrm>
+          <a:off x="0" y="0"/>
+          <a:ext cx="0" cy="0"/>
+          <a:chOff x="0" y="0"/>
+          <a:chExt cx="0" cy="0"/>
+        </a:xfrm>
+      </p:grpSpPr>
+      <p:sp>
+        <p:nvSpPr>
+          <p:cNvPr id="2" name="幻灯片图像占位符 1"/>
+          <p:cNvSpPr>
+            <a:spLocks noGrp="1" noRot="1" noChangeAspect="1"/>
+          </p:cNvSpPr>
+          <p:nvPr>
+            <p:ph type="sldImg"/>
+          </p:nvPr>
+        </p:nvSpPr>
+        <p:spPr/>
+      </p:sp>
+      <p:sp>
+        <p:nvSpPr>
+          <p:cNvPr id="3" name="备注占位符 2"/>
+          <p:cNvSpPr>
+            <a:spLocks noGrp="1"/>
+          </p:cNvSpPr>
+          <p:nvPr>
+            <p:ph type="body" idx="1"/>
+          </p:nvPr>
+        </p:nvSpPr>
+        <p:spPr/>
+        <p:txBody>
+          <a:bodyPr/>
+          <a:lstStyle/>
+          <a:p>
+            <a:endParaRPr lang="zh-CN" altLang="en-US" dirty="0"/>
+          </a:p>
+        </p:txBody>
+      </p:sp>
+      <p:sp>
+        <p:nvSpPr>
+          <p:cNvPr id="4" name="灯片编号占位符 3"/>
+          <p:cNvSpPr>
+            <a:spLocks noGrp="1"/>
+          </p:cNvSpPr>
+          <p:nvPr>
+            <p:ph type="sldNum" sz="quarter" idx="10"/>
+          </p:nvPr>
+        </p:nvSpPr>
+        <p:spPr/>
+        <p:txBody>
+          <a:bodyPr/>
+          <a:lstStyle/>
+          <a:p>
+            <a:fld id="{6F6891AA-A175-42AA-B6D9-04D79A0FE050}" type="slidenum">
+              <a:rPr lang="zh-CN" altLang="en-US" smtClean="0"/>
+              <a:t>21</a:t>
+            </a:fld>
+            <a:endParaRPr lang="zh-CN" altLang="en-US"/>
+          </a:p>
+        </p:txBody>
+      </p:sp>
+    </p:spTree>
+    <p:extLst>
+      <p:ext uri="{BB962C8B-B14F-4D97-AF65-F5344CB8AC3E}">
+        <p14:creationId xmlns:p14="http://schemas.microsoft.com/office/powerpoint/2010/main" val="1909678476"/>
+      </p:ext>
+    </p:extLst>
+  </p:cSld>
+  <p:clrMapOvr>
+    <a:masterClrMapping/>
+  </p:clrMapOvr>
+</p:notes>
+</file>
+
+<file path=ppt/notesSlides/notesSlide5.xml><?xml version="1.0" encoding="utf-8"?>
+<p:notes xmlns:a="http://schemas.openxmlformats.org/drawingml/2006/main" xmlns:r="http://schemas.openxmlformats.org/officeDocument/2006/relationships" xmlns:p="http://schemas.openxmlformats.org/presentationml/2006/main">
+  <p:cSld>
+    <p:spTree>
+      <p:nvGrpSpPr>
+        <p:cNvPr id="1" name=""/>
+        <p:cNvGrpSpPr/>
+        <p:nvPr/>
+      </p:nvGrpSpPr>
+      <p:grpSpPr>
+        <a:xfrm>
+          <a:off x="0" y="0"/>
+          <a:ext cx="0" cy="0"/>
+          <a:chOff x="0" y="0"/>
+          <a:chExt cx="0" cy="0"/>
+        </a:xfrm>
+      </p:grpSpPr>
+      <p:sp>
+        <p:nvSpPr>
+          <p:cNvPr id="2" name="幻灯片图像占位符 1"/>
+          <p:cNvSpPr>
+            <a:spLocks noGrp="1" noRot="1" noChangeAspect="1"/>
+          </p:cNvSpPr>
+          <p:nvPr>
+            <p:ph type="sldImg"/>
+          </p:nvPr>
+        </p:nvSpPr>
+        <p:spPr/>
+      </p:sp>
+      <p:sp>
+        <p:nvSpPr>
+          <p:cNvPr id="3" name="备注占位符 2"/>
+          <p:cNvSpPr>
+            <a:spLocks noGrp="1"/>
+          </p:cNvSpPr>
+          <p:nvPr>
+            <p:ph type="body" idx="1"/>
+          </p:nvPr>
+        </p:nvSpPr>
+        <p:spPr/>
+        <p:txBody>
+          <a:bodyPr/>
+          <a:lstStyle/>
+          <a:p>
+            <a:endParaRPr lang="zh-CN" altLang="en-US" dirty="0"/>
+          </a:p>
+        </p:txBody>
+      </p:sp>
+      <p:sp>
+        <p:nvSpPr>
+          <p:cNvPr id="4" name="灯片编号占位符 3"/>
+          <p:cNvSpPr>
+            <a:spLocks noGrp="1"/>
+          </p:cNvSpPr>
+          <p:nvPr>
+            <p:ph type="sldNum" sz="quarter" idx="10"/>
+          </p:nvPr>
+        </p:nvSpPr>
+        <p:spPr/>
+        <p:txBody>
+          <a:bodyPr/>
+          <a:lstStyle/>
+          <a:p>
+            <a:fld id="{6F6891AA-A175-42AA-B6D9-04D79A0FE050}" type="slidenum">
+              <a:rPr lang="zh-CN" altLang="en-US" smtClean="0"/>
+              <a:t>22</a:t>
+            </a:fld>
+            <a:endParaRPr lang="zh-CN" altLang="en-US"/>
+          </a:p>
+        </p:txBody>
+      </p:sp>
+    </p:spTree>
+    <p:extLst>
+      <p:ext uri="{BB962C8B-B14F-4D97-AF65-F5344CB8AC3E}">
+        <p14:creationId xmlns:p14="http://schemas.microsoft.com/office/powerpoint/2010/main" val="1074164736"/>
+      </p:ext>
+    </p:extLst>
+  </p:cSld>
+  <p:clrMapOvr>
+    <a:masterClrMapping/>
+  </p:clrMapOvr>
+</p:notes>
+</file>
+
+<file path=ppt/notesSlides/notesSlide6.xml><?xml version="1.0" encoding="utf-8"?>
+<p:notes xmlns:a="http://schemas.openxmlformats.org/drawingml/2006/main" xmlns:r="http://schemas.openxmlformats.org/officeDocument/2006/relationships" xmlns:p="http://schemas.openxmlformats.org/presentationml/2006/main">
+  <p:cSld>
+    <p:spTree>
+      <p:nvGrpSpPr>
+        <p:cNvPr id="1" name=""/>
+        <p:cNvGrpSpPr/>
+        <p:nvPr/>
+      </p:nvGrpSpPr>
+      <p:grpSpPr>
+        <a:xfrm>
+          <a:off x="0" y="0"/>
+          <a:ext cx="0" cy="0"/>
+          <a:chOff x="0" y="0"/>
+          <a:chExt cx="0" cy="0"/>
+        </a:xfrm>
+      </p:grpSpPr>
+      <p:sp>
+        <p:nvSpPr>
+          <p:cNvPr id="2" name="幻灯片图像占位符 1"/>
+          <p:cNvSpPr>
+            <a:spLocks noGrp="1" noRot="1" noChangeAspect="1"/>
+          </p:cNvSpPr>
+          <p:nvPr>
+            <p:ph type="sldImg"/>
+          </p:nvPr>
+        </p:nvSpPr>
+        <p:spPr/>
+      </p:sp>
+      <p:sp>
+        <p:nvSpPr>
+          <p:cNvPr id="3" name="备注占位符 2"/>
+          <p:cNvSpPr>
+            <a:spLocks noGrp="1"/>
+          </p:cNvSpPr>
+          <p:nvPr>
+            <p:ph type="body" idx="1"/>
+          </p:nvPr>
+        </p:nvSpPr>
+        <p:spPr/>
+        <p:txBody>
+          <a:bodyPr/>
+          <a:lstStyle/>
+          <a:p>
+            <a:endParaRPr lang="zh-CN" altLang="en-US" dirty="0"/>
+          </a:p>
+        </p:txBody>
+      </p:sp>
+      <p:sp>
+        <p:nvSpPr>
+          <p:cNvPr id="4" name="灯片编号占位符 3"/>
+          <p:cNvSpPr>
+            <a:spLocks noGrp="1"/>
+          </p:cNvSpPr>
+          <p:nvPr>
+            <p:ph type="sldNum" sz="quarter" idx="10"/>
+          </p:nvPr>
+        </p:nvSpPr>
+        <p:spPr/>
+        <p:txBody>
+          <a:bodyPr/>
+          <a:lstStyle/>
+          <a:p>
+            <a:fld id="{6F6891AA-A175-42AA-B6D9-04D79A0FE050}" type="slidenum">
+              <a:rPr lang="zh-CN" altLang="en-US" smtClean="0"/>
+              <a:t>23</a:t>
+            </a:fld>
+            <a:endParaRPr lang="zh-CN" altLang="en-US"/>
+          </a:p>
+        </p:txBody>
+      </p:sp>
+    </p:spTree>
+    <p:extLst>
+      <p:ext uri="{BB962C8B-B14F-4D97-AF65-F5344CB8AC3E}">
+        <p14:creationId xmlns:p14="http://schemas.microsoft.com/office/powerpoint/2010/main" val="3338144400"/>
       </p:ext>
     </p:extLst>
   </p:cSld>
@@ -697,7 +1130,7 @@
           <a:p>
             <a:fld id="{6BB8F4E7-52F0-41BB-B8C5-81CE8B0F52B9}" type="datetimeFigureOut">
               <a:rPr lang="zh-CN" altLang="en-US" smtClean="0"/>
-              <a:t>2020/6/13</a:t>
+              <a:t>2020/6/14</a:t>
             </a:fld>
             <a:endParaRPr lang="zh-CN" altLang="en-US"/>
           </a:p>
@@ -877,7 +1310,7 @@
           <a:p>
             <a:fld id="{6BB8F4E7-52F0-41BB-B8C5-81CE8B0F52B9}" type="datetimeFigureOut">
               <a:rPr lang="zh-CN" altLang="en-US" smtClean="0"/>
-              <a:t>2020/6/13</a:t>
+              <a:t>2020/6/14</a:t>
             </a:fld>
             <a:endParaRPr lang="zh-CN" altLang="en-US"/>
           </a:p>
@@ -1067,7 +1500,7 @@
           <a:p>
             <a:fld id="{6BB8F4E7-52F0-41BB-B8C5-81CE8B0F52B9}" type="datetimeFigureOut">
               <a:rPr lang="zh-CN" altLang="en-US" smtClean="0"/>
-              <a:t>2020/6/13</a:t>
+              <a:t>2020/6/14</a:t>
             </a:fld>
             <a:endParaRPr lang="zh-CN" altLang="en-US"/>
           </a:p>
@@ -1247,7 +1680,7 @@
           <a:p>
             <a:fld id="{6BB8F4E7-52F0-41BB-B8C5-81CE8B0F52B9}" type="datetimeFigureOut">
               <a:rPr lang="zh-CN" altLang="en-US" smtClean="0"/>
-              <a:t>2020/6/13</a:t>
+              <a:t>2020/6/14</a:t>
             </a:fld>
             <a:endParaRPr lang="zh-CN" altLang="en-US"/>
           </a:p>
@@ -1504,7 +1937,7 @@
           <a:p>
             <a:fld id="{6BB8F4E7-52F0-41BB-B8C5-81CE8B0F52B9}" type="datetimeFigureOut">
               <a:rPr lang="zh-CN" altLang="en-US" smtClean="0"/>
-              <a:t>2020/6/13</a:t>
+              <a:t>2020/6/14</a:t>
             </a:fld>
             <a:endParaRPr lang="zh-CN" altLang="en-US"/>
           </a:p>
@@ -1745,7 +2178,7 @@
           <a:p>
             <a:fld id="{6BB8F4E7-52F0-41BB-B8C5-81CE8B0F52B9}" type="datetimeFigureOut">
               <a:rPr lang="zh-CN" altLang="en-US" smtClean="0"/>
-              <a:t>2020/6/13</a:t>
+              <a:t>2020/6/14</a:t>
             </a:fld>
             <a:endParaRPr lang="zh-CN" altLang="en-US"/>
           </a:p>
@@ -2121,7 +2554,7 @@
           <a:p>
             <a:fld id="{6BB8F4E7-52F0-41BB-B8C5-81CE8B0F52B9}" type="datetimeFigureOut">
               <a:rPr lang="zh-CN" altLang="en-US" smtClean="0"/>
-              <a:t>2020/6/13</a:t>
+              <a:t>2020/6/14</a:t>
             </a:fld>
             <a:endParaRPr lang="zh-CN" altLang="en-US"/>
           </a:p>
@@ -2250,7 +2683,7 @@
           <a:p>
             <a:fld id="{6BB8F4E7-52F0-41BB-B8C5-81CE8B0F52B9}" type="datetimeFigureOut">
               <a:rPr lang="zh-CN" altLang="en-US" smtClean="0"/>
-              <a:t>2020/6/13</a:t>
+              <a:t>2020/6/14</a:t>
             </a:fld>
             <a:endParaRPr lang="zh-CN" altLang="en-US"/>
           </a:p>
@@ -2357,7 +2790,7 @@
           <a:p>
             <a:fld id="{6BB8F4E7-52F0-41BB-B8C5-81CE8B0F52B9}" type="datetimeFigureOut">
               <a:rPr lang="zh-CN" altLang="en-US" smtClean="0"/>
-              <a:t>2020/6/13</a:t>
+              <a:t>2020/6/14</a:t>
             </a:fld>
             <a:endParaRPr lang="zh-CN" altLang="en-US"/>
           </a:p>
@@ -2644,7 +3077,7 @@
           <a:p>
             <a:fld id="{6BB8F4E7-52F0-41BB-B8C5-81CE8B0F52B9}" type="datetimeFigureOut">
               <a:rPr lang="zh-CN" altLang="en-US" smtClean="0"/>
-              <a:t>2020/6/13</a:t>
+              <a:t>2020/6/14</a:t>
             </a:fld>
             <a:endParaRPr lang="zh-CN" altLang="en-US"/>
           </a:p>
@@ -2908,7 +3341,7 @@
           <a:p>
             <a:fld id="{6BB8F4E7-52F0-41BB-B8C5-81CE8B0F52B9}" type="datetimeFigureOut">
               <a:rPr lang="zh-CN" altLang="en-US" smtClean="0"/>
-              <a:t>2020/6/13</a:t>
+              <a:t>2020/6/14</a:t>
             </a:fld>
             <a:endParaRPr lang="zh-CN" altLang="en-US"/>
           </a:p>
@@ -3131,7 +3564,7 @@
           <a:p>
             <a:fld id="{6BB8F4E7-52F0-41BB-B8C5-81CE8B0F52B9}" type="datetimeFigureOut">
               <a:rPr lang="zh-CN" altLang="en-US" smtClean="0"/>
-              <a:t>2020/6/13</a:t>
+              <a:t>2020/6/14</a:t>
             </a:fld>
             <a:endParaRPr lang="zh-CN" altLang="en-US"/>
           </a:p>
@@ -5031,7 +5464,7 @@
         <p:nvPicPr>
           <p:cNvPr id="15" name="内容占位符 14" descr="E:\GitHub\YADEM\Post-Processing\2D\Thesis\rasterization\scatters with boundary box.png"/>
           <p:cNvPicPr>
-            <a:picLocks noGrp="1"/>
+            <a:picLocks noGrp="1" noChangeAspect="1"/>
           </p:cNvPicPr>
           <p:nvPr>
             <p:ph idx="1"/>
@@ -5052,8 +5485,8 @@
         </p:blipFill>
         <p:spPr bwMode="auto">
           <a:xfrm>
-            <a:off x="5196104" y="3120102"/>
-            <a:ext cx="1799792" cy="1762383"/>
+            <a:off x="4518719" y="1684631"/>
+            <a:ext cx="3676415" cy="3600000"/>
           </a:xfrm>
           <a:prstGeom prst="rect">
             <a:avLst/>
@@ -5067,7 +5500,9 @@
       <p:pic>
         <p:nvPicPr>
           <p:cNvPr id="16" name="图片 15" descr="E:\GitHub\YADEM\Post-Processing\2D\Thesis\content with boundary box.png"/>
-          <p:cNvPicPr/>
+          <p:cNvPicPr>
+            <a:picLocks noChangeAspect="1"/>
+          </p:cNvPicPr>
           <p:nvPr/>
         </p:nvPicPr>
         <p:blipFill>
@@ -5085,8 +5520,8 @@
         </p:blipFill>
         <p:spPr bwMode="auto">
           <a:xfrm>
-            <a:off x="8388350" y="2600564"/>
-            <a:ext cx="1799590" cy="1774190"/>
+            <a:off x="8195134" y="1690688"/>
+            <a:ext cx="3651539" cy="3600000"/>
           </a:xfrm>
           <a:prstGeom prst="rect">
             <a:avLst/>
@@ -5163,26 +5598,28 @@
           </a:bodyPr>
           <a:lstStyle/>
           <a:p>
-            <a:pPr marL="342900" indent="-342900"/>
-            <a:r>
-              <a:rPr lang="en-US" altLang="zh-CN" sz="4000" dirty="0">
+            <a:r>
+              <a:rPr lang="en-US" altLang="zh-CN" sz="4000" dirty="0" smtClean="0">
                 <a:latin typeface="Bahnschrift SemiLight" panose="020B0502040204020203" pitchFamily="34" charset="0"/>
               </a:rPr>
-              <a:t>Boundary Extraction</a:t>
-            </a:r>
-          </a:p>
-        </p:txBody>
-      </p:sp>
-      <p:pic>
-        <p:nvPicPr>
-          <p:cNvPr id="4" name="Picture 4" descr="https://timgsa.baidu.com/timg?image&amp;quality=80&amp;size=b9999_10000&amp;sec=1571942598977&amp;di=62fda19cdc0fe8b6213b1b0e335bd1ba&amp;imgtype=0&amp;src=http%3A%2F%2Fcdn.onlinewebfonts.com%2Fsvg%2Fimg_326384.png"/>
+              <a:t>Spatial Interpolation</a:t>
+            </a:r>
+            <a:endParaRPr lang="zh-CN" altLang="en-US" sz="4000" dirty="0">
+              <a:latin typeface="Bahnschrift SemiLight" panose="020B0502040204020203" pitchFamily="34" charset="0"/>
+            </a:endParaRPr>
+          </a:p>
+        </p:txBody>
+      </p:sp>
+      <p:pic>
+        <p:nvPicPr>
+          <p:cNvPr id="8" name="Picture 4" descr="https://timgsa.baidu.com/timg?image&amp;quality=80&amp;size=b9999_10000&amp;sec=1571942598977&amp;di=62fda19cdc0fe8b6213b1b0e335bd1ba&amp;imgtype=0&amp;src=http%3A%2F%2Fcdn.onlinewebfonts.com%2Fsvg%2Fimg_326384.png"/>
           <p:cNvPicPr>
             <a:picLocks noChangeAspect="1" noChangeArrowheads="1"/>
           </p:cNvPicPr>
           <p:nvPr/>
         </p:nvPicPr>
         <p:blipFill>
-          <a:blip r:embed="rId3" cstate="print">
+          <a:blip r:embed="rId2" cstate="print">
             <a:extLst>
               <a:ext uri="{28A0092B-C50C-407E-A947-70E740481C1C}">
                 <a14:useLocalDpi xmlns:a14="http://schemas.microsoft.com/office/drawing/2010/main" val="0"/>
@@ -5216,7 +5653,7 @@
       </p:pic>
       <p:sp>
         <p:nvSpPr>
-          <p:cNvPr id="5" name="矩形 4"/>
+          <p:cNvPr id="9" name="矩形 8"/>
           <p:cNvSpPr/>
           <p:nvPr/>
         </p:nvSpPr>
@@ -5245,7 +5682,7 @@
             <a:r>
               <a:rPr lang="en-US" altLang="zh-CN" sz="1600" dirty="0">
                 <a:latin typeface="Bahnschrift SemiLight" panose="020B0502040204020203" pitchFamily="34" charset="0"/>
-                <a:hlinkClick r:id="rId4"/>
+                <a:hlinkClick r:id="rId3"/>
               </a:rPr>
               <a:t>https://github.com/jerryweihuajing/Post-Processing</a:t>
             </a:r>
@@ -5257,10 +5694,10 @@
       </p:sp>
       <p:pic>
         <p:nvPicPr>
-          <p:cNvPr id="9" name="图片 8">
+          <p:cNvPr id="11" name="图片 10">
             <a:extLst>
               <a:ext uri="{FF2B5EF4-FFF2-40B4-BE49-F238E27FC236}">
-                <a16:creationId xmlns:a16="http://schemas.microsoft.com/office/drawing/2014/main" id="{7FAF1CA2-9C47-41E7-9A07-ECA9E3BDBF99}"/>
+                <a16:creationId xmlns:a16="http://schemas.microsoft.com/office/drawing/2014/main" id="{A23A39F3-DC3A-4C32-909F-0ED9880F6E11}"/>
               </a:ext>
             </a:extLst>
           </p:cNvPr>
@@ -5270,7 +5707,7 @@
           <p:nvPr/>
         </p:nvPicPr>
         <p:blipFill>
-          <a:blip r:embed="rId5">
+          <a:blip r:embed="rId4">
             <a:extLst>
               <a:ext uri="{28A0092B-C50C-407E-A947-70E740481C1C}">
                 <a14:useLocalDpi xmlns:a14="http://schemas.microsoft.com/office/drawing/2010/main" val="0"/>
@@ -5293,16 +5730,14 @@
       </p:pic>
       <p:pic>
         <p:nvPicPr>
-          <p:cNvPr id="8" name="内容占位符 7"/>
-          <p:cNvPicPr>
-            <a:picLocks noGrp="1" noChangeAspect="1"/>
-          </p:cNvPicPr>
-          <p:nvPr>
-            <p:ph idx="1"/>
-          </p:nvPr>
-        </p:nvPicPr>
-        <p:blipFill>
-          <a:blip r:embed="rId6" cstate="print">
+          <p:cNvPr id="12" name="图片 11"/>
+          <p:cNvPicPr>
+            <a:picLocks noChangeAspect="1"/>
+          </p:cNvPicPr>
+          <p:nvPr/>
+        </p:nvPicPr>
+        <p:blipFill>
+          <a:blip r:embed="rId5" cstate="print">
             <a:extLst>
               <a:ext uri="{28A0092B-C50C-407E-A947-70E740481C1C}">
                 <a14:useLocalDpi xmlns:a14="http://schemas.microsoft.com/office/drawing/2010/main" val="0"/>
@@ -5315,105 +5750,125 @@
         </p:blipFill>
         <p:spPr>
           <a:xfrm>
-            <a:off x="665436" y="1690688"/>
-            <a:ext cx="3600000" cy="3541597"/>
-          </a:xfrm>
-        </p:spPr>
-      </p:pic>
-      <p:pic>
-        <p:nvPicPr>
-          <p:cNvPr id="10" name="图片 9"/>
-          <p:cNvPicPr>
-            <a:picLocks noChangeAspect="1"/>
-          </p:cNvPicPr>
-          <p:nvPr/>
-        </p:nvPicPr>
-        <p:blipFill>
-          <a:blip r:embed="rId7" cstate="print">
+            <a:off x="249935" y="6440600"/>
+            <a:ext cx="1176530" cy="280417"/>
+          </a:xfrm>
+          <a:prstGeom prst="rect">
+            <a:avLst/>
+          </a:prstGeom>
+        </p:spPr>
+      </p:pic>
+      <p:pic>
+        <p:nvPicPr>
+          <p:cNvPr id="13" name="内容占位符 12" descr="E:\GitHub\YADEM\Post-Processing\2D\Thesis\interpolation-grid\interpolation with mesh.png"/>
+          <p:cNvPicPr>
+            <a:picLocks noGrp="1" noChangeAspect="1"/>
+          </p:cNvPicPr>
+          <p:nvPr>
+            <p:ph idx="1"/>
+          </p:nvPr>
+        </p:nvPicPr>
+        <p:blipFill>
+          <a:blip r:embed="rId6" cstate="print">
             <a:extLst>
               <a:ext uri="{28A0092B-C50C-407E-A947-70E740481C1C}">
                 <a14:useLocalDpi xmlns:a14="http://schemas.microsoft.com/office/drawing/2010/main" val="0"/>
               </a:ext>
             </a:extLst>
           </a:blip>
-          <a:stretch>
-            <a:fillRect/>
-          </a:stretch>
-        </p:blipFill>
-        <p:spPr>
-          <a:xfrm>
-            <a:off x="4226687" y="1690689"/>
-            <a:ext cx="3600000" cy="3541596"/>
-          </a:xfrm>
-          <a:prstGeom prst="rect">
-            <a:avLst/>
-          </a:prstGeom>
-        </p:spPr>
-      </p:pic>
-      <p:pic>
-        <p:nvPicPr>
-          <p:cNvPr id="11" name="图片 10"/>
+          <a:srcRect/>
+          <a:stretch>
+            <a:fillRect/>
+          </a:stretch>
+        </p:blipFill>
+        <p:spPr bwMode="auto">
+          <a:xfrm>
+            <a:off x="838200" y="1690688"/>
+            <a:ext cx="3616705" cy="3600000"/>
+          </a:xfrm>
+          <a:prstGeom prst="rect">
+            <a:avLst/>
+          </a:prstGeom>
+          <a:noFill/>
+          <a:ln>
+            <a:noFill/>
+          </a:ln>
+        </p:spPr>
+      </p:pic>
+      <p:pic>
+        <p:nvPicPr>
+          <p:cNvPr id="17" name="图片 16" descr="E:\GitHub\YADEM\Post-Processing\2D\Thesis\interpolation-grid\interpolation with mesh and grid.png"/>
           <p:cNvPicPr>
             <a:picLocks noChangeAspect="1"/>
           </p:cNvPicPr>
           <p:nvPr/>
         </p:nvPicPr>
         <p:blipFill>
-          <a:blip r:embed="rId8" cstate="print">
+          <a:blip r:embed="rId7" cstate="print">
             <a:extLst>
               <a:ext uri="{28A0092B-C50C-407E-A947-70E740481C1C}">
                 <a14:useLocalDpi xmlns:a14="http://schemas.microsoft.com/office/drawing/2010/main" val="0"/>
               </a:ext>
             </a:extLst>
           </a:blip>
-          <a:stretch>
-            <a:fillRect/>
-          </a:stretch>
-        </p:blipFill>
-        <p:spPr>
-          <a:xfrm>
-            <a:off x="7753800" y="1690689"/>
-            <a:ext cx="3600000" cy="3541596"/>
-          </a:xfrm>
-          <a:prstGeom prst="rect">
-            <a:avLst/>
-          </a:prstGeom>
-        </p:spPr>
-      </p:pic>
-      <p:pic>
-        <p:nvPicPr>
-          <p:cNvPr id="13" name="图片 12"/>
+          <a:srcRect/>
+          <a:stretch>
+            <a:fillRect/>
+          </a:stretch>
+        </p:blipFill>
+        <p:spPr bwMode="auto">
+          <a:xfrm>
+            <a:off x="4454905" y="1690688"/>
+            <a:ext cx="3621725" cy="3600000"/>
+          </a:xfrm>
+          <a:prstGeom prst="rect">
+            <a:avLst/>
+          </a:prstGeom>
+          <a:noFill/>
+          <a:ln>
+            <a:noFill/>
+          </a:ln>
+        </p:spPr>
+      </p:pic>
+      <p:pic>
+        <p:nvPicPr>
+          <p:cNvPr id="18" name="图片 17" descr="E:\GitHub\YADEM\Post-Processing\2D\Thesis\interpolation-grid\interpolation effect with mesh.png"/>
           <p:cNvPicPr>
             <a:picLocks noChangeAspect="1"/>
           </p:cNvPicPr>
           <p:nvPr/>
         </p:nvPicPr>
         <p:blipFill>
-          <a:blip r:embed="rId9" cstate="print">
+          <a:blip r:embed="rId8" cstate="print">
             <a:extLst>
               <a:ext uri="{28A0092B-C50C-407E-A947-70E740481C1C}">
                 <a14:useLocalDpi xmlns:a14="http://schemas.microsoft.com/office/drawing/2010/main" val="0"/>
               </a:ext>
             </a:extLst>
           </a:blip>
-          <a:stretch>
-            <a:fillRect/>
-          </a:stretch>
-        </p:blipFill>
-        <p:spPr>
-          <a:xfrm>
-            <a:off x="249935" y="6440600"/>
-            <a:ext cx="1176530" cy="280417"/>
-          </a:xfrm>
-          <a:prstGeom prst="rect">
-            <a:avLst/>
-          </a:prstGeom>
+          <a:srcRect/>
+          <a:stretch>
+            <a:fillRect/>
+          </a:stretch>
+        </p:blipFill>
+        <p:spPr bwMode="auto">
+          <a:xfrm>
+            <a:off x="8071610" y="1690688"/>
+            <a:ext cx="3600000" cy="3600000"/>
+          </a:xfrm>
+          <a:prstGeom prst="rect">
+            <a:avLst/>
+          </a:prstGeom>
+          <a:noFill/>
+          <a:ln>
+            <a:noFill/>
+          </a:ln>
         </p:spPr>
       </p:pic>
     </p:spTree>
     <p:extLst>
       <p:ext uri="{BB962C8B-B14F-4D97-AF65-F5344CB8AC3E}">
-        <p14:creationId xmlns:p14="http://schemas.microsoft.com/office/powerpoint/2010/main" val="1822175473"/>
+        <p14:creationId xmlns:p14="http://schemas.microsoft.com/office/powerpoint/2010/main" val="993272958"/>
       </p:ext>
     </p:extLst>
   </p:cSld>
@@ -5476,19 +5931,21 @@
           </a:bodyPr>
           <a:lstStyle/>
           <a:p>
-            <a:pPr marL="342900" indent="-342900"/>
-            <a:r>
-              <a:rPr lang="en-US" altLang="zh-CN" sz="4000" dirty="0">
+            <a:r>
+              <a:rPr lang="en-US" altLang="zh-CN" sz="4000" dirty="0" smtClean="0">
                 <a:latin typeface="Bahnschrift SemiLight" panose="020B0502040204020203" pitchFamily="34" charset="0"/>
               </a:rPr>
               <a:t>Spatial Interpolation</a:t>
             </a:r>
-          </a:p>
-        </p:txBody>
-      </p:sp>
-      <p:pic>
-        <p:nvPicPr>
-          <p:cNvPr id="4" name="Picture 4" descr="https://timgsa.baidu.com/timg?image&amp;quality=80&amp;size=b9999_10000&amp;sec=1571942598977&amp;di=62fda19cdc0fe8b6213b1b0e335bd1ba&amp;imgtype=0&amp;src=http%3A%2F%2Fcdn.onlinewebfonts.com%2Fsvg%2Fimg_326384.png"/>
+            <a:endParaRPr lang="zh-CN" altLang="en-US" sz="4000" dirty="0">
+              <a:latin typeface="Bahnschrift SemiLight" panose="020B0502040204020203" pitchFamily="34" charset="0"/>
+            </a:endParaRPr>
+          </a:p>
+        </p:txBody>
+      </p:sp>
+      <p:pic>
+        <p:nvPicPr>
+          <p:cNvPr id="8" name="Picture 4" descr="https://timgsa.baidu.com/timg?image&amp;quality=80&amp;size=b9999_10000&amp;sec=1571942598977&amp;di=62fda19cdc0fe8b6213b1b0e335bd1ba&amp;imgtype=0&amp;src=http%3A%2F%2Fcdn.onlinewebfonts.com%2Fsvg%2Fimg_326384.png"/>
           <p:cNvPicPr>
             <a:picLocks noChangeAspect="1" noChangeArrowheads="1"/>
           </p:cNvPicPr>
@@ -5529,7 +5986,7 @@
       </p:pic>
       <p:sp>
         <p:nvSpPr>
-          <p:cNvPr id="5" name="矩形 4"/>
+          <p:cNvPr id="9" name="矩形 8"/>
           <p:cNvSpPr/>
           <p:nvPr/>
         </p:nvSpPr>
@@ -5570,10 +6027,10 @@
       </p:sp>
       <p:pic>
         <p:nvPicPr>
-          <p:cNvPr id="12" name="图片 11">
+          <p:cNvPr id="11" name="图片 10">
             <a:extLst>
               <a:ext uri="{FF2B5EF4-FFF2-40B4-BE49-F238E27FC236}">
-                <a16:creationId xmlns:a16="http://schemas.microsoft.com/office/drawing/2014/main" id="{A2668651-BAAB-449F-920E-5253D657617C}"/>
+                <a16:creationId xmlns:a16="http://schemas.microsoft.com/office/drawing/2014/main" id="{A23A39F3-DC3A-4C32-909F-0ED9880F6E11}"/>
               </a:ext>
             </a:extLst>
           </p:cNvPr>
@@ -5606,7 +6063,7 @@
       </p:pic>
       <p:pic>
         <p:nvPicPr>
-          <p:cNvPr id="3" name="图片 2"/>
+          <p:cNvPr id="12" name="图片 11"/>
           <p:cNvPicPr>
             <a:picLocks noChangeAspect="1"/>
           </p:cNvPicPr>
@@ -5626,21 +6083,23 @@
         </p:blipFill>
         <p:spPr>
           <a:xfrm>
-            <a:off x="838200" y="1690688"/>
-            <a:ext cx="4416887" cy="4320000"/>
-          </a:xfrm>
-          <a:prstGeom prst="rect">
-            <a:avLst/>
-          </a:prstGeom>
-        </p:spPr>
-      </p:pic>
-      <p:pic>
-        <p:nvPicPr>
-          <p:cNvPr id="8" name="图片 7"/>
-          <p:cNvPicPr>
-            <a:picLocks noChangeAspect="1"/>
-          </p:cNvPicPr>
-          <p:nvPr/>
+            <a:off x="249935" y="6440600"/>
+            <a:ext cx="1176530" cy="280417"/>
+          </a:xfrm>
+          <a:prstGeom prst="rect">
+            <a:avLst/>
+          </a:prstGeom>
+        </p:spPr>
+      </p:pic>
+      <p:pic>
+        <p:nvPicPr>
+          <p:cNvPr id="14" name="内容占位符 13" descr="E:\GitHub\YADEM\Post-Processing\2D\Thesis\interpolation samples.png"/>
+          <p:cNvPicPr>
+            <a:picLocks noGrp="1" noChangeAspect="1"/>
+          </p:cNvPicPr>
+          <p:nvPr>
+            <p:ph idx="1"/>
+          </p:nvPr>
         </p:nvPicPr>
         <p:blipFill>
           <a:blip r:embed="rId6" cstate="print">
@@ -5650,24 +6109,99 @@
               </a:ext>
             </a:extLst>
           </a:blip>
-          <a:stretch>
-            <a:fillRect/>
-          </a:stretch>
-        </p:blipFill>
-        <p:spPr>
-          <a:xfrm>
-            <a:off x="249935" y="6440600"/>
-            <a:ext cx="1176530" cy="280417"/>
-          </a:xfrm>
-          <a:prstGeom prst="rect">
-            <a:avLst/>
-          </a:prstGeom>
+          <a:srcRect/>
+          <a:stretch>
+            <a:fillRect/>
+          </a:stretch>
+        </p:blipFill>
+        <p:spPr bwMode="auto">
+          <a:xfrm>
+            <a:off x="838200" y="1690688"/>
+            <a:ext cx="3677799" cy="3600000"/>
+          </a:xfrm>
+          <a:prstGeom prst="rect">
+            <a:avLst/>
+          </a:prstGeom>
+          <a:noFill/>
+          <a:ln>
+            <a:noFill/>
+          </a:ln>
+        </p:spPr>
+      </p:pic>
+      <p:pic>
+        <p:nvPicPr>
+          <p:cNvPr id="15" name="图片 14" descr="E:\GitHub\YADEM\Post-Processing\2D\Thesis\interpolation effect.png"/>
+          <p:cNvPicPr>
+            <a:picLocks noChangeAspect="1"/>
+          </p:cNvPicPr>
+          <p:nvPr/>
+        </p:nvPicPr>
+        <p:blipFill>
+          <a:blip r:embed="rId7" cstate="print">
+            <a:extLst>
+              <a:ext uri="{28A0092B-C50C-407E-A947-70E740481C1C}">
+                <a14:useLocalDpi xmlns:a14="http://schemas.microsoft.com/office/drawing/2010/main" val="0"/>
+              </a:ext>
+            </a:extLst>
+          </a:blip>
+          <a:srcRect/>
+          <a:stretch>
+            <a:fillRect/>
+          </a:stretch>
+        </p:blipFill>
+        <p:spPr bwMode="auto">
+          <a:xfrm>
+            <a:off x="4515999" y="1690688"/>
+            <a:ext cx="3658085" cy="3600000"/>
+          </a:xfrm>
+          <a:prstGeom prst="rect">
+            <a:avLst/>
+          </a:prstGeom>
+          <a:noFill/>
+          <a:ln>
+            <a:noFill/>
+          </a:ln>
+        </p:spPr>
+      </p:pic>
+      <p:pic>
+        <p:nvPicPr>
+          <p:cNvPr id="16" name="图片 15" descr="E:\GitHub\YADEM\Post-Processing\2D\Thesis\interpolation\interpolation effect with boundary box.png"/>
+          <p:cNvPicPr>
+            <a:picLocks noChangeAspect="1"/>
+          </p:cNvPicPr>
+          <p:nvPr/>
+        </p:nvPicPr>
+        <p:blipFill>
+          <a:blip r:embed="rId8" cstate="print">
+            <a:extLst>
+              <a:ext uri="{28A0092B-C50C-407E-A947-70E740481C1C}">
+                <a14:useLocalDpi xmlns:a14="http://schemas.microsoft.com/office/drawing/2010/main" val="0"/>
+              </a:ext>
+            </a:extLst>
+          </a:blip>
+          <a:srcRect/>
+          <a:stretch>
+            <a:fillRect/>
+          </a:stretch>
+        </p:blipFill>
+        <p:spPr bwMode="auto">
+          <a:xfrm>
+            <a:off x="8174084" y="1690688"/>
+            <a:ext cx="3658085" cy="3600000"/>
+          </a:xfrm>
+          <a:prstGeom prst="rect">
+            <a:avLst/>
+          </a:prstGeom>
+          <a:noFill/>
+          <a:ln>
+            <a:noFill/>
+          </a:ln>
         </p:spPr>
       </p:pic>
     </p:spTree>
     <p:extLst>
       <p:ext uri="{BB962C8B-B14F-4D97-AF65-F5344CB8AC3E}">
-        <p14:creationId xmlns:p14="http://schemas.microsoft.com/office/powerpoint/2010/main" val="4129228310"/>
+        <p14:creationId xmlns:p14="http://schemas.microsoft.com/office/powerpoint/2010/main" val="2539148120"/>
       </p:ext>
     </p:extLst>
   </p:cSld>
@@ -5686,6 +6220,13 @@
       </p:transition>
     </mc:Fallback>
   </mc:AlternateContent>
+  <p:timing>
+    <p:tnLst>
+      <p:par>
+        <p:cTn id="1" dur="indefinite" restart="never" nodeType="tmRoot"/>
+      </p:par>
+    </p:tnLst>
+  </p:timing>
 </p:sld>
 </file>
 
@@ -5723,19 +6264,21 @@
           </a:bodyPr>
           <a:lstStyle/>
           <a:p>
-            <a:pPr marL="342900" indent="-342900"/>
-            <a:r>
-              <a:rPr lang="en-US" altLang="zh-CN" sz="4000" dirty="0">
+            <a:r>
+              <a:rPr lang="en-US" altLang="zh-CN" sz="4000" dirty="0" smtClean="0">
                 <a:latin typeface="Bahnschrift SemiLight" panose="020B0502040204020203" pitchFamily="34" charset="0"/>
               </a:rPr>
               <a:t>Spatial Interpolation</a:t>
             </a:r>
-          </a:p>
-        </p:txBody>
-      </p:sp>
-      <p:pic>
-        <p:nvPicPr>
-          <p:cNvPr id="4" name="Picture 4" descr="https://timgsa.baidu.com/timg?image&amp;quality=80&amp;size=b9999_10000&amp;sec=1571942598977&amp;di=62fda19cdc0fe8b6213b1b0e335bd1ba&amp;imgtype=0&amp;src=http%3A%2F%2Fcdn.onlinewebfonts.com%2Fsvg%2Fimg_326384.png"/>
+            <a:endParaRPr lang="zh-CN" altLang="en-US" sz="4000" dirty="0">
+              <a:latin typeface="Bahnschrift SemiLight" panose="020B0502040204020203" pitchFamily="34" charset="0"/>
+            </a:endParaRPr>
+          </a:p>
+        </p:txBody>
+      </p:sp>
+      <p:pic>
+        <p:nvPicPr>
+          <p:cNvPr id="8" name="Picture 4" descr="https://timgsa.baidu.com/timg?image&amp;quality=80&amp;size=b9999_10000&amp;sec=1571942598977&amp;di=62fda19cdc0fe8b6213b1b0e335bd1ba&amp;imgtype=0&amp;src=http%3A%2F%2Fcdn.onlinewebfonts.com%2Fsvg%2Fimg_326384.png"/>
           <p:cNvPicPr>
             <a:picLocks noChangeAspect="1" noChangeArrowheads="1"/>
           </p:cNvPicPr>
@@ -5776,7 +6319,7 @@
       </p:pic>
       <p:sp>
         <p:nvSpPr>
-          <p:cNvPr id="5" name="矩形 4"/>
+          <p:cNvPr id="9" name="矩形 8"/>
           <p:cNvSpPr/>
           <p:nvPr/>
         </p:nvSpPr>
@@ -5817,10 +6360,10 @@
       </p:sp>
       <p:pic>
         <p:nvPicPr>
-          <p:cNvPr id="12" name="图片 11">
+          <p:cNvPr id="11" name="图片 10">
             <a:extLst>
               <a:ext uri="{FF2B5EF4-FFF2-40B4-BE49-F238E27FC236}">
-                <a16:creationId xmlns:a16="http://schemas.microsoft.com/office/drawing/2014/main" id="{A2668651-BAAB-449F-920E-5253D657617C}"/>
+                <a16:creationId xmlns:a16="http://schemas.microsoft.com/office/drawing/2014/main" id="{A23A39F3-DC3A-4C32-909F-0ED9880F6E11}"/>
               </a:ext>
             </a:extLst>
           </p:cNvPr>
@@ -5853,7 +6396,7 @@
       </p:pic>
       <p:pic>
         <p:nvPicPr>
-          <p:cNvPr id="6" name="图片 5"/>
+          <p:cNvPr id="12" name="图片 11"/>
           <p:cNvPicPr>
             <a:picLocks noChangeAspect="1"/>
           </p:cNvPicPr>
@@ -5873,21 +6416,23 @@
         </p:blipFill>
         <p:spPr>
           <a:xfrm>
-            <a:off x="4438200" y="1686510"/>
-            <a:ext cx="3600000" cy="3576577"/>
-          </a:xfrm>
-          <a:prstGeom prst="rect">
-            <a:avLst/>
-          </a:prstGeom>
-        </p:spPr>
-      </p:pic>
-      <p:pic>
-        <p:nvPicPr>
-          <p:cNvPr id="7" name="图片 6"/>
-          <p:cNvPicPr>
-            <a:picLocks noChangeAspect="1"/>
-          </p:cNvPicPr>
-          <p:nvPr/>
+            <a:off x="249935" y="6440600"/>
+            <a:ext cx="1176530" cy="280417"/>
+          </a:xfrm>
+          <a:prstGeom prst="rect">
+            <a:avLst/>
+          </a:prstGeom>
+        </p:spPr>
+      </p:pic>
+      <p:pic>
+        <p:nvPicPr>
+          <p:cNvPr id="13" name="内容占位符 12" descr="E:\GitHub\YADEM\Post-Processing\2D\Thesis\interpolation-grid\interpolation effect with mesh and grid.png"/>
+          <p:cNvPicPr>
+            <a:picLocks noGrp="1" noChangeAspect="1"/>
+          </p:cNvPicPr>
+          <p:nvPr>
+            <p:ph idx="1"/>
+          </p:nvPr>
         </p:nvPicPr>
         <p:blipFill>
           <a:blip r:embed="rId6" cstate="print">
@@ -5897,23 +6442,28 @@
               </a:ext>
             </a:extLst>
           </a:blip>
-          <a:stretch>
-            <a:fillRect/>
-          </a:stretch>
-        </p:blipFill>
-        <p:spPr>
+          <a:srcRect/>
+          <a:stretch>
+            <a:fillRect/>
+          </a:stretch>
+        </p:blipFill>
+        <p:spPr bwMode="auto">
           <a:xfrm>
             <a:off x="838200" y="1690688"/>
-            <a:ext cx="3600000" cy="3600000"/>
-          </a:xfrm>
-          <a:prstGeom prst="rect">
-            <a:avLst/>
-          </a:prstGeom>
-        </p:spPr>
-      </p:pic>
-      <p:pic>
-        <p:nvPicPr>
-          <p:cNvPr id="11" name="图片 10"/>
+            <a:ext cx="4320000" cy="4320000"/>
+          </a:xfrm>
+          <a:prstGeom prst="rect">
+            <a:avLst/>
+          </a:prstGeom>
+          <a:noFill/>
+          <a:ln>
+            <a:noFill/>
+          </a:ln>
+        </p:spPr>
+      </p:pic>
+      <p:pic>
+        <p:nvPicPr>
+          <p:cNvPr id="17" name="图片 16" descr="E:\GitHub\YADEM\Post-Processing\2D\Thesis\interpolation-grid\filled interpolation effect with mesh.png"/>
           <p:cNvPicPr>
             <a:picLocks noChangeAspect="1"/>
           </p:cNvPicPr>
@@ -5927,54 +6477,29 @@
               </a:ext>
             </a:extLst>
           </a:blip>
-          <a:stretch>
-            <a:fillRect/>
-          </a:stretch>
-        </p:blipFill>
-        <p:spPr>
-          <a:xfrm>
-            <a:off x="8040922" y="1714111"/>
-            <a:ext cx="3600000" cy="3576577"/>
-          </a:xfrm>
-          <a:prstGeom prst="rect">
-            <a:avLst/>
-          </a:prstGeom>
-        </p:spPr>
-      </p:pic>
-      <p:pic>
-        <p:nvPicPr>
-          <p:cNvPr id="13" name="图片 12"/>
-          <p:cNvPicPr>
-            <a:picLocks noChangeAspect="1"/>
-          </p:cNvPicPr>
-          <p:nvPr/>
-        </p:nvPicPr>
-        <p:blipFill>
-          <a:blip r:embed="rId8" cstate="print">
-            <a:extLst>
-              <a:ext uri="{28A0092B-C50C-407E-A947-70E740481C1C}">
-                <a14:useLocalDpi xmlns:a14="http://schemas.microsoft.com/office/drawing/2010/main" val="0"/>
-              </a:ext>
-            </a:extLst>
-          </a:blip>
-          <a:stretch>
-            <a:fillRect/>
-          </a:stretch>
-        </p:blipFill>
-        <p:spPr>
-          <a:xfrm>
-            <a:off x="249935" y="6440600"/>
-            <a:ext cx="1176530" cy="280417"/>
-          </a:xfrm>
-          <a:prstGeom prst="rect">
-            <a:avLst/>
-          </a:prstGeom>
+          <a:srcRect/>
+          <a:stretch>
+            <a:fillRect/>
+          </a:stretch>
+        </p:blipFill>
+        <p:spPr bwMode="auto">
+          <a:xfrm>
+            <a:off x="6096000" y="1690688"/>
+            <a:ext cx="4320000" cy="4320000"/>
+          </a:xfrm>
+          <a:prstGeom prst="rect">
+            <a:avLst/>
+          </a:prstGeom>
+          <a:noFill/>
+          <a:ln>
+            <a:noFill/>
+          </a:ln>
         </p:spPr>
       </p:pic>
     </p:spTree>
     <p:extLst>
       <p:ext uri="{BB962C8B-B14F-4D97-AF65-F5344CB8AC3E}">
-        <p14:creationId xmlns:p14="http://schemas.microsoft.com/office/powerpoint/2010/main" val="2429131774"/>
+        <p14:creationId xmlns:p14="http://schemas.microsoft.com/office/powerpoint/2010/main" val="2677010222"/>
       </p:ext>
     </p:extLst>
   </p:cSld>
@@ -5993,6 +6518,13 @@
       </p:transition>
     </mc:Fallback>
   </mc:AlternateContent>
+  <p:timing>
+    <p:tnLst>
+      <p:par>
+        <p:cTn id="1" dur="indefinite" restart="never" nodeType="tmRoot"/>
+      </p:par>
+    </p:tnLst>
+  </p:timing>
 </p:sld>
 </file>
 
@@ -6031,84 +6563,27 @@
           <a:lstStyle/>
           <a:p>
             <a:r>
-              <a:rPr lang="en-US" altLang="zh-CN" sz="4000" dirty="0">
+              <a:rPr lang="en-US" altLang="zh-CN" sz="4000" dirty="0" smtClean="0">
                 <a:latin typeface="Bahnschrift SemiLight" panose="020B0502040204020203" pitchFamily="34" charset="0"/>
               </a:rPr>
-              <a:t>Erosion and Expansion</a:t>
-            </a:r>
-            <a:endParaRPr lang="zh-CN" altLang="en-US" sz="4000" dirty="0"/>
-          </a:p>
-        </p:txBody>
-      </p:sp>
-      <p:pic>
-        <p:nvPicPr>
-          <p:cNvPr id="4" name="内容占位符 3"/>
-          <p:cNvPicPr>
-            <a:picLocks noGrp="1" noChangeAspect="1"/>
-          </p:cNvPicPr>
-          <p:nvPr>
-            <p:ph idx="1"/>
-          </p:nvPr>
+              <a:t>Spatial Interpolation</a:t>
+            </a:r>
+            <a:endParaRPr lang="zh-CN" altLang="en-US" sz="4000" dirty="0">
+              <a:latin typeface="Bahnschrift SemiLight" panose="020B0502040204020203" pitchFamily="34" charset="0"/>
+            </a:endParaRPr>
+          </a:p>
+        </p:txBody>
+      </p:sp>
+      <p:pic>
+        <p:nvPicPr>
+          <p:cNvPr id="8" name="Picture 4" descr="https://timgsa.baidu.com/timg?image&amp;quality=80&amp;size=b9999_10000&amp;sec=1571942598977&amp;di=62fda19cdc0fe8b6213b1b0e335bd1ba&amp;imgtype=0&amp;src=http%3A%2F%2Fcdn.onlinewebfonts.com%2Fsvg%2Fimg_326384.png"/>
+          <p:cNvPicPr>
+            <a:picLocks noChangeAspect="1" noChangeArrowheads="1"/>
+          </p:cNvPicPr>
+          <p:nvPr/>
         </p:nvPicPr>
         <p:blipFill>
           <a:blip r:embed="rId2" cstate="print">
-            <a:extLst>
-              <a:ext uri="{28A0092B-C50C-407E-A947-70E740481C1C}">
-                <a14:useLocalDpi xmlns:a14="http://schemas.microsoft.com/office/drawing/2010/main" val="0"/>
-              </a:ext>
-            </a:extLst>
-          </a:blip>
-          <a:stretch>
-            <a:fillRect/>
-          </a:stretch>
-        </p:blipFill>
-        <p:spPr>
-          <a:xfrm>
-            <a:off x="6096000" y="1690688"/>
-            <a:ext cx="3627120" cy="3627120"/>
-          </a:xfrm>
-        </p:spPr>
-      </p:pic>
-      <p:pic>
-        <p:nvPicPr>
-          <p:cNvPr id="5" name="图片 4"/>
-          <p:cNvPicPr>
-            <a:picLocks noChangeAspect="1"/>
-          </p:cNvPicPr>
-          <p:nvPr/>
-        </p:nvPicPr>
-        <p:blipFill>
-          <a:blip r:embed="rId3" cstate="print">
-            <a:extLst>
-              <a:ext uri="{28A0092B-C50C-407E-A947-70E740481C1C}">
-                <a14:useLocalDpi xmlns:a14="http://schemas.microsoft.com/office/drawing/2010/main" val="0"/>
-              </a:ext>
-            </a:extLst>
-          </a:blip>
-          <a:stretch>
-            <a:fillRect/>
-          </a:stretch>
-        </p:blipFill>
-        <p:spPr>
-          <a:xfrm>
-            <a:off x="838200" y="1690688"/>
-            <a:ext cx="3627120" cy="3627120"/>
-          </a:xfrm>
-          <a:prstGeom prst="rect">
-            <a:avLst/>
-          </a:prstGeom>
-        </p:spPr>
-      </p:pic>
-      <p:pic>
-        <p:nvPicPr>
-          <p:cNvPr id="8" name="Picture 4" descr="https://timgsa.baidu.com/timg?image&amp;quality=80&amp;size=b9999_10000&amp;sec=1571942598977&amp;di=62fda19cdc0fe8b6213b1b0e335bd1ba&amp;imgtype=0&amp;src=http%3A%2F%2Fcdn.onlinewebfonts.com%2Fsvg%2Fimg_326384.png"/>
-          <p:cNvPicPr>
-            <a:picLocks noChangeAspect="1" noChangeArrowheads="1"/>
-          </p:cNvPicPr>
-          <p:nvPr/>
-        </p:nvPicPr>
-        <p:blipFill>
-          <a:blip r:embed="rId4" cstate="print">
             <a:extLst>
               <a:ext uri="{28A0092B-C50C-407E-A947-70E740481C1C}">
                 <a14:useLocalDpi xmlns:a14="http://schemas.microsoft.com/office/drawing/2010/main" val="0"/>
@@ -6171,7 +6646,7 @@
             <a:r>
               <a:rPr lang="en-US" altLang="zh-CN" sz="1600" dirty="0">
                 <a:latin typeface="Bahnschrift SemiLight" panose="020B0502040204020203" pitchFamily="34" charset="0"/>
-                <a:hlinkClick r:id="rId5"/>
+                <a:hlinkClick r:id="rId3"/>
               </a:rPr>
               <a:t>https://github.com/jerryweihuajing/Post-Processing</a:t>
             </a:r>
@@ -6186,7 +6661,7 @@
           <p:cNvPr id="11" name="图片 10">
             <a:extLst>
               <a:ext uri="{FF2B5EF4-FFF2-40B4-BE49-F238E27FC236}">
-                <a16:creationId xmlns:a16="http://schemas.microsoft.com/office/drawing/2014/main" id="{658CEFC9-0A41-4083-91BD-1AD944F1ABEF}"/>
+                <a16:creationId xmlns:a16="http://schemas.microsoft.com/office/drawing/2014/main" id="{A23A39F3-DC3A-4C32-909F-0ED9880F6E11}"/>
               </a:ext>
             </a:extLst>
           </p:cNvPr>
@@ -6196,7 +6671,7 @@
           <p:nvPr/>
         </p:nvPicPr>
         <p:blipFill>
-          <a:blip r:embed="rId6">
+          <a:blip r:embed="rId4">
             <a:extLst>
               <a:ext uri="{28A0092B-C50C-407E-A947-70E740481C1C}">
                 <a14:useLocalDpi xmlns:a14="http://schemas.microsoft.com/office/drawing/2010/main" val="0"/>
@@ -6226,7 +6701,7 @@
           <p:nvPr/>
         </p:nvPicPr>
         <p:blipFill>
-          <a:blip r:embed="rId7" cstate="print">
+          <a:blip r:embed="rId5" cstate="print">
             <a:extLst>
               <a:ext uri="{28A0092B-C50C-407E-A947-70E740481C1C}">
                 <a14:useLocalDpi xmlns:a14="http://schemas.microsoft.com/office/drawing/2010/main" val="0"/>
@@ -6245,12 +6720,119 @@
           <a:prstGeom prst="rect">
             <a:avLst/>
           </a:prstGeom>
+        </p:spPr>
+      </p:pic>
+      <p:pic>
+        <p:nvPicPr>
+          <p:cNvPr id="10" name="内容占位符 9" descr="E:\GitHub\YADEM\Post-Processing\2D\Thesis\interpolation effect.png"/>
+          <p:cNvPicPr>
+            <a:picLocks noGrp="1" noChangeAspect="1"/>
+          </p:cNvPicPr>
+          <p:nvPr>
+            <p:ph idx="1"/>
+          </p:nvPr>
+        </p:nvPicPr>
+        <p:blipFill>
+          <a:blip r:embed="rId6" cstate="print">
+            <a:extLst>
+              <a:ext uri="{28A0092B-C50C-407E-A947-70E740481C1C}">
+                <a14:useLocalDpi xmlns:a14="http://schemas.microsoft.com/office/drawing/2010/main" val="0"/>
+              </a:ext>
+            </a:extLst>
+          </a:blip>
+          <a:srcRect/>
+          <a:stretch>
+            <a:fillRect/>
+          </a:stretch>
+        </p:blipFill>
+        <p:spPr bwMode="auto">
+          <a:xfrm>
+            <a:off x="838200" y="1690688"/>
+            <a:ext cx="3659524" cy="3600000"/>
+          </a:xfrm>
+          <a:prstGeom prst="rect">
+            <a:avLst/>
+          </a:prstGeom>
+          <a:noFill/>
+          <a:ln>
+            <a:noFill/>
+          </a:ln>
+        </p:spPr>
+      </p:pic>
+      <p:pic>
+        <p:nvPicPr>
+          <p:cNvPr id="14" name="图片 13" descr="E:\GitHub\YADEM\Post-Processing\2D\Thesis\filled interpolation effect.png"/>
+          <p:cNvPicPr>
+            <a:picLocks noChangeAspect="1"/>
+          </p:cNvPicPr>
+          <p:nvPr/>
+        </p:nvPicPr>
+        <p:blipFill>
+          <a:blip r:embed="rId7" cstate="print">
+            <a:extLst>
+              <a:ext uri="{28A0092B-C50C-407E-A947-70E740481C1C}">
+                <a14:useLocalDpi xmlns:a14="http://schemas.microsoft.com/office/drawing/2010/main" val="0"/>
+              </a:ext>
+            </a:extLst>
+          </a:blip>
+          <a:srcRect/>
+          <a:stretch>
+            <a:fillRect/>
+          </a:stretch>
+        </p:blipFill>
+        <p:spPr bwMode="auto">
+          <a:xfrm>
+            <a:off x="4497724" y="1690687"/>
+            <a:ext cx="3658085" cy="3600000"/>
+          </a:xfrm>
+          <a:prstGeom prst="rect">
+            <a:avLst/>
+          </a:prstGeom>
+          <a:noFill/>
+          <a:ln>
+            <a:noFill/>
+          </a:ln>
+        </p:spPr>
+      </p:pic>
+      <p:pic>
+        <p:nvPicPr>
+          <p:cNvPr id="15" name="图片 14" descr="E:\GitHub\YADEM\Post-Processing\2D\Thesis\interpolation\filled interpolation effect with boundary box.png"/>
+          <p:cNvPicPr>
+            <a:picLocks noChangeAspect="1"/>
+          </p:cNvPicPr>
+          <p:nvPr/>
+        </p:nvPicPr>
+        <p:blipFill>
+          <a:blip r:embed="rId8" cstate="print">
+            <a:extLst>
+              <a:ext uri="{28A0092B-C50C-407E-A947-70E740481C1C}">
+                <a14:useLocalDpi xmlns:a14="http://schemas.microsoft.com/office/drawing/2010/main" val="0"/>
+              </a:ext>
+            </a:extLst>
+          </a:blip>
+          <a:srcRect/>
+          <a:stretch>
+            <a:fillRect/>
+          </a:stretch>
+        </p:blipFill>
+        <p:spPr bwMode="auto">
+          <a:xfrm>
+            <a:off x="8157248" y="1690687"/>
+            <a:ext cx="3658085" cy="3600000"/>
+          </a:xfrm>
+          <a:prstGeom prst="rect">
+            <a:avLst/>
+          </a:prstGeom>
+          <a:noFill/>
+          <a:ln>
+            <a:noFill/>
+          </a:ln>
         </p:spPr>
       </p:pic>
     </p:spTree>
     <p:extLst>
       <p:ext uri="{BB962C8B-B14F-4D97-AF65-F5344CB8AC3E}">
-        <p14:creationId xmlns:p14="http://schemas.microsoft.com/office/powerpoint/2010/main" val="4239433960"/>
+        <p14:creationId xmlns:p14="http://schemas.microsoft.com/office/powerpoint/2010/main" val="3364445342"/>
       </p:ext>
     </p:extLst>
   </p:cSld>
@@ -6269,6 +6851,13 @@
       </p:transition>
     </mc:Fallback>
   </mc:AlternateContent>
+  <p:timing>
+    <p:tnLst>
+      <p:par>
+        <p:cTn id="1" dur="indefinite" restart="never" nodeType="tmRoot"/>
+      </p:par>
+    </p:tnLst>
+  </p:timing>
 </p:sld>
 </file>
 
@@ -6291,12 +6880,12 @@
       </p:grpSpPr>
       <p:sp>
         <p:nvSpPr>
-          <p:cNvPr id="3" name="内容占位符 2"/>
+          <p:cNvPr id="2" name="标题 1"/>
           <p:cNvSpPr>
             <a:spLocks noGrp="1"/>
           </p:cNvSpPr>
           <p:nvPr>
-            <p:ph idx="1"/>
+            <p:ph type="title"/>
           </p:nvPr>
         </p:nvSpPr>
         <p:spPr/>
@@ -6306,79 +6895,26 @@
           </a:bodyPr>
           <a:lstStyle/>
           <a:p>
-            <a:pPr marL="0" indent="0">
-              <a:buNone/>
-            </a:pPr>
-            <a:r>
-              <a:rPr lang="en-US" altLang="zh-CN" sz="2400" dirty="0">
+            <a:pPr marL="342900" indent="-342900"/>
+            <a:r>
+              <a:rPr lang="en-US" altLang="zh-CN" sz="4000" dirty="0">
                 <a:latin typeface="Bahnschrift SemiLight" panose="020B0502040204020203" pitchFamily="34" charset="0"/>
               </a:rPr>
-              <a:t>Join the boundary to make it complete.</a:t>
-            </a:r>
-            <a:endParaRPr lang="zh-CN" altLang="en-US" sz="2400" dirty="0">
-              <a:latin typeface="Bahnschrift SemiLight" panose="020B0502040204020203" pitchFamily="34" charset="0"/>
-            </a:endParaRPr>
-          </a:p>
-        </p:txBody>
-      </p:sp>
-      <p:pic>
-        <p:nvPicPr>
-          <p:cNvPr id="4" name="图片 3"/>
-          <p:cNvPicPr>
-            <a:picLocks noChangeAspect="1"/>
-          </p:cNvPicPr>
-          <p:nvPr/>
-        </p:nvPicPr>
-        <p:blipFill>
-          <a:blip r:embed="rId2"/>
-          <a:stretch>
-            <a:fillRect/>
-          </a:stretch>
-        </p:blipFill>
-        <p:spPr>
-          <a:xfrm>
-            <a:off x="7898961" y="1690687"/>
-            <a:ext cx="3454839" cy="2111291"/>
-          </a:xfrm>
-          <a:prstGeom prst="rect">
-            <a:avLst/>
-          </a:prstGeom>
-        </p:spPr>
-      </p:pic>
-      <p:pic>
-        <p:nvPicPr>
-          <p:cNvPr id="5" name="图片 4"/>
-          <p:cNvPicPr>
-            <a:picLocks noChangeAspect="1"/>
-          </p:cNvPicPr>
-          <p:nvPr/>
-        </p:nvPicPr>
-        <p:blipFill>
-          <a:blip r:embed="rId3"/>
-          <a:stretch>
-            <a:fillRect/>
-          </a:stretch>
-        </p:blipFill>
-        <p:spPr>
-          <a:xfrm>
-            <a:off x="7898961" y="4019540"/>
-            <a:ext cx="3454838" cy="2157423"/>
-          </a:xfrm>
-          <a:prstGeom prst="rect">
-            <a:avLst/>
-          </a:prstGeom>
-        </p:spPr>
-      </p:pic>
-      <p:pic>
-        <p:nvPicPr>
-          <p:cNvPr id="7" name="Picture 4" descr="https://timgsa.baidu.com/timg?image&amp;quality=80&amp;size=b9999_10000&amp;sec=1571942598977&amp;di=62fda19cdc0fe8b6213b1b0e335bd1ba&amp;imgtype=0&amp;src=http%3A%2F%2Fcdn.onlinewebfonts.com%2Fsvg%2Fimg_326384.png"/>
+              <a:t>Boundary Extraction</a:t>
+            </a:r>
+          </a:p>
+        </p:txBody>
+      </p:sp>
+      <p:pic>
+        <p:nvPicPr>
+          <p:cNvPr id="4" name="Picture 4" descr="https://timgsa.baidu.com/timg?image&amp;quality=80&amp;size=b9999_10000&amp;sec=1571942598977&amp;di=62fda19cdc0fe8b6213b1b0e335bd1ba&amp;imgtype=0&amp;src=http%3A%2F%2Fcdn.onlinewebfonts.com%2Fsvg%2Fimg_326384.png"/>
           <p:cNvPicPr>
             <a:picLocks noChangeAspect="1" noChangeArrowheads="1"/>
           </p:cNvPicPr>
           <p:nvPr/>
         </p:nvPicPr>
         <p:blipFill>
-          <a:blip r:embed="rId4" cstate="print">
+          <a:blip r:embed="rId3" cstate="print">
             <a:extLst>
               <a:ext uri="{28A0092B-C50C-407E-A947-70E740481C1C}">
                 <a14:useLocalDpi xmlns:a14="http://schemas.microsoft.com/office/drawing/2010/main" val="0"/>
@@ -6412,7 +6948,7 @@
       </p:pic>
       <p:sp>
         <p:nvSpPr>
-          <p:cNvPr id="8" name="矩形 7"/>
+          <p:cNvPr id="5" name="矩形 4"/>
           <p:cNvSpPr/>
           <p:nvPr/>
         </p:nvSpPr>
@@ -6441,7 +6977,7 @@
             <a:r>
               <a:rPr lang="en-US" altLang="zh-CN" sz="1600" dirty="0">
                 <a:latin typeface="Bahnschrift SemiLight" panose="020B0502040204020203" pitchFamily="34" charset="0"/>
-                <a:hlinkClick r:id="rId5"/>
+                <a:hlinkClick r:id="rId4"/>
               </a:rPr>
               <a:t>https://github.com/jerryweihuajing/Post-Processing</a:t>
             </a:r>
@@ -6451,55 +6987,22 @@
           </a:p>
         </p:txBody>
       </p:sp>
-      <p:sp>
-        <p:nvSpPr>
-          <p:cNvPr id="9" name="标题 8">
+      <p:pic>
+        <p:nvPicPr>
+          <p:cNvPr id="9" name="图片 8">
             <a:extLst>
               <a:ext uri="{FF2B5EF4-FFF2-40B4-BE49-F238E27FC236}">
-                <a16:creationId xmlns:a16="http://schemas.microsoft.com/office/drawing/2014/main" id="{C802FBA1-69EF-463C-9EE1-B5034370AEA6}"/>
+                <a16:creationId xmlns:a16="http://schemas.microsoft.com/office/drawing/2014/main" id="{7FAF1CA2-9C47-41E7-9A07-ECA9E3BDBF99}"/>
               </a:ext>
             </a:extLst>
           </p:cNvPr>
-          <p:cNvSpPr>
-            <a:spLocks noGrp="1"/>
-          </p:cNvSpPr>
-          <p:nvPr>
-            <p:ph type="title"/>
-          </p:nvPr>
-        </p:nvSpPr>
-        <p:spPr/>
-        <p:txBody>
-          <a:bodyPr>
-            <a:normAutofit/>
-          </a:bodyPr>
-          <a:lstStyle/>
-          <a:p>
-            <a:r>
-              <a:rPr lang="en-US" altLang="zh-CN" sz="4000" dirty="0">
-                <a:latin typeface="Bahnschrift SemiLight" panose="020B0502040204020203" pitchFamily="34" charset="0"/>
-              </a:rPr>
-              <a:t>Erosion and Expansion</a:t>
-            </a:r>
-            <a:endParaRPr lang="zh-CN" altLang="en-US" sz="4000" dirty="0"/>
-          </a:p>
-        </p:txBody>
-      </p:sp>
-      <p:pic>
-        <p:nvPicPr>
-          <p:cNvPr id="11" name="图片 10">
-            <a:extLst>
-              <a:ext uri="{FF2B5EF4-FFF2-40B4-BE49-F238E27FC236}">
-                <a16:creationId xmlns:a16="http://schemas.microsoft.com/office/drawing/2014/main" id="{EEBF113B-697D-4507-A5D9-4F0C12EB992C}"/>
-              </a:ext>
-            </a:extLst>
-          </p:cNvPr>
           <p:cNvPicPr>
             <a:picLocks noChangeAspect="1"/>
           </p:cNvPicPr>
           <p:nvPr/>
         </p:nvPicPr>
         <p:blipFill>
-          <a:blip r:embed="rId6">
+          <a:blip r:embed="rId5">
             <a:extLst>
               <a:ext uri="{28A0092B-C50C-407E-A947-70E740481C1C}">
                 <a14:useLocalDpi xmlns:a14="http://schemas.microsoft.com/office/drawing/2010/main" val="0"/>
@@ -6522,7 +7025,36 @@
       </p:pic>
       <p:pic>
         <p:nvPicPr>
-          <p:cNvPr id="12" name="图片 11"/>
+          <p:cNvPr id="8" name="内容占位符 7"/>
+          <p:cNvPicPr>
+            <a:picLocks noGrp="1" noChangeAspect="1"/>
+          </p:cNvPicPr>
+          <p:nvPr>
+            <p:ph idx="1"/>
+          </p:nvPr>
+        </p:nvPicPr>
+        <p:blipFill>
+          <a:blip r:embed="rId6" cstate="print">
+            <a:extLst>
+              <a:ext uri="{28A0092B-C50C-407E-A947-70E740481C1C}">
+                <a14:useLocalDpi xmlns:a14="http://schemas.microsoft.com/office/drawing/2010/main" val="0"/>
+              </a:ext>
+            </a:extLst>
+          </a:blip>
+          <a:stretch>
+            <a:fillRect/>
+          </a:stretch>
+        </p:blipFill>
+        <p:spPr>
+          <a:xfrm>
+            <a:off x="665436" y="1690688"/>
+            <a:ext cx="3600000" cy="3541597"/>
+          </a:xfrm>
+        </p:spPr>
+      </p:pic>
+      <p:pic>
+        <p:nvPicPr>
+          <p:cNvPr id="10" name="图片 9"/>
           <p:cNvPicPr>
             <a:picLocks noChangeAspect="1"/>
           </p:cNvPicPr>
@@ -6530,6 +7062,66 @@
         </p:nvPicPr>
         <p:blipFill>
           <a:blip r:embed="rId7" cstate="print">
+            <a:extLst>
+              <a:ext uri="{28A0092B-C50C-407E-A947-70E740481C1C}">
+                <a14:useLocalDpi xmlns:a14="http://schemas.microsoft.com/office/drawing/2010/main" val="0"/>
+              </a:ext>
+            </a:extLst>
+          </a:blip>
+          <a:stretch>
+            <a:fillRect/>
+          </a:stretch>
+        </p:blipFill>
+        <p:spPr>
+          <a:xfrm>
+            <a:off x="4226687" y="1690689"/>
+            <a:ext cx="3600000" cy="3541596"/>
+          </a:xfrm>
+          <a:prstGeom prst="rect">
+            <a:avLst/>
+          </a:prstGeom>
+        </p:spPr>
+      </p:pic>
+      <p:pic>
+        <p:nvPicPr>
+          <p:cNvPr id="11" name="图片 10"/>
+          <p:cNvPicPr>
+            <a:picLocks noChangeAspect="1"/>
+          </p:cNvPicPr>
+          <p:nvPr/>
+        </p:nvPicPr>
+        <p:blipFill>
+          <a:blip r:embed="rId8" cstate="print">
+            <a:extLst>
+              <a:ext uri="{28A0092B-C50C-407E-A947-70E740481C1C}">
+                <a14:useLocalDpi xmlns:a14="http://schemas.microsoft.com/office/drawing/2010/main" val="0"/>
+              </a:ext>
+            </a:extLst>
+          </a:blip>
+          <a:stretch>
+            <a:fillRect/>
+          </a:stretch>
+        </p:blipFill>
+        <p:spPr>
+          <a:xfrm>
+            <a:off x="7753800" y="1690689"/>
+            <a:ext cx="3600000" cy="3541596"/>
+          </a:xfrm>
+          <a:prstGeom prst="rect">
+            <a:avLst/>
+          </a:prstGeom>
+        </p:spPr>
+      </p:pic>
+      <p:pic>
+        <p:nvPicPr>
+          <p:cNvPr id="13" name="图片 12"/>
+          <p:cNvPicPr>
+            <a:picLocks noChangeAspect="1"/>
+          </p:cNvPicPr>
+          <p:nvPr/>
+        </p:nvPicPr>
+        <p:blipFill>
+          <a:blip r:embed="rId9" cstate="print">
             <a:extLst>
               <a:ext uri="{28A0092B-C50C-407E-A947-70E740481C1C}">
                 <a14:useLocalDpi xmlns:a14="http://schemas.microsoft.com/office/drawing/2010/main" val="0"/>
@@ -6553,7 +7145,7 @@
     </p:spTree>
     <p:extLst>
       <p:ext uri="{BB962C8B-B14F-4D97-AF65-F5344CB8AC3E}">
-        <p14:creationId xmlns:p14="http://schemas.microsoft.com/office/powerpoint/2010/main" val="2538304703"/>
+        <p14:creationId xmlns:p14="http://schemas.microsoft.com/office/powerpoint/2010/main" val="1822175473"/>
       </p:ext>
     </p:extLst>
   </p:cSld>
@@ -6572,6 +7164,13 @@
       </p:transition>
     </mc:Fallback>
   </mc:AlternateContent>
+  <p:timing>
+    <p:tnLst>
+      <p:par>
+        <p:cTn id="1" dur="indefinite" restart="never" nodeType="tmRoot"/>
+      </p:par>
+    </p:tnLst>
+  </p:timing>
 </p:sld>
 </file>
 
@@ -6609,93 +7208,278 @@
           </a:bodyPr>
           <a:lstStyle/>
           <a:p>
-            <a:r>
-              <a:rPr lang="en-US" altLang="zh-CN" sz="4000" dirty="0">
+            <a:pPr marL="342900" indent="-342900"/>
+            <a:r>
+              <a:rPr lang="en-US" altLang="zh-CN" sz="4000" dirty="0" smtClean="0">
                 <a:latin typeface="Bahnschrift SemiLight" panose="020B0502040204020203" pitchFamily="34" charset="0"/>
               </a:rPr>
-              <a:t>Content</a:t>
-            </a:r>
-            <a:endParaRPr lang="zh-CN" altLang="en-US" sz="4000" dirty="0">
+              <a:t>Gaussian Filtering</a:t>
+            </a:r>
+            <a:endParaRPr lang="en-US" altLang="zh-CN" sz="4000" dirty="0">
               <a:latin typeface="Bahnschrift SemiLight" panose="020B0502040204020203" pitchFamily="34" charset="0"/>
             </a:endParaRPr>
           </a:p>
         </p:txBody>
       </p:sp>
-      <p:sp>
-        <p:nvSpPr>
-          <p:cNvPr id="3" name="内容占位符 2"/>
-          <p:cNvSpPr>
-            <a:spLocks noGrp="1"/>
-          </p:cNvSpPr>
-          <p:nvPr>
-            <p:ph idx="1"/>
-          </p:nvPr>
-        </p:nvSpPr>
-        <p:spPr/>
-        <p:txBody>
-          <a:bodyPr>
-            <a:normAutofit/>
+      <p:pic>
+        <p:nvPicPr>
+          <p:cNvPr id="4" name="Picture 4" descr="https://timgsa.baidu.com/timg?image&amp;quality=80&amp;size=b9999_10000&amp;sec=1571942598977&amp;di=62fda19cdc0fe8b6213b1b0e335bd1ba&amp;imgtype=0&amp;src=http%3A%2F%2Fcdn.onlinewebfonts.com%2Fsvg%2Fimg_326384.png"/>
+          <p:cNvPicPr>
+            <a:picLocks noChangeAspect="1" noChangeArrowheads="1"/>
+          </p:cNvPicPr>
+          <p:nvPr/>
+        </p:nvPicPr>
+        <p:blipFill>
+          <a:blip r:embed="rId3" cstate="print">
+            <a:extLst>
+              <a:ext uri="{28A0092B-C50C-407E-A947-70E740481C1C}">
+                <a14:useLocalDpi xmlns:a14="http://schemas.microsoft.com/office/drawing/2010/main" val="0"/>
+              </a:ext>
+            </a:extLst>
+          </a:blip>
+          <a:srcRect/>
+          <a:stretch>
+            <a:fillRect/>
+          </a:stretch>
+        </p:blipFill>
+        <p:spPr bwMode="auto">
+          <a:xfrm>
+            <a:off x="11353800" y="5975393"/>
+            <a:ext cx="727364" cy="745624"/>
+          </a:xfrm>
+          <a:prstGeom prst="rect">
+            <a:avLst/>
+          </a:prstGeom>
+          <a:noFill/>
+          <a:extLst>
+            <a:ext uri="{909E8E84-426E-40DD-AFC4-6F175D3DCCD1}">
+              <a14:hiddenFill xmlns:a14="http://schemas.microsoft.com/office/drawing/2010/main">
+                <a:solidFill>
+                  <a:srgbClr val="FFFFFF"/>
+                </a:solidFill>
+              </a14:hiddenFill>
+            </a:ext>
+          </a:extLst>
+        </p:spPr>
+      </p:pic>
+      <p:sp>
+        <p:nvSpPr>
+          <p:cNvPr id="5" name="矩形 4"/>
+          <p:cNvSpPr/>
+          <p:nvPr/>
+        </p:nvSpPr>
+        <p:spPr>
+          <a:xfrm>
+            <a:off x="3587482" y="6383355"/>
+            <a:ext cx="7766318" cy="338554"/>
+          </a:xfrm>
+          <a:prstGeom prst="rect">
+            <a:avLst/>
+          </a:prstGeom>
+        </p:spPr>
+        <p:txBody>
+          <a:bodyPr wrap="square">
+            <a:spAutoFit/>
           </a:bodyPr>
           <a:lstStyle/>
           <a:p>
-            <a:r>
-              <a:rPr lang="en-US" altLang="zh-CN" sz="2400" dirty="0">
+            <a:pPr algn="r"/>
+            <a:r>
+              <a:rPr lang="en-US" altLang="zh-CN" sz="1600" dirty="0">
                 <a:latin typeface="Bahnschrift SemiLight" panose="020B0502040204020203" pitchFamily="34" charset="0"/>
-                <a:ea typeface="+mj-ea"/>
-                <a:cs typeface="+mj-cs"/>
               </a:rPr>
-              <a:t>Background</a:t>
-            </a:r>
-          </a:p>
-          <a:p>
-            <a:r>
-              <a:rPr lang="en-US" altLang="zh-CN" sz="2400" dirty="0">
+              <a:t>GitHub: </a:t>
+            </a:r>
+            <a:r>
+              <a:rPr lang="en-US" altLang="zh-CN" sz="1600" dirty="0">
                 <a:latin typeface="Bahnschrift SemiLight" panose="020B0502040204020203" pitchFamily="34" charset="0"/>
-                <a:ea typeface="+mj-ea"/>
-                <a:cs typeface="+mj-cs"/>
+                <a:hlinkClick r:id="rId4"/>
               </a:rPr>
-              <a:t>Algorithm</a:t>
-            </a:r>
-          </a:p>
-          <a:p>
-            <a:r>
-              <a:rPr lang="en-US" altLang="zh-CN" sz="2400" dirty="0">
-                <a:latin typeface="Bahnschrift SemiLight" panose="020B0502040204020203" pitchFamily="34" charset="0"/>
-                <a:ea typeface="+mj-ea"/>
-                <a:cs typeface="+mj-cs"/>
-              </a:rPr>
-              <a:t>Experiment</a:t>
-            </a:r>
-          </a:p>
-          <a:p>
-            <a:r>
-              <a:rPr lang="en-US" altLang="zh-CN" sz="2400" dirty="0">
-                <a:latin typeface="Bahnschrift SemiLight" panose="020B0502040204020203" pitchFamily="34" charset="0"/>
-                <a:ea typeface="+mj-ea"/>
-                <a:cs typeface="+mj-cs"/>
-              </a:rPr>
-              <a:t>Discussion</a:t>
-            </a:r>
-          </a:p>
-          <a:p>
-            <a:r>
-              <a:rPr lang="en-US" altLang="zh-CN" sz="2400" dirty="0">
-                <a:solidFill>
-                  <a:srgbClr val="FF0000"/>
-                </a:solidFill>
-                <a:latin typeface="Bahnschrift SemiLight" panose="020B0502040204020203" pitchFamily="34" charset="0"/>
-                <a:ea typeface="+mj-ea"/>
-                <a:cs typeface="+mj-cs"/>
-              </a:rPr>
-              <a:t>Conclusion</a:t>
-            </a:r>
-          </a:p>
-        </p:txBody>
-      </p:sp>
+              <a:t>https://github.com/jerryweihuajing/Post-Processing</a:t>
+            </a:r>
+            <a:endParaRPr lang="en-US" altLang="zh-CN" sz="1600" dirty="0">
+              <a:latin typeface="Bahnschrift SemiLight" panose="020B0502040204020203" pitchFamily="34" charset="0"/>
+            </a:endParaRPr>
+          </a:p>
+        </p:txBody>
+      </p:sp>
+      <p:pic>
+        <p:nvPicPr>
+          <p:cNvPr id="9" name="图片 8">
+            <a:extLst>
+              <a:ext uri="{FF2B5EF4-FFF2-40B4-BE49-F238E27FC236}">
+                <a16:creationId xmlns:a16="http://schemas.microsoft.com/office/drawing/2014/main" id="{7FAF1CA2-9C47-41E7-9A07-ECA9E3BDBF99}"/>
+              </a:ext>
+            </a:extLst>
+          </p:cNvPr>
+          <p:cNvPicPr>
+            <a:picLocks noChangeAspect="1"/>
+          </p:cNvPicPr>
+          <p:nvPr/>
+        </p:nvPicPr>
+        <p:blipFill>
+          <a:blip r:embed="rId5">
+            <a:extLst>
+              <a:ext uri="{28A0092B-C50C-407E-A947-70E740481C1C}">
+                <a14:useLocalDpi xmlns:a14="http://schemas.microsoft.com/office/drawing/2010/main" val="0"/>
+              </a:ext>
+            </a:extLst>
+          </a:blip>
+          <a:stretch>
+            <a:fillRect/>
+          </a:stretch>
+        </p:blipFill>
+        <p:spPr>
+          <a:xfrm>
+            <a:off x="9022080" y="681037"/>
+            <a:ext cx="2331720" cy="579454"/>
+          </a:xfrm>
+          <a:prstGeom prst="rect">
+            <a:avLst/>
+          </a:prstGeom>
+        </p:spPr>
+      </p:pic>
+      <p:pic>
+        <p:nvPicPr>
+          <p:cNvPr id="13" name="图片 12"/>
+          <p:cNvPicPr>
+            <a:picLocks noChangeAspect="1"/>
+          </p:cNvPicPr>
+          <p:nvPr/>
+        </p:nvPicPr>
+        <p:blipFill>
+          <a:blip r:embed="rId6" cstate="print">
+            <a:extLst>
+              <a:ext uri="{28A0092B-C50C-407E-A947-70E740481C1C}">
+                <a14:useLocalDpi xmlns:a14="http://schemas.microsoft.com/office/drawing/2010/main" val="0"/>
+              </a:ext>
+            </a:extLst>
+          </a:blip>
+          <a:stretch>
+            <a:fillRect/>
+          </a:stretch>
+        </p:blipFill>
+        <p:spPr>
+          <a:xfrm>
+            <a:off x="249935" y="6440600"/>
+            <a:ext cx="1176530" cy="280417"/>
+          </a:xfrm>
+          <a:prstGeom prst="rect">
+            <a:avLst/>
+          </a:prstGeom>
+        </p:spPr>
+      </p:pic>
+      <p:pic>
+        <p:nvPicPr>
+          <p:cNvPr id="12" name="内容占位符 11" descr="E:\GitHub\YADEM\Post-Processing\2D\Thesis\rasterization-grid\rasterization with mesh.png"/>
+          <p:cNvPicPr>
+            <a:picLocks noGrp="1" noChangeAspect="1"/>
+          </p:cNvPicPr>
+          <p:nvPr>
+            <p:ph idx="1"/>
+          </p:nvPr>
+        </p:nvPicPr>
+        <p:blipFill>
+          <a:blip r:embed="rId7" cstate="print">
+            <a:extLst>
+              <a:ext uri="{28A0092B-C50C-407E-A947-70E740481C1C}">
+                <a14:useLocalDpi xmlns:a14="http://schemas.microsoft.com/office/drawing/2010/main" val="0"/>
+              </a:ext>
+            </a:extLst>
+          </a:blip>
+          <a:srcRect/>
+          <a:stretch>
+            <a:fillRect/>
+          </a:stretch>
+        </p:blipFill>
+        <p:spPr bwMode="auto">
+          <a:xfrm>
+            <a:off x="838200" y="1690688"/>
+            <a:ext cx="3600000" cy="3600000"/>
+          </a:xfrm>
+          <a:prstGeom prst="rect">
+            <a:avLst/>
+          </a:prstGeom>
+          <a:noFill/>
+          <a:ln>
+            <a:noFill/>
+          </a:ln>
+        </p:spPr>
+      </p:pic>
+      <p:pic>
+        <p:nvPicPr>
+          <p:cNvPr id="14" name="图片 13" descr="E:\GitHub\YADEM\Post-Processing\2D\Thesis\rasterization-grid\rasterization with mesh and grid.png"/>
+          <p:cNvPicPr>
+            <a:picLocks noChangeAspect="1"/>
+          </p:cNvPicPr>
+          <p:nvPr/>
+        </p:nvPicPr>
+        <p:blipFill>
+          <a:blip r:embed="rId8" cstate="print">
+            <a:extLst>
+              <a:ext uri="{28A0092B-C50C-407E-A947-70E740481C1C}">
+                <a14:useLocalDpi xmlns:a14="http://schemas.microsoft.com/office/drawing/2010/main" val="0"/>
+              </a:ext>
+            </a:extLst>
+          </a:blip>
+          <a:srcRect/>
+          <a:stretch>
+            <a:fillRect/>
+          </a:stretch>
+        </p:blipFill>
+        <p:spPr bwMode="auto">
+          <a:xfrm>
+            <a:off x="4438200" y="1690688"/>
+            <a:ext cx="3600000" cy="3600000"/>
+          </a:xfrm>
+          <a:prstGeom prst="rect">
+            <a:avLst/>
+          </a:prstGeom>
+          <a:noFill/>
+          <a:ln>
+            <a:noFill/>
+          </a:ln>
+        </p:spPr>
+      </p:pic>
+      <p:pic>
+        <p:nvPicPr>
+          <p:cNvPr id="15" name="图片 14" descr="E:\GitHub\YADEM\Post-Processing\2D\Thesis\rasterization-grid\rasterization with mesh-smoothed.png"/>
+          <p:cNvPicPr>
+            <a:picLocks noChangeAspect="1"/>
+          </p:cNvPicPr>
+          <p:nvPr/>
+        </p:nvPicPr>
+        <p:blipFill>
+          <a:blip r:embed="rId9" cstate="print">
+            <a:extLst>
+              <a:ext uri="{28A0092B-C50C-407E-A947-70E740481C1C}">
+                <a14:useLocalDpi xmlns:a14="http://schemas.microsoft.com/office/drawing/2010/main" val="0"/>
+              </a:ext>
+            </a:extLst>
+          </a:blip>
+          <a:srcRect/>
+          <a:stretch>
+            <a:fillRect/>
+          </a:stretch>
+        </p:blipFill>
+        <p:spPr bwMode="auto">
+          <a:xfrm>
+            <a:off x="8038200" y="1690688"/>
+            <a:ext cx="3600000" cy="3600000"/>
+          </a:xfrm>
+          <a:prstGeom prst="rect">
+            <a:avLst/>
+          </a:prstGeom>
+          <a:noFill/>
+          <a:ln>
+            <a:noFill/>
+          </a:ln>
+        </p:spPr>
+      </p:pic>
     </p:spTree>
     <p:extLst>
       <p:ext uri="{BB962C8B-B14F-4D97-AF65-F5344CB8AC3E}">
-        <p14:creationId xmlns:p14="http://schemas.microsoft.com/office/powerpoint/2010/main" val="2810952392"/>
+        <p14:creationId xmlns:p14="http://schemas.microsoft.com/office/powerpoint/2010/main" val="2616017321"/>
       </p:ext>
     </p:extLst>
   </p:cSld>
@@ -6714,6 +7498,13 @@
       </p:transition>
     </mc:Fallback>
   </mc:AlternateContent>
+  <p:timing>
+    <p:tnLst>
+      <p:par>
+        <p:cTn id="1" dur="indefinite" restart="never" nodeType="tmRoot"/>
+      </p:par>
+    </p:tnLst>
+  </p:timing>
 </p:sld>
 </file>
 
@@ -6801,33 +7592,18 @@
           </a:p>
           <a:p>
             <a:r>
-              <a:rPr lang="en-US" altLang="zh-CN" sz="2400" dirty="0">
+              <a:rPr lang="en-US" altLang="zh-CN" sz="2400" dirty="0" smtClean="0">
                 <a:latin typeface="Bahnschrift SemiLight" panose="020B0502040204020203" pitchFamily="34" charset="0"/>
                 <a:ea typeface="+mj-ea"/>
                 <a:cs typeface="+mj-cs"/>
               </a:rPr>
-              <a:t>Experiment</a:t>
-            </a:r>
-          </a:p>
-          <a:p>
-            <a:r>
-              <a:rPr lang="en-US" altLang="zh-CN" sz="2400" dirty="0">
-                <a:latin typeface="Bahnschrift SemiLight" panose="020B0502040204020203" pitchFamily="34" charset="0"/>
-                <a:ea typeface="+mj-ea"/>
-                <a:cs typeface="+mj-cs"/>
-              </a:rPr>
-              <a:t>Discussion</a:t>
-            </a:r>
-          </a:p>
-          <a:p>
-            <a:r>
-              <a:rPr lang="en-US" altLang="zh-CN" sz="2400" dirty="0">
-                <a:latin typeface="Bahnschrift SemiLight" panose="020B0502040204020203" pitchFamily="34" charset="0"/>
-                <a:ea typeface="+mj-ea"/>
-                <a:cs typeface="+mj-cs"/>
-              </a:rPr>
-              <a:t>Conclusion</a:t>
-            </a:r>
+              <a:t>Aim</a:t>
+            </a:r>
+            <a:endParaRPr lang="en-US" altLang="zh-CN" sz="2400" dirty="0">
+              <a:latin typeface="Bahnschrift SemiLight" panose="020B0502040204020203" pitchFamily="34" charset="0"/>
+              <a:ea typeface="+mj-ea"/>
+              <a:cs typeface="+mj-cs"/>
+            </a:endParaRPr>
           </a:p>
         </p:txBody>
       </p:sp>
@@ -6897,26 +7673,296 @@
           </a:bodyPr>
           <a:lstStyle/>
           <a:p>
-            <a:r>
-              <a:rPr lang="en-US" altLang="zh-CN" sz="4000" dirty="0">
+            <a:pPr marL="342900" indent="-342900"/>
+            <a:r>
+              <a:rPr lang="en-US" altLang="zh-CN" sz="4000" dirty="0" smtClean="0">
                 <a:latin typeface="Bahnschrift SemiLight" panose="020B0502040204020203" pitchFamily="34" charset="0"/>
               </a:rPr>
-              <a:t>Conclusion</a:t>
-            </a:r>
-            <a:endParaRPr lang="zh-CN" altLang="en-US" sz="4000" dirty="0">
+              <a:t>Gaussian Filtering</a:t>
+            </a:r>
+            <a:endParaRPr lang="en-US" altLang="zh-CN" sz="4000" dirty="0">
               <a:latin typeface="Bahnschrift SemiLight" panose="020B0502040204020203" pitchFamily="34" charset="0"/>
             </a:endParaRPr>
           </a:p>
         </p:txBody>
       </p:sp>
-      <p:sp>
-        <p:nvSpPr>
-          <p:cNvPr id="3" name="内容占位符 2"/>
+      <p:pic>
+        <p:nvPicPr>
+          <p:cNvPr id="4" name="Picture 4" descr="https://timgsa.baidu.com/timg?image&amp;quality=80&amp;size=b9999_10000&amp;sec=1571942598977&amp;di=62fda19cdc0fe8b6213b1b0e335bd1ba&amp;imgtype=0&amp;src=http%3A%2F%2Fcdn.onlinewebfonts.com%2Fsvg%2Fimg_326384.png"/>
+          <p:cNvPicPr>
+            <a:picLocks noChangeAspect="1" noChangeArrowheads="1"/>
+          </p:cNvPicPr>
+          <p:nvPr/>
+        </p:nvPicPr>
+        <p:blipFill>
+          <a:blip r:embed="rId3" cstate="print">
+            <a:extLst>
+              <a:ext uri="{28A0092B-C50C-407E-A947-70E740481C1C}">
+                <a14:useLocalDpi xmlns:a14="http://schemas.microsoft.com/office/drawing/2010/main" val="0"/>
+              </a:ext>
+            </a:extLst>
+          </a:blip>
+          <a:srcRect/>
+          <a:stretch>
+            <a:fillRect/>
+          </a:stretch>
+        </p:blipFill>
+        <p:spPr bwMode="auto">
+          <a:xfrm>
+            <a:off x="11353800" y="5975393"/>
+            <a:ext cx="727364" cy="745624"/>
+          </a:xfrm>
+          <a:prstGeom prst="rect">
+            <a:avLst/>
+          </a:prstGeom>
+          <a:noFill/>
+          <a:extLst>
+            <a:ext uri="{909E8E84-426E-40DD-AFC4-6F175D3DCCD1}">
+              <a14:hiddenFill xmlns:a14="http://schemas.microsoft.com/office/drawing/2010/main">
+                <a:solidFill>
+                  <a:srgbClr val="FFFFFF"/>
+                </a:solidFill>
+              </a14:hiddenFill>
+            </a:ext>
+          </a:extLst>
+        </p:spPr>
+      </p:pic>
+      <p:sp>
+        <p:nvSpPr>
+          <p:cNvPr id="5" name="矩形 4"/>
+          <p:cNvSpPr/>
+          <p:nvPr/>
+        </p:nvSpPr>
+        <p:spPr>
+          <a:xfrm>
+            <a:off x="3587482" y="6383355"/>
+            <a:ext cx="7766318" cy="338554"/>
+          </a:xfrm>
+          <a:prstGeom prst="rect">
+            <a:avLst/>
+          </a:prstGeom>
+        </p:spPr>
+        <p:txBody>
+          <a:bodyPr wrap="square">
+            <a:spAutoFit/>
+          </a:bodyPr>
+          <a:lstStyle/>
+          <a:p>
+            <a:pPr algn="r"/>
+            <a:r>
+              <a:rPr lang="en-US" altLang="zh-CN" sz="1600" dirty="0">
+                <a:latin typeface="Bahnschrift SemiLight" panose="020B0502040204020203" pitchFamily="34" charset="0"/>
+              </a:rPr>
+              <a:t>GitHub: </a:t>
+            </a:r>
+            <a:r>
+              <a:rPr lang="en-US" altLang="zh-CN" sz="1600" dirty="0">
+                <a:latin typeface="Bahnschrift SemiLight" panose="020B0502040204020203" pitchFamily="34" charset="0"/>
+                <a:hlinkClick r:id="rId4"/>
+              </a:rPr>
+              <a:t>https://github.com/jerryweihuajing/Post-Processing</a:t>
+            </a:r>
+            <a:endParaRPr lang="en-US" altLang="zh-CN" sz="1600" dirty="0">
+              <a:latin typeface="Bahnschrift SemiLight" panose="020B0502040204020203" pitchFamily="34" charset="0"/>
+            </a:endParaRPr>
+          </a:p>
+        </p:txBody>
+      </p:sp>
+      <p:pic>
+        <p:nvPicPr>
+          <p:cNvPr id="9" name="图片 8">
+            <a:extLst>
+              <a:ext uri="{FF2B5EF4-FFF2-40B4-BE49-F238E27FC236}">
+                <a16:creationId xmlns:a16="http://schemas.microsoft.com/office/drawing/2014/main" id="{7FAF1CA2-9C47-41E7-9A07-ECA9E3BDBF99}"/>
+              </a:ext>
+            </a:extLst>
+          </p:cNvPr>
+          <p:cNvPicPr>
+            <a:picLocks noChangeAspect="1"/>
+          </p:cNvPicPr>
+          <p:nvPr/>
+        </p:nvPicPr>
+        <p:blipFill>
+          <a:blip r:embed="rId5">
+            <a:extLst>
+              <a:ext uri="{28A0092B-C50C-407E-A947-70E740481C1C}">
+                <a14:useLocalDpi xmlns:a14="http://schemas.microsoft.com/office/drawing/2010/main" val="0"/>
+              </a:ext>
+            </a:extLst>
+          </a:blip>
+          <a:stretch>
+            <a:fillRect/>
+          </a:stretch>
+        </p:blipFill>
+        <p:spPr>
+          <a:xfrm>
+            <a:off x="9022080" y="681037"/>
+            <a:ext cx="2331720" cy="579454"/>
+          </a:xfrm>
+          <a:prstGeom prst="rect">
+            <a:avLst/>
+          </a:prstGeom>
+        </p:spPr>
+      </p:pic>
+      <p:pic>
+        <p:nvPicPr>
+          <p:cNvPr id="13" name="图片 12"/>
+          <p:cNvPicPr>
+            <a:picLocks noChangeAspect="1"/>
+          </p:cNvPicPr>
+          <p:nvPr/>
+        </p:nvPicPr>
+        <p:blipFill>
+          <a:blip r:embed="rId6" cstate="print">
+            <a:extLst>
+              <a:ext uri="{28A0092B-C50C-407E-A947-70E740481C1C}">
+                <a14:useLocalDpi xmlns:a14="http://schemas.microsoft.com/office/drawing/2010/main" val="0"/>
+              </a:ext>
+            </a:extLst>
+          </a:blip>
+          <a:stretch>
+            <a:fillRect/>
+          </a:stretch>
+        </p:blipFill>
+        <p:spPr>
+          <a:xfrm>
+            <a:off x="249935" y="6440600"/>
+            <a:ext cx="1176530" cy="280417"/>
+          </a:xfrm>
+          <a:prstGeom prst="rect">
+            <a:avLst/>
+          </a:prstGeom>
+        </p:spPr>
+      </p:pic>
+      <p:pic>
+        <p:nvPicPr>
+          <p:cNvPr id="11" name="内容占位符 10" descr="E:\GitHub\YADEM\Post-Processing\2D\Thesis\structural deformation-original.png"/>
+          <p:cNvPicPr>
+            <a:picLocks noGrp="1" noChangeAspect="1"/>
+          </p:cNvPicPr>
+          <p:nvPr>
+            <p:ph idx="1"/>
+          </p:nvPr>
+        </p:nvPicPr>
+        <p:blipFill>
+          <a:blip r:embed="rId7" cstate="print">
+            <a:extLst>
+              <a:ext uri="{28A0092B-C50C-407E-A947-70E740481C1C}">
+                <a14:useLocalDpi xmlns:a14="http://schemas.microsoft.com/office/drawing/2010/main" val="0"/>
+              </a:ext>
+            </a:extLst>
+          </a:blip>
+          <a:srcRect/>
+          <a:stretch>
+            <a:fillRect/>
+          </a:stretch>
+        </p:blipFill>
+        <p:spPr bwMode="auto">
+          <a:xfrm>
+            <a:off x="838200" y="1690688"/>
+            <a:ext cx="4387633" cy="4320000"/>
+          </a:xfrm>
+          <a:prstGeom prst="rect">
+            <a:avLst/>
+          </a:prstGeom>
+          <a:noFill/>
+          <a:ln>
+            <a:noFill/>
+          </a:ln>
+        </p:spPr>
+      </p:pic>
+      <p:pic>
+        <p:nvPicPr>
+          <p:cNvPr id="16" name="图片 15" descr="E:\GitHub\YADEM\Post-Processing\2D\Thesis\structural deformation-smoothed.png"/>
+          <p:cNvPicPr>
+            <a:picLocks noChangeAspect="1"/>
+          </p:cNvPicPr>
+          <p:nvPr/>
+        </p:nvPicPr>
+        <p:blipFill>
+          <a:blip r:embed="rId8" cstate="print">
+            <a:extLst>
+              <a:ext uri="{28A0092B-C50C-407E-A947-70E740481C1C}">
+                <a14:useLocalDpi xmlns:a14="http://schemas.microsoft.com/office/drawing/2010/main" val="0"/>
+              </a:ext>
+            </a:extLst>
+          </a:blip>
+          <a:srcRect/>
+          <a:stretch>
+            <a:fillRect/>
+          </a:stretch>
+        </p:blipFill>
+        <p:spPr bwMode="auto">
+          <a:xfrm>
+            <a:off x="6092998" y="1690688"/>
+            <a:ext cx="4393636" cy="4320000"/>
+          </a:xfrm>
+          <a:prstGeom prst="rect">
+            <a:avLst/>
+          </a:prstGeom>
+          <a:noFill/>
+          <a:ln>
+            <a:noFill/>
+          </a:ln>
+        </p:spPr>
+      </p:pic>
+    </p:spTree>
+    <p:extLst>
+      <p:ext uri="{BB962C8B-B14F-4D97-AF65-F5344CB8AC3E}">
+        <p14:creationId xmlns:p14="http://schemas.microsoft.com/office/powerpoint/2010/main" val="62142398"/>
+      </p:ext>
+    </p:extLst>
+  </p:cSld>
+  <p:clrMapOvr>
+    <a:masterClrMapping/>
+  </p:clrMapOvr>
+  <mc:AlternateContent xmlns:mc="http://schemas.openxmlformats.org/markup-compatibility/2006" xmlns:p14="http://schemas.microsoft.com/office/powerpoint/2010/main">
+    <mc:Choice Requires="p14">
+      <p:transition spd="med" p14:dur="700">
+        <p:fade/>
+      </p:transition>
+    </mc:Choice>
+    <mc:Fallback xmlns="">
+      <p:transition spd="med">
+        <p:fade/>
+      </p:transition>
+    </mc:Fallback>
+  </mc:AlternateContent>
+  <p:timing>
+    <p:tnLst>
+      <p:par>
+        <p:cTn id="1" dur="indefinite" restart="never" nodeType="tmRoot"/>
+      </p:par>
+    </p:tnLst>
+  </p:timing>
+</p:sld>
+</file>
+
+<file path=ppt/slides/slide21.xml><?xml version="1.0" encoding="utf-8"?>
+<p:sld xmlns:a="http://schemas.openxmlformats.org/drawingml/2006/main" xmlns:r="http://schemas.openxmlformats.org/officeDocument/2006/relationships" xmlns:p="http://schemas.openxmlformats.org/presentationml/2006/main">
+  <p:cSld>
+    <p:spTree>
+      <p:nvGrpSpPr>
+        <p:cNvPr id="1" name=""/>
+        <p:cNvGrpSpPr/>
+        <p:nvPr/>
+      </p:nvGrpSpPr>
+      <p:grpSpPr>
+        <a:xfrm>
+          <a:off x="0" y="0"/>
+          <a:ext cx="0" cy="0"/>
+          <a:chOff x="0" y="0"/>
+          <a:chExt cx="0" cy="0"/>
+        </a:xfrm>
+      </p:grpSpPr>
+      <p:sp>
+        <p:nvSpPr>
+          <p:cNvPr id="2" name="标题 1"/>
           <p:cNvSpPr>
             <a:spLocks noGrp="1"/>
           </p:cNvSpPr>
           <p:nvPr>
-            <p:ph idx="1"/>
+            <p:ph type="title"/>
           </p:nvPr>
         </p:nvSpPr>
         <p:spPr/>
@@ -6926,49 +7972,1208 @@
           </a:bodyPr>
           <a:lstStyle/>
           <a:p>
-            <a:r>
-              <a:rPr lang="en-US" altLang="zh-CN" sz="2000" dirty="0" err="1">
+            <a:pPr marL="342900" indent="-342900"/>
+            <a:r>
+              <a:rPr lang="en-US" altLang="zh-CN" sz="4000" dirty="0" smtClean="0">
                 <a:latin typeface="Bahnschrift SemiLight" panose="020B0502040204020203" pitchFamily="34" charset="0"/>
-                <a:ea typeface="+mj-ea"/>
-                <a:cs typeface="+mj-cs"/>
               </a:rPr>
-              <a:t>DEMpost</a:t>
-            </a:r>
-            <a:r>
-              <a:rPr lang="en-US" altLang="zh-CN" sz="2000" dirty="0">
+              <a:t>Gaussian Filtering</a:t>
+            </a:r>
+            <a:endParaRPr lang="en-US" altLang="zh-CN" sz="4000" dirty="0">
+              <a:latin typeface="Bahnschrift SemiLight" panose="020B0502040204020203" pitchFamily="34" charset="0"/>
+            </a:endParaRPr>
+          </a:p>
+        </p:txBody>
+      </p:sp>
+      <p:pic>
+        <p:nvPicPr>
+          <p:cNvPr id="4" name="Picture 4" descr="https://timgsa.baidu.com/timg?image&amp;quality=80&amp;size=b9999_10000&amp;sec=1571942598977&amp;di=62fda19cdc0fe8b6213b1b0e335bd1ba&amp;imgtype=0&amp;src=http%3A%2F%2Fcdn.onlinewebfonts.com%2Fsvg%2Fimg_326384.png"/>
+          <p:cNvPicPr>
+            <a:picLocks noChangeAspect="1" noChangeArrowheads="1"/>
+          </p:cNvPicPr>
+          <p:nvPr/>
+        </p:nvPicPr>
+        <p:blipFill>
+          <a:blip r:embed="rId3" cstate="print">
+            <a:extLst>
+              <a:ext uri="{28A0092B-C50C-407E-A947-70E740481C1C}">
+                <a14:useLocalDpi xmlns:a14="http://schemas.microsoft.com/office/drawing/2010/main" val="0"/>
+              </a:ext>
+            </a:extLst>
+          </a:blip>
+          <a:srcRect/>
+          <a:stretch>
+            <a:fillRect/>
+          </a:stretch>
+        </p:blipFill>
+        <p:spPr bwMode="auto">
+          <a:xfrm>
+            <a:off x="11353800" y="5975393"/>
+            <a:ext cx="727364" cy="745624"/>
+          </a:xfrm>
+          <a:prstGeom prst="rect">
+            <a:avLst/>
+          </a:prstGeom>
+          <a:noFill/>
+          <a:extLst>
+            <a:ext uri="{909E8E84-426E-40DD-AFC4-6F175D3DCCD1}">
+              <a14:hiddenFill xmlns:a14="http://schemas.microsoft.com/office/drawing/2010/main">
+                <a:solidFill>
+                  <a:srgbClr val="FFFFFF"/>
+                </a:solidFill>
+              </a14:hiddenFill>
+            </a:ext>
+          </a:extLst>
+        </p:spPr>
+      </p:pic>
+      <p:sp>
+        <p:nvSpPr>
+          <p:cNvPr id="5" name="矩形 4"/>
+          <p:cNvSpPr/>
+          <p:nvPr/>
+        </p:nvSpPr>
+        <p:spPr>
+          <a:xfrm>
+            <a:off x="3587482" y="6383355"/>
+            <a:ext cx="7766318" cy="338554"/>
+          </a:xfrm>
+          <a:prstGeom prst="rect">
+            <a:avLst/>
+          </a:prstGeom>
+        </p:spPr>
+        <p:txBody>
+          <a:bodyPr wrap="square">
+            <a:spAutoFit/>
+          </a:bodyPr>
+          <a:lstStyle/>
+          <a:p>
+            <a:pPr algn="r"/>
+            <a:r>
+              <a:rPr lang="en-US" altLang="zh-CN" sz="1600" dirty="0">
                 <a:latin typeface="Bahnschrift SemiLight" panose="020B0502040204020203" pitchFamily="34" charset="0"/>
-                <a:ea typeface="+mj-ea"/>
-                <a:cs typeface="+mj-cs"/>
               </a:rPr>
-              <a:t> is proved to be reliable.</a:t>
-            </a:r>
-          </a:p>
-          <a:p>
-            <a:r>
-              <a:rPr lang="en-US" altLang="zh-CN" sz="2000" dirty="0">
+              <a:t>GitHub: </a:t>
+            </a:r>
+            <a:r>
+              <a:rPr lang="en-US" altLang="zh-CN" sz="1600" dirty="0">
                 <a:latin typeface="Bahnschrift SemiLight" panose="020B0502040204020203" pitchFamily="34" charset="0"/>
-                <a:ea typeface="+mj-ea"/>
-                <a:cs typeface="+mj-cs"/>
+                <a:hlinkClick r:id="rId4"/>
               </a:rPr>
-              <a:t>Salt layer influence tectonics a lot.</a:t>
-            </a:r>
-          </a:p>
-          <a:p>
-            <a:r>
-              <a:rPr lang="en-US" altLang="zh-CN" sz="2000" dirty="0">
-                <a:latin typeface="Bahnschrift SemiLight" panose="020B0502040204020203" pitchFamily="34" charset="0"/>
-                <a:ea typeface="+mj-ea"/>
-                <a:cs typeface="+mj-cs"/>
-              </a:rPr>
-              <a:t>Pre-existing fracture has a huge impact in many ways.</a:t>
-            </a:r>
-          </a:p>
-        </p:txBody>
-      </p:sp>
+              <a:t>https://github.com/jerryweihuajing/Post-Processing</a:t>
+            </a:r>
+            <a:endParaRPr lang="en-US" altLang="zh-CN" sz="1600" dirty="0">
+              <a:latin typeface="Bahnschrift SemiLight" panose="020B0502040204020203" pitchFamily="34" charset="0"/>
+            </a:endParaRPr>
+          </a:p>
+        </p:txBody>
+      </p:sp>
+      <p:pic>
+        <p:nvPicPr>
+          <p:cNvPr id="9" name="图片 8">
+            <a:extLst>
+              <a:ext uri="{FF2B5EF4-FFF2-40B4-BE49-F238E27FC236}">
+                <a16:creationId xmlns:a16="http://schemas.microsoft.com/office/drawing/2014/main" id="{7FAF1CA2-9C47-41E7-9A07-ECA9E3BDBF99}"/>
+              </a:ext>
+            </a:extLst>
+          </p:cNvPr>
+          <p:cNvPicPr>
+            <a:picLocks noChangeAspect="1"/>
+          </p:cNvPicPr>
+          <p:nvPr/>
+        </p:nvPicPr>
+        <p:blipFill>
+          <a:blip r:embed="rId5">
+            <a:extLst>
+              <a:ext uri="{28A0092B-C50C-407E-A947-70E740481C1C}">
+                <a14:useLocalDpi xmlns:a14="http://schemas.microsoft.com/office/drawing/2010/main" val="0"/>
+              </a:ext>
+            </a:extLst>
+          </a:blip>
+          <a:stretch>
+            <a:fillRect/>
+          </a:stretch>
+        </p:blipFill>
+        <p:spPr>
+          <a:xfrm>
+            <a:off x="9022080" y="681037"/>
+            <a:ext cx="2331720" cy="579454"/>
+          </a:xfrm>
+          <a:prstGeom prst="rect">
+            <a:avLst/>
+          </a:prstGeom>
+        </p:spPr>
+      </p:pic>
+      <p:pic>
+        <p:nvPicPr>
+          <p:cNvPr id="13" name="图片 12"/>
+          <p:cNvPicPr>
+            <a:picLocks noChangeAspect="1"/>
+          </p:cNvPicPr>
+          <p:nvPr/>
+        </p:nvPicPr>
+        <p:blipFill>
+          <a:blip r:embed="rId6" cstate="print">
+            <a:extLst>
+              <a:ext uri="{28A0092B-C50C-407E-A947-70E740481C1C}">
+                <a14:useLocalDpi xmlns:a14="http://schemas.microsoft.com/office/drawing/2010/main" val="0"/>
+              </a:ext>
+            </a:extLst>
+          </a:blip>
+          <a:stretch>
+            <a:fillRect/>
+          </a:stretch>
+        </p:blipFill>
+        <p:spPr>
+          <a:xfrm>
+            <a:off x="249935" y="6440600"/>
+            <a:ext cx="1176530" cy="280417"/>
+          </a:xfrm>
+          <a:prstGeom prst="rect">
+            <a:avLst/>
+          </a:prstGeom>
+        </p:spPr>
+      </p:pic>
+      <p:pic>
+        <p:nvPicPr>
+          <p:cNvPr id="10" name="内容占位符 9" descr="E:\GitHub\YADEM\Post-Processing\2D\Thesis\interpolation-grid\filled interpolation effect with mesh.png"/>
+          <p:cNvPicPr>
+            <a:picLocks noGrp="1" noChangeAspect="1"/>
+          </p:cNvPicPr>
+          <p:nvPr>
+            <p:ph idx="1"/>
+          </p:nvPr>
+        </p:nvPicPr>
+        <p:blipFill>
+          <a:blip r:embed="rId7" cstate="print">
+            <a:extLst>
+              <a:ext uri="{28A0092B-C50C-407E-A947-70E740481C1C}">
+                <a14:useLocalDpi xmlns:a14="http://schemas.microsoft.com/office/drawing/2010/main" val="0"/>
+              </a:ext>
+            </a:extLst>
+          </a:blip>
+          <a:srcRect/>
+          <a:stretch>
+            <a:fillRect/>
+          </a:stretch>
+        </p:blipFill>
+        <p:spPr bwMode="auto">
+          <a:xfrm>
+            <a:off x="838200" y="1690688"/>
+            <a:ext cx="3600000" cy="3600000"/>
+          </a:xfrm>
+          <a:prstGeom prst="rect">
+            <a:avLst/>
+          </a:prstGeom>
+          <a:noFill/>
+          <a:ln>
+            <a:noFill/>
+          </a:ln>
+        </p:spPr>
+      </p:pic>
+      <p:pic>
+        <p:nvPicPr>
+          <p:cNvPr id="15" name="图片 14" descr="E:\GitHub\YADEM\Post-Processing\2D\Thesis\interpolation-grid\filled interpolation effect with mesh and grid.png"/>
+          <p:cNvPicPr>
+            <a:picLocks noChangeAspect="1"/>
+          </p:cNvPicPr>
+          <p:nvPr/>
+        </p:nvPicPr>
+        <p:blipFill>
+          <a:blip r:embed="rId8" cstate="print">
+            <a:extLst>
+              <a:ext uri="{28A0092B-C50C-407E-A947-70E740481C1C}">
+                <a14:useLocalDpi xmlns:a14="http://schemas.microsoft.com/office/drawing/2010/main" val="0"/>
+              </a:ext>
+            </a:extLst>
+          </a:blip>
+          <a:srcRect/>
+          <a:stretch>
+            <a:fillRect/>
+          </a:stretch>
+        </p:blipFill>
+        <p:spPr bwMode="auto">
+          <a:xfrm>
+            <a:off x="4438200" y="1690688"/>
+            <a:ext cx="3600000" cy="3600000"/>
+          </a:xfrm>
+          <a:prstGeom prst="rect">
+            <a:avLst/>
+          </a:prstGeom>
+          <a:noFill/>
+          <a:ln>
+            <a:noFill/>
+          </a:ln>
+        </p:spPr>
+      </p:pic>
+      <p:pic>
+        <p:nvPicPr>
+          <p:cNvPr id="17" name="图片 16" descr="E:\GitHub\YADEM\Post-Processing\2D\Thesis\interpolation-grid\filled interpolation effect with mesh-smoothed.png"/>
+          <p:cNvPicPr>
+            <a:picLocks noChangeAspect="1"/>
+          </p:cNvPicPr>
+          <p:nvPr/>
+        </p:nvPicPr>
+        <p:blipFill>
+          <a:blip r:embed="rId9" cstate="print">
+            <a:extLst>
+              <a:ext uri="{28A0092B-C50C-407E-A947-70E740481C1C}">
+                <a14:useLocalDpi xmlns:a14="http://schemas.microsoft.com/office/drawing/2010/main" val="0"/>
+              </a:ext>
+            </a:extLst>
+          </a:blip>
+          <a:srcRect/>
+          <a:stretch>
+            <a:fillRect/>
+          </a:stretch>
+        </p:blipFill>
+        <p:spPr bwMode="auto">
+          <a:xfrm>
+            <a:off x="8038200" y="1689796"/>
+            <a:ext cx="3600000" cy="3600000"/>
+          </a:xfrm>
+          <a:prstGeom prst="rect">
+            <a:avLst/>
+          </a:prstGeom>
+          <a:noFill/>
+          <a:ln>
+            <a:noFill/>
+          </a:ln>
+        </p:spPr>
+      </p:pic>
     </p:spTree>
     <p:extLst>
       <p:ext uri="{BB962C8B-B14F-4D97-AF65-F5344CB8AC3E}">
-        <p14:creationId xmlns:p14="http://schemas.microsoft.com/office/powerpoint/2010/main" val="1149567247"/>
+        <p14:creationId xmlns:p14="http://schemas.microsoft.com/office/powerpoint/2010/main" val="3367468627"/>
+      </p:ext>
+    </p:extLst>
+  </p:cSld>
+  <p:clrMapOvr>
+    <a:masterClrMapping/>
+  </p:clrMapOvr>
+  <mc:AlternateContent xmlns:mc="http://schemas.openxmlformats.org/markup-compatibility/2006" xmlns:p14="http://schemas.microsoft.com/office/powerpoint/2010/main">
+    <mc:Choice Requires="p14">
+      <p:transition spd="med" p14:dur="700">
+        <p:fade/>
+      </p:transition>
+    </mc:Choice>
+    <mc:Fallback xmlns="">
+      <p:transition spd="med">
+        <p:fade/>
+      </p:transition>
+    </mc:Fallback>
+  </mc:AlternateContent>
+  <p:timing>
+    <p:tnLst>
+      <p:par>
+        <p:cTn id="1" dur="indefinite" restart="never" nodeType="tmRoot"/>
+      </p:par>
+    </p:tnLst>
+  </p:timing>
+</p:sld>
+</file>
+
+<file path=ppt/slides/slide22.xml><?xml version="1.0" encoding="utf-8"?>
+<p:sld xmlns:a="http://schemas.openxmlformats.org/drawingml/2006/main" xmlns:r="http://schemas.openxmlformats.org/officeDocument/2006/relationships" xmlns:p="http://schemas.openxmlformats.org/presentationml/2006/main">
+  <p:cSld>
+    <p:spTree>
+      <p:nvGrpSpPr>
+        <p:cNvPr id="1" name=""/>
+        <p:cNvGrpSpPr/>
+        <p:nvPr/>
+      </p:nvGrpSpPr>
+      <p:grpSpPr>
+        <a:xfrm>
+          <a:off x="0" y="0"/>
+          <a:ext cx="0" cy="0"/>
+          <a:chOff x="0" y="0"/>
+          <a:chExt cx="0" cy="0"/>
+        </a:xfrm>
+      </p:grpSpPr>
+      <p:sp>
+        <p:nvSpPr>
+          <p:cNvPr id="2" name="标题 1"/>
+          <p:cNvSpPr>
+            <a:spLocks noGrp="1"/>
+          </p:cNvSpPr>
+          <p:nvPr>
+            <p:ph type="title"/>
+          </p:nvPr>
+        </p:nvSpPr>
+        <p:spPr/>
+        <p:txBody>
+          <a:bodyPr>
+            <a:normAutofit/>
+          </a:bodyPr>
+          <a:lstStyle/>
+          <a:p>
+            <a:pPr marL="342900" indent="-342900"/>
+            <a:r>
+              <a:rPr lang="en-US" altLang="zh-CN" sz="4000" dirty="0" smtClean="0">
+                <a:latin typeface="Bahnschrift SemiLight" panose="020B0502040204020203" pitchFamily="34" charset="0"/>
+              </a:rPr>
+              <a:t>Gaussian Filtering</a:t>
+            </a:r>
+            <a:endParaRPr lang="en-US" altLang="zh-CN" sz="4000" dirty="0">
+              <a:latin typeface="Bahnschrift SemiLight" panose="020B0502040204020203" pitchFamily="34" charset="0"/>
+            </a:endParaRPr>
+          </a:p>
+        </p:txBody>
+      </p:sp>
+      <p:pic>
+        <p:nvPicPr>
+          <p:cNvPr id="4" name="Picture 4" descr="https://timgsa.baidu.com/timg?image&amp;quality=80&amp;size=b9999_10000&amp;sec=1571942598977&amp;di=62fda19cdc0fe8b6213b1b0e335bd1ba&amp;imgtype=0&amp;src=http%3A%2F%2Fcdn.onlinewebfonts.com%2Fsvg%2Fimg_326384.png"/>
+          <p:cNvPicPr>
+            <a:picLocks noChangeAspect="1" noChangeArrowheads="1"/>
+          </p:cNvPicPr>
+          <p:nvPr/>
+        </p:nvPicPr>
+        <p:blipFill>
+          <a:blip r:embed="rId3" cstate="print">
+            <a:extLst>
+              <a:ext uri="{28A0092B-C50C-407E-A947-70E740481C1C}">
+                <a14:useLocalDpi xmlns:a14="http://schemas.microsoft.com/office/drawing/2010/main" val="0"/>
+              </a:ext>
+            </a:extLst>
+          </a:blip>
+          <a:srcRect/>
+          <a:stretch>
+            <a:fillRect/>
+          </a:stretch>
+        </p:blipFill>
+        <p:spPr bwMode="auto">
+          <a:xfrm>
+            <a:off x="11353800" y="5975393"/>
+            <a:ext cx="727364" cy="745624"/>
+          </a:xfrm>
+          <a:prstGeom prst="rect">
+            <a:avLst/>
+          </a:prstGeom>
+          <a:noFill/>
+          <a:extLst>
+            <a:ext uri="{909E8E84-426E-40DD-AFC4-6F175D3DCCD1}">
+              <a14:hiddenFill xmlns:a14="http://schemas.microsoft.com/office/drawing/2010/main">
+                <a:solidFill>
+                  <a:srgbClr val="FFFFFF"/>
+                </a:solidFill>
+              </a14:hiddenFill>
+            </a:ext>
+          </a:extLst>
+        </p:spPr>
+      </p:pic>
+      <p:sp>
+        <p:nvSpPr>
+          <p:cNvPr id="5" name="矩形 4"/>
+          <p:cNvSpPr/>
+          <p:nvPr/>
+        </p:nvSpPr>
+        <p:spPr>
+          <a:xfrm>
+            <a:off x="3587482" y="6383355"/>
+            <a:ext cx="7766318" cy="338554"/>
+          </a:xfrm>
+          <a:prstGeom prst="rect">
+            <a:avLst/>
+          </a:prstGeom>
+        </p:spPr>
+        <p:txBody>
+          <a:bodyPr wrap="square">
+            <a:spAutoFit/>
+          </a:bodyPr>
+          <a:lstStyle/>
+          <a:p>
+            <a:pPr algn="r"/>
+            <a:r>
+              <a:rPr lang="en-US" altLang="zh-CN" sz="1600" dirty="0">
+                <a:latin typeface="Bahnschrift SemiLight" panose="020B0502040204020203" pitchFamily="34" charset="0"/>
+              </a:rPr>
+              <a:t>GitHub: </a:t>
+            </a:r>
+            <a:r>
+              <a:rPr lang="en-US" altLang="zh-CN" sz="1600" dirty="0">
+                <a:latin typeface="Bahnschrift SemiLight" panose="020B0502040204020203" pitchFamily="34" charset="0"/>
+                <a:hlinkClick r:id="rId4"/>
+              </a:rPr>
+              <a:t>https://github.com/jerryweihuajing/Post-Processing</a:t>
+            </a:r>
+            <a:endParaRPr lang="en-US" altLang="zh-CN" sz="1600" dirty="0">
+              <a:latin typeface="Bahnschrift SemiLight" panose="020B0502040204020203" pitchFamily="34" charset="0"/>
+            </a:endParaRPr>
+          </a:p>
+        </p:txBody>
+      </p:sp>
+      <p:pic>
+        <p:nvPicPr>
+          <p:cNvPr id="9" name="图片 8">
+            <a:extLst>
+              <a:ext uri="{FF2B5EF4-FFF2-40B4-BE49-F238E27FC236}">
+                <a16:creationId xmlns:a16="http://schemas.microsoft.com/office/drawing/2014/main" id="{7FAF1CA2-9C47-41E7-9A07-ECA9E3BDBF99}"/>
+              </a:ext>
+            </a:extLst>
+          </p:cNvPr>
+          <p:cNvPicPr>
+            <a:picLocks noChangeAspect="1"/>
+          </p:cNvPicPr>
+          <p:nvPr/>
+        </p:nvPicPr>
+        <p:blipFill>
+          <a:blip r:embed="rId5">
+            <a:extLst>
+              <a:ext uri="{28A0092B-C50C-407E-A947-70E740481C1C}">
+                <a14:useLocalDpi xmlns:a14="http://schemas.microsoft.com/office/drawing/2010/main" val="0"/>
+              </a:ext>
+            </a:extLst>
+          </a:blip>
+          <a:stretch>
+            <a:fillRect/>
+          </a:stretch>
+        </p:blipFill>
+        <p:spPr>
+          <a:xfrm>
+            <a:off x="9022080" y="681037"/>
+            <a:ext cx="2331720" cy="579454"/>
+          </a:xfrm>
+          <a:prstGeom prst="rect">
+            <a:avLst/>
+          </a:prstGeom>
+        </p:spPr>
+      </p:pic>
+      <p:pic>
+        <p:nvPicPr>
+          <p:cNvPr id="13" name="图片 12"/>
+          <p:cNvPicPr>
+            <a:picLocks noChangeAspect="1"/>
+          </p:cNvPicPr>
+          <p:nvPr/>
+        </p:nvPicPr>
+        <p:blipFill>
+          <a:blip r:embed="rId6" cstate="print">
+            <a:extLst>
+              <a:ext uri="{28A0092B-C50C-407E-A947-70E740481C1C}">
+                <a14:useLocalDpi xmlns:a14="http://schemas.microsoft.com/office/drawing/2010/main" val="0"/>
+              </a:ext>
+            </a:extLst>
+          </a:blip>
+          <a:stretch>
+            <a:fillRect/>
+          </a:stretch>
+        </p:blipFill>
+        <p:spPr>
+          <a:xfrm>
+            <a:off x="249935" y="6440600"/>
+            <a:ext cx="1176530" cy="280417"/>
+          </a:xfrm>
+          <a:prstGeom prst="rect">
+            <a:avLst/>
+          </a:prstGeom>
+        </p:spPr>
+      </p:pic>
+      <p:pic>
+        <p:nvPicPr>
+          <p:cNvPr id="11" name="图片 10" descr="E:\GitHub\YADEM\Post-Processing\2D\Thesis\interpolation\filled interpolation effect.png"/>
+          <p:cNvPicPr>
+            <a:picLocks noChangeAspect="1"/>
+          </p:cNvPicPr>
+          <p:nvPr/>
+        </p:nvPicPr>
+        <p:blipFill>
+          <a:blip r:embed="rId7" cstate="print">
+            <a:extLst>
+              <a:ext uri="{28A0092B-C50C-407E-A947-70E740481C1C}">
+                <a14:useLocalDpi xmlns:a14="http://schemas.microsoft.com/office/drawing/2010/main" val="0"/>
+              </a:ext>
+            </a:extLst>
+          </a:blip>
+          <a:srcRect/>
+          <a:stretch>
+            <a:fillRect/>
+          </a:stretch>
+        </p:blipFill>
+        <p:spPr bwMode="auto">
+          <a:xfrm>
+            <a:off x="838200" y="1690688"/>
+            <a:ext cx="4385767" cy="4320000"/>
+          </a:xfrm>
+          <a:prstGeom prst="rect">
+            <a:avLst/>
+          </a:prstGeom>
+          <a:noFill/>
+          <a:ln>
+            <a:noFill/>
+          </a:ln>
+        </p:spPr>
+      </p:pic>
+      <p:pic>
+        <p:nvPicPr>
+          <p:cNvPr id="12" name="内容占位符 11" descr="E:\GitHub\YADEM\Post-Processing\2D\Thesis\stress-smoothed.png"/>
+          <p:cNvPicPr>
+            <a:picLocks noGrp="1" noChangeAspect="1"/>
+          </p:cNvPicPr>
+          <p:nvPr>
+            <p:ph idx="1"/>
+          </p:nvPr>
+        </p:nvPicPr>
+        <p:blipFill>
+          <a:blip r:embed="rId8" cstate="print">
+            <a:extLst>
+              <a:ext uri="{28A0092B-C50C-407E-A947-70E740481C1C}">
+                <a14:useLocalDpi xmlns:a14="http://schemas.microsoft.com/office/drawing/2010/main" val="0"/>
+              </a:ext>
+            </a:extLst>
+          </a:blip>
+          <a:srcRect/>
+          <a:stretch>
+            <a:fillRect/>
+          </a:stretch>
+        </p:blipFill>
+        <p:spPr bwMode="auto">
+          <a:xfrm>
+            <a:off x="6093169" y="1690688"/>
+            <a:ext cx="4391429" cy="4320000"/>
+          </a:xfrm>
+          <a:prstGeom prst="rect">
+            <a:avLst/>
+          </a:prstGeom>
+          <a:noFill/>
+          <a:ln>
+            <a:noFill/>
+          </a:ln>
+        </p:spPr>
+      </p:pic>
+    </p:spTree>
+    <p:extLst>
+      <p:ext uri="{BB962C8B-B14F-4D97-AF65-F5344CB8AC3E}">
+        <p14:creationId xmlns:p14="http://schemas.microsoft.com/office/powerpoint/2010/main" val="2828233195"/>
+      </p:ext>
+    </p:extLst>
+  </p:cSld>
+  <p:clrMapOvr>
+    <a:masterClrMapping/>
+  </p:clrMapOvr>
+  <mc:AlternateContent xmlns:mc="http://schemas.openxmlformats.org/markup-compatibility/2006" xmlns:p14="http://schemas.microsoft.com/office/powerpoint/2010/main">
+    <mc:Choice Requires="p14">
+      <p:transition spd="med" p14:dur="700">
+        <p:fade/>
+      </p:transition>
+    </mc:Choice>
+    <mc:Fallback xmlns="">
+      <p:transition spd="med">
+        <p:fade/>
+      </p:transition>
+    </mc:Fallback>
+  </mc:AlternateContent>
+  <p:timing>
+    <p:tnLst>
+      <p:par>
+        <p:cTn id="1" dur="indefinite" restart="never" nodeType="tmRoot"/>
+      </p:par>
+    </p:tnLst>
+  </p:timing>
+</p:sld>
+</file>
+
+<file path=ppt/slides/slide23.xml><?xml version="1.0" encoding="utf-8"?>
+<p:sld xmlns:a="http://schemas.openxmlformats.org/drawingml/2006/main" xmlns:r="http://schemas.openxmlformats.org/officeDocument/2006/relationships" xmlns:p="http://schemas.openxmlformats.org/presentationml/2006/main">
+  <p:cSld>
+    <p:spTree>
+      <p:nvGrpSpPr>
+        <p:cNvPr id="1" name=""/>
+        <p:cNvGrpSpPr/>
+        <p:nvPr/>
+      </p:nvGrpSpPr>
+      <p:grpSpPr>
+        <a:xfrm>
+          <a:off x="0" y="0"/>
+          <a:ext cx="0" cy="0"/>
+          <a:chOff x="0" y="0"/>
+          <a:chExt cx="0" cy="0"/>
+        </a:xfrm>
+      </p:grpSpPr>
+      <p:sp>
+        <p:nvSpPr>
+          <p:cNvPr id="2" name="标题 1"/>
+          <p:cNvSpPr>
+            <a:spLocks noGrp="1"/>
+          </p:cNvSpPr>
+          <p:nvPr>
+            <p:ph type="title"/>
+          </p:nvPr>
+        </p:nvSpPr>
+        <p:spPr/>
+        <p:txBody>
+          <a:bodyPr>
+            <a:normAutofit/>
+          </a:bodyPr>
+          <a:lstStyle/>
+          <a:p>
+            <a:pPr marL="342900" indent="-342900"/>
+            <a:r>
+              <a:rPr lang="en-US" altLang="zh-CN" sz="4000" dirty="0" smtClean="0">
+                <a:latin typeface="Bahnschrift SemiLight" panose="020B0502040204020203" pitchFamily="34" charset="0"/>
+              </a:rPr>
+              <a:t>Gaussian Filtering</a:t>
+            </a:r>
+            <a:endParaRPr lang="en-US" altLang="zh-CN" sz="4000" dirty="0">
+              <a:latin typeface="Bahnschrift SemiLight" panose="020B0502040204020203" pitchFamily="34" charset="0"/>
+            </a:endParaRPr>
+          </a:p>
+        </p:txBody>
+      </p:sp>
+      <p:pic>
+        <p:nvPicPr>
+          <p:cNvPr id="4" name="Picture 4" descr="https://timgsa.baidu.com/timg?image&amp;quality=80&amp;size=b9999_10000&amp;sec=1571942598977&amp;di=62fda19cdc0fe8b6213b1b0e335bd1ba&amp;imgtype=0&amp;src=http%3A%2F%2Fcdn.onlinewebfonts.com%2Fsvg%2Fimg_326384.png"/>
+          <p:cNvPicPr>
+            <a:picLocks noChangeAspect="1" noChangeArrowheads="1"/>
+          </p:cNvPicPr>
+          <p:nvPr/>
+        </p:nvPicPr>
+        <p:blipFill>
+          <a:blip r:embed="rId3" cstate="print">
+            <a:extLst>
+              <a:ext uri="{28A0092B-C50C-407E-A947-70E740481C1C}">
+                <a14:useLocalDpi xmlns:a14="http://schemas.microsoft.com/office/drawing/2010/main" val="0"/>
+              </a:ext>
+            </a:extLst>
+          </a:blip>
+          <a:srcRect/>
+          <a:stretch>
+            <a:fillRect/>
+          </a:stretch>
+        </p:blipFill>
+        <p:spPr bwMode="auto">
+          <a:xfrm>
+            <a:off x="11353800" y="5975393"/>
+            <a:ext cx="727364" cy="745624"/>
+          </a:xfrm>
+          <a:prstGeom prst="rect">
+            <a:avLst/>
+          </a:prstGeom>
+          <a:noFill/>
+          <a:extLst>
+            <a:ext uri="{909E8E84-426E-40DD-AFC4-6F175D3DCCD1}">
+              <a14:hiddenFill xmlns:a14="http://schemas.microsoft.com/office/drawing/2010/main">
+                <a:solidFill>
+                  <a:srgbClr val="FFFFFF"/>
+                </a:solidFill>
+              </a14:hiddenFill>
+            </a:ext>
+          </a:extLst>
+        </p:spPr>
+      </p:pic>
+      <p:sp>
+        <p:nvSpPr>
+          <p:cNvPr id="5" name="矩形 4"/>
+          <p:cNvSpPr/>
+          <p:nvPr/>
+        </p:nvSpPr>
+        <p:spPr>
+          <a:xfrm>
+            <a:off x="3587482" y="6383355"/>
+            <a:ext cx="7766318" cy="338554"/>
+          </a:xfrm>
+          <a:prstGeom prst="rect">
+            <a:avLst/>
+          </a:prstGeom>
+        </p:spPr>
+        <p:txBody>
+          <a:bodyPr wrap="square">
+            <a:spAutoFit/>
+          </a:bodyPr>
+          <a:lstStyle/>
+          <a:p>
+            <a:pPr algn="r"/>
+            <a:r>
+              <a:rPr lang="en-US" altLang="zh-CN" sz="1600" dirty="0">
+                <a:latin typeface="Bahnschrift SemiLight" panose="020B0502040204020203" pitchFamily="34" charset="0"/>
+              </a:rPr>
+              <a:t>GitHub: </a:t>
+            </a:r>
+            <a:r>
+              <a:rPr lang="en-US" altLang="zh-CN" sz="1600" dirty="0">
+                <a:latin typeface="Bahnschrift SemiLight" panose="020B0502040204020203" pitchFamily="34" charset="0"/>
+                <a:hlinkClick r:id="rId4"/>
+              </a:rPr>
+              <a:t>https://github.com/jerryweihuajing/Post-Processing</a:t>
+            </a:r>
+            <a:endParaRPr lang="en-US" altLang="zh-CN" sz="1600" dirty="0">
+              <a:latin typeface="Bahnschrift SemiLight" panose="020B0502040204020203" pitchFamily="34" charset="0"/>
+            </a:endParaRPr>
+          </a:p>
+        </p:txBody>
+      </p:sp>
+      <p:pic>
+        <p:nvPicPr>
+          <p:cNvPr id="9" name="图片 8">
+            <a:extLst>
+              <a:ext uri="{FF2B5EF4-FFF2-40B4-BE49-F238E27FC236}">
+                <a16:creationId xmlns:a16="http://schemas.microsoft.com/office/drawing/2014/main" id="{7FAF1CA2-9C47-41E7-9A07-ECA9E3BDBF99}"/>
+              </a:ext>
+            </a:extLst>
+          </p:cNvPr>
+          <p:cNvPicPr>
+            <a:picLocks noChangeAspect="1"/>
+          </p:cNvPicPr>
+          <p:nvPr/>
+        </p:nvPicPr>
+        <p:blipFill>
+          <a:blip r:embed="rId5">
+            <a:extLst>
+              <a:ext uri="{28A0092B-C50C-407E-A947-70E740481C1C}">
+                <a14:useLocalDpi xmlns:a14="http://schemas.microsoft.com/office/drawing/2010/main" val="0"/>
+              </a:ext>
+            </a:extLst>
+          </a:blip>
+          <a:stretch>
+            <a:fillRect/>
+          </a:stretch>
+        </p:blipFill>
+        <p:spPr>
+          <a:xfrm>
+            <a:off x="9022080" y="681037"/>
+            <a:ext cx="2331720" cy="579454"/>
+          </a:xfrm>
+          <a:prstGeom prst="rect">
+            <a:avLst/>
+          </a:prstGeom>
+        </p:spPr>
+      </p:pic>
+      <p:pic>
+        <p:nvPicPr>
+          <p:cNvPr id="13" name="图片 12"/>
+          <p:cNvPicPr>
+            <a:picLocks noChangeAspect="1"/>
+          </p:cNvPicPr>
+          <p:nvPr/>
+        </p:nvPicPr>
+        <p:blipFill>
+          <a:blip r:embed="rId6" cstate="print">
+            <a:extLst>
+              <a:ext uri="{28A0092B-C50C-407E-A947-70E740481C1C}">
+                <a14:useLocalDpi xmlns:a14="http://schemas.microsoft.com/office/drawing/2010/main" val="0"/>
+              </a:ext>
+            </a:extLst>
+          </a:blip>
+          <a:stretch>
+            <a:fillRect/>
+          </a:stretch>
+        </p:blipFill>
+        <p:spPr>
+          <a:xfrm>
+            <a:off x="249935" y="6440600"/>
+            <a:ext cx="1176530" cy="280417"/>
+          </a:xfrm>
+          <a:prstGeom prst="rect">
+            <a:avLst/>
+          </a:prstGeom>
+        </p:spPr>
+      </p:pic>
+      <p:pic>
+        <p:nvPicPr>
+          <p:cNvPr id="10" name="图片 9" descr="E:\GitHub\YADEM\Post-Processing\2D\Thesis\strain-original.png"/>
+          <p:cNvPicPr>
+            <a:picLocks noChangeAspect="1"/>
+          </p:cNvPicPr>
+          <p:nvPr/>
+        </p:nvPicPr>
+        <p:blipFill>
+          <a:blip r:embed="rId7" cstate="print">
+            <a:extLst>
+              <a:ext uri="{28A0092B-C50C-407E-A947-70E740481C1C}">
+                <a14:useLocalDpi xmlns:a14="http://schemas.microsoft.com/office/drawing/2010/main" val="0"/>
+              </a:ext>
+            </a:extLst>
+          </a:blip>
+          <a:srcRect/>
+          <a:stretch>
+            <a:fillRect/>
+          </a:stretch>
+        </p:blipFill>
+        <p:spPr bwMode="auto">
+          <a:xfrm>
+            <a:off x="838200" y="1690688"/>
+            <a:ext cx="4385767" cy="4320000"/>
+          </a:xfrm>
+          <a:prstGeom prst="rect">
+            <a:avLst/>
+          </a:prstGeom>
+          <a:noFill/>
+          <a:ln>
+            <a:noFill/>
+          </a:ln>
+        </p:spPr>
+      </p:pic>
+      <p:pic>
+        <p:nvPicPr>
+          <p:cNvPr id="15" name="内容占位符 14" descr="E:\GitHub\YADEM\Post-Processing\2D\Thesis\strain-smoothed.png"/>
+          <p:cNvPicPr>
+            <a:picLocks noGrp="1" noChangeAspect="1"/>
+          </p:cNvPicPr>
+          <p:nvPr>
+            <p:ph idx="1"/>
+          </p:nvPr>
+        </p:nvPicPr>
+        <p:blipFill>
+          <a:blip r:embed="rId8" cstate="print">
+            <a:extLst>
+              <a:ext uri="{28A0092B-C50C-407E-A947-70E740481C1C}">
+                <a14:useLocalDpi xmlns:a14="http://schemas.microsoft.com/office/drawing/2010/main" val="0"/>
+              </a:ext>
+            </a:extLst>
+          </a:blip>
+          <a:srcRect/>
+          <a:stretch>
+            <a:fillRect/>
+          </a:stretch>
+        </p:blipFill>
+        <p:spPr bwMode="auto">
+          <a:xfrm>
+            <a:off x="6093169" y="1690688"/>
+            <a:ext cx="4391429" cy="4320000"/>
+          </a:xfrm>
+          <a:prstGeom prst="rect">
+            <a:avLst/>
+          </a:prstGeom>
+          <a:noFill/>
+          <a:ln>
+            <a:noFill/>
+          </a:ln>
+        </p:spPr>
+      </p:pic>
+    </p:spTree>
+    <p:extLst>
+      <p:ext uri="{BB962C8B-B14F-4D97-AF65-F5344CB8AC3E}">
+        <p14:creationId xmlns:p14="http://schemas.microsoft.com/office/powerpoint/2010/main" val="928881114"/>
+      </p:ext>
+    </p:extLst>
+  </p:cSld>
+  <p:clrMapOvr>
+    <a:masterClrMapping/>
+  </p:clrMapOvr>
+  <mc:AlternateContent xmlns:mc="http://schemas.openxmlformats.org/markup-compatibility/2006" xmlns:p14="http://schemas.microsoft.com/office/powerpoint/2010/main">
+    <mc:Choice Requires="p14">
+      <p:transition spd="med" p14:dur="700">
+        <p:fade/>
+      </p:transition>
+    </mc:Choice>
+    <mc:Fallback xmlns="">
+      <p:transition spd="med">
+        <p:fade/>
+      </p:transition>
+    </mc:Fallback>
+  </mc:AlternateContent>
+  <p:timing>
+    <p:tnLst>
+      <p:par>
+        <p:cTn id="1" dur="indefinite" restart="never" nodeType="tmRoot"/>
+      </p:par>
+    </p:tnLst>
+  </p:timing>
+</p:sld>
+</file>
+
+<file path=ppt/slides/slide24.xml><?xml version="1.0" encoding="utf-8"?>
+<p:sld xmlns:a="http://schemas.openxmlformats.org/drawingml/2006/main" xmlns:r="http://schemas.openxmlformats.org/officeDocument/2006/relationships" xmlns:p="http://schemas.openxmlformats.org/presentationml/2006/main">
+  <p:cSld>
+    <p:spTree>
+      <p:nvGrpSpPr>
+        <p:cNvPr id="1" name=""/>
+        <p:cNvGrpSpPr/>
+        <p:nvPr/>
+      </p:nvGrpSpPr>
+      <p:grpSpPr>
+        <a:xfrm>
+          <a:off x="0" y="0"/>
+          <a:ext cx="0" cy="0"/>
+          <a:chOff x="0" y="0"/>
+          <a:chExt cx="0" cy="0"/>
+        </a:xfrm>
+      </p:grpSpPr>
+      <p:sp>
+        <p:nvSpPr>
+          <p:cNvPr id="2" name="标题 1"/>
+          <p:cNvSpPr>
+            <a:spLocks noGrp="1"/>
+          </p:cNvSpPr>
+          <p:nvPr>
+            <p:ph type="title"/>
+          </p:nvPr>
+        </p:nvSpPr>
+        <p:spPr/>
+        <p:txBody>
+          <a:bodyPr>
+            <a:normAutofit/>
+          </a:bodyPr>
+          <a:lstStyle/>
+          <a:p>
+            <a:pPr marL="342900" indent="-342900"/>
+            <a:r>
+              <a:rPr lang="en-US" altLang="zh-CN" sz="4000" dirty="0" smtClean="0">
+                <a:latin typeface="Bahnschrift SemiLight" panose="020B0502040204020203" pitchFamily="34" charset="0"/>
+              </a:rPr>
+              <a:t>Boundary Extraction</a:t>
+            </a:r>
+            <a:endParaRPr lang="en-US" altLang="zh-CN" sz="4000" dirty="0">
+              <a:latin typeface="Bahnschrift SemiLight" panose="020B0502040204020203" pitchFamily="34" charset="0"/>
+            </a:endParaRPr>
+          </a:p>
+        </p:txBody>
+      </p:sp>
+      <p:pic>
+        <p:nvPicPr>
+          <p:cNvPr id="4" name="Picture 4" descr="https://timgsa.baidu.com/timg?image&amp;quality=80&amp;size=b9999_10000&amp;sec=1571942598977&amp;di=62fda19cdc0fe8b6213b1b0e335bd1ba&amp;imgtype=0&amp;src=http%3A%2F%2Fcdn.onlinewebfonts.com%2Fsvg%2Fimg_326384.png"/>
+          <p:cNvPicPr>
+            <a:picLocks noChangeAspect="1" noChangeArrowheads="1"/>
+          </p:cNvPicPr>
+          <p:nvPr/>
+        </p:nvPicPr>
+        <p:blipFill>
+          <a:blip r:embed="rId2" cstate="print">
+            <a:extLst>
+              <a:ext uri="{28A0092B-C50C-407E-A947-70E740481C1C}">
+                <a14:useLocalDpi xmlns:a14="http://schemas.microsoft.com/office/drawing/2010/main" val="0"/>
+              </a:ext>
+            </a:extLst>
+          </a:blip>
+          <a:srcRect/>
+          <a:stretch>
+            <a:fillRect/>
+          </a:stretch>
+        </p:blipFill>
+        <p:spPr bwMode="auto">
+          <a:xfrm>
+            <a:off x="11353800" y="5975393"/>
+            <a:ext cx="727364" cy="745624"/>
+          </a:xfrm>
+          <a:prstGeom prst="rect">
+            <a:avLst/>
+          </a:prstGeom>
+          <a:noFill/>
+          <a:extLst>
+            <a:ext uri="{909E8E84-426E-40DD-AFC4-6F175D3DCCD1}">
+              <a14:hiddenFill xmlns:a14="http://schemas.microsoft.com/office/drawing/2010/main">
+                <a:solidFill>
+                  <a:srgbClr val="FFFFFF"/>
+                </a:solidFill>
+              </a14:hiddenFill>
+            </a:ext>
+          </a:extLst>
+        </p:spPr>
+      </p:pic>
+      <p:sp>
+        <p:nvSpPr>
+          <p:cNvPr id="5" name="矩形 4"/>
+          <p:cNvSpPr/>
+          <p:nvPr/>
+        </p:nvSpPr>
+        <p:spPr>
+          <a:xfrm>
+            <a:off x="3587482" y="6383355"/>
+            <a:ext cx="7766318" cy="338554"/>
+          </a:xfrm>
+          <a:prstGeom prst="rect">
+            <a:avLst/>
+          </a:prstGeom>
+        </p:spPr>
+        <p:txBody>
+          <a:bodyPr wrap="square">
+            <a:spAutoFit/>
+          </a:bodyPr>
+          <a:lstStyle/>
+          <a:p>
+            <a:pPr algn="r"/>
+            <a:r>
+              <a:rPr lang="en-US" altLang="zh-CN" sz="1600" dirty="0">
+                <a:latin typeface="Bahnschrift SemiLight" panose="020B0502040204020203" pitchFamily="34" charset="0"/>
+              </a:rPr>
+              <a:t>GitHub: </a:t>
+            </a:r>
+            <a:r>
+              <a:rPr lang="en-US" altLang="zh-CN" sz="1600" dirty="0">
+                <a:latin typeface="Bahnschrift SemiLight" panose="020B0502040204020203" pitchFamily="34" charset="0"/>
+                <a:hlinkClick r:id="rId3"/>
+              </a:rPr>
+              <a:t>https://github.com/jerryweihuajing/Post-Processing</a:t>
+            </a:r>
+            <a:endParaRPr lang="en-US" altLang="zh-CN" sz="1600" dirty="0">
+              <a:latin typeface="Bahnschrift SemiLight" panose="020B0502040204020203" pitchFamily="34" charset="0"/>
+            </a:endParaRPr>
+          </a:p>
+        </p:txBody>
+      </p:sp>
+      <p:pic>
+        <p:nvPicPr>
+          <p:cNvPr id="12" name="图片 11">
+            <a:extLst>
+              <a:ext uri="{FF2B5EF4-FFF2-40B4-BE49-F238E27FC236}">
+                <a16:creationId xmlns:a16="http://schemas.microsoft.com/office/drawing/2014/main" id="{A2668651-BAAB-449F-920E-5253D657617C}"/>
+              </a:ext>
+            </a:extLst>
+          </p:cNvPr>
+          <p:cNvPicPr>
+            <a:picLocks noChangeAspect="1"/>
+          </p:cNvPicPr>
+          <p:nvPr/>
+        </p:nvPicPr>
+        <p:blipFill>
+          <a:blip r:embed="rId4">
+            <a:extLst>
+              <a:ext uri="{28A0092B-C50C-407E-A947-70E740481C1C}">
+                <a14:useLocalDpi xmlns:a14="http://schemas.microsoft.com/office/drawing/2010/main" val="0"/>
+              </a:ext>
+            </a:extLst>
+          </a:blip>
+          <a:stretch>
+            <a:fillRect/>
+          </a:stretch>
+        </p:blipFill>
+        <p:spPr>
+          <a:xfrm>
+            <a:off x="9022080" y="681037"/>
+            <a:ext cx="2331720" cy="579454"/>
+          </a:xfrm>
+          <a:prstGeom prst="rect">
+            <a:avLst/>
+          </a:prstGeom>
+        </p:spPr>
+      </p:pic>
+      <p:pic>
+        <p:nvPicPr>
+          <p:cNvPr id="8" name="图片 7"/>
+          <p:cNvPicPr>
+            <a:picLocks noChangeAspect="1"/>
+          </p:cNvPicPr>
+          <p:nvPr/>
+        </p:nvPicPr>
+        <p:blipFill>
+          <a:blip r:embed="rId5" cstate="print">
+            <a:extLst>
+              <a:ext uri="{28A0092B-C50C-407E-A947-70E740481C1C}">
+                <a14:useLocalDpi xmlns:a14="http://schemas.microsoft.com/office/drawing/2010/main" val="0"/>
+              </a:ext>
+            </a:extLst>
+          </a:blip>
+          <a:stretch>
+            <a:fillRect/>
+          </a:stretch>
+        </p:blipFill>
+        <p:spPr>
+          <a:xfrm>
+            <a:off x="249935" y="6440600"/>
+            <a:ext cx="1176530" cy="280417"/>
+          </a:xfrm>
+          <a:prstGeom prst="rect">
+            <a:avLst/>
+          </a:prstGeom>
+        </p:spPr>
+      </p:pic>
+      <p:pic>
+        <p:nvPicPr>
+          <p:cNvPr id="9" name="图片 8" descr="E:\GitHub\YADEM\Post-Processing\2D\Thesis\inlier-grid\erosion\square\content with mesh.png"/>
+          <p:cNvPicPr>
+            <a:picLocks noChangeAspect="1"/>
+          </p:cNvPicPr>
+          <p:nvPr/>
+        </p:nvPicPr>
+        <p:blipFill>
+          <a:blip r:embed="rId6" cstate="print">
+            <a:extLst>
+              <a:ext uri="{28A0092B-C50C-407E-A947-70E740481C1C}">
+                <a14:useLocalDpi xmlns:a14="http://schemas.microsoft.com/office/drawing/2010/main" val="0"/>
+              </a:ext>
+            </a:extLst>
+          </a:blip>
+          <a:srcRect/>
+          <a:stretch>
+            <a:fillRect/>
+          </a:stretch>
+        </p:blipFill>
+        <p:spPr bwMode="auto">
+          <a:xfrm>
+            <a:off x="838200" y="1686831"/>
+            <a:ext cx="3600000" cy="3600000"/>
+          </a:xfrm>
+          <a:prstGeom prst="rect">
+            <a:avLst/>
+          </a:prstGeom>
+          <a:noFill/>
+          <a:ln>
+            <a:noFill/>
+          </a:ln>
+        </p:spPr>
+      </p:pic>
+      <p:pic>
+        <p:nvPicPr>
+          <p:cNvPr id="10" name="图片 9" descr="E:\GitHub\YADEM\Post-Processing\2D\Thesis\inlier-grid\erosion\square\boundary with mesh and grid.png"/>
+          <p:cNvPicPr>
+            <a:picLocks noChangeAspect="1"/>
+          </p:cNvPicPr>
+          <p:nvPr/>
+        </p:nvPicPr>
+        <p:blipFill>
+          <a:blip r:embed="rId7" cstate="print">
+            <a:extLst>
+              <a:ext uri="{28A0092B-C50C-407E-A947-70E740481C1C}">
+                <a14:useLocalDpi xmlns:a14="http://schemas.microsoft.com/office/drawing/2010/main" val="0"/>
+              </a:ext>
+            </a:extLst>
+          </a:blip>
+          <a:srcRect/>
+          <a:stretch>
+            <a:fillRect/>
+          </a:stretch>
+        </p:blipFill>
+        <p:spPr bwMode="auto">
+          <a:xfrm>
+            <a:off x="4438200" y="1686831"/>
+            <a:ext cx="3600000" cy="3600000"/>
+          </a:xfrm>
+          <a:prstGeom prst="rect">
+            <a:avLst/>
+          </a:prstGeom>
+          <a:noFill/>
+          <a:ln>
+            <a:noFill/>
+          </a:ln>
+        </p:spPr>
+      </p:pic>
+      <p:pic>
+        <p:nvPicPr>
+          <p:cNvPr id="11" name="图片 10" descr="E:\GitHub\YADEM\Post-Processing\2D\Thesis\inlier-grid\erosion\square\boundary with mesh.png"/>
+          <p:cNvPicPr>
+            <a:picLocks noChangeAspect="1"/>
+          </p:cNvPicPr>
+          <p:nvPr/>
+        </p:nvPicPr>
+        <p:blipFill>
+          <a:blip r:embed="rId8" cstate="print">
+            <a:extLst>
+              <a:ext uri="{28A0092B-C50C-407E-A947-70E740481C1C}">
+                <a14:useLocalDpi xmlns:a14="http://schemas.microsoft.com/office/drawing/2010/main" val="0"/>
+              </a:ext>
+            </a:extLst>
+          </a:blip>
+          <a:srcRect/>
+          <a:stretch>
+            <a:fillRect/>
+          </a:stretch>
+        </p:blipFill>
+        <p:spPr bwMode="auto">
+          <a:xfrm>
+            <a:off x="8038200" y="1686831"/>
+            <a:ext cx="3600000" cy="3600000"/>
+          </a:xfrm>
+          <a:prstGeom prst="rect">
+            <a:avLst/>
+          </a:prstGeom>
+          <a:noFill/>
+          <a:ln>
+            <a:noFill/>
+          </a:ln>
+        </p:spPr>
+      </p:pic>
+    </p:spTree>
+    <p:extLst>
+      <p:ext uri="{BB962C8B-B14F-4D97-AF65-F5344CB8AC3E}">
+        <p14:creationId xmlns:p14="http://schemas.microsoft.com/office/powerpoint/2010/main" val="4129228310"/>
       </p:ext>
     </p:extLst>
   </p:cSld>
@@ -6990,7 +9195,7 @@
 </p:sld>
 </file>
 
-<file path=ppt/slides/slide21.xml><?xml version="1.0" encoding="utf-8"?>
+<file path=ppt/slides/slide25.xml><?xml version="1.0" encoding="utf-8"?>
 <p:sld xmlns:a="http://schemas.openxmlformats.org/drawingml/2006/main" xmlns:r="http://schemas.openxmlformats.org/officeDocument/2006/relationships" xmlns:p="http://schemas.openxmlformats.org/presentationml/2006/main">
   <p:cSld>
     <p:spTree>
@@ -7024,75 +9229,1434 @@
           </a:bodyPr>
           <a:lstStyle/>
           <a:p>
-            <a:r>
-              <a:rPr lang="en-US" altLang="zh-CN" sz="4000" dirty="0">
+            <a:pPr marL="342900" indent="-342900"/>
+            <a:r>
+              <a:rPr lang="en-US" altLang="zh-CN" sz="4000" dirty="0" smtClean="0">
                 <a:latin typeface="Bahnschrift SemiLight" panose="020B0502040204020203" pitchFamily="34" charset="0"/>
               </a:rPr>
-              <a:t>Acknowledgement</a:t>
-            </a:r>
-            <a:endParaRPr lang="zh-CN" altLang="en-US" sz="4000" dirty="0"/>
-          </a:p>
-        </p:txBody>
-      </p:sp>
-      <p:sp>
-        <p:nvSpPr>
-          <p:cNvPr id="3" name="内容占位符 2"/>
+              <a:t>Boundary Extraction</a:t>
+            </a:r>
+            <a:endParaRPr lang="en-US" altLang="zh-CN" sz="4000" dirty="0">
+              <a:latin typeface="Bahnschrift SemiLight" panose="020B0502040204020203" pitchFamily="34" charset="0"/>
+            </a:endParaRPr>
+          </a:p>
+        </p:txBody>
+      </p:sp>
+      <p:pic>
+        <p:nvPicPr>
+          <p:cNvPr id="4" name="Picture 4" descr="https://timgsa.baidu.com/timg?image&amp;quality=80&amp;size=b9999_10000&amp;sec=1571942598977&amp;di=62fda19cdc0fe8b6213b1b0e335bd1ba&amp;imgtype=0&amp;src=http%3A%2F%2Fcdn.onlinewebfonts.com%2Fsvg%2Fimg_326384.png"/>
+          <p:cNvPicPr>
+            <a:picLocks noChangeAspect="1" noChangeArrowheads="1"/>
+          </p:cNvPicPr>
+          <p:nvPr/>
+        </p:nvPicPr>
+        <p:blipFill>
+          <a:blip r:embed="rId2" cstate="print">
+            <a:extLst>
+              <a:ext uri="{28A0092B-C50C-407E-A947-70E740481C1C}">
+                <a14:useLocalDpi xmlns:a14="http://schemas.microsoft.com/office/drawing/2010/main" val="0"/>
+              </a:ext>
+            </a:extLst>
+          </a:blip>
+          <a:srcRect/>
+          <a:stretch>
+            <a:fillRect/>
+          </a:stretch>
+        </p:blipFill>
+        <p:spPr bwMode="auto">
+          <a:xfrm>
+            <a:off x="11353800" y="5975393"/>
+            <a:ext cx="727364" cy="745624"/>
+          </a:xfrm>
+          <a:prstGeom prst="rect">
+            <a:avLst/>
+          </a:prstGeom>
+          <a:noFill/>
+          <a:extLst>
+            <a:ext uri="{909E8E84-426E-40DD-AFC4-6F175D3DCCD1}">
+              <a14:hiddenFill xmlns:a14="http://schemas.microsoft.com/office/drawing/2010/main">
+                <a:solidFill>
+                  <a:srgbClr val="FFFFFF"/>
+                </a:solidFill>
+              </a14:hiddenFill>
+            </a:ext>
+          </a:extLst>
+        </p:spPr>
+      </p:pic>
+      <p:sp>
+        <p:nvSpPr>
+          <p:cNvPr id="5" name="矩形 4"/>
+          <p:cNvSpPr/>
+          <p:nvPr/>
+        </p:nvSpPr>
+        <p:spPr>
+          <a:xfrm>
+            <a:off x="3587482" y="6383355"/>
+            <a:ext cx="7766318" cy="338554"/>
+          </a:xfrm>
+          <a:prstGeom prst="rect">
+            <a:avLst/>
+          </a:prstGeom>
+        </p:spPr>
+        <p:txBody>
+          <a:bodyPr wrap="square">
+            <a:spAutoFit/>
+          </a:bodyPr>
+          <a:lstStyle/>
+          <a:p>
+            <a:pPr algn="r"/>
+            <a:r>
+              <a:rPr lang="en-US" altLang="zh-CN" sz="1600" dirty="0">
+                <a:latin typeface="Bahnschrift SemiLight" panose="020B0502040204020203" pitchFamily="34" charset="0"/>
+              </a:rPr>
+              <a:t>GitHub: </a:t>
+            </a:r>
+            <a:r>
+              <a:rPr lang="en-US" altLang="zh-CN" sz="1600" dirty="0">
+                <a:latin typeface="Bahnschrift SemiLight" panose="020B0502040204020203" pitchFamily="34" charset="0"/>
+                <a:hlinkClick r:id="rId3"/>
+              </a:rPr>
+              <a:t>https://github.com/jerryweihuajing/Post-Processing</a:t>
+            </a:r>
+            <a:endParaRPr lang="en-US" altLang="zh-CN" sz="1600" dirty="0">
+              <a:latin typeface="Bahnschrift SemiLight" panose="020B0502040204020203" pitchFamily="34" charset="0"/>
+            </a:endParaRPr>
+          </a:p>
+        </p:txBody>
+      </p:sp>
+      <p:pic>
+        <p:nvPicPr>
+          <p:cNvPr id="12" name="图片 11">
+            <a:extLst>
+              <a:ext uri="{FF2B5EF4-FFF2-40B4-BE49-F238E27FC236}">
+                <a16:creationId xmlns:a16="http://schemas.microsoft.com/office/drawing/2014/main" id="{A2668651-BAAB-449F-920E-5253D657617C}"/>
+              </a:ext>
+            </a:extLst>
+          </p:cNvPr>
+          <p:cNvPicPr>
+            <a:picLocks noChangeAspect="1"/>
+          </p:cNvPicPr>
+          <p:nvPr/>
+        </p:nvPicPr>
+        <p:blipFill>
+          <a:blip r:embed="rId4">
+            <a:extLst>
+              <a:ext uri="{28A0092B-C50C-407E-A947-70E740481C1C}">
+                <a14:useLocalDpi xmlns:a14="http://schemas.microsoft.com/office/drawing/2010/main" val="0"/>
+              </a:ext>
+            </a:extLst>
+          </a:blip>
+          <a:stretch>
+            <a:fillRect/>
+          </a:stretch>
+        </p:blipFill>
+        <p:spPr>
+          <a:xfrm>
+            <a:off x="9022080" y="681037"/>
+            <a:ext cx="2331720" cy="579454"/>
+          </a:xfrm>
+          <a:prstGeom prst="rect">
+            <a:avLst/>
+          </a:prstGeom>
+        </p:spPr>
+      </p:pic>
+      <p:pic>
+        <p:nvPicPr>
+          <p:cNvPr id="8" name="图片 7"/>
+          <p:cNvPicPr>
+            <a:picLocks noChangeAspect="1"/>
+          </p:cNvPicPr>
+          <p:nvPr/>
+        </p:nvPicPr>
+        <p:blipFill>
+          <a:blip r:embed="rId5" cstate="print">
+            <a:extLst>
+              <a:ext uri="{28A0092B-C50C-407E-A947-70E740481C1C}">
+                <a14:useLocalDpi xmlns:a14="http://schemas.microsoft.com/office/drawing/2010/main" val="0"/>
+              </a:ext>
+            </a:extLst>
+          </a:blip>
+          <a:stretch>
+            <a:fillRect/>
+          </a:stretch>
+        </p:blipFill>
+        <p:spPr>
+          <a:xfrm>
+            <a:off x="249935" y="6440600"/>
+            <a:ext cx="1176530" cy="280417"/>
+          </a:xfrm>
+          <a:prstGeom prst="rect">
+            <a:avLst/>
+          </a:prstGeom>
+        </p:spPr>
+      </p:pic>
+      <p:pic>
+        <p:nvPicPr>
+          <p:cNvPr id="13" name="图片 12" descr="E:\GitHub\YADEM\Post-Processing\2D\Thesis\inlier-grid\expansion\irregular\content with mesh.png"/>
+          <p:cNvPicPr>
+            <a:picLocks noChangeAspect="1"/>
+          </p:cNvPicPr>
+          <p:nvPr/>
+        </p:nvPicPr>
+        <p:blipFill>
+          <a:blip r:embed="rId6" cstate="print">
+            <a:extLst>
+              <a:ext uri="{28A0092B-C50C-407E-A947-70E740481C1C}">
+                <a14:useLocalDpi xmlns:a14="http://schemas.microsoft.com/office/drawing/2010/main" val="0"/>
+              </a:ext>
+            </a:extLst>
+          </a:blip>
+          <a:srcRect/>
+          <a:stretch>
+            <a:fillRect/>
+          </a:stretch>
+        </p:blipFill>
+        <p:spPr bwMode="auto">
+          <a:xfrm>
+            <a:off x="838200" y="1691343"/>
+            <a:ext cx="3600000" cy="3600000"/>
+          </a:xfrm>
+          <a:prstGeom prst="rect">
+            <a:avLst/>
+          </a:prstGeom>
+          <a:noFill/>
+          <a:ln>
+            <a:noFill/>
+          </a:ln>
+        </p:spPr>
+      </p:pic>
+      <p:pic>
+        <p:nvPicPr>
+          <p:cNvPr id="14" name="图片 13" descr="E:\GitHub\YADEM\Post-Processing\2D\Thesis\inlier-grid\erosion\irregular\boundary with mesh and grid.png"/>
+          <p:cNvPicPr>
+            <a:picLocks noChangeAspect="1"/>
+          </p:cNvPicPr>
+          <p:nvPr/>
+        </p:nvPicPr>
+        <p:blipFill>
+          <a:blip r:embed="rId7" cstate="print">
+            <a:extLst>
+              <a:ext uri="{28A0092B-C50C-407E-A947-70E740481C1C}">
+                <a14:useLocalDpi xmlns:a14="http://schemas.microsoft.com/office/drawing/2010/main" val="0"/>
+              </a:ext>
+            </a:extLst>
+          </a:blip>
+          <a:srcRect/>
+          <a:stretch>
+            <a:fillRect/>
+          </a:stretch>
+        </p:blipFill>
+        <p:spPr bwMode="auto">
+          <a:xfrm>
+            <a:off x="4438200" y="1691343"/>
+            <a:ext cx="3600000" cy="3600000"/>
+          </a:xfrm>
+          <a:prstGeom prst="rect">
+            <a:avLst/>
+          </a:prstGeom>
+          <a:noFill/>
+          <a:ln>
+            <a:noFill/>
+          </a:ln>
+        </p:spPr>
+      </p:pic>
+      <p:pic>
+        <p:nvPicPr>
+          <p:cNvPr id="15" name="图片 14" descr="E:\GitHub\YADEM\Post-Processing\2D\Thesis\inlier-grid\erosion\irregular\boundary with mesh.png"/>
+          <p:cNvPicPr>
+            <a:picLocks noChangeAspect="1"/>
+          </p:cNvPicPr>
+          <p:nvPr/>
+        </p:nvPicPr>
+        <p:blipFill>
+          <a:blip r:embed="rId8" cstate="print">
+            <a:extLst>
+              <a:ext uri="{28A0092B-C50C-407E-A947-70E740481C1C}">
+                <a14:useLocalDpi xmlns:a14="http://schemas.microsoft.com/office/drawing/2010/main" val="0"/>
+              </a:ext>
+            </a:extLst>
+          </a:blip>
+          <a:srcRect/>
+          <a:stretch>
+            <a:fillRect/>
+          </a:stretch>
+        </p:blipFill>
+        <p:spPr bwMode="auto">
+          <a:xfrm>
+            <a:off x="8038200" y="1668453"/>
+            <a:ext cx="3600000" cy="3600000"/>
+          </a:xfrm>
+          <a:prstGeom prst="rect">
+            <a:avLst/>
+          </a:prstGeom>
+          <a:noFill/>
+          <a:ln>
+            <a:noFill/>
+          </a:ln>
+        </p:spPr>
+      </p:pic>
+    </p:spTree>
+    <p:extLst>
+      <p:ext uri="{BB962C8B-B14F-4D97-AF65-F5344CB8AC3E}">
+        <p14:creationId xmlns:p14="http://schemas.microsoft.com/office/powerpoint/2010/main" val="1599505904"/>
+      </p:ext>
+    </p:extLst>
+  </p:cSld>
+  <p:clrMapOvr>
+    <a:masterClrMapping/>
+  </p:clrMapOvr>
+  <mc:AlternateContent xmlns:mc="http://schemas.openxmlformats.org/markup-compatibility/2006" xmlns:p14="http://schemas.microsoft.com/office/powerpoint/2010/main">
+    <mc:Choice Requires="p14">
+      <p:transition spd="med" p14:dur="700">
+        <p:fade/>
+      </p:transition>
+    </mc:Choice>
+    <mc:Fallback xmlns="">
+      <p:transition spd="med">
+        <p:fade/>
+      </p:transition>
+    </mc:Fallback>
+  </mc:AlternateContent>
+</p:sld>
+</file>
+
+<file path=ppt/slides/slide26.xml><?xml version="1.0" encoding="utf-8"?>
+<p:sld xmlns:a="http://schemas.openxmlformats.org/drawingml/2006/main" xmlns:r="http://schemas.openxmlformats.org/officeDocument/2006/relationships" xmlns:p="http://schemas.openxmlformats.org/presentationml/2006/main">
+  <p:cSld>
+    <p:spTree>
+      <p:nvGrpSpPr>
+        <p:cNvPr id="1" name=""/>
+        <p:cNvGrpSpPr/>
+        <p:nvPr/>
+      </p:nvGrpSpPr>
+      <p:grpSpPr>
+        <a:xfrm>
+          <a:off x="0" y="0"/>
+          <a:ext cx="0" cy="0"/>
+          <a:chOff x="0" y="0"/>
+          <a:chExt cx="0" cy="0"/>
+        </a:xfrm>
+      </p:grpSpPr>
+      <p:sp>
+        <p:nvSpPr>
+          <p:cNvPr id="2" name="标题 1"/>
           <p:cNvSpPr>
             <a:spLocks noGrp="1"/>
           </p:cNvSpPr>
           <p:nvPr>
-            <p:ph idx="1"/>
+            <p:ph type="title"/>
           </p:nvPr>
         </p:nvSpPr>
         <p:spPr/>
         <p:txBody>
-          <a:bodyPr/>
+          <a:bodyPr>
+            <a:normAutofit/>
+          </a:bodyPr>
           <a:lstStyle/>
           <a:p>
-            <a:endParaRPr lang="zh-CN" altLang="en-US" dirty="0"/>
-          </a:p>
-        </p:txBody>
-      </p:sp>
-      <p:sp>
-        <p:nvSpPr>
-          <p:cNvPr id="4" name="矩形 3"/>
+            <a:pPr marL="342900" indent="-342900"/>
+            <a:r>
+              <a:rPr lang="en-US" altLang="zh-CN" sz="4000" dirty="0" smtClean="0">
+                <a:latin typeface="Bahnschrift SemiLight" panose="020B0502040204020203" pitchFamily="34" charset="0"/>
+              </a:rPr>
+              <a:t>Boundary Extraction</a:t>
+            </a:r>
+            <a:endParaRPr lang="en-US" altLang="zh-CN" sz="4000" dirty="0">
+              <a:latin typeface="Bahnschrift SemiLight" panose="020B0502040204020203" pitchFamily="34" charset="0"/>
+            </a:endParaRPr>
+          </a:p>
+        </p:txBody>
+      </p:sp>
+      <p:pic>
+        <p:nvPicPr>
+          <p:cNvPr id="4" name="Picture 4" descr="https://timgsa.baidu.com/timg?image&amp;quality=80&amp;size=b9999_10000&amp;sec=1571942598977&amp;di=62fda19cdc0fe8b6213b1b0e335bd1ba&amp;imgtype=0&amp;src=http%3A%2F%2Fcdn.onlinewebfonts.com%2Fsvg%2Fimg_326384.png"/>
+          <p:cNvPicPr>
+            <a:picLocks noChangeAspect="1" noChangeArrowheads="1"/>
+          </p:cNvPicPr>
+          <p:nvPr/>
+        </p:nvPicPr>
+        <p:blipFill>
+          <a:blip r:embed="rId2" cstate="print">
+            <a:extLst>
+              <a:ext uri="{28A0092B-C50C-407E-A947-70E740481C1C}">
+                <a14:useLocalDpi xmlns:a14="http://schemas.microsoft.com/office/drawing/2010/main" val="0"/>
+              </a:ext>
+            </a:extLst>
+          </a:blip>
+          <a:srcRect/>
+          <a:stretch>
+            <a:fillRect/>
+          </a:stretch>
+        </p:blipFill>
+        <p:spPr bwMode="auto">
+          <a:xfrm>
+            <a:off x="11353800" y="5975393"/>
+            <a:ext cx="727364" cy="745624"/>
+          </a:xfrm>
+          <a:prstGeom prst="rect">
+            <a:avLst/>
+          </a:prstGeom>
+          <a:noFill/>
+          <a:extLst>
+            <a:ext uri="{909E8E84-426E-40DD-AFC4-6F175D3DCCD1}">
+              <a14:hiddenFill xmlns:a14="http://schemas.microsoft.com/office/drawing/2010/main">
+                <a:solidFill>
+                  <a:srgbClr val="FFFFFF"/>
+                </a:solidFill>
+              </a14:hiddenFill>
+            </a:ext>
+          </a:extLst>
+        </p:spPr>
+      </p:pic>
+      <p:sp>
+        <p:nvSpPr>
+          <p:cNvPr id="5" name="矩形 4"/>
           <p:cNvSpPr/>
           <p:nvPr/>
         </p:nvSpPr>
         <p:spPr>
           <a:xfrm>
-            <a:off x="4849505" y="3244334"/>
-            <a:ext cx="2492990" cy="707886"/>
-          </a:xfrm>
-          <a:prstGeom prst="rect">
-            <a:avLst/>
-          </a:prstGeom>
-        </p:spPr>
-        <p:txBody>
-          <a:bodyPr wrap="none">
+            <a:off x="3587482" y="6383355"/>
+            <a:ext cx="7766318" cy="338554"/>
+          </a:xfrm>
+          <a:prstGeom prst="rect">
+            <a:avLst/>
+          </a:prstGeom>
+        </p:spPr>
+        <p:txBody>
+          <a:bodyPr wrap="square">
             <a:spAutoFit/>
           </a:bodyPr>
           <a:lstStyle/>
           <a:p>
-            <a:pPr algn="ctr"/>
-            <a:r>
-              <a:rPr lang="en-US" altLang="zh-CN" sz="4000" b="1" dirty="0">
-                <a:solidFill>
-                  <a:srgbClr val="0070C0"/>
-                </a:solidFill>
-                <a:latin typeface="Gill Sans MT" panose="020B0502020104020203" pitchFamily="34" charset="0"/>
-                <a:ea typeface="+mj-ea"/>
-                <a:cs typeface="+mj-cs"/>
+            <a:pPr algn="r"/>
+            <a:r>
+              <a:rPr lang="en-US" altLang="zh-CN" sz="1600" dirty="0">
+                <a:latin typeface="Bahnschrift SemiLight" panose="020B0502040204020203" pitchFamily="34" charset="0"/>
               </a:rPr>
-              <a:t>THANKS</a:t>
-            </a:r>
-          </a:p>
-        </p:txBody>
-      </p:sp>
+              <a:t>GitHub: </a:t>
+            </a:r>
+            <a:r>
+              <a:rPr lang="en-US" altLang="zh-CN" sz="1600" dirty="0">
+                <a:latin typeface="Bahnschrift SemiLight" panose="020B0502040204020203" pitchFamily="34" charset="0"/>
+                <a:hlinkClick r:id="rId3"/>
+              </a:rPr>
+              <a:t>https://github.com/jerryweihuajing/Post-Processing</a:t>
+            </a:r>
+            <a:endParaRPr lang="en-US" altLang="zh-CN" sz="1600" dirty="0">
+              <a:latin typeface="Bahnschrift SemiLight" panose="020B0502040204020203" pitchFamily="34" charset="0"/>
+            </a:endParaRPr>
+          </a:p>
+        </p:txBody>
+      </p:sp>
+      <p:pic>
+        <p:nvPicPr>
+          <p:cNvPr id="12" name="图片 11">
+            <a:extLst>
+              <a:ext uri="{FF2B5EF4-FFF2-40B4-BE49-F238E27FC236}">
+                <a16:creationId xmlns:a16="http://schemas.microsoft.com/office/drawing/2014/main" id="{A2668651-BAAB-449F-920E-5253D657617C}"/>
+              </a:ext>
+            </a:extLst>
+          </p:cNvPr>
+          <p:cNvPicPr>
+            <a:picLocks noChangeAspect="1"/>
+          </p:cNvPicPr>
+          <p:nvPr/>
+        </p:nvPicPr>
+        <p:blipFill>
+          <a:blip r:embed="rId4">
+            <a:extLst>
+              <a:ext uri="{28A0092B-C50C-407E-A947-70E740481C1C}">
+                <a14:useLocalDpi xmlns:a14="http://schemas.microsoft.com/office/drawing/2010/main" val="0"/>
+              </a:ext>
+            </a:extLst>
+          </a:blip>
+          <a:stretch>
+            <a:fillRect/>
+          </a:stretch>
+        </p:blipFill>
+        <p:spPr>
+          <a:xfrm>
+            <a:off x="9022080" y="681037"/>
+            <a:ext cx="2331720" cy="579454"/>
+          </a:xfrm>
+          <a:prstGeom prst="rect">
+            <a:avLst/>
+          </a:prstGeom>
+        </p:spPr>
+      </p:pic>
+      <p:pic>
+        <p:nvPicPr>
+          <p:cNvPr id="8" name="图片 7"/>
+          <p:cNvPicPr>
+            <a:picLocks noChangeAspect="1"/>
+          </p:cNvPicPr>
+          <p:nvPr/>
+        </p:nvPicPr>
+        <p:blipFill>
+          <a:blip r:embed="rId5" cstate="print">
+            <a:extLst>
+              <a:ext uri="{28A0092B-C50C-407E-A947-70E740481C1C}">
+                <a14:useLocalDpi xmlns:a14="http://schemas.microsoft.com/office/drawing/2010/main" val="0"/>
+              </a:ext>
+            </a:extLst>
+          </a:blip>
+          <a:stretch>
+            <a:fillRect/>
+          </a:stretch>
+        </p:blipFill>
+        <p:spPr>
+          <a:xfrm>
+            <a:off x="249935" y="6440600"/>
+            <a:ext cx="1176530" cy="280417"/>
+          </a:xfrm>
+          <a:prstGeom prst="rect">
+            <a:avLst/>
+          </a:prstGeom>
+        </p:spPr>
+      </p:pic>
+      <p:pic>
+        <p:nvPicPr>
+          <p:cNvPr id="7" name="图片 6" descr="E:\GitHub\YADEM\Post-Processing\2D\Thesis\rasterization\rasterization.png"/>
+          <p:cNvPicPr>
+            <a:picLocks noChangeAspect="1"/>
+          </p:cNvPicPr>
+          <p:nvPr/>
+        </p:nvPicPr>
+        <p:blipFill>
+          <a:blip r:embed="rId6" cstate="print">
+            <a:extLst>
+              <a:ext uri="{28A0092B-C50C-407E-A947-70E740481C1C}">
+                <a14:useLocalDpi xmlns:a14="http://schemas.microsoft.com/office/drawing/2010/main" val="0"/>
+              </a:ext>
+            </a:extLst>
+          </a:blip>
+          <a:srcRect/>
+          <a:stretch>
+            <a:fillRect/>
+          </a:stretch>
+        </p:blipFill>
+        <p:spPr bwMode="auto">
+          <a:xfrm>
+            <a:off x="838200" y="1690688"/>
+            <a:ext cx="4385767" cy="4320000"/>
+          </a:xfrm>
+          <a:prstGeom prst="rect">
+            <a:avLst/>
+          </a:prstGeom>
+          <a:noFill/>
+          <a:ln>
+            <a:noFill/>
+          </a:ln>
+        </p:spPr>
+      </p:pic>
+      <p:pic>
+        <p:nvPicPr>
+          <p:cNvPr id="9" name="图片 8" descr="E:\GitHub\YADEM\Post-Processing\2D\Thesis\inlier\ROI boundary.png"/>
+          <p:cNvPicPr>
+            <a:picLocks noChangeAspect="1"/>
+          </p:cNvPicPr>
+          <p:nvPr/>
+        </p:nvPicPr>
+        <p:blipFill>
+          <a:blip r:embed="rId7" cstate="print">
+            <a:extLst>
+              <a:ext uri="{28A0092B-C50C-407E-A947-70E740481C1C}">
+                <a14:useLocalDpi xmlns:a14="http://schemas.microsoft.com/office/drawing/2010/main" val="0"/>
+              </a:ext>
+            </a:extLst>
+          </a:blip>
+          <a:srcRect/>
+          <a:stretch>
+            <a:fillRect/>
+          </a:stretch>
+        </p:blipFill>
+        <p:spPr bwMode="auto">
+          <a:xfrm>
+            <a:off x="6096000" y="1690688"/>
+            <a:ext cx="4385767" cy="4320000"/>
+          </a:xfrm>
+          <a:prstGeom prst="rect">
+            <a:avLst/>
+          </a:prstGeom>
+          <a:noFill/>
+          <a:ln>
+            <a:noFill/>
+          </a:ln>
+        </p:spPr>
+      </p:pic>
     </p:spTree>
     <p:extLst>
       <p:ext uri="{BB962C8B-B14F-4D97-AF65-F5344CB8AC3E}">
-        <p14:creationId xmlns:p14="http://schemas.microsoft.com/office/powerpoint/2010/main" val="2826709527"/>
+        <p14:creationId xmlns:p14="http://schemas.microsoft.com/office/powerpoint/2010/main" val="3471540092"/>
+      </p:ext>
+    </p:extLst>
+  </p:cSld>
+  <p:clrMapOvr>
+    <a:masterClrMapping/>
+  </p:clrMapOvr>
+  <mc:AlternateContent xmlns:mc="http://schemas.openxmlformats.org/markup-compatibility/2006" xmlns:p14="http://schemas.microsoft.com/office/powerpoint/2010/main">
+    <mc:Choice Requires="p14">
+      <p:transition spd="med" p14:dur="700">
+        <p:fade/>
+      </p:transition>
+    </mc:Choice>
+    <mc:Fallback xmlns="">
+      <p:transition spd="med">
+        <p:fade/>
+      </p:transition>
+    </mc:Fallback>
+  </mc:AlternateContent>
+</p:sld>
+</file>
+
+<file path=ppt/slides/slide27.xml><?xml version="1.0" encoding="utf-8"?>
+<p:sld xmlns:a="http://schemas.openxmlformats.org/drawingml/2006/main" xmlns:r="http://schemas.openxmlformats.org/officeDocument/2006/relationships" xmlns:p="http://schemas.openxmlformats.org/presentationml/2006/main">
+  <p:cSld>
+    <p:spTree>
+      <p:nvGrpSpPr>
+        <p:cNvPr id="1" name=""/>
+        <p:cNvGrpSpPr/>
+        <p:nvPr/>
+      </p:nvGrpSpPr>
+      <p:grpSpPr>
+        <a:xfrm>
+          <a:off x="0" y="0"/>
+          <a:ext cx="0" cy="0"/>
+          <a:chOff x="0" y="0"/>
+          <a:chExt cx="0" cy="0"/>
+        </a:xfrm>
+      </p:grpSpPr>
+      <p:sp>
+        <p:nvSpPr>
+          <p:cNvPr id="2" name="标题 1"/>
+          <p:cNvSpPr>
+            <a:spLocks noGrp="1"/>
+          </p:cNvSpPr>
+          <p:nvPr>
+            <p:ph type="title"/>
+          </p:nvPr>
+        </p:nvSpPr>
+        <p:spPr/>
+        <p:txBody>
+          <a:bodyPr>
+            <a:normAutofit/>
+          </a:bodyPr>
+          <a:lstStyle/>
+          <a:p>
+            <a:pPr marL="342900" indent="-342900"/>
+            <a:r>
+              <a:rPr lang="en-US" altLang="zh-CN" sz="4000" dirty="0" smtClean="0">
+                <a:latin typeface="Bahnschrift SemiLight" panose="020B0502040204020203" pitchFamily="34" charset="0"/>
+              </a:rPr>
+              <a:t>Boundary Extraction</a:t>
+            </a:r>
+            <a:endParaRPr lang="en-US" altLang="zh-CN" sz="4000" dirty="0">
+              <a:latin typeface="Bahnschrift SemiLight" panose="020B0502040204020203" pitchFamily="34" charset="0"/>
+            </a:endParaRPr>
+          </a:p>
+        </p:txBody>
+      </p:sp>
+      <p:pic>
+        <p:nvPicPr>
+          <p:cNvPr id="4" name="Picture 4" descr="https://timgsa.baidu.com/timg?image&amp;quality=80&amp;size=b9999_10000&amp;sec=1571942598977&amp;di=62fda19cdc0fe8b6213b1b0e335bd1ba&amp;imgtype=0&amp;src=http%3A%2F%2Fcdn.onlinewebfonts.com%2Fsvg%2Fimg_326384.png"/>
+          <p:cNvPicPr>
+            <a:picLocks noChangeAspect="1" noChangeArrowheads="1"/>
+          </p:cNvPicPr>
+          <p:nvPr/>
+        </p:nvPicPr>
+        <p:blipFill>
+          <a:blip r:embed="rId2" cstate="print">
+            <a:extLst>
+              <a:ext uri="{28A0092B-C50C-407E-A947-70E740481C1C}">
+                <a14:useLocalDpi xmlns:a14="http://schemas.microsoft.com/office/drawing/2010/main" val="0"/>
+              </a:ext>
+            </a:extLst>
+          </a:blip>
+          <a:srcRect/>
+          <a:stretch>
+            <a:fillRect/>
+          </a:stretch>
+        </p:blipFill>
+        <p:spPr bwMode="auto">
+          <a:xfrm>
+            <a:off x="11353800" y="5975393"/>
+            <a:ext cx="727364" cy="745624"/>
+          </a:xfrm>
+          <a:prstGeom prst="rect">
+            <a:avLst/>
+          </a:prstGeom>
+          <a:noFill/>
+          <a:extLst>
+            <a:ext uri="{909E8E84-426E-40DD-AFC4-6F175D3DCCD1}">
+              <a14:hiddenFill xmlns:a14="http://schemas.microsoft.com/office/drawing/2010/main">
+                <a:solidFill>
+                  <a:srgbClr val="FFFFFF"/>
+                </a:solidFill>
+              </a14:hiddenFill>
+            </a:ext>
+          </a:extLst>
+        </p:spPr>
+      </p:pic>
+      <p:sp>
+        <p:nvSpPr>
+          <p:cNvPr id="5" name="矩形 4"/>
+          <p:cNvSpPr/>
+          <p:nvPr/>
+        </p:nvSpPr>
+        <p:spPr>
+          <a:xfrm>
+            <a:off x="3587482" y="6383355"/>
+            <a:ext cx="7766318" cy="338554"/>
+          </a:xfrm>
+          <a:prstGeom prst="rect">
+            <a:avLst/>
+          </a:prstGeom>
+        </p:spPr>
+        <p:txBody>
+          <a:bodyPr wrap="square">
+            <a:spAutoFit/>
+          </a:bodyPr>
+          <a:lstStyle/>
+          <a:p>
+            <a:pPr algn="r"/>
+            <a:r>
+              <a:rPr lang="en-US" altLang="zh-CN" sz="1600" dirty="0">
+                <a:latin typeface="Bahnschrift SemiLight" panose="020B0502040204020203" pitchFamily="34" charset="0"/>
+              </a:rPr>
+              <a:t>GitHub: </a:t>
+            </a:r>
+            <a:r>
+              <a:rPr lang="en-US" altLang="zh-CN" sz="1600" dirty="0">
+                <a:latin typeface="Bahnschrift SemiLight" panose="020B0502040204020203" pitchFamily="34" charset="0"/>
+                <a:hlinkClick r:id="rId3"/>
+              </a:rPr>
+              <a:t>https://github.com/jerryweihuajing/Post-Processing</a:t>
+            </a:r>
+            <a:endParaRPr lang="en-US" altLang="zh-CN" sz="1600" dirty="0">
+              <a:latin typeface="Bahnschrift SemiLight" panose="020B0502040204020203" pitchFamily="34" charset="0"/>
+            </a:endParaRPr>
+          </a:p>
+        </p:txBody>
+      </p:sp>
+      <p:pic>
+        <p:nvPicPr>
+          <p:cNvPr id="12" name="图片 11">
+            <a:extLst>
+              <a:ext uri="{FF2B5EF4-FFF2-40B4-BE49-F238E27FC236}">
+                <a16:creationId xmlns:a16="http://schemas.microsoft.com/office/drawing/2014/main" id="{A2668651-BAAB-449F-920E-5253D657617C}"/>
+              </a:ext>
+            </a:extLst>
+          </p:cNvPr>
+          <p:cNvPicPr>
+            <a:picLocks noChangeAspect="1"/>
+          </p:cNvPicPr>
+          <p:nvPr/>
+        </p:nvPicPr>
+        <p:blipFill>
+          <a:blip r:embed="rId4">
+            <a:extLst>
+              <a:ext uri="{28A0092B-C50C-407E-A947-70E740481C1C}">
+                <a14:useLocalDpi xmlns:a14="http://schemas.microsoft.com/office/drawing/2010/main" val="0"/>
+              </a:ext>
+            </a:extLst>
+          </a:blip>
+          <a:stretch>
+            <a:fillRect/>
+          </a:stretch>
+        </p:blipFill>
+        <p:spPr>
+          <a:xfrm>
+            <a:off x="9022080" y="681037"/>
+            <a:ext cx="2331720" cy="579454"/>
+          </a:xfrm>
+          <a:prstGeom prst="rect">
+            <a:avLst/>
+          </a:prstGeom>
+        </p:spPr>
+      </p:pic>
+      <p:pic>
+        <p:nvPicPr>
+          <p:cNvPr id="8" name="图片 7"/>
+          <p:cNvPicPr>
+            <a:picLocks noChangeAspect="1"/>
+          </p:cNvPicPr>
+          <p:nvPr/>
+        </p:nvPicPr>
+        <p:blipFill>
+          <a:blip r:embed="rId5" cstate="print">
+            <a:extLst>
+              <a:ext uri="{28A0092B-C50C-407E-A947-70E740481C1C}">
+                <a14:useLocalDpi xmlns:a14="http://schemas.microsoft.com/office/drawing/2010/main" val="0"/>
+              </a:ext>
+            </a:extLst>
+          </a:blip>
+          <a:stretch>
+            <a:fillRect/>
+          </a:stretch>
+        </p:blipFill>
+        <p:spPr>
+          <a:xfrm>
+            <a:off x="249935" y="6440600"/>
+            <a:ext cx="1176530" cy="280417"/>
+          </a:xfrm>
+          <a:prstGeom prst="rect">
+            <a:avLst/>
+          </a:prstGeom>
+        </p:spPr>
+      </p:pic>
+      <p:pic>
+        <p:nvPicPr>
+          <p:cNvPr id="10" name="图片 9" descr="E:\GitHub\YADEM\Post-Processing\2D\Thesis\strain-smoothed.png"/>
+          <p:cNvPicPr>
+            <a:picLocks noChangeAspect="1"/>
+          </p:cNvPicPr>
+          <p:nvPr/>
+        </p:nvPicPr>
+        <p:blipFill>
+          <a:blip r:embed="rId6" cstate="print">
+            <a:extLst>
+              <a:ext uri="{28A0092B-C50C-407E-A947-70E740481C1C}">
+                <a14:useLocalDpi xmlns:a14="http://schemas.microsoft.com/office/drawing/2010/main" val="0"/>
+              </a:ext>
+            </a:extLst>
+          </a:blip>
+          <a:srcRect/>
+          <a:stretch>
+            <a:fillRect/>
+          </a:stretch>
+        </p:blipFill>
+        <p:spPr bwMode="auto">
+          <a:xfrm>
+            <a:off x="838200" y="1690688"/>
+            <a:ext cx="4400216" cy="4320000"/>
+          </a:xfrm>
+          <a:prstGeom prst="rect">
+            <a:avLst/>
+          </a:prstGeom>
+          <a:noFill/>
+          <a:ln>
+            <a:noFill/>
+          </a:ln>
+        </p:spPr>
+      </p:pic>
+      <p:pic>
+        <p:nvPicPr>
+          <p:cNvPr id="11" name="图片 10" descr="E:\GitHub\YADEM\Post-Processing\2D\Thesis\inlier\strain ROI.png"/>
+          <p:cNvPicPr>
+            <a:picLocks noChangeAspect="1"/>
+          </p:cNvPicPr>
+          <p:nvPr/>
+        </p:nvPicPr>
+        <p:blipFill>
+          <a:blip r:embed="rId7" cstate="print">
+            <a:extLst>
+              <a:ext uri="{28A0092B-C50C-407E-A947-70E740481C1C}">
+                <a14:useLocalDpi xmlns:a14="http://schemas.microsoft.com/office/drawing/2010/main" val="0"/>
+              </a:ext>
+            </a:extLst>
+          </a:blip>
+          <a:srcRect/>
+          <a:stretch>
+            <a:fillRect/>
+          </a:stretch>
+        </p:blipFill>
+        <p:spPr bwMode="auto">
+          <a:xfrm>
+            <a:off x="6103224" y="1690688"/>
+            <a:ext cx="4385767" cy="4320000"/>
+          </a:xfrm>
+          <a:prstGeom prst="rect">
+            <a:avLst/>
+          </a:prstGeom>
+          <a:noFill/>
+          <a:ln>
+            <a:noFill/>
+          </a:ln>
+        </p:spPr>
+      </p:pic>
+    </p:spTree>
+    <p:extLst>
+      <p:ext uri="{BB962C8B-B14F-4D97-AF65-F5344CB8AC3E}">
+        <p14:creationId xmlns:p14="http://schemas.microsoft.com/office/powerpoint/2010/main" val="1559366914"/>
+      </p:ext>
+    </p:extLst>
+  </p:cSld>
+  <p:clrMapOvr>
+    <a:masterClrMapping/>
+  </p:clrMapOvr>
+  <mc:AlternateContent xmlns:mc="http://schemas.openxmlformats.org/markup-compatibility/2006" xmlns:p14="http://schemas.microsoft.com/office/powerpoint/2010/main">
+    <mc:Choice Requires="p14">
+      <p:transition spd="med" p14:dur="700">
+        <p:fade/>
+      </p:transition>
+    </mc:Choice>
+    <mc:Fallback xmlns="">
+      <p:transition spd="med">
+        <p:fade/>
+      </p:transition>
+    </mc:Fallback>
+  </mc:AlternateContent>
+</p:sld>
+</file>
+
+<file path=ppt/slides/slide28.xml><?xml version="1.0" encoding="utf-8"?>
+<p:sld xmlns:a="http://schemas.openxmlformats.org/drawingml/2006/main" xmlns:r="http://schemas.openxmlformats.org/officeDocument/2006/relationships" xmlns:p="http://schemas.openxmlformats.org/presentationml/2006/main">
+  <p:cSld>
+    <p:spTree>
+      <p:nvGrpSpPr>
+        <p:cNvPr id="1" name=""/>
+        <p:cNvGrpSpPr/>
+        <p:nvPr/>
+      </p:nvGrpSpPr>
+      <p:grpSpPr>
+        <a:xfrm>
+          <a:off x="0" y="0"/>
+          <a:ext cx="0" cy="0"/>
+          <a:chOff x="0" y="0"/>
+          <a:chExt cx="0" cy="0"/>
+        </a:xfrm>
+      </p:grpSpPr>
+      <p:sp>
+        <p:nvSpPr>
+          <p:cNvPr id="2" name="标题 1"/>
+          <p:cNvSpPr>
+            <a:spLocks noGrp="1"/>
+          </p:cNvSpPr>
+          <p:nvPr>
+            <p:ph type="title"/>
+          </p:nvPr>
+        </p:nvSpPr>
+        <p:spPr/>
+        <p:txBody>
+          <a:bodyPr>
+            <a:normAutofit/>
+          </a:bodyPr>
+          <a:lstStyle/>
+          <a:p>
+            <a:r>
+              <a:rPr lang="en-US" altLang="zh-CN" sz="4000" dirty="0" smtClean="0">
+                <a:latin typeface="Bahnschrift SemiLight" panose="020B0502040204020203" pitchFamily="34" charset="0"/>
+              </a:rPr>
+              <a:t>Outline Calculation</a:t>
+            </a:r>
+            <a:endParaRPr lang="zh-CN" altLang="en-US" sz="4000" dirty="0"/>
+          </a:p>
+        </p:txBody>
+      </p:sp>
+      <p:pic>
+        <p:nvPicPr>
+          <p:cNvPr id="8" name="Picture 4" descr="https://timgsa.baidu.com/timg?image&amp;quality=80&amp;size=b9999_10000&amp;sec=1571942598977&amp;di=62fda19cdc0fe8b6213b1b0e335bd1ba&amp;imgtype=0&amp;src=http%3A%2F%2Fcdn.onlinewebfonts.com%2Fsvg%2Fimg_326384.png"/>
+          <p:cNvPicPr>
+            <a:picLocks noChangeAspect="1" noChangeArrowheads="1"/>
+          </p:cNvPicPr>
+          <p:nvPr/>
+        </p:nvPicPr>
+        <p:blipFill>
+          <a:blip r:embed="rId2" cstate="print">
+            <a:extLst>
+              <a:ext uri="{28A0092B-C50C-407E-A947-70E740481C1C}">
+                <a14:useLocalDpi xmlns:a14="http://schemas.microsoft.com/office/drawing/2010/main" val="0"/>
+              </a:ext>
+            </a:extLst>
+          </a:blip>
+          <a:srcRect/>
+          <a:stretch>
+            <a:fillRect/>
+          </a:stretch>
+        </p:blipFill>
+        <p:spPr bwMode="auto">
+          <a:xfrm>
+            <a:off x="11353800" y="5975393"/>
+            <a:ext cx="727364" cy="745624"/>
+          </a:xfrm>
+          <a:prstGeom prst="rect">
+            <a:avLst/>
+          </a:prstGeom>
+          <a:noFill/>
+          <a:extLst>
+            <a:ext uri="{909E8E84-426E-40DD-AFC4-6F175D3DCCD1}">
+              <a14:hiddenFill xmlns:a14="http://schemas.microsoft.com/office/drawing/2010/main">
+                <a:solidFill>
+                  <a:srgbClr val="FFFFFF"/>
+                </a:solidFill>
+              </a14:hiddenFill>
+            </a:ext>
+          </a:extLst>
+        </p:spPr>
+      </p:pic>
+      <p:sp>
+        <p:nvSpPr>
+          <p:cNvPr id="9" name="矩形 8"/>
+          <p:cNvSpPr/>
+          <p:nvPr/>
+        </p:nvSpPr>
+        <p:spPr>
+          <a:xfrm>
+            <a:off x="3587482" y="6383355"/>
+            <a:ext cx="7766318" cy="338554"/>
+          </a:xfrm>
+          <a:prstGeom prst="rect">
+            <a:avLst/>
+          </a:prstGeom>
+        </p:spPr>
+        <p:txBody>
+          <a:bodyPr wrap="square">
+            <a:spAutoFit/>
+          </a:bodyPr>
+          <a:lstStyle/>
+          <a:p>
+            <a:pPr algn="r"/>
+            <a:r>
+              <a:rPr lang="en-US" altLang="zh-CN" sz="1600" dirty="0">
+                <a:latin typeface="Bahnschrift SemiLight" panose="020B0502040204020203" pitchFamily="34" charset="0"/>
+              </a:rPr>
+              <a:t>GitHub: </a:t>
+            </a:r>
+            <a:r>
+              <a:rPr lang="en-US" altLang="zh-CN" sz="1600" dirty="0">
+                <a:latin typeface="Bahnschrift SemiLight" panose="020B0502040204020203" pitchFamily="34" charset="0"/>
+                <a:hlinkClick r:id="rId3"/>
+              </a:rPr>
+              <a:t>https://github.com/jerryweihuajing/Post-Processing</a:t>
+            </a:r>
+            <a:endParaRPr lang="en-US" altLang="zh-CN" sz="1600" dirty="0">
+              <a:latin typeface="Bahnschrift SemiLight" panose="020B0502040204020203" pitchFamily="34" charset="0"/>
+            </a:endParaRPr>
+          </a:p>
+        </p:txBody>
+      </p:sp>
+      <p:pic>
+        <p:nvPicPr>
+          <p:cNvPr id="11" name="图片 10">
+            <a:extLst>
+              <a:ext uri="{FF2B5EF4-FFF2-40B4-BE49-F238E27FC236}">
+                <a16:creationId xmlns:a16="http://schemas.microsoft.com/office/drawing/2014/main" id="{658CEFC9-0A41-4083-91BD-1AD944F1ABEF}"/>
+              </a:ext>
+            </a:extLst>
+          </p:cNvPr>
+          <p:cNvPicPr>
+            <a:picLocks noChangeAspect="1"/>
+          </p:cNvPicPr>
+          <p:nvPr/>
+        </p:nvPicPr>
+        <p:blipFill>
+          <a:blip r:embed="rId4">
+            <a:extLst>
+              <a:ext uri="{28A0092B-C50C-407E-A947-70E740481C1C}">
+                <a14:useLocalDpi xmlns:a14="http://schemas.microsoft.com/office/drawing/2010/main" val="0"/>
+              </a:ext>
+            </a:extLst>
+          </a:blip>
+          <a:stretch>
+            <a:fillRect/>
+          </a:stretch>
+        </p:blipFill>
+        <p:spPr>
+          <a:xfrm>
+            <a:off x="9022080" y="681037"/>
+            <a:ext cx="2331720" cy="579454"/>
+          </a:xfrm>
+          <a:prstGeom prst="rect">
+            <a:avLst/>
+          </a:prstGeom>
+        </p:spPr>
+      </p:pic>
+      <p:pic>
+        <p:nvPicPr>
+          <p:cNvPr id="12" name="图片 11"/>
+          <p:cNvPicPr>
+            <a:picLocks noChangeAspect="1"/>
+          </p:cNvPicPr>
+          <p:nvPr/>
+        </p:nvPicPr>
+        <p:blipFill>
+          <a:blip r:embed="rId5" cstate="print">
+            <a:extLst>
+              <a:ext uri="{28A0092B-C50C-407E-A947-70E740481C1C}">
+                <a14:useLocalDpi xmlns:a14="http://schemas.microsoft.com/office/drawing/2010/main" val="0"/>
+              </a:ext>
+            </a:extLst>
+          </a:blip>
+          <a:stretch>
+            <a:fillRect/>
+          </a:stretch>
+        </p:blipFill>
+        <p:spPr>
+          <a:xfrm>
+            <a:off x="249935" y="6440600"/>
+            <a:ext cx="1176530" cy="280417"/>
+          </a:xfrm>
+          <a:prstGeom prst="rect">
+            <a:avLst/>
+          </a:prstGeom>
+        </p:spPr>
+      </p:pic>
+      <p:pic>
+        <p:nvPicPr>
+          <p:cNvPr id="10" name="内容占位符 9" descr="E:\GitHub\YADEM\Post-Processing\2D\Thesis\inlier-grid\erosion\irregular\content with mesh.png"/>
+          <p:cNvPicPr>
+            <a:picLocks noGrp="1" noChangeAspect="1"/>
+          </p:cNvPicPr>
+          <p:nvPr>
+            <p:ph idx="1"/>
+          </p:nvPr>
+        </p:nvPicPr>
+        <p:blipFill>
+          <a:blip r:embed="rId6" cstate="print">
+            <a:extLst>
+              <a:ext uri="{28A0092B-C50C-407E-A947-70E740481C1C}">
+                <a14:useLocalDpi xmlns:a14="http://schemas.microsoft.com/office/drawing/2010/main" val="0"/>
+              </a:ext>
+            </a:extLst>
+          </a:blip>
+          <a:srcRect/>
+          <a:stretch>
+            <a:fillRect/>
+          </a:stretch>
+        </p:blipFill>
+        <p:spPr bwMode="auto">
+          <a:xfrm>
+            <a:off x="838200" y="1690688"/>
+            <a:ext cx="4320000" cy="4320000"/>
+          </a:xfrm>
+          <a:prstGeom prst="rect">
+            <a:avLst/>
+          </a:prstGeom>
+          <a:noFill/>
+          <a:ln>
+            <a:noFill/>
+          </a:ln>
+        </p:spPr>
+      </p:pic>
+      <p:pic>
+        <p:nvPicPr>
+          <p:cNvPr id="13" name="图片 12" descr="E:\GitHub\YADEM\Post-Processing\2D\Thesis\inlier-grid\simple outlier with mesh.png"/>
+          <p:cNvPicPr>
+            <a:picLocks noChangeAspect="1"/>
+          </p:cNvPicPr>
+          <p:nvPr/>
+        </p:nvPicPr>
+        <p:blipFill>
+          <a:blip r:embed="rId7" cstate="print">
+            <a:extLst>
+              <a:ext uri="{28A0092B-C50C-407E-A947-70E740481C1C}">
+                <a14:useLocalDpi xmlns:a14="http://schemas.microsoft.com/office/drawing/2010/main" val="0"/>
+              </a:ext>
+            </a:extLst>
+          </a:blip>
+          <a:srcRect/>
+          <a:stretch>
+            <a:fillRect/>
+          </a:stretch>
+        </p:blipFill>
+        <p:spPr bwMode="auto">
+          <a:xfrm>
+            <a:off x="6096000" y="1690688"/>
+            <a:ext cx="4320000" cy="4320000"/>
+          </a:xfrm>
+          <a:prstGeom prst="rect">
+            <a:avLst/>
+          </a:prstGeom>
+          <a:noFill/>
+          <a:ln>
+            <a:noFill/>
+          </a:ln>
+        </p:spPr>
+      </p:pic>
+    </p:spTree>
+    <p:extLst>
+      <p:ext uri="{BB962C8B-B14F-4D97-AF65-F5344CB8AC3E}">
+        <p14:creationId xmlns:p14="http://schemas.microsoft.com/office/powerpoint/2010/main" val="4239433960"/>
+      </p:ext>
+    </p:extLst>
+  </p:cSld>
+  <p:clrMapOvr>
+    <a:masterClrMapping/>
+  </p:clrMapOvr>
+  <mc:AlternateContent xmlns:mc="http://schemas.openxmlformats.org/markup-compatibility/2006" xmlns:p14="http://schemas.microsoft.com/office/powerpoint/2010/main">
+    <mc:Choice Requires="p14">
+      <p:transition spd="med" p14:dur="700">
+        <p:fade/>
+      </p:transition>
+    </mc:Choice>
+    <mc:Fallback xmlns="">
+      <p:transition spd="med">
+        <p:fade/>
+      </p:transition>
+    </mc:Fallback>
+  </mc:AlternateContent>
+</p:sld>
+</file>
+
+<file path=ppt/slides/slide29.xml><?xml version="1.0" encoding="utf-8"?>
+<p:sld xmlns:a="http://schemas.openxmlformats.org/drawingml/2006/main" xmlns:r="http://schemas.openxmlformats.org/officeDocument/2006/relationships" xmlns:p="http://schemas.openxmlformats.org/presentationml/2006/main">
+  <p:cSld>
+    <p:spTree>
+      <p:nvGrpSpPr>
+        <p:cNvPr id="1" name=""/>
+        <p:cNvGrpSpPr/>
+        <p:nvPr/>
+      </p:nvGrpSpPr>
+      <p:grpSpPr>
+        <a:xfrm>
+          <a:off x="0" y="0"/>
+          <a:ext cx="0" cy="0"/>
+          <a:chOff x="0" y="0"/>
+          <a:chExt cx="0" cy="0"/>
+        </a:xfrm>
+      </p:grpSpPr>
+      <p:sp>
+        <p:nvSpPr>
+          <p:cNvPr id="2" name="标题 1"/>
+          <p:cNvSpPr>
+            <a:spLocks noGrp="1"/>
+          </p:cNvSpPr>
+          <p:nvPr>
+            <p:ph type="title"/>
+          </p:nvPr>
+        </p:nvSpPr>
+        <p:spPr/>
+        <p:txBody>
+          <a:bodyPr>
+            <a:normAutofit/>
+          </a:bodyPr>
+          <a:lstStyle/>
+          <a:p>
+            <a:r>
+              <a:rPr lang="en-US" altLang="zh-CN" sz="4000" dirty="0" smtClean="0">
+                <a:latin typeface="Bahnschrift SemiLight" panose="020B0502040204020203" pitchFamily="34" charset="0"/>
+              </a:rPr>
+              <a:t>Outline Calculation</a:t>
+            </a:r>
+            <a:endParaRPr lang="zh-CN" altLang="en-US" sz="4000" dirty="0"/>
+          </a:p>
+        </p:txBody>
+      </p:sp>
+      <p:pic>
+        <p:nvPicPr>
+          <p:cNvPr id="8" name="Picture 4" descr="https://timgsa.baidu.com/timg?image&amp;quality=80&amp;size=b9999_10000&amp;sec=1571942598977&amp;di=62fda19cdc0fe8b6213b1b0e335bd1ba&amp;imgtype=0&amp;src=http%3A%2F%2Fcdn.onlinewebfonts.com%2Fsvg%2Fimg_326384.png"/>
+          <p:cNvPicPr>
+            <a:picLocks noChangeAspect="1" noChangeArrowheads="1"/>
+          </p:cNvPicPr>
+          <p:nvPr/>
+        </p:nvPicPr>
+        <p:blipFill>
+          <a:blip r:embed="rId2" cstate="print">
+            <a:extLst>
+              <a:ext uri="{28A0092B-C50C-407E-A947-70E740481C1C}">
+                <a14:useLocalDpi xmlns:a14="http://schemas.microsoft.com/office/drawing/2010/main" val="0"/>
+              </a:ext>
+            </a:extLst>
+          </a:blip>
+          <a:srcRect/>
+          <a:stretch>
+            <a:fillRect/>
+          </a:stretch>
+        </p:blipFill>
+        <p:spPr bwMode="auto">
+          <a:xfrm>
+            <a:off x="11353800" y="5975393"/>
+            <a:ext cx="727364" cy="745624"/>
+          </a:xfrm>
+          <a:prstGeom prst="rect">
+            <a:avLst/>
+          </a:prstGeom>
+          <a:noFill/>
+          <a:extLst>
+            <a:ext uri="{909E8E84-426E-40DD-AFC4-6F175D3DCCD1}">
+              <a14:hiddenFill xmlns:a14="http://schemas.microsoft.com/office/drawing/2010/main">
+                <a:solidFill>
+                  <a:srgbClr val="FFFFFF"/>
+                </a:solidFill>
+              </a14:hiddenFill>
+            </a:ext>
+          </a:extLst>
+        </p:spPr>
+      </p:pic>
+      <p:sp>
+        <p:nvSpPr>
+          <p:cNvPr id="9" name="矩形 8"/>
+          <p:cNvSpPr/>
+          <p:nvPr/>
+        </p:nvSpPr>
+        <p:spPr>
+          <a:xfrm>
+            <a:off x="3587482" y="6383355"/>
+            <a:ext cx="7766318" cy="338554"/>
+          </a:xfrm>
+          <a:prstGeom prst="rect">
+            <a:avLst/>
+          </a:prstGeom>
+        </p:spPr>
+        <p:txBody>
+          <a:bodyPr wrap="square">
+            <a:spAutoFit/>
+          </a:bodyPr>
+          <a:lstStyle/>
+          <a:p>
+            <a:pPr algn="r"/>
+            <a:r>
+              <a:rPr lang="en-US" altLang="zh-CN" sz="1600" dirty="0">
+                <a:latin typeface="Bahnschrift SemiLight" panose="020B0502040204020203" pitchFamily="34" charset="0"/>
+              </a:rPr>
+              <a:t>GitHub: </a:t>
+            </a:r>
+            <a:r>
+              <a:rPr lang="en-US" altLang="zh-CN" sz="1600" dirty="0">
+                <a:latin typeface="Bahnschrift SemiLight" panose="020B0502040204020203" pitchFamily="34" charset="0"/>
+                <a:hlinkClick r:id="rId3"/>
+              </a:rPr>
+              <a:t>https://github.com/jerryweihuajing/Post-Processing</a:t>
+            </a:r>
+            <a:endParaRPr lang="en-US" altLang="zh-CN" sz="1600" dirty="0">
+              <a:latin typeface="Bahnschrift SemiLight" panose="020B0502040204020203" pitchFamily="34" charset="0"/>
+            </a:endParaRPr>
+          </a:p>
+        </p:txBody>
+      </p:sp>
+      <p:pic>
+        <p:nvPicPr>
+          <p:cNvPr id="11" name="图片 10">
+            <a:extLst>
+              <a:ext uri="{FF2B5EF4-FFF2-40B4-BE49-F238E27FC236}">
+                <a16:creationId xmlns:a16="http://schemas.microsoft.com/office/drawing/2014/main" id="{658CEFC9-0A41-4083-91BD-1AD944F1ABEF}"/>
+              </a:ext>
+            </a:extLst>
+          </p:cNvPr>
+          <p:cNvPicPr>
+            <a:picLocks noChangeAspect="1"/>
+          </p:cNvPicPr>
+          <p:nvPr/>
+        </p:nvPicPr>
+        <p:blipFill>
+          <a:blip r:embed="rId4">
+            <a:extLst>
+              <a:ext uri="{28A0092B-C50C-407E-A947-70E740481C1C}">
+                <a14:useLocalDpi xmlns:a14="http://schemas.microsoft.com/office/drawing/2010/main" val="0"/>
+              </a:ext>
+            </a:extLst>
+          </a:blip>
+          <a:stretch>
+            <a:fillRect/>
+          </a:stretch>
+        </p:blipFill>
+        <p:spPr>
+          <a:xfrm>
+            <a:off x="9022080" y="681037"/>
+            <a:ext cx="2331720" cy="579454"/>
+          </a:xfrm>
+          <a:prstGeom prst="rect">
+            <a:avLst/>
+          </a:prstGeom>
+        </p:spPr>
+      </p:pic>
+      <p:pic>
+        <p:nvPicPr>
+          <p:cNvPr id="12" name="图片 11"/>
+          <p:cNvPicPr>
+            <a:picLocks noChangeAspect="1"/>
+          </p:cNvPicPr>
+          <p:nvPr/>
+        </p:nvPicPr>
+        <p:blipFill>
+          <a:blip r:embed="rId5" cstate="print">
+            <a:extLst>
+              <a:ext uri="{28A0092B-C50C-407E-A947-70E740481C1C}">
+                <a14:useLocalDpi xmlns:a14="http://schemas.microsoft.com/office/drawing/2010/main" val="0"/>
+              </a:ext>
+            </a:extLst>
+          </a:blip>
+          <a:stretch>
+            <a:fillRect/>
+          </a:stretch>
+        </p:blipFill>
+        <p:spPr>
+          <a:xfrm>
+            <a:off x="249935" y="6440600"/>
+            <a:ext cx="1176530" cy="280417"/>
+          </a:xfrm>
+          <a:prstGeom prst="rect">
+            <a:avLst/>
+          </a:prstGeom>
+        </p:spPr>
+      </p:pic>
+      <p:pic>
+        <p:nvPicPr>
+          <p:cNvPr id="14" name="内容占位符 13" descr="E:\GitHub\YADEM\Post-Processing\2D\Thesis\inlier-grid\simple outlier with grid and mesh.png"/>
+          <p:cNvPicPr>
+            <a:picLocks noGrp="1" noChangeAspect="1"/>
+          </p:cNvPicPr>
+          <p:nvPr>
+            <p:ph idx="1"/>
+          </p:nvPr>
+        </p:nvPicPr>
+        <p:blipFill>
+          <a:blip r:embed="rId6" cstate="print">
+            <a:extLst>
+              <a:ext uri="{28A0092B-C50C-407E-A947-70E740481C1C}">
+                <a14:useLocalDpi xmlns:a14="http://schemas.microsoft.com/office/drawing/2010/main" val="0"/>
+              </a:ext>
+            </a:extLst>
+          </a:blip>
+          <a:srcRect/>
+          <a:stretch>
+            <a:fillRect/>
+          </a:stretch>
+        </p:blipFill>
+        <p:spPr bwMode="auto">
+          <a:xfrm>
+            <a:off x="838200" y="1686537"/>
+            <a:ext cx="4320000" cy="4320000"/>
+          </a:xfrm>
+          <a:prstGeom prst="rect">
+            <a:avLst/>
+          </a:prstGeom>
+          <a:noFill/>
+          <a:ln>
+            <a:noFill/>
+          </a:ln>
+        </p:spPr>
+      </p:pic>
+      <p:pic>
+        <p:nvPicPr>
+          <p:cNvPr id="15" name="图片 14" descr="E:\GitHub\YADEM\Post-Processing\2D\Thesis\inlier-grid\fine outlier and mesh.png"/>
+          <p:cNvPicPr>
+            <a:picLocks noChangeAspect="1"/>
+          </p:cNvPicPr>
+          <p:nvPr/>
+        </p:nvPicPr>
+        <p:blipFill>
+          <a:blip r:embed="rId7" cstate="print">
+            <a:extLst>
+              <a:ext uri="{28A0092B-C50C-407E-A947-70E740481C1C}">
+                <a14:useLocalDpi xmlns:a14="http://schemas.microsoft.com/office/drawing/2010/main" val="0"/>
+              </a:ext>
+            </a:extLst>
+          </a:blip>
+          <a:srcRect/>
+          <a:stretch>
+            <a:fillRect/>
+          </a:stretch>
+        </p:blipFill>
+        <p:spPr bwMode="auto">
+          <a:xfrm>
+            <a:off x="6096000" y="1686537"/>
+            <a:ext cx="4320000" cy="4320000"/>
+          </a:xfrm>
+          <a:prstGeom prst="rect">
+            <a:avLst/>
+          </a:prstGeom>
+          <a:noFill/>
+          <a:ln>
+            <a:noFill/>
+          </a:ln>
+        </p:spPr>
+      </p:pic>
+    </p:spTree>
+    <p:extLst>
+      <p:ext uri="{BB962C8B-B14F-4D97-AF65-F5344CB8AC3E}">
+        <p14:creationId xmlns:p14="http://schemas.microsoft.com/office/powerpoint/2010/main" val="3531112036"/>
       </p:ext>
     </p:extLst>
   </p:cSld>
@@ -7201,12 +10765,736 @@
           </a:p>
           <a:p>
             <a:r>
+              <a:rPr lang="en-US" altLang="zh-CN" sz="2400" dirty="0" smtClean="0">
+                <a:latin typeface="Bahnschrift SemiLight" panose="020B0502040204020203" pitchFamily="34" charset="0"/>
+                <a:ea typeface="+mj-ea"/>
+                <a:cs typeface="+mj-cs"/>
+              </a:rPr>
+              <a:t>Aim</a:t>
+            </a:r>
+            <a:endParaRPr lang="en-US" altLang="zh-CN" sz="2400" dirty="0">
+              <a:latin typeface="Bahnschrift SemiLight" panose="020B0502040204020203" pitchFamily="34" charset="0"/>
+              <a:ea typeface="+mj-ea"/>
+              <a:cs typeface="+mj-cs"/>
+            </a:endParaRPr>
+          </a:p>
+        </p:txBody>
+      </p:sp>
+    </p:spTree>
+    <p:extLst>
+      <p:ext uri="{BB962C8B-B14F-4D97-AF65-F5344CB8AC3E}">
+        <p14:creationId xmlns:p14="http://schemas.microsoft.com/office/powerpoint/2010/main" val="2156696989"/>
+      </p:ext>
+    </p:extLst>
+  </p:cSld>
+  <p:clrMapOvr>
+    <a:masterClrMapping/>
+  </p:clrMapOvr>
+  <mc:AlternateContent xmlns:mc="http://schemas.openxmlformats.org/markup-compatibility/2006" xmlns:p14="http://schemas.microsoft.com/office/powerpoint/2010/main">
+    <mc:Choice Requires="p14">
+      <p:transition spd="med" p14:dur="700">
+        <p:fade/>
+      </p:transition>
+    </mc:Choice>
+    <mc:Fallback xmlns="">
+      <p:transition spd="med">
+        <p:fade/>
+      </p:transition>
+    </mc:Fallback>
+  </mc:AlternateContent>
+  <p:timing>
+    <p:tnLst>
+      <p:par>
+        <p:cTn id="1" dur="indefinite" restart="never" nodeType="tmRoot"/>
+      </p:par>
+    </p:tnLst>
+  </p:timing>
+</p:sld>
+</file>
+
+<file path=ppt/slides/slide30.xml><?xml version="1.0" encoding="utf-8"?>
+<p:sld xmlns:a="http://schemas.openxmlformats.org/drawingml/2006/main" xmlns:r="http://schemas.openxmlformats.org/officeDocument/2006/relationships" xmlns:p="http://schemas.openxmlformats.org/presentationml/2006/main">
+  <p:cSld>
+    <p:spTree>
+      <p:nvGrpSpPr>
+        <p:cNvPr id="1" name=""/>
+        <p:cNvGrpSpPr/>
+        <p:nvPr/>
+      </p:nvGrpSpPr>
+      <p:grpSpPr>
+        <a:xfrm>
+          <a:off x="0" y="0"/>
+          <a:ext cx="0" cy="0"/>
+          <a:chOff x="0" y="0"/>
+          <a:chExt cx="0" cy="0"/>
+        </a:xfrm>
+      </p:grpSpPr>
+      <p:sp>
+        <p:nvSpPr>
+          <p:cNvPr id="2" name="标题 1"/>
+          <p:cNvSpPr>
+            <a:spLocks noGrp="1"/>
+          </p:cNvSpPr>
+          <p:nvPr>
+            <p:ph type="title"/>
+          </p:nvPr>
+        </p:nvSpPr>
+        <p:spPr/>
+        <p:txBody>
+          <a:bodyPr>
+            <a:normAutofit/>
+          </a:bodyPr>
+          <a:lstStyle/>
+          <a:p>
+            <a:r>
+              <a:rPr lang="en-US" altLang="zh-CN" sz="4000" dirty="0" smtClean="0">
+                <a:latin typeface="Bahnschrift SemiLight" panose="020B0502040204020203" pitchFamily="34" charset="0"/>
+              </a:rPr>
+              <a:t>Outline Calculation</a:t>
+            </a:r>
+            <a:endParaRPr lang="zh-CN" altLang="en-US" sz="4000" dirty="0"/>
+          </a:p>
+        </p:txBody>
+      </p:sp>
+      <p:pic>
+        <p:nvPicPr>
+          <p:cNvPr id="8" name="Picture 4" descr="https://timgsa.baidu.com/timg?image&amp;quality=80&amp;size=b9999_10000&amp;sec=1571942598977&amp;di=62fda19cdc0fe8b6213b1b0e335bd1ba&amp;imgtype=0&amp;src=http%3A%2F%2Fcdn.onlinewebfonts.com%2Fsvg%2Fimg_326384.png"/>
+          <p:cNvPicPr>
+            <a:picLocks noChangeAspect="1" noChangeArrowheads="1"/>
+          </p:cNvPicPr>
+          <p:nvPr/>
+        </p:nvPicPr>
+        <p:blipFill>
+          <a:blip r:embed="rId2" cstate="print">
+            <a:extLst>
+              <a:ext uri="{28A0092B-C50C-407E-A947-70E740481C1C}">
+                <a14:useLocalDpi xmlns:a14="http://schemas.microsoft.com/office/drawing/2010/main" val="0"/>
+              </a:ext>
+            </a:extLst>
+          </a:blip>
+          <a:srcRect/>
+          <a:stretch>
+            <a:fillRect/>
+          </a:stretch>
+        </p:blipFill>
+        <p:spPr bwMode="auto">
+          <a:xfrm>
+            <a:off x="11353800" y="5975393"/>
+            <a:ext cx="727364" cy="745624"/>
+          </a:xfrm>
+          <a:prstGeom prst="rect">
+            <a:avLst/>
+          </a:prstGeom>
+          <a:noFill/>
+          <a:extLst>
+            <a:ext uri="{909E8E84-426E-40DD-AFC4-6F175D3DCCD1}">
+              <a14:hiddenFill xmlns:a14="http://schemas.microsoft.com/office/drawing/2010/main">
+                <a:solidFill>
+                  <a:srgbClr val="FFFFFF"/>
+                </a:solidFill>
+              </a14:hiddenFill>
+            </a:ext>
+          </a:extLst>
+        </p:spPr>
+      </p:pic>
+      <p:sp>
+        <p:nvSpPr>
+          <p:cNvPr id="9" name="矩形 8"/>
+          <p:cNvSpPr/>
+          <p:nvPr/>
+        </p:nvSpPr>
+        <p:spPr>
+          <a:xfrm>
+            <a:off x="3587482" y="6383355"/>
+            <a:ext cx="7766318" cy="338554"/>
+          </a:xfrm>
+          <a:prstGeom prst="rect">
+            <a:avLst/>
+          </a:prstGeom>
+        </p:spPr>
+        <p:txBody>
+          <a:bodyPr wrap="square">
+            <a:spAutoFit/>
+          </a:bodyPr>
+          <a:lstStyle/>
+          <a:p>
+            <a:pPr algn="r"/>
+            <a:r>
+              <a:rPr lang="en-US" altLang="zh-CN" sz="1600" dirty="0">
+                <a:latin typeface="Bahnschrift SemiLight" panose="020B0502040204020203" pitchFamily="34" charset="0"/>
+              </a:rPr>
+              <a:t>GitHub: </a:t>
+            </a:r>
+            <a:r>
+              <a:rPr lang="en-US" altLang="zh-CN" sz="1600" dirty="0">
+                <a:latin typeface="Bahnschrift SemiLight" panose="020B0502040204020203" pitchFamily="34" charset="0"/>
+                <a:hlinkClick r:id="rId3"/>
+              </a:rPr>
+              <a:t>https://github.com/jerryweihuajing/Post-Processing</a:t>
+            </a:r>
+            <a:endParaRPr lang="en-US" altLang="zh-CN" sz="1600" dirty="0">
+              <a:latin typeface="Bahnschrift SemiLight" panose="020B0502040204020203" pitchFamily="34" charset="0"/>
+            </a:endParaRPr>
+          </a:p>
+        </p:txBody>
+      </p:sp>
+      <p:pic>
+        <p:nvPicPr>
+          <p:cNvPr id="11" name="图片 10">
+            <a:extLst>
+              <a:ext uri="{FF2B5EF4-FFF2-40B4-BE49-F238E27FC236}">
+                <a16:creationId xmlns:a16="http://schemas.microsoft.com/office/drawing/2014/main" id="{658CEFC9-0A41-4083-91BD-1AD944F1ABEF}"/>
+              </a:ext>
+            </a:extLst>
+          </p:cNvPr>
+          <p:cNvPicPr>
+            <a:picLocks noChangeAspect="1"/>
+          </p:cNvPicPr>
+          <p:nvPr/>
+        </p:nvPicPr>
+        <p:blipFill>
+          <a:blip r:embed="rId4">
+            <a:extLst>
+              <a:ext uri="{28A0092B-C50C-407E-A947-70E740481C1C}">
+                <a14:useLocalDpi xmlns:a14="http://schemas.microsoft.com/office/drawing/2010/main" val="0"/>
+              </a:ext>
+            </a:extLst>
+          </a:blip>
+          <a:stretch>
+            <a:fillRect/>
+          </a:stretch>
+        </p:blipFill>
+        <p:spPr>
+          <a:xfrm>
+            <a:off x="9022080" y="681037"/>
+            <a:ext cx="2331720" cy="579454"/>
+          </a:xfrm>
+          <a:prstGeom prst="rect">
+            <a:avLst/>
+          </a:prstGeom>
+        </p:spPr>
+      </p:pic>
+      <p:pic>
+        <p:nvPicPr>
+          <p:cNvPr id="12" name="图片 11"/>
+          <p:cNvPicPr>
+            <a:picLocks noChangeAspect="1"/>
+          </p:cNvPicPr>
+          <p:nvPr/>
+        </p:nvPicPr>
+        <p:blipFill>
+          <a:blip r:embed="rId5" cstate="print">
+            <a:extLst>
+              <a:ext uri="{28A0092B-C50C-407E-A947-70E740481C1C}">
+                <a14:useLocalDpi xmlns:a14="http://schemas.microsoft.com/office/drawing/2010/main" val="0"/>
+              </a:ext>
+            </a:extLst>
+          </a:blip>
+          <a:stretch>
+            <a:fillRect/>
+          </a:stretch>
+        </p:blipFill>
+        <p:spPr>
+          <a:xfrm>
+            <a:off x="249935" y="6440600"/>
+            <a:ext cx="1176530" cy="280417"/>
+          </a:xfrm>
+          <a:prstGeom prst="rect">
+            <a:avLst/>
+          </a:prstGeom>
+        </p:spPr>
+      </p:pic>
+      <p:pic>
+        <p:nvPicPr>
+          <p:cNvPr id="13" name="内容占位符 12" descr="E:\GitHub\YADEM\Post-Processing\2D\Thesis\content\content.png"/>
+          <p:cNvPicPr>
+            <a:picLocks noGrp="1" noChangeAspect="1"/>
+          </p:cNvPicPr>
+          <p:nvPr>
+            <p:ph idx="1"/>
+          </p:nvPr>
+        </p:nvPicPr>
+        <p:blipFill>
+          <a:blip r:embed="rId6" cstate="print">
+            <a:extLst>
+              <a:ext uri="{28A0092B-C50C-407E-A947-70E740481C1C}">
+                <a14:useLocalDpi xmlns:a14="http://schemas.microsoft.com/office/drawing/2010/main" val="0"/>
+              </a:ext>
+            </a:extLst>
+          </a:blip>
+          <a:srcRect/>
+          <a:stretch>
+            <a:fillRect/>
+          </a:stretch>
+        </p:blipFill>
+        <p:spPr bwMode="auto">
+          <a:xfrm>
+            <a:off x="838200" y="1690688"/>
+            <a:ext cx="3659155" cy="3600000"/>
+          </a:xfrm>
+          <a:prstGeom prst="rect">
+            <a:avLst/>
+          </a:prstGeom>
+          <a:noFill/>
+          <a:ln>
+            <a:noFill/>
+          </a:ln>
+        </p:spPr>
+      </p:pic>
+      <p:pic>
+        <p:nvPicPr>
+          <p:cNvPr id="16" name="图片 15" descr="E:\GitHub\YADEM\Post-Processing\2D\Thesis\outlier\outlier.png"/>
+          <p:cNvPicPr>
+            <a:picLocks noChangeAspect="1"/>
+          </p:cNvPicPr>
+          <p:nvPr/>
+        </p:nvPicPr>
+        <p:blipFill>
+          <a:blip r:embed="rId7" cstate="print">
+            <a:extLst>
+              <a:ext uri="{28A0092B-C50C-407E-A947-70E740481C1C}">
+                <a14:useLocalDpi xmlns:a14="http://schemas.microsoft.com/office/drawing/2010/main" val="0"/>
+              </a:ext>
+            </a:extLst>
+          </a:blip>
+          <a:srcRect/>
+          <a:stretch>
+            <a:fillRect/>
+          </a:stretch>
+        </p:blipFill>
+        <p:spPr bwMode="auto">
+          <a:xfrm>
+            <a:off x="4497355" y="1690688"/>
+            <a:ext cx="3658085" cy="3600000"/>
+          </a:xfrm>
+          <a:prstGeom prst="rect">
+            <a:avLst/>
+          </a:prstGeom>
+          <a:noFill/>
+          <a:ln>
+            <a:noFill/>
+          </a:ln>
+        </p:spPr>
+      </p:pic>
+      <p:pic>
+        <p:nvPicPr>
+          <p:cNvPr id="17" name="图片 16" descr="E:\GitHub\YADEM\Post-Processing\2D\Thesis\outlier\outline improvement.png"/>
+          <p:cNvPicPr>
+            <a:picLocks noChangeAspect="1"/>
+          </p:cNvPicPr>
+          <p:nvPr/>
+        </p:nvPicPr>
+        <p:blipFill>
+          <a:blip r:embed="rId8" cstate="print">
+            <a:extLst>
+              <a:ext uri="{28A0092B-C50C-407E-A947-70E740481C1C}">
+                <a14:useLocalDpi xmlns:a14="http://schemas.microsoft.com/office/drawing/2010/main" val="0"/>
+              </a:ext>
+            </a:extLst>
+          </a:blip>
+          <a:srcRect/>
+          <a:stretch>
+            <a:fillRect/>
+          </a:stretch>
+        </p:blipFill>
+        <p:spPr bwMode="auto">
+          <a:xfrm>
+            <a:off x="8156510" y="1690688"/>
+            <a:ext cx="3658085" cy="3600000"/>
+          </a:xfrm>
+          <a:prstGeom prst="rect">
+            <a:avLst/>
+          </a:prstGeom>
+          <a:noFill/>
+          <a:ln>
+            <a:noFill/>
+          </a:ln>
+        </p:spPr>
+      </p:pic>
+    </p:spTree>
+    <p:extLst>
+      <p:ext uri="{BB962C8B-B14F-4D97-AF65-F5344CB8AC3E}">
+        <p14:creationId xmlns:p14="http://schemas.microsoft.com/office/powerpoint/2010/main" val="2503516940"/>
+      </p:ext>
+    </p:extLst>
+  </p:cSld>
+  <p:clrMapOvr>
+    <a:masterClrMapping/>
+  </p:clrMapOvr>
+  <mc:AlternateContent xmlns:mc="http://schemas.openxmlformats.org/markup-compatibility/2006" xmlns:p14="http://schemas.microsoft.com/office/powerpoint/2010/main">
+    <mc:Choice Requires="p14">
+      <p:transition spd="med" p14:dur="700">
+        <p:fade/>
+      </p:transition>
+    </mc:Choice>
+    <mc:Fallback xmlns="">
+      <p:transition spd="med">
+        <p:fade/>
+      </p:transition>
+    </mc:Fallback>
+  </mc:AlternateContent>
+</p:sld>
+</file>
+
+<file path=ppt/slides/slide31.xml><?xml version="1.0" encoding="utf-8"?>
+<p:sld xmlns:a="http://schemas.openxmlformats.org/drawingml/2006/main" xmlns:r="http://schemas.openxmlformats.org/officeDocument/2006/relationships" xmlns:p="http://schemas.openxmlformats.org/presentationml/2006/main">
+  <p:cSld>
+    <p:spTree>
+      <p:nvGrpSpPr>
+        <p:cNvPr id="1" name=""/>
+        <p:cNvGrpSpPr/>
+        <p:nvPr/>
+      </p:nvGrpSpPr>
+      <p:grpSpPr>
+        <a:xfrm>
+          <a:off x="0" y="0"/>
+          <a:ext cx="0" cy="0"/>
+          <a:chOff x="0" y="0"/>
+          <a:chExt cx="0" cy="0"/>
+        </a:xfrm>
+      </p:grpSpPr>
+      <p:sp>
+        <p:nvSpPr>
+          <p:cNvPr id="2" name="标题 1"/>
+          <p:cNvSpPr>
+            <a:spLocks noGrp="1"/>
+          </p:cNvSpPr>
+          <p:nvPr>
+            <p:ph type="title"/>
+          </p:nvPr>
+        </p:nvSpPr>
+        <p:spPr/>
+        <p:txBody>
+          <a:bodyPr>
+            <a:normAutofit/>
+          </a:bodyPr>
+          <a:lstStyle/>
+          <a:p>
+            <a:r>
+              <a:rPr lang="en-US" altLang="zh-CN" sz="4000" dirty="0" smtClean="0">
+                <a:latin typeface="Bahnschrift SemiLight" panose="020B0502040204020203" pitchFamily="34" charset="0"/>
+              </a:rPr>
+              <a:t>Outline Calculation</a:t>
+            </a:r>
+            <a:endParaRPr lang="zh-CN" altLang="en-US" sz="4000" dirty="0"/>
+          </a:p>
+        </p:txBody>
+      </p:sp>
+      <p:pic>
+        <p:nvPicPr>
+          <p:cNvPr id="8" name="Picture 4" descr="https://timgsa.baidu.com/timg?image&amp;quality=80&amp;size=b9999_10000&amp;sec=1571942598977&amp;di=62fda19cdc0fe8b6213b1b0e335bd1ba&amp;imgtype=0&amp;src=http%3A%2F%2Fcdn.onlinewebfonts.com%2Fsvg%2Fimg_326384.png"/>
+          <p:cNvPicPr>
+            <a:picLocks noChangeAspect="1" noChangeArrowheads="1"/>
+          </p:cNvPicPr>
+          <p:nvPr/>
+        </p:nvPicPr>
+        <p:blipFill>
+          <a:blip r:embed="rId2" cstate="print">
+            <a:extLst>
+              <a:ext uri="{28A0092B-C50C-407E-A947-70E740481C1C}">
+                <a14:useLocalDpi xmlns:a14="http://schemas.microsoft.com/office/drawing/2010/main" val="0"/>
+              </a:ext>
+            </a:extLst>
+          </a:blip>
+          <a:srcRect/>
+          <a:stretch>
+            <a:fillRect/>
+          </a:stretch>
+        </p:blipFill>
+        <p:spPr bwMode="auto">
+          <a:xfrm>
+            <a:off x="11353800" y="5975393"/>
+            <a:ext cx="727364" cy="745624"/>
+          </a:xfrm>
+          <a:prstGeom prst="rect">
+            <a:avLst/>
+          </a:prstGeom>
+          <a:noFill/>
+          <a:extLst>
+            <a:ext uri="{909E8E84-426E-40DD-AFC4-6F175D3DCCD1}">
+              <a14:hiddenFill xmlns:a14="http://schemas.microsoft.com/office/drawing/2010/main">
+                <a:solidFill>
+                  <a:srgbClr val="FFFFFF"/>
+                </a:solidFill>
+              </a14:hiddenFill>
+            </a:ext>
+          </a:extLst>
+        </p:spPr>
+      </p:pic>
+      <p:sp>
+        <p:nvSpPr>
+          <p:cNvPr id="9" name="矩形 8"/>
+          <p:cNvSpPr/>
+          <p:nvPr/>
+        </p:nvSpPr>
+        <p:spPr>
+          <a:xfrm>
+            <a:off x="3587482" y="6383355"/>
+            <a:ext cx="7766318" cy="338554"/>
+          </a:xfrm>
+          <a:prstGeom prst="rect">
+            <a:avLst/>
+          </a:prstGeom>
+        </p:spPr>
+        <p:txBody>
+          <a:bodyPr wrap="square">
+            <a:spAutoFit/>
+          </a:bodyPr>
+          <a:lstStyle/>
+          <a:p>
+            <a:pPr algn="r"/>
+            <a:r>
+              <a:rPr lang="en-US" altLang="zh-CN" sz="1600" dirty="0">
+                <a:latin typeface="Bahnschrift SemiLight" panose="020B0502040204020203" pitchFamily="34" charset="0"/>
+              </a:rPr>
+              <a:t>GitHub: </a:t>
+            </a:r>
+            <a:r>
+              <a:rPr lang="en-US" altLang="zh-CN" sz="1600" dirty="0">
+                <a:latin typeface="Bahnschrift SemiLight" panose="020B0502040204020203" pitchFamily="34" charset="0"/>
+                <a:hlinkClick r:id="rId3"/>
+              </a:rPr>
+              <a:t>https://github.com/jerryweihuajing/Post-Processing</a:t>
+            </a:r>
+            <a:endParaRPr lang="en-US" altLang="zh-CN" sz="1600" dirty="0">
+              <a:latin typeface="Bahnschrift SemiLight" panose="020B0502040204020203" pitchFamily="34" charset="0"/>
+            </a:endParaRPr>
+          </a:p>
+        </p:txBody>
+      </p:sp>
+      <p:pic>
+        <p:nvPicPr>
+          <p:cNvPr id="11" name="图片 10">
+            <a:extLst>
+              <a:ext uri="{FF2B5EF4-FFF2-40B4-BE49-F238E27FC236}">
+                <a16:creationId xmlns:a16="http://schemas.microsoft.com/office/drawing/2014/main" id="{658CEFC9-0A41-4083-91BD-1AD944F1ABEF}"/>
+              </a:ext>
+            </a:extLst>
+          </p:cNvPr>
+          <p:cNvPicPr>
+            <a:picLocks noChangeAspect="1"/>
+          </p:cNvPicPr>
+          <p:nvPr/>
+        </p:nvPicPr>
+        <p:blipFill>
+          <a:blip r:embed="rId4">
+            <a:extLst>
+              <a:ext uri="{28A0092B-C50C-407E-A947-70E740481C1C}">
+                <a14:useLocalDpi xmlns:a14="http://schemas.microsoft.com/office/drawing/2010/main" val="0"/>
+              </a:ext>
+            </a:extLst>
+          </a:blip>
+          <a:stretch>
+            <a:fillRect/>
+          </a:stretch>
+        </p:blipFill>
+        <p:spPr>
+          <a:xfrm>
+            <a:off x="9022080" y="681037"/>
+            <a:ext cx="2331720" cy="579454"/>
+          </a:xfrm>
+          <a:prstGeom prst="rect">
+            <a:avLst/>
+          </a:prstGeom>
+        </p:spPr>
+      </p:pic>
+      <p:pic>
+        <p:nvPicPr>
+          <p:cNvPr id="12" name="图片 11"/>
+          <p:cNvPicPr>
+            <a:picLocks noChangeAspect="1"/>
+          </p:cNvPicPr>
+          <p:nvPr/>
+        </p:nvPicPr>
+        <p:blipFill>
+          <a:blip r:embed="rId5" cstate="print">
+            <a:extLst>
+              <a:ext uri="{28A0092B-C50C-407E-A947-70E740481C1C}">
+                <a14:useLocalDpi xmlns:a14="http://schemas.microsoft.com/office/drawing/2010/main" val="0"/>
+              </a:ext>
+            </a:extLst>
+          </a:blip>
+          <a:stretch>
+            <a:fillRect/>
+          </a:stretch>
+        </p:blipFill>
+        <p:spPr>
+          <a:xfrm>
+            <a:off x="249935" y="6440600"/>
+            <a:ext cx="1176530" cy="280417"/>
+          </a:xfrm>
+          <a:prstGeom prst="rect">
+            <a:avLst/>
+          </a:prstGeom>
+        </p:spPr>
+      </p:pic>
+      <p:pic>
+        <p:nvPicPr>
+          <p:cNvPr id="14" name="内容占位符 13" descr="E:\GitHub\YADEM\Post-Processing\2D\Thesis\strain-smoothed.png"/>
+          <p:cNvPicPr>
+            <a:picLocks noGrp="1" noChangeAspect="1"/>
+          </p:cNvPicPr>
+          <p:nvPr>
+            <p:ph idx="1"/>
+          </p:nvPr>
+        </p:nvPicPr>
+        <p:blipFill>
+          <a:blip r:embed="rId6" cstate="print">
+            <a:extLst>
+              <a:ext uri="{28A0092B-C50C-407E-A947-70E740481C1C}">
+                <a14:useLocalDpi xmlns:a14="http://schemas.microsoft.com/office/drawing/2010/main" val="0"/>
+              </a:ext>
+            </a:extLst>
+          </a:blip>
+          <a:srcRect/>
+          <a:stretch>
+            <a:fillRect/>
+          </a:stretch>
+        </p:blipFill>
+        <p:spPr bwMode="auto">
+          <a:xfrm>
+            <a:off x="838200" y="1690688"/>
+            <a:ext cx="4391429" cy="4320000"/>
+          </a:xfrm>
+          <a:prstGeom prst="rect">
+            <a:avLst/>
+          </a:prstGeom>
+          <a:noFill/>
+          <a:ln>
+            <a:noFill/>
+          </a:ln>
+        </p:spPr>
+      </p:pic>
+      <p:pic>
+        <p:nvPicPr>
+          <p:cNvPr id="15" name="图片 14" descr="E:\GitHub\YADEM\Post-Processing\2D\Thesis\inlier\strain ROI.png"/>
+          <p:cNvPicPr>
+            <a:picLocks noChangeAspect="1"/>
+          </p:cNvPicPr>
+          <p:nvPr/>
+        </p:nvPicPr>
+        <p:blipFill>
+          <a:blip r:embed="rId7" cstate="print">
+            <a:extLst>
+              <a:ext uri="{28A0092B-C50C-407E-A947-70E740481C1C}">
+                <a14:useLocalDpi xmlns:a14="http://schemas.microsoft.com/office/drawing/2010/main" val="0"/>
+              </a:ext>
+            </a:extLst>
+          </a:blip>
+          <a:srcRect/>
+          <a:stretch>
+            <a:fillRect/>
+          </a:stretch>
+        </p:blipFill>
+        <p:spPr bwMode="auto">
+          <a:xfrm>
+            <a:off x="6094896" y="1690688"/>
+            <a:ext cx="4393636" cy="4320000"/>
+          </a:xfrm>
+          <a:prstGeom prst="rect">
+            <a:avLst/>
+          </a:prstGeom>
+          <a:noFill/>
+          <a:ln>
+            <a:noFill/>
+          </a:ln>
+        </p:spPr>
+      </p:pic>
+    </p:spTree>
+    <p:extLst>
+      <p:ext uri="{BB962C8B-B14F-4D97-AF65-F5344CB8AC3E}">
+        <p14:creationId xmlns:p14="http://schemas.microsoft.com/office/powerpoint/2010/main" val="3222656385"/>
+      </p:ext>
+    </p:extLst>
+  </p:cSld>
+  <p:clrMapOvr>
+    <a:masterClrMapping/>
+  </p:clrMapOvr>
+  <mc:AlternateContent xmlns:mc="http://schemas.openxmlformats.org/markup-compatibility/2006" xmlns:p14="http://schemas.microsoft.com/office/powerpoint/2010/main">
+    <mc:Choice Requires="p14">
+      <p:transition spd="med" p14:dur="700">
+        <p:fade/>
+      </p:transition>
+    </mc:Choice>
+    <mc:Fallback xmlns="">
+      <p:transition spd="med">
+        <p:fade/>
+      </p:transition>
+    </mc:Fallback>
+  </mc:AlternateContent>
+</p:sld>
+</file>
+
+<file path=ppt/slides/slide32.xml><?xml version="1.0" encoding="utf-8"?>
+<p:sld xmlns:a="http://schemas.openxmlformats.org/drawingml/2006/main" xmlns:r="http://schemas.openxmlformats.org/officeDocument/2006/relationships" xmlns:p="http://schemas.openxmlformats.org/presentationml/2006/main">
+  <p:cSld>
+    <p:spTree>
+      <p:nvGrpSpPr>
+        <p:cNvPr id="1" name=""/>
+        <p:cNvGrpSpPr/>
+        <p:nvPr/>
+      </p:nvGrpSpPr>
+      <p:grpSpPr>
+        <a:xfrm>
+          <a:off x="0" y="0"/>
+          <a:ext cx="0" cy="0"/>
+          <a:chOff x="0" y="0"/>
+          <a:chExt cx="0" cy="0"/>
+        </a:xfrm>
+      </p:grpSpPr>
+      <p:sp>
+        <p:nvSpPr>
+          <p:cNvPr id="2" name="标题 1"/>
+          <p:cNvSpPr>
+            <a:spLocks noGrp="1"/>
+          </p:cNvSpPr>
+          <p:nvPr>
+            <p:ph type="title"/>
+          </p:nvPr>
+        </p:nvSpPr>
+        <p:spPr/>
+        <p:txBody>
+          <a:bodyPr>
+            <a:normAutofit/>
+          </a:bodyPr>
+          <a:lstStyle/>
+          <a:p>
+            <a:r>
+              <a:rPr lang="en-US" altLang="zh-CN" sz="4000" dirty="0">
+                <a:latin typeface="Bahnschrift SemiLight" panose="020B0502040204020203" pitchFamily="34" charset="0"/>
+              </a:rPr>
+              <a:t>Content</a:t>
+            </a:r>
+            <a:endParaRPr lang="zh-CN" altLang="en-US" sz="4000" dirty="0">
+              <a:latin typeface="Bahnschrift SemiLight" panose="020B0502040204020203" pitchFamily="34" charset="0"/>
+            </a:endParaRPr>
+          </a:p>
+        </p:txBody>
+      </p:sp>
+      <p:sp>
+        <p:nvSpPr>
+          <p:cNvPr id="3" name="内容占位符 2"/>
+          <p:cNvSpPr>
+            <a:spLocks noGrp="1"/>
+          </p:cNvSpPr>
+          <p:nvPr>
+            <p:ph idx="1"/>
+          </p:nvPr>
+        </p:nvSpPr>
+        <p:spPr/>
+        <p:txBody>
+          <a:bodyPr>
+            <a:normAutofit/>
+          </a:bodyPr>
+          <a:lstStyle/>
+          <a:p>
+            <a:r>
               <a:rPr lang="en-US" altLang="zh-CN" sz="2400" dirty="0">
                 <a:latin typeface="Bahnschrift SemiLight" panose="020B0502040204020203" pitchFamily="34" charset="0"/>
                 <a:ea typeface="+mj-ea"/>
                 <a:cs typeface="+mj-cs"/>
               </a:rPr>
-              <a:t>Experiment</a:t>
+              <a:t>Background</a:t>
             </a:r>
           </a:p>
           <a:p>
@@ -7216,7 +11504,134 @@
                 <a:ea typeface="+mj-ea"/>
                 <a:cs typeface="+mj-cs"/>
               </a:rPr>
-              <a:t>Discussion</a:t>
+              <a:t>Algorithm</a:t>
+            </a:r>
+          </a:p>
+          <a:p>
+            <a:r>
+              <a:rPr lang="en-US" altLang="zh-CN" sz="2400" dirty="0" smtClean="0">
+                <a:solidFill>
+                  <a:srgbClr val="FF0000"/>
+                </a:solidFill>
+                <a:latin typeface="Bahnschrift SemiLight" panose="020B0502040204020203" pitchFamily="34" charset="0"/>
+                <a:ea typeface="+mj-ea"/>
+                <a:cs typeface="+mj-cs"/>
+              </a:rPr>
+              <a:t>Aim</a:t>
+            </a:r>
+            <a:endParaRPr lang="en-US" altLang="zh-CN" sz="2400" dirty="0">
+              <a:solidFill>
+                <a:srgbClr val="FF0000"/>
+              </a:solidFill>
+              <a:latin typeface="Bahnschrift SemiLight" panose="020B0502040204020203" pitchFamily="34" charset="0"/>
+              <a:ea typeface="+mj-ea"/>
+              <a:cs typeface="+mj-cs"/>
+            </a:endParaRPr>
+          </a:p>
+        </p:txBody>
+      </p:sp>
+    </p:spTree>
+    <p:extLst>
+      <p:ext uri="{BB962C8B-B14F-4D97-AF65-F5344CB8AC3E}">
+        <p14:creationId xmlns:p14="http://schemas.microsoft.com/office/powerpoint/2010/main" val="1275233354"/>
+      </p:ext>
+    </p:extLst>
+  </p:cSld>
+  <p:clrMapOvr>
+    <a:masterClrMapping/>
+  </p:clrMapOvr>
+  <mc:AlternateContent xmlns:mc="http://schemas.openxmlformats.org/markup-compatibility/2006" xmlns:p14="http://schemas.microsoft.com/office/powerpoint/2010/main">
+    <mc:Choice Requires="p14">
+      <p:transition spd="med" p14:dur="700">
+        <p:fade/>
+      </p:transition>
+    </mc:Choice>
+    <mc:Fallback xmlns="">
+      <p:transition spd="med">
+        <p:fade/>
+      </p:transition>
+    </mc:Fallback>
+  </mc:AlternateContent>
+  <p:timing>
+    <p:tnLst>
+      <p:par>
+        <p:cTn id="1" dur="indefinite" restart="never" nodeType="tmRoot"/>
+      </p:par>
+    </p:tnLst>
+  </p:timing>
+</p:sld>
+</file>
+
+<file path=ppt/slides/slide33.xml><?xml version="1.0" encoding="utf-8"?>
+<p:sld xmlns:a="http://schemas.openxmlformats.org/drawingml/2006/main" xmlns:r="http://schemas.openxmlformats.org/officeDocument/2006/relationships" xmlns:p="http://schemas.openxmlformats.org/presentationml/2006/main">
+  <p:cSld>
+    <p:spTree>
+      <p:nvGrpSpPr>
+        <p:cNvPr id="1" name=""/>
+        <p:cNvGrpSpPr/>
+        <p:nvPr/>
+      </p:nvGrpSpPr>
+      <p:grpSpPr>
+        <a:xfrm>
+          <a:off x="0" y="0"/>
+          <a:ext cx="0" cy="0"/>
+          <a:chOff x="0" y="0"/>
+          <a:chExt cx="0" cy="0"/>
+        </a:xfrm>
+      </p:grpSpPr>
+      <p:sp>
+        <p:nvSpPr>
+          <p:cNvPr id="2" name="标题 1"/>
+          <p:cNvSpPr>
+            <a:spLocks noGrp="1"/>
+          </p:cNvSpPr>
+          <p:nvPr>
+            <p:ph type="title"/>
+          </p:nvPr>
+        </p:nvSpPr>
+        <p:spPr/>
+        <p:txBody>
+          <a:bodyPr>
+            <a:normAutofit/>
+          </a:bodyPr>
+          <a:lstStyle/>
+          <a:p>
+            <a:r>
+              <a:rPr lang="en-US" altLang="zh-CN" sz="4000" dirty="0" smtClean="0">
+                <a:latin typeface="Bahnschrift SemiLight" panose="020B0502040204020203" pitchFamily="34" charset="0"/>
+              </a:rPr>
+              <a:t>Aim</a:t>
+            </a:r>
+            <a:endParaRPr lang="zh-CN" altLang="en-US" sz="4000" dirty="0">
+              <a:latin typeface="Bahnschrift SemiLight" panose="020B0502040204020203" pitchFamily="34" charset="0"/>
+            </a:endParaRPr>
+          </a:p>
+        </p:txBody>
+      </p:sp>
+      <p:sp>
+        <p:nvSpPr>
+          <p:cNvPr id="3" name="内容占位符 2"/>
+          <p:cNvSpPr>
+            <a:spLocks noGrp="1"/>
+          </p:cNvSpPr>
+          <p:nvPr>
+            <p:ph idx="1"/>
+          </p:nvPr>
+        </p:nvSpPr>
+        <p:spPr/>
+        <p:txBody>
+          <a:bodyPr>
+            <a:normAutofit/>
+          </a:bodyPr>
+          <a:lstStyle/>
+          <a:p>
+            <a:r>
+              <a:rPr lang="en-US" altLang="zh-CN" sz="2400" dirty="0" smtClean="0">
+                <a:latin typeface="Bahnschrift SemiLight" panose="020B0502040204020203" pitchFamily="34" charset="0"/>
+                <a:ea typeface="+mj-ea"/>
+                <a:cs typeface="+mj-cs"/>
+              </a:rPr>
+              <a:t>Viewing Transformation</a:t>
             </a:r>
           </a:p>
           <a:p>
@@ -7226,15 +11641,220 @@
                 <a:ea typeface="+mj-ea"/>
                 <a:cs typeface="+mj-cs"/>
               </a:rPr>
-              <a:t>Conclusion</a:t>
-            </a:r>
-          </a:p>
-        </p:txBody>
-      </p:sp>
+              <a:t>(Circle</a:t>
+            </a:r>
+            <a:r>
+              <a:rPr lang="en-US" altLang="zh-CN" sz="2400" dirty="0" smtClean="0">
+                <a:latin typeface="Bahnschrift SemiLight" panose="020B0502040204020203" pitchFamily="34" charset="0"/>
+                <a:ea typeface="+mj-ea"/>
+                <a:cs typeface="+mj-cs"/>
+              </a:rPr>
+              <a:t>) Rasterization </a:t>
+            </a:r>
+          </a:p>
+          <a:p>
+            <a:r>
+              <a:rPr lang="en-US" altLang="zh-CN" sz="2400" dirty="0" smtClean="0">
+                <a:latin typeface="Bahnschrift SemiLight" panose="020B0502040204020203" pitchFamily="34" charset="0"/>
+                <a:ea typeface="+mj-ea"/>
+                <a:cs typeface="+mj-cs"/>
+              </a:rPr>
+              <a:t>Spatial Interpolation</a:t>
+            </a:r>
+          </a:p>
+          <a:p>
+            <a:r>
+              <a:rPr lang="en-US" altLang="zh-CN" sz="2400" dirty="0" smtClean="0">
+                <a:latin typeface="Bahnschrift SemiLight" panose="020B0502040204020203" pitchFamily="34" charset="0"/>
+                <a:ea typeface="+mj-ea"/>
+                <a:cs typeface="+mj-cs"/>
+              </a:rPr>
+              <a:t>Z-Buffering</a:t>
+            </a:r>
+            <a:endParaRPr lang="en-US" altLang="zh-CN" sz="2400" dirty="0">
+              <a:latin typeface="Bahnschrift SemiLight" panose="020B0502040204020203" pitchFamily="34" charset="0"/>
+              <a:ea typeface="+mj-ea"/>
+              <a:cs typeface="+mj-cs"/>
+            </a:endParaRPr>
+          </a:p>
+        </p:txBody>
+      </p:sp>
+      <p:pic>
+        <p:nvPicPr>
+          <p:cNvPr id="4" name="图片 3"/>
+          <p:cNvPicPr>
+            <a:picLocks noChangeAspect="1"/>
+          </p:cNvPicPr>
+          <p:nvPr/>
+        </p:nvPicPr>
+        <p:blipFill>
+          <a:blip r:embed="rId2"/>
+          <a:stretch>
+            <a:fillRect/>
+          </a:stretch>
+        </p:blipFill>
+        <p:spPr>
+          <a:xfrm>
+            <a:off x="8006871" y="877246"/>
+            <a:ext cx="2460000" cy="2520000"/>
+          </a:xfrm>
+          <a:prstGeom prst="rect">
+            <a:avLst/>
+          </a:prstGeom>
+        </p:spPr>
+      </p:pic>
+      <p:pic>
+        <p:nvPicPr>
+          <p:cNvPr id="5" name="图片 4"/>
+          <p:cNvPicPr>
+            <a:picLocks noChangeAspect="1"/>
+          </p:cNvPicPr>
+          <p:nvPr/>
+        </p:nvPicPr>
+        <p:blipFill>
+          <a:blip r:embed="rId3"/>
+          <a:stretch>
+            <a:fillRect/>
+          </a:stretch>
+        </p:blipFill>
+        <p:spPr>
+          <a:xfrm>
+            <a:off x="8006871" y="3754603"/>
+            <a:ext cx="3600000" cy="2422360"/>
+          </a:xfrm>
+          <a:prstGeom prst="rect">
+            <a:avLst/>
+          </a:prstGeom>
+        </p:spPr>
+      </p:pic>
     </p:spTree>
     <p:extLst>
       <p:ext uri="{BB962C8B-B14F-4D97-AF65-F5344CB8AC3E}">
-        <p14:creationId xmlns:p14="http://schemas.microsoft.com/office/powerpoint/2010/main" val="294511097"/>
+        <p14:creationId xmlns:p14="http://schemas.microsoft.com/office/powerpoint/2010/main" val="2810952392"/>
+      </p:ext>
+    </p:extLst>
+  </p:cSld>
+  <p:clrMapOvr>
+    <a:masterClrMapping/>
+  </p:clrMapOvr>
+  <mc:AlternateContent xmlns:mc="http://schemas.openxmlformats.org/markup-compatibility/2006" xmlns:p14="http://schemas.microsoft.com/office/powerpoint/2010/main">
+    <mc:Choice Requires="p14">
+      <p:transition spd="med" p14:dur="700">
+        <p:fade/>
+      </p:transition>
+    </mc:Choice>
+    <mc:Fallback xmlns="">
+      <p:transition spd="med">
+        <p:fade/>
+      </p:transition>
+    </mc:Fallback>
+  </mc:AlternateContent>
+</p:sld>
+</file>
+
+<file path=ppt/slides/slide34.xml><?xml version="1.0" encoding="utf-8"?>
+<p:sld xmlns:a="http://schemas.openxmlformats.org/drawingml/2006/main" xmlns:r="http://schemas.openxmlformats.org/officeDocument/2006/relationships" xmlns:p="http://schemas.openxmlformats.org/presentationml/2006/main">
+  <p:cSld>
+    <p:spTree>
+      <p:nvGrpSpPr>
+        <p:cNvPr id="1" name=""/>
+        <p:cNvGrpSpPr/>
+        <p:nvPr/>
+      </p:nvGrpSpPr>
+      <p:grpSpPr>
+        <a:xfrm>
+          <a:off x="0" y="0"/>
+          <a:ext cx="0" cy="0"/>
+          <a:chOff x="0" y="0"/>
+          <a:chExt cx="0" cy="0"/>
+        </a:xfrm>
+      </p:grpSpPr>
+      <p:sp>
+        <p:nvSpPr>
+          <p:cNvPr id="2" name="标题 1"/>
+          <p:cNvSpPr>
+            <a:spLocks noGrp="1"/>
+          </p:cNvSpPr>
+          <p:nvPr>
+            <p:ph type="title"/>
+          </p:nvPr>
+        </p:nvSpPr>
+        <p:spPr/>
+        <p:txBody>
+          <a:bodyPr>
+            <a:normAutofit/>
+          </a:bodyPr>
+          <a:lstStyle/>
+          <a:p>
+            <a:r>
+              <a:rPr lang="en-US" altLang="zh-CN" sz="4000" dirty="0">
+                <a:latin typeface="Bahnschrift SemiLight" panose="020B0502040204020203" pitchFamily="34" charset="0"/>
+              </a:rPr>
+              <a:t>Acknowledgement</a:t>
+            </a:r>
+            <a:endParaRPr lang="zh-CN" altLang="en-US" sz="4000" dirty="0"/>
+          </a:p>
+        </p:txBody>
+      </p:sp>
+      <p:sp>
+        <p:nvSpPr>
+          <p:cNvPr id="3" name="内容占位符 2"/>
+          <p:cNvSpPr>
+            <a:spLocks noGrp="1"/>
+          </p:cNvSpPr>
+          <p:nvPr>
+            <p:ph idx="1"/>
+          </p:nvPr>
+        </p:nvSpPr>
+        <p:spPr/>
+        <p:txBody>
+          <a:bodyPr/>
+          <a:lstStyle/>
+          <a:p>
+            <a:endParaRPr lang="zh-CN" altLang="en-US" dirty="0"/>
+          </a:p>
+        </p:txBody>
+      </p:sp>
+      <p:sp>
+        <p:nvSpPr>
+          <p:cNvPr id="4" name="矩形 3"/>
+          <p:cNvSpPr/>
+          <p:nvPr/>
+        </p:nvSpPr>
+        <p:spPr>
+          <a:xfrm>
+            <a:off x="4849505" y="3244334"/>
+            <a:ext cx="2492990" cy="707886"/>
+          </a:xfrm>
+          <a:prstGeom prst="rect">
+            <a:avLst/>
+          </a:prstGeom>
+        </p:spPr>
+        <p:txBody>
+          <a:bodyPr wrap="none">
+            <a:spAutoFit/>
+          </a:bodyPr>
+          <a:lstStyle/>
+          <a:p>
+            <a:pPr algn="ctr"/>
+            <a:r>
+              <a:rPr lang="en-US" altLang="zh-CN" sz="4000" b="1" dirty="0">
+                <a:solidFill>
+                  <a:srgbClr val="0070C0"/>
+                </a:solidFill>
+                <a:latin typeface="Gill Sans MT" panose="020B0502020104020203" pitchFamily="34" charset="0"/>
+                <a:ea typeface="+mj-ea"/>
+                <a:cs typeface="+mj-cs"/>
+              </a:rPr>
+              <a:t>THANKS</a:t>
+            </a:r>
+          </a:p>
+        </p:txBody>
+      </p:sp>
+    </p:spTree>
+    <p:extLst>
+      <p:ext uri="{BB962C8B-B14F-4D97-AF65-F5344CB8AC3E}">
+        <p14:creationId xmlns:p14="http://schemas.microsoft.com/office/powerpoint/2010/main" val="2826709527"/>
       </p:ext>
     </p:extLst>
   </p:cSld>
@@ -7542,6 +12162,13 @@
       </p:transition>
     </mc:Fallback>
   </mc:AlternateContent>
+  <p:timing>
+    <p:tnLst>
+      <p:par>
+        <p:cTn id="1" dur="indefinite" restart="never" nodeType="tmRoot"/>
+      </p:par>
+    </p:tnLst>
+  </p:timing>
 </p:sld>
 </file>
 
@@ -7720,6 +12347,13 @@
       </p:transition>
     </mc:Fallback>
   </mc:AlternateContent>
+  <p:timing>
+    <p:tnLst>
+      <p:par>
+        <p:cTn id="1" dur="indefinite" restart="never" nodeType="tmRoot"/>
+      </p:par>
+    </p:tnLst>
+  </p:timing>
 </p:sld>
 </file>
 
@@ -7796,20 +12430,12 @@
               <a:t>Process of aerolite </a:t>
             </a:r>
             <a:r>
-              <a:rPr lang="en-US" altLang="zh-CN" sz="2400" dirty="0" err="1" smtClean="0">
-                <a:latin typeface="Bahnschrift SemiLight" panose="020B0502040204020203" pitchFamily="34" charset="0"/>
-                <a:ea typeface="+mj-ea"/>
-                <a:cs typeface="+mj-cs"/>
-              </a:rPr>
-              <a:t>collison</a:t>
-            </a:r>
-            <a:r>
               <a:rPr lang="en-US" altLang="zh-CN" sz="2400" dirty="0" smtClean="0">
                 <a:latin typeface="Bahnschrift SemiLight" panose="020B0502040204020203" pitchFamily="34" charset="0"/>
                 <a:ea typeface="+mj-ea"/>
                 <a:cs typeface="+mj-cs"/>
               </a:rPr>
-              <a:t> </a:t>
+              <a:t>collision </a:t>
             </a:r>
             <a:endParaRPr lang="zh-CN" altLang="en-US" sz="2400" dirty="0">
               <a:latin typeface="Bahnschrift SemiLight" panose="020B0502040204020203" pitchFamily="34" charset="0"/>
@@ -7835,8 +12461,8 @@
         </p:blipFill>
         <p:spPr>
           <a:xfrm>
-            <a:off x="8432800" y="3021715"/>
-            <a:ext cx="3420835" cy="3504270"/>
+            <a:off x="8006871" y="877246"/>
+            <a:ext cx="2460000" cy="2520000"/>
           </a:xfrm>
           <a:prstGeom prst="rect">
             <a:avLst/>
@@ -7859,8 +12485,56 @@
         </p:blipFill>
         <p:spPr>
           <a:xfrm>
-            <a:off x="4484815" y="3021715"/>
-            <a:ext cx="3448150" cy="3526517"/>
+            <a:off x="5289800" y="877246"/>
+            <a:ext cx="2464000" cy="2520000"/>
+          </a:xfrm>
+          <a:prstGeom prst="rect">
+            <a:avLst/>
+          </a:prstGeom>
+        </p:spPr>
+      </p:pic>
+      <p:pic>
+        <p:nvPicPr>
+          <p:cNvPr id="10" name="图片 9"/>
+          <p:cNvPicPr>
+            <a:picLocks noChangeAspect="1"/>
+          </p:cNvPicPr>
+          <p:nvPr/>
+        </p:nvPicPr>
+        <p:blipFill>
+          <a:blip r:embed="rId4"/>
+          <a:stretch>
+            <a:fillRect/>
+          </a:stretch>
+        </p:blipFill>
+        <p:spPr>
+          <a:xfrm>
+            <a:off x="4153800" y="3754603"/>
+            <a:ext cx="3600000" cy="2422360"/>
+          </a:xfrm>
+          <a:prstGeom prst="rect">
+            <a:avLst/>
+          </a:prstGeom>
+        </p:spPr>
+      </p:pic>
+      <p:pic>
+        <p:nvPicPr>
+          <p:cNvPr id="11" name="图片 10"/>
+          <p:cNvPicPr>
+            <a:picLocks noChangeAspect="1"/>
+          </p:cNvPicPr>
+          <p:nvPr/>
+        </p:nvPicPr>
+        <p:blipFill>
+          <a:blip r:embed="rId5"/>
+          <a:stretch>
+            <a:fillRect/>
+          </a:stretch>
+        </p:blipFill>
+        <p:spPr>
+          <a:xfrm>
+            <a:off x="8006871" y="3754603"/>
+            <a:ext cx="3600000" cy="2422360"/>
           </a:xfrm>
           <a:prstGeom prst="rect">
             <a:avLst/>
@@ -7889,6 +12563,13 @@
       </p:transition>
     </mc:Fallback>
   </mc:AlternateContent>
+  <p:timing>
+    <p:tnLst>
+      <p:par>
+        <p:cTn id="1" dur="indefinite" restart="never" nodeType="tmRoot"/>
+      </p:par>
+    </p:tnLst>
+  </p:timing>
 </p:sld>
 </file>
 
@@ -7930,7 +12611,7 @@
               <a:rPr lang="en-US" altLang="zh-CN" sz="4000" dirty="0" smtClean="0">
                 <a:latin typeface="Bahnschrift SemiLight" panose="020B0502040204020203" pitchFamily="34" charset="0"/>
               </a:rPr>
-              <a:t>Aim</a:t>
+              <a:t>Imaging Effect</a:t>
             </a:r>
             <a:endParaRPr lang="zh-CN" altLang="en-US" sz="4000" dirty="0"/>
           </a:p>
@@ -8077,6 +12758,13 @@
       </p:transition>
     </mc:Fallback>
   </mc:AlternateContent>
+  <p:timing>
+    <p:tnLst>
+      <p:par>
+        <p:cTn id="1" dur="indefinite" restart="never" nodeType="tmRoot"/>
+      </p:par>
+    </p:tnLst>
+  </p:timing>
 </p:sld>
 </file>
 
@@ -8167,40 +12855,25 @@
           </a:p>
           <a:p>
             <a:r>
-              <a:rPr lang="en-US" altLang="zh-CN" sz="2400" dirty="0">
+              <a:rPr lang="en-US" altLang="zh-CN" sz="2400" dirty="0" smtClean="0">
                 <a:latin typeface="Bahnschrift SemiLight" panose="020B0502040204020203" pitchFamily="34" charset="0"/>
                 <a:ea typeface="+mj-ea"/>
                 <a:cs typeface="+mj-cs"/>
               </a:rPr>
-              <a:t>Experiment</a:t>
-            </a:r>
-          </a:p>
-          <a:p>
-            <a:r>
-              <a:rPr lang="en-US" altLang="zh-CN" sz="2400" dirty="0">
-                <a:latin typeface="Bahnschrift SemiLight" panose="020B0502040204020203" pitchFamily="34" charset="0"/>
-                <a:ea typeface="+mj-ea"/>
-                <a:cs typeface="+mj-cs"/>
-              </a:rPr>
-              <a:t>Discussion</a:t>
-            </a:r>
-          </a:p>
-          <a:p>
-            <a:r>
-              <a:rPr lang="en-US" altLang="zh-CN" sz="2400" dirty="0">
-                <a:latin typeface="Bahnschrift SemiLight" panose="020B0502040204020203" pitchFamily="34" charset="0"/>
-                <a:ea typeface="+mj-ea"/>
-                <a:cs typeface="+mj-cs"/>
-              </a:rPr>
-              <a:t>Conclusion</a:t>
-            </a:r>
+              <a:t>Aim</a:t>
+            </a:r>
+            <a:endParaRPr lang="en-US" altLang="zh-CN" sz="2400" dirty="0">
+              <a:latin typeface="Bahnschrift SemiLight" panose="020B0502040204020203" pitchFamily="34" charset="0"/>
+              <a:ea typeface="+mj-ea"/>
+              <a:cs typeface="+mj-cs"/>
+            </a:endParaRPr>
           </a:p>
         </p:txBody>
       </p:sp>
     </p:spTree>
     <p:extLst>
       <p:ext uri="{BB962C8B-B14F-4D97-AF65-F5344CB8AC3E}">
-        <p14:creationId xmlns:p14="http://schemas.microsoft.com/office/powerpoint/2010/main" val="2052023149"/>
+        <p14:creationId xmlns:p14="http://schemas.microsoft.com/office/powerpoint/2010/main" val="2143601854"/>
       </p:ext>
     </p:extLst>
   </p:cSld>
@@ -8219,6 +12892,13 @@
       </p:transition>
     </mc:Fallback>
   </mc:AlternateContent>
+  <p:timing>
+    <p:tnLst>
+      <p:par>
+        <p:cTn id="1" dur="indefinite" restart="never" nodeType="tmRoot"/>
+      </p:par>
+    </p:tnLst>
+  </p:timing>
 </p:sld>
 </file>
 

--- a/CG Finals.pptx
+++ b/CG Finals.pptx
@@ -5,7 +5,7 @@
     <p:sldMasterId id="2147483648" r:id="rId1"/>
   </p:sldMasterIdLst>
   <p:notesMasterIdLst>
-    <p:notesMasterId r:id="rId36"/>
+    <p:notesMasterId r:id="rId35"/>
   </p:notesMasterIdLst>
   <p:sldIdLst>
     <p:sldId id="263" r:id="rId2"/>
@@ -25,23 +25,22 @@
     <p:sldId id="337" r:id="rId16"/>
     <p:sldId id="338" r:id="rId17"/>
     <p:sldId id="339" r:id="rId18"/>
-    <p:sldId id="293" r:id="rId19"/>
-    <p:sldId id="340" r:id="rId20"/>
-    <p:sldId id="341" r:id="rId21"/>
-    <p:sldId id="342" r:id="rId22"/>
-    <p:sldId id="343" r:id="rId23"/>
-    <p:sldId id="344" r:id="rId24"/>
-    <p:sldId id="297" r:id="rId25"/>
-    <p:sldId id="345" r:id="rId26"/>
-    <p:sldId id="347" r:id="rId27"/>
-    <p:sldId id="346" r:id="rId28"/>
-    <p:sldId id="286" r:id="rId29"/>
-    <p:sldId id="348" r:id="rId30"/>
-    <p:sldId id="349" r:id="rId31"/>
-    <p:sldId id="350" r:id="rId32"/>
-    <p:sldId id="353" r:id="rId33"/>
-    <p:sldId id="326" r:id="rId34"/>
-    <p:sldId id="272" r:id="rId35"/>
+    <p:sldId id="340" r:id="rId19"/>
+    <p:sldId id="341" r:id="rId20"/>
+    <p:sldId id="342" r:id="rId21"/>
+    <p:sldId id="343" r:id="rId22"/>
+    <p:sldId id="344" r:id="rId23"/>
+    <p:sldId id="297" r:id="rId24"/>
+    <p:sldId id="345" r:id="rId25"/>
+    <p:sldId id="347" r:id="rId26"/>
+    <p:sldId id="346" r:id="rId27"/>
+    <p:sldId id="286" r:id="rId28"/>
+    <p:sldId id="348" r:id="rId29"/>
+    <p:sldId id="349" r:id="rId30"/>
+    <p:sldId id="350" r:id="rId31"/>
+    <p:sldId id="353" r:id="rId32"/>
+    <p:sldId id="326" r:id="rId33"/>
+    <p:sldId id="272" r:id="rId34"/>
   </p:sldIdLst>
   <p:sldSz cx="12192000" cy="6858000"/>
   <p:notesSz cx="6858000" cy="9144000"/>
@@ -571,7 +570,7 @@
     </p:spTree>
     <p:extLst>
       <p:ext uri="{BB962C8B-B14F-4D97-AF65-F5344CB8AC3E}">
-        <p14:creationId xmlns:p14="http://schemas.microsoft.com/office/powerpoint/2010/main" val="1968294584"/>
+        <p14:creationId xmlns:p14="http://schemas.microsoft.com/office/powerpoint/2010/main" val="3189532881"/>
       </p:ext>
     </p:extLst>
   </p:cSld>
@@ -655,7 +654,7 @@
     </p:spTree>
     <p:extLst>
       <p:ext uri="{BB962C8B-B14F-4D97-AF65-F5344CB8AC3E}">
-        <p14:creationId xmlns:p14="http://schemas.microsoft.com/office/powerpoint/2010/main" val="3189532881"/>
+        <p14:creationId xmlns:p14="http://schemas.microsoft.com/office/powerpoint/2010/main" val="1269296637"/>
       </p:ext>
     </p:extLst>
   </p:cSld>
@@ -739,7 +738,7 @@
     </p:spTree>
     <p:extLst>
       <p:ext uri="{BB962C8B-B14F-4D97-AF65-F5344CB8AC3E}">
-        <p14:creationId xmlns:p14="http://schemas.microsoft.com/office/powerpoint/2010/main" val="1269296637"/>
+        <p14:creationId xmlns:p14="http://schemas.microsoft.com/office/powerpoint/2010/main" val="1909678476"/>
       </p:ext>
     </p:extLst>
   </p:cSld>
@@ -823,7 +822,7 @@
     </p:spTree>
     <p:extLst>
       <p:ext uri="{BB962C8B-B14F-4D97-AF65-F5344CB8AC3E}">
-        <p14:creationId xmlns:p14="http://schemas.microsoft.com/office/powerpoint/2010/main" val="1909678476"/>
+        <p14:creationId xmlns:p14="http://schemas.microsoft.com/office/powerpoint/2010/main" val="1074164736"/>
       </p:ext>
     </p:extLst>
   </p:cSld>
@@ -899,90 +898,6 @@
             <a:fld id="{6F6891AA-A175-42AA-B6D9-04D79A0FE050}" type="slidenum">
               <a:rPr lang="zh-CN" altLang="en-US" smtClean="0"/>
               <a:t>22</a:t>
-            </a:fld>
-            <a:endParaRPr lang="zh-CN" altLang="en-US"/>
-          </a:p>
-        </p:txBody>
-      </p:sp>
-    </p:spTree>
-    <p:extLst>
-      <p:ext uri="{BB962C8B-B14F-4D97-AF65-F5344CB8AC3E}">
-        <p14:creationId xmlns:p14="http://schemas.microsoft.com/office/powerpoint/2010/main" val="1074164736"/>
-      </p:ext>
-    </p:extLst>
-  </p:cSld>
-  <p:clrMapOvr>
-    <a:masterClrMapping/>
-  </p:clrMapOvr>
-</p:notes>
-</file>
-
-<file path=ppt/notesSlides/notesSlide6.xml><?xml version="1.0" encoding="utf-8"?>
-<p:notes xmlns:a="http://schemas.openxmlformats.org/drawingml/2006/main" xmlns:r="http://schemas.openxmlformats.org/officeDocument/2006/relationships" xmlns:p="http://schemas.openxmlformats.org/presentationml/2006/main">
-  <p:cSld>
-    <p:spTree>
-      <p:nvGrpSpPr>
-        <p:cNvPr id="1" name=""/>
-        <p:cNvGrpSpPr/>
-        <p:nvPr/>
-      </p:nvGrpSpPr>
-      <p:grpSpPr>
-        <a:xfrm>
-          <a:off x="0" y="0"/>
-          <a:ext cx="0" cy="0"/>
-          <a:chOff x="0" y="0"/>
-          <a:chExt cx="0" cy="0"/>
-        </a:xfrm>
-      </p:grpSpPr>
-      <p:sp>
-        <p:nvSpPr>
-          <p:cNvPr id="2" name="幻灯片图像占位符 1"/>
-          <p:cNvSpPr>
-            <a:spLocks noGrp="1" noRot="1" noChangeAspect="1"/>
-          </p:cNvSpPr>
-          <p:nvPr>
-            <p:ph type="sldImg"/>
-          </p:nvPr>
-        </p:nvSpPr>
-        <p:spPr/>
-      </p:sp>
-      <p:sp>
-        <p:nvSpPr>
-          <p:cNvPr id="3" name="备注占位符 2"/>
-          <p:cNvSpPr>
-            <a:spLocks noGrp="1"/>
-          </p:cNvSpPr>
-          <p:nvPr>
-            <p:ph type="body" idx="1"/>
-          </p:nvPr>
-        </p:nvSpPr>
-        <p:spPr/>
-        <p:txBody>
-          <a:bodyPr/>
-          <a:lstStyle/>
-          <a:p>
-            <a:endParaRPr lang="zh-CN" altLang="en-US" dirty="0"/>
-          </a:p>
-        </p:txBody>
-      </p:sp>
-      <p:sp>
-        <p:nvSpPr>
-          <p:cNvPr id="4" name="灯片编号占位符 3"/>
-          <p:cNvSpPr>
-            <a:spLocks noGrp="1"/>
-          </p:cNvSpPr>
-          <p:nvPr>
-            <p:ph type="sldNum" sz="quarter" idx="10"/>
-          </p:nvPr>
-        </p:nvSpPr>
-        <p:spPr/>
-        <p:txBody>
-          <a:bodyPr/>
-          <a:lstStyle/>
-          <a:p>
-            <a:fld id="{6F6891AA-A175-42AA-B6D9-04D79A0FE050}" type="slidenum">
-              <a:rPr lang="zh-CN" altLang="en-US" smtClean="0"/>
-              <a:t>23</a:t>
             </a:fld>
             <a:endParaRPr lang="zh-CN" altLang="en-US"/>
           </a:p>
@@ -4005,16 +3920,16 @@
           <a:p>
             <a:pPr algn="r"/>
             <a:r>
-              <a:rPr lang="en-US" altLang="zh-CN" sz="4000" b="1" dirty="0" smtClean="0">
+              <a:rPr lang="en-US" altLang="zh-CN" sz="4000" b="1" dirty="0">
                 <a:solidFill>
                   <a:srgbClr val="003399"/>
                 </a:solidFill>
                 <a:latin typeface="Gill Sans MT" panose="020B0502020104020203" pitchFamily="34" charset="0"/>
               </a:rPr>
-              <a:t>Imaging for 3D Model</a:t>
+              <a:t>Post-processing Imaging for 3D Model</a:t>
             </a:r>
             <a:br>
-              <a:rPr lang="en-US" altLang="zh-CN" sz="4000" b="1" dirty="0" smtClean="0">
+              <a:rPr lang="en-US" altLang="zh-CN" sz="4000" b="1" dirty="0">
                 <a:solidFill>
                   <a:srgbClr val="003399"/>
                 </a:solidFill>
@@ -4022,22 +3937,13 @@
               </a:rPr>
             </a:br>
             <a:r>
-              <a:rPr lang="en-US" altLang="zh-CN" sz="4000" b="1" dirty="0" smtClean="0">
+              <a:rPr lang="en-US" altLang="zh-CN" sz="4000" b="1" dirty="0">
                 <a:solidFill>
                   <a:srgbClr val="003399"/>
                 </a:solidFill>
                 <a:latin typeface="Gill Sans MT" panose="020B0502020104020203" pitchFamily="34" charset="0"/>
               </a:rPr>
               <a:t>in Discrete Element Method</a:t>
-            </a:r>
-            <a:r>
-              <a:rPr lang="en-US" altLang="zh-CN" sz="4000" b="1" dirty="0">
-                <a:solidFill>
-                  <a:srgbClr val="003399"/>
-                </a:solidFill>
-                <a:latin typeface="Gill Sans MT" panose="020B0502020104020203" pitchFamily="34" charset="0"/>
-              </a:rPr>
-              <a:t/>
             </a:r>
             <a:br>
               <a:rPr lang="en-US" altLang="zh-CN" sz="4000" b="1" dirty="0">
@@ -4075,7 +3981,7 @@
           <a:p>
             <a:pPr algn="r"/>
             <a:r>
-              <a:rPr lang="en-US" altLang="zh-CN" sz="3200" dirty="0" smtClean="0">
+              <a:rPr lang="en-US" altLang="zh-CN" sz="3200" dirty="0">
                 <a:solidFill>
                   <a:schemeClr val="accent1">
                     <a:lumMod val="50000"/>
@@ -4085,19 +3991,11 @@
               </a:rPr>
               <a:t>Rasterization</a:t>
             </a:r>
-            <a:endParaRPr lang="en-US" altLang="zh-CN" sz="3200" dirty="0">
-              <a:solidFill>
-                <a:schemeClr val="accent1">
-                  <a:lumMod val="50000"/>
-                </a:schemeClr>
-              </a:solidFill>
-              <a:latin typeface="Gill Sans MT" panose="020B0502020104020203" pitchFamily="34" charset="0"/>
-            </a:endParaRPr>
           </a:p>
           <a:p>
             <a:pPr algn="r"/>
             <a:r>
-              <a:rPr lang="en-US" altLang="zh-CN" sz="3200" dirty="0" smtClean="0">
+              <a:rPr lang="en-US" altLang="zh-CN" sz="3200" dirty="0">
                 <a:solidFill>
                   <a:schemeClr val="accent1">
                     <a:lumMod val="50000"/>
@@ -4196,7 +4094,7 @@
               </a:spcBef>
             </a:pPr>
             <a:r>
-              <a:rPr lang="en-US" altLang="zh-CN" sz="2800" dirty="0" smtClean="0">
+              <a:rPr lang="en-US" altLang="zh-CN" sz="2800" dirty="0">
                 <a:latin typeface="Bahnschrift SemiLight" panose="020B0502040204020203" pitchFamily="34" charset="0"/>
               </a:rPr>
               <a:t>14/06/2020</a:t>
@@ -4259,13 +4157,6 @@
       </p:transition>
     </mc:Fallback>
   </mc:AlternateContent>
-  <p:timing>
-    <p:tnLst>
-      <p:par>
-        <p:cTn id="1" dur="indefinite" restart="never" nodeType="tmRoot"/>
-      </p:par>
-    </p:tnLst>
-  </p:timing>
 </p:sld>
 </file>
 
@@ -4557,13 +4448,6 @@
       </p:transition>
     </mc:Fallback>
   </mc:AlternateContent>
-  <p:timing>
-    <p:tnLst>
-      <p:par>
-        <p:cTn id="1" dur="indefinite" restart="never" nodeType="tmRoot"/>
-      </p:par>
-    </p:tnLst>
-  </p:timing>
 </p:sld>
 </file>
 
@@ -4890,13 +4774,6 @@
       </p:transition>
     </mc:Fallback>
   </mc:AlternateContent>
-  <p:timing>
-    <p:tnLst>
-      <p:par>
-        <p:cTn id="1" dur="indefinite" restart="never" nodeType="tmRoot"/>
-      </p:par>
-    </p:tnLst>
-  </p:timing>
 </p:sld>
 </file>
 
@@ -5221,13 +5098,6 @@
       </p:transition>
     </mc:Fallback>
   </mc:AlternateContent>
-  <p:timing>
-    <p:tnLst>
-      <p:par>
-        <p:cTn id="1" dur="indefinite" restart="never" nodeType="tmRoot"/>
-      </p:par>
-    </p:tnLst>
-  </p:timing>
 </p:sld>
 </file>
 
@@ -5266,7 +5136,7 @@
           <a:lstStyle/>
           <a:p>
             <a:r>
-              <a:rPr lang="en-US" altLang="zh-CN" sz="4000" dirty="0" smtClean="0">
+              <a:rPr lang="en-US" altLang="zh-CN" sz="4000" dirty="0">
                 <a:latin typeface="Bahnschrift SemiLight" panose="020B0502040204020203" pitchFamily="34" charset="0"/>
               </a:rPr>
               <a:t>Spatial Interpolation</a:t>
@@ -5554,13 +5424,6 @@
       </p:transition>
     </mc:Fallback>
   </mc:AlternateContent>
-  <p:timing>
-    <p:tnLst>
-      <p:par>
-        <p:cTn id="1" dur="indefinite" restart="never" nodeType="tmRoot"/>
-      </p:par>
-    </p:tnLst>
-  </p:timing>
 </p:sld>
 </file>
 
@@ -5599,7 +5462,7 @@
           <a:lstStyle/>
           <a:p>
             <a:r>
-              <a:rPr lang="en-US" altLang="zh-CN" sz="4000" dirty="0" smtClean="0">
+              <a:rPr lang="en-US" altLang="zh-CN" sz="4000" dirty="0">
                 <a:latin typeface="Bahnschrift SemiLight" panose="020B0502040204020203" pitchFamily="34" charset="0"/>
               </a:rPr>
               <a:t>Spatial Interpolation</a:t>
@@ -5887,13 +5750,6 @@
       </p:transition>
     </mc:Fallback>
   </mc:AlternateContent>
-  <p:timing>
-    <p:tnLst>
-      <p:par>
-        <p:cTn id="1" dur="indefinite" restart="never" nodeType="tmRoot"/>
-      </p:par>
-    </p:tnLst>
-  </p:timing>
 </p:sld>
 </file>
 
@@ -5932,7 +5788,7 @@
           <a:lstStyle/>
           <a:p>
             <a:r>
-              <a:rPr lang="en-US" altLang="zh-CN" sz="4000" dirty="0" smtClean="0">
+              <a:rPr lang="en-US" altLang="zh-CN" sz="4000" dirty="0">
                 <a:latin typeface="Bahnschrift SemiLight" panose="020B0502040204020203" pitchFamily="34" charset="0"/>
               </a:rPr>
               <a:t>Spatial Interpolation</a:t>
@@ -6220,13 +6076,6 @@
       </p:transition>
     </mc:Fallback>
   </mc:AlternateContent>
-  <p:timing>
-    <p:tnLst>
-      <p:par>
-        <p:cTn id="1" dur="indefinite" restart="never" nodeType="tmRoot"/>
-      </p:par>
-    </p:tnLst>
-  </p:timing>
 </p:sld>
 </file>
 
@@ -6265,7 +6114,7 @@
           <a:lstStyle/>
           <a:p>
             <a:r>
-              <a:rPr lang="en-US" altLang="zh-CN" sz="4000" dirty="0" smtClean="0">
+              <a:rPr lang="en-US" altLang="zh-CN" sz="4000" dirty="0">
                 <a:latin typeface="Bahnschrift SemiLight" panose="020B0502040204020203" pitchFamily="34" charset="0"/>
               </a:rPr>
               <a:t>Spatial Interpolation</a:t>
@@ -6518,13 +6367,6 @@
       </p:transition>
     </mc:Fallback>
   </mc:AlternateContent>
-  <p:timing>
-    <p:tnLst>
-      <p:par>
-        <p:cTn id="1" dur="indefinite" restart="never" nodeType="tmRoot"/>
-      </p:par>
-    </p:tnLst>
-  </p:timing>
 </p:sld>
 </file>
 
@@ -6563,7 +6405,7 @@
           <a:lstStyle/>
           <a:p>
             <a:r>
-              <a:rPr lang="en-US" altLang="zh-CN" sz="4000" dirty="0" smtClean="0">
+              <a:rPr lang="en-US" altLang="zh-CN" sz="4000" dirty="0">
                 <a:latin typeface="Bahnschrift SemiLight" panose="020B0502040204020203" pitchFamily="34" charset="0"/>
               </a:rPr>
               <a:t>Spatial Interpolation</a:t>
@@ -6851,13 +6693,6 @@
       </p:transition>
     </mc:Fallback>
   </mc:AlternateContent>
-  <p:timing>
-    <p:tnLst>
-      <p:par>
-        <p:cTn id="1" dur="indefinite" restart="never" nodeType="tmRoot"/>
-      </p:par>
-    </p:tnLst>
-  </p:timing>
 </p:sld>
 </file>
 
@@ -6900,324 +6735,8 @@
               <a:rPr lang="en-US" altLang="zh-CN" sz="4000" dirty="0">
                 <a:latin typeface="Bahnschrift SemiLight" panose="020B0502040204020203" pitchFamily="34" charset="0"/>
               </a:rPr>
-              <a:t>Boundary Extraction</a:t>
-            </a:r>
-          </a:p>
-        </p:txBody>
-      </p:sp>
-      <p:pic>
-        <p:nvPicPr>
-          <p:cNvPr id="4" name="Picture 4" descr="https://timgsa.baidu.com/timg?image&amp;quality=80&amp;size=b9999_10000&amp;sec=1571942598977&amp;di=62fda19cdc0fe8b6213b1b0e335bd1ba&amp;imgtype=0&amp;src=http%3A%2F%2Fcdn.onlinewebfonts.com%2Fsvg%2Fimg_326384.png"/>
-          <p:cNvPicPr>
-            <a:picLocks noChangeAspect="1" noChangeArrowheads="1"/>
-          </p:cNvPicPr>
-          <p:nvPr/>
-        </p:nvPicPr>
-        <p:blipFill>
-          <a:blip r:embed="rId3" cstate="print">
-            <a:extLst>
-              <a:ext uri="{28A0092B-C50C-407E-A947-70E740481C1C}">
-                <a14:useLocalDpi xmlns:a14="http://schemas.microsoft.com/office/drawing/2010/main" val="0"/>
-              </a:ext>
-            </a:extLst>
-          </a:blip>
-          <a:srcRect/>
-          <a:stretch>
-            <a:fillRect/>
-          </a:stretch>
-        </p:blipFill>
-        <p:spPr bwMode="auto">
-          <a:xfrm>
-            <a:off x="11353800" y="5975393"/>
-            <a:ext cx="727364" cy="745624"/>
-          </a:xfrm>
-          <a:prstGeom prst="rect">
-            <a:avLst/>
-          </a:prstGeom>
-          <a:noFill/>
-          <a:extLst>
-            <a:ext uri="{909E8E84-426E-40DD-AFC4-6F175D3DCCD1}">
-              <a14:hiddenFill xmlns:a14="http://schemas.microsoft.com/office/drawing/2010/main">
-                <a:solidFill>
-                  <a:srgbClr val="FFFFFF"/>
-                </a:solidFill>
-              </a14:hiddenFill>
-            </a:ext>
-          </a:extLst>
-        </p:spPr>
-      </p:pic>
-      <p:sp>
-        <p:nvSpPr>
-          <p:cNvPr id="5" name="矩形 4"/>
-          <p:cNvSpPr/>
-          <p:nvPr/>
-        </p:nvSpPr>
-        <p:spPr>
-          <a:xfrm>
-            <a:off x="3587482" y="6383355"/>
-            <a:ext cx="7766318" cy="338554"/>
-          </a:xfrm>
-          <a:prstGeom prst="rect">
-            <a:avLst/>
-          </a:prstGeom>
-        </p:spPr>
-        <p:txBody>
-          <a:bodyPr wrap="square">
-            <a:spAutoFit/>
-          </a:bodyPr>
-          <a:lstStyle/>
-          <a:p>
-            <a:pPr algn="r"/>
-            <a:r>
-              <a:rPr lang="en-US" altLang="zh-CN" sz="1600" dirty="0">
-                <a:latin typeface="Bahnschrift SemiLight" panose="020B0502040204020203" pitchFamily="34" charset="0"/>
-              </a:rPr>
-              <a:t>GitHub: </a:t>
-            </a:r>
-            <a:r>
-              <a:rPr lang="en-US" altLang="zh-CN" sz="1600" dirty="0">
-                <a:latin typeface="Bahnschrift SemiLight" panose="020B0502040204020203" pitchFamily="34" charset="0"/>
-                <a:hlinkClick r:id="rId4"/>
-              </a:rPr>
-              <a:t>https://github.com/jerryweihuajing/Post-Processing</a:t>
-            </a:r>
-            <a:endParaRPr lang="en-US" altLang="zh-CN" sz="1600" dirty="0">
-              <a:latin typeface="Bahnschrift SemiLight" panose="020B0502040204020203" pitchFamily="34" charset="0"/>
-            </a:endParaRPr>
-          </a:p>
-        </p:txBody>
-      </p:sp>
-      <p:pic>
-        <p:nvPicPr>
-          <p:cNvPr id="9" name="图片 8">
-            <a:extLst>
-              <a:ext uri="{FF2B5EF4-FFF2-40B4-BE49-F238E27FC236}">
-                <a16:creationId xmlns:a16="http://schemas.microsoft.com/office/drawing/2014/main" id="{7FAF1CA2-9C47-41E7-9A07-ECA9E3BDBF99}"/>
-              </a:ext>
-            </a:extLst>
-          </p:cNvPr>
-          <p:cNvPicPr>
-            <a:picLocks noChangeAspect="1"/>
-          </p:cNvPicPr>
-          <p:nvPr/>
-        </p:nvPicPr>
-        <p:blipFill>
-          <a:blip r:embed="rId5">
-            <a:extLst>
-              <a:ext uri="{28A0092B-C50C-407E-A947-70E740481C1C}">
-                <a14:useLocalDpi xmlns:a14="http://schemas.microsoft.com/office/drawing/2010/main" val="0"/>
-              </a:ext>
-            </a:extLst>
-          </a:blip>
-          <a:stretch>
-            <a:fillRect/>
-          </a:stretch>
-        </p:blipFill>
-        <p:spPr>
-          <a:xfrm>
-            <a:off x="9022080" y="681037"/>
-            <a:ext cx="2331720" cy="579454"/>
-          </a:xfrm>
-          <a:prstGeom prst="rect">
-            <a:avLst/>
-          </a:prstGeom>
-        </p:spPr>
-      </p:pic>
-      <p:pic>
-        <p:nvPicPr>
-          <p:cNvPr id="8" name="内容占位符 7"/>
-          <p:cNvPicPr>
-            <a:picLocks noGrp="1" noChangeAspect="1"/>
-          </p:cNvPicPr>
-          <p:nvPr>
-            <p:ph idx="1"/>
-          </p:nvPr>
-        </p:nvPicPr>
-        <p:blipFill>
-          <a:blip r:embed="rId6" cstate="print">
-            <a:extLst>
-              <a:ext uri="{28A0092B-C50C-407E-A947-70E740481C1C}">
-                <a14:useLocalDpi xmlns:a14="http://schemas.microsoft.com/office/drawing/2010/main" val="0"/>
-              </a:ext>
-            </a:extLst>
-          </a:blip>
-          <a:stretch>
-            <a:fillRect/>
-          </a:stretch>
-        </p:blipFill>
-        <p:spPr>
-          <a:xfrm>
-            <a:off x="665436" y="1690688"/>
-            <a:ext cx="3600000" cy="3541597"/>
-          </a:xfrm>
-        </p:spPr>
-      </p:pic>
-      <p:pic>
-        <p:nvPicPr>
-          <p:cNvPr id="10" name="图片 9"/>
-          <p:cNvPicPr>
-            <a:picLocks noChangeAspect="1"/>
-          </p:cNvPicPr>
-          <p:nvPr/>
-        </p:nvPicPr>
-        <p:blipFill>
-          <a:blip r:embed="rId7" cstate="print">
-            <a:extLst>
-              <a:ext uri="{28A0092B-C50C-407E-A947-70E740481C1C}">
-                <a14:useLocalDpi xmlns:a14="http://schemas.microsoft.com/office/drawing/2010/main" val="0"/>
-              </a:ext>
-            </a:extLst>
-          </a:blip>
-          <a:stretch>
-            <a:fillRect/>
-          </a:stretch>
-        </p:blipFill>
-        <p:spPr>
-          <a:xfrm>
-            <a:off x="4226687" y="1690689"/>
-            <a:ext cx="3600000" cy="3541596"/>
-          </a:xfrm>
-          <a:prstGeom prst="rect">
-            <a:avLst/>
-          </a:prstGeom>
-        </p:spPr>
-      </p:pic>
-      <p:pic>
-        <p:nvPicPr>
-          <p:cNvPr id="11" name="图片 10"/>
-          <p:cNvPicPr>
-            <a:picLocks noChangeAspect="1"/>
-          </p:cNvPicPr>
-          <p:nvPr/>
-        </p:nvPicPr>
-        <p:blipFill>
-          <a:blip r:embed="rId8" cstate="print">
-            <a:extLst>
-              <a:ext uri="{28A0092B-C50C-407E-A947-70E740481C1C}">
-                <a14:useLocalDpi xmlns:a14="http://schemas.microsoft.com/office/drawing/2010/main" val="0"/>
-              </a:ext>
-            </a:extLst>
-          </a:blip>
-          <a:stretch>
-            <a:fillRect/>
-          </a:stretch>
-        </p:blipFill>
-        <p:spPr>
-          <a:xfrm>
-            <a:off x="7753800" y="1690689"/>
-            <a:ext cx="3600000" cy="3541596"/>
-          </a:xfrm>
-          <a:prstGeom prst="rect">
-            <a:avLst/>
-          </a:prstGeom>
-        </p:spPr>
-      </p:pic>
-      <p:pic>
-        <p:nvPicPr>
-          <p:cNvPr id="13" name="图片 12"/>
-          <p:cNvPicPr>
-            <a:picLocks noChangeAspect="1"/>
-          </p:cNvPicPr>
-          <p:nvPr/>
-        </p:nvPicPr>
-        <p:blipFill>
-          <a:blip r:embed="rId9" cstate="print">
-            <a:extLst>
-              <a:ext uri="{28A0092B-C50C-407E-A947-70E740481C1C}">
-                <a14:useLocalDpi xmlns:a14="http://schemas.microsoft.com/office/drawing/2010/main" val="0"/>
-              </a:ext>
-            </a:extLst>
-          </a:blip>
-          <a:stretch>
-            <a:fillRect/>
-          </a:stretch>
-        </p:blipFill>
-        <p:spPr>
-          <a:xfrm>
-            <a:off x="249935" y="6440600"/>
-            <a:ext cx="1176530" cy="280417"/>
-          </a:xfrm>
-          <a:prstGeom prst="rect">
-            <a:avLst/>
-          </a:prstGeom>
-        </p:spPr>
-      </p:pic>
-    </p:spTree>
-    <p:extLst>
-      <p:ext uri="{BB962C8B-B14F-4D97-AF65-F5344CB8AC3E}">
-        <p14:creationId xmlns:p14="http://schemas.microsoft.com/office/powerpoint/2010/main" val="1822175473"/>
-      </p:ext>
-    </p:extLst>
-  </p:cSld>
-  <p:clrMapOvr>
-    <a:masterClrMapping/>
-  </p:clrMapOvr>
-  <mc:AlternateContent xmlns:mc="http://schemas.openxmlformats.org/markup-compatibility/2006" xmlns:p14="http://schemas.microsoft.com/office/powerpoint/2010/main">
-    <mc:Choice Requires="p14">
-      <p:transition spd="med" p14:dur="700">
-        <p:fade/>
-      </p:transition>
-    </mc:Choice>
-    <mc:Fallback xmlns="">
-      <p:transition spd="med">
-        <p:fade/>
-      </p:transition>
-    </mc:Fallback>
-  </mc:AlternateContent>
-  <p:timing>
-    <p:tnLst>
-      <p:par>
-        <p:cTn id="1" dur="indefinite" restart="never" nodeType="tmRoot"/>
-      </p:par>
-    </p:tnLst>
-  </p:timing>
-</p:sld>
-</file>
-
-<file path=ppt/slides/slide19.xml><?xml version="1.0" encoding="utf-8"?>
-<p:sld xmlns:a="http://schemas.openxmlformats.org/drawingml/2006/main" xmlns:r="http://schemas.openxmlformats.org/officeDocument/2006/relationships" xmlns:p="http://schemas.openxmlformats.org/presentationml/2006/main">
-  <p:cSld>
-    <p:spTree>
-      <p:nvGrpSpPr>
-        <p:cNvPr id="1" name=""/>
-        <p:cNvGrpSpPr/>
-        <p:nvPr/>
-      </p:nvGrpSpPr>
-      <p:grpSpPr>
-        <a:xfrm>
-          <a:off x="0" y="0"/>
-          <a:ext cx="0" cy="0"/>
-          <a:chOff x="0" y="0"/>
-          <a:chExt cx="0" cy="0"/>
-        </a:xfrm>
-      </p:grpSpPr>
-      <p:sp>
-        <p:nvSpPr>
-          <p:cNvPr id="2" name="标题 1"/>
-          <p:cNvSpPr>
-            <a:spLocks noGrp="1"/>
-          </p:cNvSpPr>
-          <p:nvPr>
-            <p:ph type="title"/>
-          </p:nvPr>
-        </p:nvSpPr>
-        <p:spPr/>
-        <p:txBody>
-          <a:bodyPr>
-            <a:normAutofit/>
-          </a:bodyPr>
-          <a:lstStyle/>
-          <a:p>
-            <a:pPr marL="342900" indent="-342900"/>
-            <a:r>
-              <a:rPr lang="en-US" altLang="zh-CN" sz="4000" dirty="0" smtClean="0">
-                <a:latin typeface="Bahnschrift SemiLight" panose="020B0502040204020203" pitchFamily="34" charset="0"/>
-              </a:rPr>
               <a:t>Gaussian Filtering</a:t>
             </a:r>
-            <a:endParaRPr lang="en-US" altLang="zh-CN" sz="4000" dirty="0">
-              <a:latin typeface="Bahnschrift SemiLight" panose="020B0502040204020203" pitchFamily="34" charset="0"/>
-            </a:endParaRPr>
           </a:p>
         </p:txBody>
       </p:sp>
@@ -7498,13 +7017,295 @@
       </p:transition>
     </mc:Fallback>
   </mc:AlternateContent>
-  <p:timing>
-    <p:tnLst>
-      <p:par>
-        <p:cTn id="1" dur="indefinite" restart="never" nodeType="tmRoot"/>
-      </p:par>
-    </p:tnLst>
-  </p:timing>
+</p:sld>
+</file>
+
+<file path=ppt/slides/slide19.xml><?xml version="1.0" encoding="utf-8"?>
+<p:sld xmlns:a="http://schemas.openxmlformats.org/drawingml/2006/main" xmlns:r="http://schemas.openxmlformats.org/officeDocument/2006/relationships" xmlns:p="http://schemas.openxmlformats.org/presentationml/2006/main">
+  <p:cSld>
+    <p:spTree>
+      <p:nvGrpSpPr>
+        <p:cNvPr id="1" name=""/>
+        <p:cNvGrpSpPr/>
+        <p:nvPr/>
+      </p:nvGrpSpPr>
+      <p:grpSpPr>
+        <a:xfrm>
+          <a:off x="0" y="0"/>
+          <a:ext cx="0" cy="0"/>
+          <a:chOff x="0" y="0"/>
+          <a:chExt cx="0" cy="0"/>
+        </a:xfrm>
+      </p:grpSpPr>
+      <p:sp>
+        <p:nvSpPr>
+          <p:cNvPr id="2" name="标题 1"/>
+          <p:cNvSpPr>
+            <a:spLocks noGrp="1"/>
+          </p:cNvSpPr>
+          <p:nvPr>
+            <p:ph type="title"/>
+          </p:nvPr>
+        </p:nvSpPr>
+        <p:spPr/>
+        <p:txBody>
+          <a:bodyPr>
+            <a:normAutofit/>
+          </a:bodyPr>
+          <a:lstStyle/>
+          <a:p>
+            <a:pPr marL="342900" indent="-342900"/>
+            <a:r>
+              <a:rPr lang="en-US" altLang="zh-CN" sz="4000" dirty="0">
+                <a:latin typeface="Bahnschrift SemiLight" panose="020B0502040204020203" pitchFamily="34" charset="0"/>
+              </a:rPr>
+              <a:t>Gaussian Filtering</a:t>
+            </a:r>
+          </a:p>
+        </p:txBody>
+      </p:sp>
+      <p:pic>
+        <p:nvPicPr>
+          <p:cNvPr id="4" name="Picture 4" descr="https://timgsa.baidu.com/timg?image&amp;quality=80&amp;size=b9999_10000&amp;sec=1571942598977&amp;di=62fda19cdc0fe8b6213b1b0e335bd1ba&amp;imgtype=0&amp;src=http%3A%2F%2Fcdn.onlinewebfonts.com%2Fsvg%2Fimg_326384.png"/>
+          <p:cNvPicPr>
+            <a:picLocks noChangeAspect="1" noChangeArrowheads="1"/>
+          </p:cNvPicPr>
+          <p:nvPr/>
+        </p:nvPicPr>
+        <p:blipFill>
+          <a:blip r:embed="rId3" cstate="print">
+            <a:extLst>
+              <a:ext uri="{28A0092B-C50C-407E-A947-70E740481C1C}">
+                <a14:useLocalDpi xmlns:a14="http://schemas.microsoft.com/office/drawing/2010/main" val="0"/>
+              </a:ext>
+            </a:extLst>
+          </a:blip>
+          <a:srcRect/>
+          <a:stretch>
+            <a:fillRect/>
+          </a:stretch>
+        </p:blipFill>
+        <p:spPr bwMode="auto">
+          <a:xfrm>
+            <a:off x="11353800" y="5975393"/>
+            <a:ext cx="727364" cy="745624"/>
+          </a:xfrm>
+          <a:prstGeom prst="rect">
+            <a:avLst/>
+          </a:prstGeom>
+          <a:noFill/>
+          <a:extLst>
+            <a:ext uri="{909E8E84-426E-40DD-AFC4-6F175D3DCCD1}">
+              <a14:hiddenFill xmlns:a14="http://schemas.microsoft.com/office/drawing/2010/main">
+                <a:solidFill>
+                  <a:srgbClr val="FFFFFF"/>
+                </a:solidFill>
+              </a14:hiddenFill>
+            </a:ext>
+          </a:extLst>
+        </p:spPr>
+      </p:pic>
+      <p:sp>
+        <p:nvSpPr>
+          <p:cNvPr id="5" name="矩形 4"/>
+          <p:cNvSpPr/>
+          <p:nvPr/>
+        </p:nvSpPr>
+        <p:spPr>
+          <a:xfrm>
+            <a:off x="3587482" y="6383355"/>
+            <a:ext cx="7766318" cy="338554"/>
+          </a:xfrm>
+          <a:prstGeom prst="rect">
+            <a:avLst/>
+          </a:prstGeom>
+        </p:spPr>
+        <p:txBody>
+          <a:bodyPr wrap="square">
+            <a:spAutoFit/>
+          </a:bodyPr>
+          <a:lstStyle/>
+          <a:p>
+            <a:pPr algn="r"/>
+            <a:r>
+              <a:rPr lang="en-US" altLang="zh-CN" sz="1600" dirty="0">
+                <a:latin typeface="Bahnschrift SemiLight" panose="020B0502040204020203" pitchFamily="34" charset="0"/>
+              </a:rPr>
+              <a:t>GitHub: </a:t>
+            </a:r>
+            <a:r>
+              <a:rPr lang="en-US" altLang="zh-CN" sz="1600" dirty="0">
+                <a:latin typeface="Bahnschrift SemiLight" panose="020B0502040204020203" pitchFamily="34" charset="0"/>
+                <a:hlinkClick r:id="rId4"/>
+              </a:rPr>
+              <a:t>https://github.com/jerryweihuajing/Post-Processing</a:t>
+            </a:r>
+            <a:endParaRPr lang="en-US" altLang="zh-CN" sz="1600" dirty="0">
+              <a:latin typeface="Bahnschrift SemiLight" panose="020B0502040204020203" pitchFamily="34" charset="0"/>
+            </a:endParaRPr>
+          </a:p>
+        </p:txBody>
+      </p:sp>
+      <p:pic>
+        <p:nvPicPr>
+          <p:cNvPr id="9" name="图片 8">
+            <a:extLst>
+              <a:ext uri="{FF2B5EF4-FFF2-40B4-BE49-F238E27FC236}">
+                <a16:creationId xmlns:a16="http://schemas.microsoft.com/office/drawing/2014/main" id="{7FAF1CA2-9C47-41E7-9A07-ECA9E3BDBF99}"/>
+              </a:ext>
+            </a:extLst>
+          </p:cNvPr>
+          <p:cNvPicPr>
+            <a:picLocks noChangeAspect="1"/>
+          </p:cNvPicPr>
+          <p:nvPr/>
+        </p:nvPicPr>
+        <p:blipFill>
+          <a:blip r:embed="rId5">
+            <a:extLst>
+              <a:ext uri="{28A0092B-C50C-407E-A947-70E740481C1C}">
+                <a14:useLocalDpi xmlns:a14="http://schemas.microsoft.com/office/drawing/2010/main" val="0"/>
+              </a:ext>
+            </a:extLst>
+          </a:blip>
+          <a:stretch>
+            <a:fillRect/>
+          </a:stretch>
+        </p:blipFill>
+        <p:spPr>
+          <a:xfrm>
+            <a:off x="9022080" y="681037"/>
+            <a:ext cx="2331720" cy="579454"/>
+          </a:xfrm>
+          <a:prstGeom prst="rect">
+            <a:avLst/>
+          </a:prstGeom>
+        </p:spPr>
+      </p:pic>
+      <p:pic>
+        <p:nvPicPr>
+          <p:cNvPr id="13" name="图片 12"/>
+          <p:cNvPicPr>
+            <a:picLocks noChangeAspect="1"/>
+          </p:cNvPicPr>
+          <p:nvPr/>
+        </p:nvPicPr>
+        <p:blipFill>
+          <a:blip r:embed="rId6" cstate="print">
+            <a:extLst>
+              <a:ext uri="{28A0092B-C50C-407E-A947-70E740481C1C}">
+                <a14:useLocalDpi xmlns:a14="http://schemas.microsoft.com/office/drawing/2010/main" val="0"/>
+              </a:ext>
+            </a:extLst>
+          </a:blip>
+          <a:stretch>
+            <a:fillRect/>
+          </a:stretch>
+        </p:blipFill>
+        <p:spPr>
+          <a:xfrm>
+            <a:off x="249935" y="6440600"/>
+            <a:ext cx="1176530" cy="280417"/>
+          </a:xfrm>
+          <a:prstGeom prst="rect">
+            <a:avLst/>
+          </a:prstGeom>
+        </p:spPr>
+      </p:pic>
+      <p:pic>
+        <p:nvPicPr>
+          <p:cNvPr id="11" name="内容占位符 10" descr="E:\GitHub\YADEM\Post-Processing\2D\Thesis\structural deformation-original.png"/>
+          <p:cNvPicPr>
+            <a:picLocks noGrp="1" noChangeAspect="1"/>
+          </p:cNvPicPr>
+          <p:nvPr>
+            <p:ph idx="1"/>
+          </p:nvPr>
+        </p:nvPicPr>
+        <p:blipFill>
+          <a:blip r:embed="rId7" cstate="print">
+            <a:extLst>
+              <a:ext uri="{28A0092B-C50C-407E-A947-70E740481C1C}">
+                <a14:useLocalDpi xmlns:a14="http://schemas.microsoft.com/office/drawing/2010/main" val="0"/>
+              </a:ext>
+            </a:extLst>
+          </a:blip>
+          <a:srcRect/>
+          <a:stretch>
+            <a:fillRect/>
+          </a:stretch>
+        </p:blipFill>
+        <p:spPr bwMode="auto">
+          <a:xfrm>
+            <a:off x="838200" y="1690688"/>
+            <a:ext cx="4387633" cy="4320000"/>
+          </a:xfrm>
+          <a:prstGeom prst="rect">
+            <a:avLst/>
+          </a:prstGeom>
+          <a:noFill/>
+          <a:ln>
+            <a:noFill/>
+          </a:ln>
+        </p:spPr>
+      </p:pic>
+      <p:pic>
+        <p:nvPicPr>
+          <p:cNvPr id="16" name="图片 15" descr="E:\GitHub\YADEM\Post-Processing\2D\Thesis\structural deformation-smoothed.png"/>
+          <p:cNvPicPr>
+            <a:picLocks noChangeAspect="1"/>
+          </p:cNvPicPr>
+          <p:nvPr/>
+        </p:nvPicPr>
+        <p:blipFill>
+          <a:blip r:embed="rId8" cstate="print">
+            <a:extLst>
+              <a:ext uri="{28A0092B-C50C-407E-A947-70E740481C1C}">
+                <a14:useLocalDpi xmlns:a14="http://schemas.microsoft.com/office/drawing/2010/main" val="0"/>
+              </a:ext>
+            </a:extLst>
+          </a:blip>
+          <a:srcRect/>
+          <a:stretch>
+            <a:fillRect/>
+          </a:stretch>
+        </p:blipFill>
+        <p:spPr bwMode="auto">
+          <a:xfrm>
+            <a:off x="6092998" y="1690688"/>
+            <a:ext cx="4393636" cy="4320000"/>
+          </a:xfrm>
+          <a:prstGeom prst="rect">
+            <a:avLst/>
+          </a:prstGeom>
+          <a:noFill/>
+          <a:ln>
+            <a:noFill/>
+          </a:ln>
+        </p:spPr>
+      </p:pic>
+    </p:spTree>
+    <p:extLst>
+      <p:ext uri="{BB962C8B-B14F-4D97-AF65-F5344CB8AC3E}">
+        <p14:creationId xmlns:p14="http://schemas.microsoft.com/office/powerpoint/2010/main" val="62142398"/>
+      </p:ext>
+    </p:extLst>
+  </p:cSld>
+  <p:clrMapOvr>
+    <a:masterClrMapping/>
+  </p:clrMapOvr>
+  <mc:AlternateContent xmlns:mc="http://schemas.openxmlformats.org/markup-compatibility/2006" xmlns:p14="http://schemas.microsoft.com/office/powerpoint/2010/main">
+    <mc:Choice Requires="p14">
+      <p:transition spd="med" p14:dur="700">
+        <p:fade/>
+      </p:transition>
+    </mc:Choice>
+    <mc:Fallback xmlns="">
+      <p:transition spd="med">
+        <p:fade/>
+      </p:transition>
+    </mc:Fallback>
+  </mc:AlternateContent>
 </p:sld>
 </file>
 
@@ -7592,18 +7393,13 @@
           </a:p>
           <a:p>
             <a:r>
-              <a:rPr lang="en-US" altLang="zh-CN" sz="2400" dirty="0" smtClean="0">
+              <a:rPr lang="en-US" altLang="zh-CN" sz="2400" dirty="0">
                 <a:latin typeface="Bahnschrift SemiLight" panose="020B0502040204020203" pitchFamily="34" charset="0"/>
                 <a:ea typeface="+mj-ea"/>
                 <a:cs typeface="+mj-cs"/>
               </a:rPr>
               <a:t>Aim</a:t>
             </a:r>
-            <a:endParaRPr lang="en-US" altLang="zh-CN" sz="2400" dirty="0">
-              <a:latin typeface="Bahnschrift SemiLight" panose="020B0502040204020203" pitchFamily="34" charset="0"/>
-              <a:ea typeface="+mj-ea"/>
-              <a:cs typeface="+mj-cs"/>
-            </a:endParaRPr>
           </a:p>
         </p:txBody>
       </p:sp>
@@ -7629,13 +7425,6 @@
       </p:transition>
     </mc:Fallback>
   </mc:AlternateContent>
-  <p:timing>
-    <p:tnLst>
-      <p:par>
-        <p:cTn id="1" dur="indefinite" restart="never" nodeType="tmRoot"/>
-      </p:par>
-    </p:tnLst>
-  </p:timing>
 </p:sld>
 </file>
 
@@ -7675,313 +7464,11 @@
           <a:p>
             <a:pPr marL="342900" indent="-342900"/>
             <a:r>
-              <a:rPr lang="en-US" altLang="zh-CN" sz="4000" dirty="0" smtClean="0">
+              <a:rPr lang="en-US" altLang="zh-CN" sz="4000" dirty="0">
                 <a:latin typeface="Bahnschrift SemiLight" panose="020B0502040204020203" pitchFamily="34" charset="0"/>
               </a:rPr>
               <a:t>Gaussian Filtering</a:t>
             </a:r>
-            <a:endParaRPr lang="en-US" altLang="zh-CN" sz="4000" dirty="0">
-              <a:latin typeface="Bahnschrift SemiLight" panose="020B0502040204020203" pitchFamily="34" charset="0"/>
-            </a:endParaRPr>
-          </a:p>
-        </p:txBody>
-      </p:sp>
-      <p:pic>
-        <p:nvPicPr>
-          <p:cNvPr id="4" name="Picture 4" descr="https://timgsa.baidu.com/timg?image&amp;quality=80&amp;size=b9999_10000&amp;sec=1571942598977&amp;di=62fda19cdc0fe8b6213b1b0e335bd1ba&amp;imgtype=0&amp;src=http%3A%2F%2Fcdn.onlinewebfonts.com%2Fsvg%2Fimg_326384.png"/>
-          <p:cNvPicPr>
-            <a:picLocks noChangeAspect="1" noChangeArrowheads="1"/>
-          </p:cNvPicPr>
-          <p:nvPr/>
-        </p:nvPicPr>
-        <p:blipFill>
-          <a:blip r:embed="rId3" cstate="print">
-            <a:extLst>
-              <a:ext uri="{28A0092B-C50C-407E-A947-70E740481C1C}">
-                <a14:useLocalDpi xmlns:a14="http://schemas.microsoft.com/office/drawing/2010/main" val="0"/>
-              </a:ext>
-            </a:extLst>
-          </a:blip>
-          <a:srcRect/>
-          <a:stretch>
-            <a:fillRect/>
-          </a:stretch>
-        </p:blipFill>
-        <p:spPr bwMode="auto">
-          <a:xfrm>
-            <a:off x="11353800" y="5975393"/>
-            <a:ext cx="727364" cy="745624"/>
-          </a:xfrm>
-          <a:prstGeom prst="rect">
-            <a:avLst/>
-          </a:prstGeom>
-          <a:noFill/>
-          <a:extLst>
-            <a:ext uri="{909E8E84-426E-40DD-AFC4-6F175D3DCCD1}">
-              <a14:hiddenFill xmlns:a14="http://schemas.microsoft.com/office/drawing/2010/main">
-                <a:solidFill>
-                  <a:srgbClr val="FFFFFF"/>
-                </a:solidFill>
-              </a14:hiddenFill>
-            </a:ext>
-          </a:extLst>
-        </p:spPr>
-      </p:pic>
-      <p:sp>
-        <p:nvSpPr>
-          <p:cNvPr id="5" name="矩形 4"/>
-          <p:cNvSpPr/>
-          <p:nvPr/>
-        </p:nvSpPr>
-        <p:spPr>
-          <a:xfrm>
-            <a:off x="3587482" y="6383355"/>
-            <a:ext cx="7766318" cy="338554"/>
-          </a:xfrm>
-          <a:prstGeom prst="rect">
-            <a:avLst/>
-          </a:prstGeom>
-        </p:spPr>
-        <p:txBody>
-          <a:bodyPr wrap="square">
-            <a:spAutoFit/>
-          </a:bodyPr>
-          <a:lstStyle/>
-          <a:p>
-            <a:pPr algn="r"/>
-            <a:r>
-              <a:rPr lang="en-US" altLang="zh-CN" sz="1600" dirty="0">
-                <a:latin typeface="Bahnschrift SemiLight" panose="020B0502040204020203" pitchFamily="34" charset="0"/>
-              </a:rPr>
-              <a:t>GitHub: </a:t>
-            </a:r>
-            <a:r>
-              <a:rPr lang="en-US" altLang="zh-CN" sz="1600" dirty="0">
-                <a:latin typeface="Bahnschrift SemiLight" panose="020B0502040204020203" pitchFamily="34" charset="0"/>
-                <a:hlinkClick r:id="rId4"/>
-              </a:rPr>
-              <a:t>https://github.com/jerryweihuajing/Post-Processing</a:t>
-            </a:r>
-            <a:endParaRPr lang="en-US" altLang="zh-CN" sz="1600" dirty="0">
-              <a:latin typeface="Bahnschrift SemiLight" panose="020B0502040204020203" pitchFamily="34" charset="0"/>
-            </a:endParaRPr>
-          </a:p>
-        </p:txBody>
-      </p:sp>
-      <p:pic>
-        <p:nvPicPr>
-          <p:cNvPr id="9" name="图片 8">
-            <a:extLst>
-              <a:ext uri="{FF2B5EF4-FFF2-40B4-BE49-F238E27FC236}">
-                <a16:creationId xmlns:a16="http://schemas.microsoft.com/office/drawing/2014/main" id="{7FAF1CA2-9C47-41E7-9A07-ECA9E3BDBF99}"/>
-              </a:ext>
-            </a:extLst>
-          </p:cNvPr>
-          <p:cNvPicPr>
-            <a:picLocks noChangeAspect="1"/>
-          </p:cNvPicPr>
-          <p:nvPr/>
-        </p:nvPicPr>
-        <p:blipFill>
-          <a:blip r:embed="rId5">
-            <a:extLst>
-              <a:ext uri="{28A0092B-C50C-407E-A947-70E740481C1C}">
-                <a14:useLocalDpi xmlns:a14="http://schemas.microsoft.com/office/drawing/2010/main" val="0"/>
-              </a:ext>
-            </a:extLst>
-          </a:blip>
-          <a:stretch>
-            <a:fillRect/>
-          </a:stretch>
-        </p:blipFill>
-        <p:spPr>
-          <a:xfrm>
-            <a:off x="9022080" y="681037"/>
-            <a:ext cx="2331720" cy="579454"/>
-          </a:xfrm>
-          <a:prstGeom prst="rect">
-            <a:avLst/>
-          </a:prstGeom>
-        </p:spPr>
-      </p:pic>
-      <p:pic>
-        <p:nvPicPr>
-          <p:cNvPr id="13" name="图片 12"/>
-          <p:cNvPicPr>
-            <a:picLocks noChangeAspect="1"/>
-          </p:cNvPicPr>
-          <p:nvPr/>
-        </p:nvPicPr>
-        <p:blipFill>
-          <a:blip r:embed="rId6" cstate="print">
-            <a:extLst>
-              <a:ext uri="{28A0092B-C50C-407E-A947-70E740481C1C}">
-                <a14:useLocalDpi xmlns:a14="http://schemas.microsoft.com/office/drawing/2010/main" val="0"/>
-              </a:ext>
-            </a:extLst>
-          </a:blip>
-          <a:stretch>
-            <a:fillRect/>
-          </a:stretch>
-        </p:blipFill>
-        <p:spPr>
-          <a:xfrm>
-            <a:off x="249935" y="6440600"/>
-            <a:ext cx="1176530" cy="280417"/>
-          </a:xfrm>
-          <a:prstGeom prst="rect">
-            <a:avLst/>
-          </a:prstGeom>
-        </p:spPr>
-      </p:pic>
-      <p:pic>
-        <p:nvPicPr>
-          <p:cNvPr id="11" name="内容占位符 10" descr="E:\GitHub\YADEM\Post-Processing\2D\Thesis\structural deformation-original.png"/>
-          <p:cNvPicPr>
-            <a:picLocks noGrp="1" noChangeAspect="1"/>
-          </p:cNvPicPr>
-          <p:nvPr>
-            <p:ph idx="1"/>
-          </p:nvPr>
-        </p:nvPicPr>
-        <p:blipFill>
-          <a:blip r:embed="rId7" cstate="print">
-            <a:extLst>
-              <a:ext uri="{28A0092B-C50C-407E-A947-70E740481C1C}">
-                <a14:useLocalDpi xmlns:a14="http://schemas.microsoft.com/office/drawing/2010/main" val="0"/>
-              </a:ext>
-            </a:extLst>
-          </a:blip>
-          <a:srcRect/>
-          <a:stretch>
-            <a:fillRect/>
-          </a:stretch>
-        </p:blipFill>
-        <p:spPr bwMode="auto">
-          <a:xfrm>
-            <a:off x="838200" y="1690688"/>
-            <a:ext cx="4387633" cy="4320000"/>
-          </a:xfrm>
-          <a:prstGeom prst="rect">
-            <a:avLst/>
-          </a:prstGeom>
-          <a:noFill/>
-          <a:ln>
-            <a:noFill/>
-          </a:ln>
-        </p:spPr>
-      </p:pic>
-      <p:pic>
-        <p:nvPicPr>
-          <p:cNvPr id="16" name="图片 15" descr="E:\GitHub\YADEM\Post-Processing\2D\Thesis\structural deformation-smoothed.png"/>
-          <p:cNvPicPr>
-            <a:picLocks noChangeAspect="1"/>
-          </p:cNvPicPr>
-          <p:nvPr/>
-        </p:nvPicPr>
-        <p:blipFill>
-          <a:blip r:embed="rId8" cstate="print">
-            <a:extLst>
-              <a:ext uri="{28A0092B-C50C-407E-A947-70E740481C1C}">
-                <a14:useLocalDpi xmlns:a14="http://schemas.microsoft.com/office/drawing/2010/main" val="0"/>
-              </a:ext>
-            </a:extLst>
-          </a:blip>
-          <a:srcRect/>
-          <a:stretch>
-            <a:fillRect/>
-          </a:stretch>
-        </p:blipFill>
-        <p:spPr bwMode="auto">
-          <a:xfrm>
-            <a:off x="6092998" y="1690688"/>
-            <a:ext cx="4393636" cy="4320000"/>
-          </a:xfrm>
-          <a:prstGeom prst="rect">
-            <a:avLst/>
-          </a:prstGeom>
-          <a:noFill/>
-          <a:ln>
-            <a:noFill/>
-          </a:ln>
-        </p:spPr>
-      </p:pic>
-    </p:spTree>
-    <p:extLst>
-      <p:ext uri="{BB962C8B-B14F-4D97-AF65-F5344CB8AC3E}">
-        <p14:creationId xmlns:p14="http://schemas.microsoft.com/office/powerpoint/2010/main" val="62142398"/>
-      </p:ext>
-    </p:extLst>
-  </p:cSld>
-  <p:clrMapOvr>
-    <a:masterClrMapping/>
-  </p:clrMapOvr>
-  <mc:AlternateContent xmlns:mc="http://schemas.openxmlformats.org/markup-compatibility/2006" xmlns:p14="http://schemas.microsoft.com/office/powerpoint/2010/main">
-    <mc:Choice Requires="p14">
-      <p:transition spd="med" p14:dur="700">
-        <p:fade/>
-      </p:transition>
-    </mc:Choice>
-    <mc:Fallback xmlns="">
-      <p:transition spd="med">
-        <p:fade/>
-      </p:transition>
-    </mc:Fallback>
-  </mc:AlternateContent>
-  <p:timing>
-    <p:tnLst>
-      <p:par>
-        <p:cTn id="1" dur="indefinite" restart="never" nodeType="tmRoot"/>
-      </p:par>
-    </p:tnLst>
-  </p:timing>
-</p:sld>
-</file>
-
-<file path=ppt/slides/slide21.xml><?xml version="1.0" encoding="utf-8"?>
-<p:sld xmlns:a="http://schemas.openxmlformats.org/drawingml/2006/main" xmlns:r="http://schemas.openxmlformats.org/officeDocument/2006/relationships" xmlns:p="http://schemas.openxmlformats.org/presentationml/2006/main">
-  <p:cSld>
-    <p:spTree>
-      <p:nvGrpSpPr>
-        <p:cNvPr id="1" name=""/>
-        <p:cNvGrpSpPr/>
-        <p:nvPr/>
-      </p:nvGrpSpPr>
-      <p:grpSpPr>
-        <a:xfrm>
-          <a:off x="0" y="0"/>
-          <a:ext cx="0" cy="0"/>
-          <a:chOff x="0" y="0"/>
-          <a:chExt cx="0" cy="0"/>
-        </a:xfrm>
-      </p:grpSpPr>
-      <p:sp>
-        <p:nvSpPr>
-          <p:cNvPr id="2" name="标题 1"/>
-          <p:cNvSpPr>
-            <a:spLocks noGrp="1"/>
-          </p:cNvSpPr>
-          <p:nvPr>
-            <p:ph type="title"/>
-          </p:nvPr>
-        </p:nvSpPr>
-        <p:spPr/>
-        <p:txBody>
-          <a:bodyPr>
-            <a:normAutofit/>
-          </a:bodyPr>
-          <a:lstStyle/>
-          <a:p>
-            <a:pPr marL="342900" indent="-342900"/>
-            <a:r>
-              <a:rPr lang="en-US" altLang="zh-CN" sz="4000" dirty="0" smtClean="0">
-                <a:latin typeface="Bahnschrift SemiLight" panose="020B0502040204020203" pitchFamily="34" charset="0"/>
-              </a:rPr>
-              <a:t>Gaussian Filtering</a:t>
-            </a:r>
-            <a:endParaRPr lang="en-US" altLang="zh-CN" sz="4000" dirty="0">
-              <a:latin typeface="Bahnschrift SemiLight" panose="020B0502040204020203" pitchFamily="34" charset="0"/>
-            </a:endParaRPr>
           </a:p>
         </p:txBody>
       </p:sp>
@@ -8262,17 +7749,10 @@
       </p:transition>
     </mc:Fallback>
   </mc:AlternateContent>
-  <p:timing>
-    <p:tnLst>
-      <p:par>
-        <p:cTn id="1" dur="indefinite" restart="never" nodeType="tmRoot"/>
-      </p:par>
-    </p:tnLst>
-  </p:timing>
 </p:sld>
 </file>
 
-<file path=ppt/slides/slide22.xml><?xml version="1.0" encoding="utf-8"?>
+<file path=ppt/slides/slide21.xml><?xml version="1.0" encoding="utf-8"?>
 <p:sld xmlns:a="http://schemas.openxmlformats.org/drawingml/2006/main" xmlns:r="http://schemas.openxmlformats.org/officeDocument/2006/relationships" xmlns:p="http://schemas.openxmlformats.org/presentationml/2006/main">
   <p:cSld>
     <p:spTree>
@@ -8308,14 +7788,11 @@
           <a:p>
             <a:pPr marL="342900" indent="-342900"/>
             <a:r>
-              <a:rPr lang="en-US" altLang="zh-CN" sz="4000" dirty="0" smtClean="0">
+              <a:rPr lang="en-US" altLang="zh-CN" sz="4000" dirty="0">
                 <a:latin typeface="Bahnschrift SemiLight" panose="020B0502040204020203" pitchFamily="34" charset="0"/>
               </a:rPr>
               <a:t>Gaussian Filtering</a:t>
             </a:r>
-            <a:endParaRPr lang="en-US" altLang="zh-CN" sz="4000" dirty="0">
-              <a:latin typeface="Bahnschrift SemiLight" panose="020B0502040204020203" pitchFamily="34" charset="0"/>
-            </a:endParaRPr>
           </a:p>
         </p:txBody>
       </p:sp>
@@ -8561,17 +8038,10 @@
       </p:transition>
     </mc:Fallback>
   </mc:AlternateContent>
-  <p:timing>
-    <p:tnLst>
-      <p:par>
-        <p:cTn id="1" dur="indefinite" restart="never" nodeType="tmRoot"/>
-      </p:par>
-    </p:tnLst>
-  </p:timing>
 </p:sld>
 </file>
 
-<file path=ppt/slides/slide23.xml><?xml version="1.0" encoding="utf-8"?>
+<file path=ppt/slides/slide22.xml><?xml version="1.0" encoding="utf-8"?>
 <p:sld xmlns:a="http://schemas.openxmlformats.org/drawingml/2006/main" xmlns:r="http://schemas.openxmlformats.org/officeDocument/2006/relationships" xmlns:p="http://schemas.openxmlformats.org/presentationml/2006/main">
   <p:cSld>
     <p:spTree>
@@ -8607,14 +8077,11 @@
           <a:p>
             <a:pPr marL="342900" indent="-342900"/>
             <a:r>
-              <a:rPr lang="en-US" altLang="zh-CN" sz="4000" dirty="0" smtClean="0">
+              <a:rPr lang="en-US" altLang="zh-CN" sz="4000" dirty="0">
                 <a:latin typeface="Bahnschrift SemiLight" panose="020B0502040204020203" pitchFamily="34" charset="0"/>
               </a:rPr>
               <a:t>Gaussian Filtering</a:t>
             </a:r>
-            <a:endParaRPr lang="en-US" altLang="zh-CN" sz="4000" dirty="0">
-              <a:latin typeface="Bahnschrift SemiLight" panose="020B0502040204020203" pitchFamily="34" charset="0"/>
-            </a:endParaRPr>
           </a:p>
         </p:txBody>
       </p:sp>
@@ -8860,13 +8327,328 @@
       </p:transition>
     </mc:Fallback>
   </mc:AlternateContent>
-  <p:timing>
-    <p:tnLst>
-      <p:par>
-        <p:cTn id="1" dur="indefinite" restart="never" nodeType="tmRoot"/>
-      </p:par>
-    </p:tnLst>
-  </p:timing>
+</p:sld>
+</file>
+
+<file path=ppt/slides/slide23.xml><?xml version="1.0" encoding="utf-8"?>
+<p:sld xmlns:a="http://schemas.openxmlformats.org/drawingml/2006/main" xmlns:r="http://schemas.openxmlformats.org/officeDocument/2006/relationships" xmlns:p="http://schemas.openxmlformats.org/presentationml/2006/main">
+  <p:cSld>
+    <p:spTree>
+      <p:nvGrpSpPr>
+        <p:cNvPr id="1" name=""/>
+        <p:cNvGrpSpPr/>
+        <p:nvPr/>
+      </p:nvGrpSpPr>
+      <p:grpSpPr>
+        <a:xfrm>
+          <a:off x="0" y="0"/>
+          <a:ext cx="0" cy="0"/>
+          <a:chOff x="0" y="0"/>
+          <a:chExt cx="0" cy="0"/>
+        </a:xfrm>
+      </p:grpSpPr>
+      <p:sp>
+        <p:nvSpPr>
+          <p:cNvPr id="2" name="标题 1"/>
+          <p:cNvSpPr>
+            <a:spLocks noGrp="1"/>
+          </p:cNvSpPr>
+          <p:nvPr>
+            <p:ph type="title"/>
+          </p:nvPr>
+        </p:nvSpPr>
+        <p:spPr/>
+        <p:txBody>
+          <a:bodyPr>
+            <a:normAutofit/>
+          </a:bodyPr>
+          <a:lstStyle/>
+          <a:p>
+            <a:pPr marL="342900" indent="-342900"/>
+            <a:r>
+              <a:rPr lang="en-US" altLang="zh-CN" sz="4000" dirty="0">
+                <a:latin typeface="Bahnschrift SemiLight" panose="020B0502040204020203" pitchFamily="34" charset="0"/>
+              </a:rPr>
+              <a:t>Boundary Extraction</a:t>
+            </a:r>
+          </a:p>
+        </p:txBody>
+      </p:sp>
+      <p:pic>
+        <p:nvPicPr>
+          <p:cNvPr id="4" name="Picture 4" descr="https://timgsa.baidu.com/timg?image&amp;quality=80&amp;size=b9999_10000&amp;sec=1571942598977&amp;di=62fda19cdc0fe8b6213b1b0e335bd1ba&amp;imgtype=0&amp;src=http%3A%2F%2Fcdn.onlinewebfonts.com%2Fsvg%2Fimg_326384.png"/>
+          <p:cNvPicPr>
+            <a:picLocks noChangeAspect="1" noChangeArrowheads="1"/>
+          </p:cNvPicPr>
+          <p:nvPr/>
+        </p:nvPicPr>
+        <p:blipFill>
+          <a:blip r:embed="rId2" cstate="print">
+            <a:extLst>
+              <a:ext uri="{28A0092B-C50C-407E-A947-70E740481C1C}">
+                <a14:useLocalDpi xmlns:a14="http://schemas.microsoft.com/office/drawing/2010/main" val="0"/>
+              </a:ext>
+            </a:extLst>
+          </a:blip>
+          <a:srcRect/>
+          <a:stretch>
+            <a:fillRect/>
+          </a:stretch>
+        </p:blipFill>
+        <p:spPr bwMode="auto">
+          <a:xfrm>
+            <a:off x="11353800" y="5975393"/>
+            <a:ext cx="727364" cy="745624"/>
+          </a:xfrm>
+          <a:prstGeom prst="rect">
+            <a:avLst/>
+          </a:prstGeom>
+          <a:noFill/>
+          <a:extLst>
+            <a:ext uri="{909E8E84-426E-40DD-AFC4-6F175D3DCCD1}">
+              <a14:hiddenFill xmlns:a14="http://schemas.microsoft.com/office/drawing/2010/main">
+                <a:solidFill>
+                  <a:srgbClr val="FFFFFF"/>
+                </a:solidFill>
+              </a14:hiddenFill>
+            </a:ext>
+          </a:extLst>
+        </p:spPr>
+      </p:pic>
+      <p:sp>
+        <p:nvSpPr>
+          <p:cNvPr id="5" name="矩形 4"/>
+          <p:cNvSpPr/>
+          <p:nvPr/>
+        </p:nvSpPr>
+        <p:spPr>
+          <a:xfrm>
+            <a:off x="3587482" y="6383355"/>
+            <a:ext cx="7766318" cy="338554"/>
+          </a:xfrm>
+          <a:prstGeom prst="rect">
+            <a:avLst/>
+          </a:prstGeom>
+        </p:spPr>
+        <p:txBody>
+          <a:bodyPr wrap="square">
+            <a:spAutoFit/>
+          </a:bodyPr>
+          <a:lstStyle/>
+          <a:p>
+            <a:pPr algn="r"/>
+            <a:r>
+              <a:rPr lang="en-US" altLang="zh-CN" sz="1600" dirty="0">
+                <a:latin typeface="Bahnschrift SemiLight" panose="020B0502040204020203" pitchFamily="34" charset="0"/>
+              </a:rPr>
+              <a:t>GitHub: </a:t>
+            </a:r>
+            <a:r>
+              <a:rPr lang="en-US" altLang="zh-CN" sz="1600" dirty="0">
+                <a:latin typeface="Bahnschrift SemiLight" panose="020B0502040204020203" pitchFamily="34" charset="0"/>
+                <a:hlinkClick r:id="rId3"/>
+              </a:rPr>
+              <a:t>https://github.com/jerryweihuajing/Post-Processing</a:t>
+            </a:r>
+            <a:endParaRPr lang="en-US" altLang="zh-CN" sz="1600" dirty="0">
+              <a:latin typeface="Bahnschrift SemiLight" panose="020B0502040204020203" pitchFamily="34" charset="0"/>
+            </a:endParaRPr>
+          </a:p>
+        </p:txBody>
+      </p:sp>
+      <p:pic>
+        <p:nvPicPr>
+          <p:cNvPr id="12" name="图片 11">
+            <a:extLst>
+              <a:ext uri="{FF2B5EF4-FFF2-40B4-BE49-F238E27FC236}">
+                <a16:creationId xmlns:a16="http://schemas.microsoft.com/office/drawing/2014/main" id="{A2668651-BAAB-449F-920E-5253D657617C}"/>
+              </a:ext>
+            </a:extLst>
+          </p:cNvPr>
+          <p:cNvPicPr>
+            <a:picLocks noChangeAspect="1"/>
+          </p:cNvPicPr>
+          <p:nvPr/>
+        </p:nvPicPr>
+        <p:blipFill>
+          <a:blip r:embed="rId4">
+            <a:extLst>
+              <a:ext uri="{28A0092B-C50C-407E-A947-70E740481C1C}">
+                <a14:useLocalDpi xmlns:a14="http://schemas.microsoft.com/office/drawing/2010/main" val="0"/>
+              </a:ext>
+            </a:extLst>
+          </a:blip>
+          <a:stretch>
+            <a:fillRect/>
+          </a:stretch>
+        </p:blipFill>
+        <p:spPr>
+          <a:xfrm>
+            <a:off x="9022080" y="681037"/>
+            <a:ext cx="2331720" cy="579454"/>
+          </a:xfrm>
+          <a:prstGeom prst="rect">
+            <a:avLst/>
+          </a:prstGeom>
+        </p:spPr>
+      </p:pic>
+      <p:pic>
+        <p:nvPicPr>
+          <p:cNvPr id="8" name="图片 7"/>
+          <p:cNvPicPr>
+            <a:picLocks noChangeAspect="1"/>
+          </p:cNvPicPr>
+          <p:nvPr/>
+        </p:nvPicPr>
+        <p:blipFill>
+          <a:blip r:embed="rId5" cstate="print">
+            <a:extLst>
+              <a:ext uri="{28A0092B-C50C-407E-A947-70E740481C1C}">
+                <a14:useLocalDpi xmlns:a14="http://schemas.microsoft.com/office/drawing/2010/main" val="0"/>
+              </a:ext>
+            </a:extLst>
+          </a:blip>
+          <a:stretch>
+            <a:fillRect/>
+          </a:stretch>
+        </p:blipFill>
+        <p:spPr>
+          <a:xfrm>
+            <a:off x="249935" y="6440600"/>
+            <a:ext cx="1176530" cy="280417"/>
+          </a:xfrm>
+          <a:prstGeom prst="rect">
+            <a:avLst/>
+          </a:prstGeom>
+        </p:spPr>
+      </p:pic>
+      <p:pic>
+        <p:nvPicPr>
+          <p:cNvPr id="9" name="图片 8" descr="E:\GitHub\YADEM\Post-Processing\2D\Thesis\inlier-grid\erosion\square\content with mesh.png"/>
+          <p:cNvPicPr>
+            <a:picLocks noChangeAspect="1"/>
+          </p:cNvPicPr>
+          <p:nvPr/>
+        </p:nvPicPr>
+        <p:blipFill>
+          <a:blip r:embed="rId6" cstate="print">
+            <a:extLst>
+              <a:ext uri="{28A0092B-C50C-407E-A947-70E740481C1C}">
+                <a14:useLocalDpi xmlns:a14="http://schemas.microsoft.com/office/drawing/2010/main" val="0"/>
+              </a:ext>
+            </a:extLst>
+          </a:blip>
+          <a:srcRect/>
+          <a:stretch>
+            <a:fillRect/>
+          </a:stretch>
+        </p:blipFill>
+        <p:spPr bwMode="auto">
+          <a:xfrm>
+            <a:off x="838200" y="1686831"/>
+            <a:ext cx="3600000" cy="3600000"/>
+          </a:xfrm>
+          <a:prstGeom prst="rect">
+            <a:avLst/>
+          </a:prstGeom>
+          <a:noFill/>
+          <a:ln>
+            <a:noFill/>
+          </a:ln>
+        </p:spPr>
+      </p:pic>
+      <p:pic>
+        <p:nvPicPr>
+          <p:cNvPr id="10" name="图片 9" descr="E:\GitHub\YADEM\Post-Processing\2D\Thesis\inlier-grid\erosion\square\boundary with mesh and grid.png"/>
+          <p:cNvPicPr>
+            <a:picLocks noChangeAspect="1"/>
+          </p:cNvPicPr>
+          <p:nvPr/>
+        </p:nvPicPr>
+        <p:blipFill>
+          <a:blip r:embed="rId7" cstate="print">
+            <a:extLst>
+              <a:ext uri="{28A0092B-C50C-407E-A947-70E740481C1C}">
+                <a14:useLocalDpi xmlns:a14="http://schemas.microsoft.com/office/drawing/2010/main" val="0"/>
+              </a:ext>
+            </a:extLst>
+          </a:blip>
+          <a:srcRect/>
+          <a:stretch>
+            <a:fillRect/>
+          </a:stretch>
+        </p:blipFill>
+        <p:spPr bwMode="auto">
+          <a:xfrm>
+            <a:off x="4438200" y="1686831"/>
+            <a:ext cx="3600000" cy="3600000"/>
+          </a:xfrm>
+          <a:prstGeom prst="rect">
+            <a:avLst/>
+          </a:prstGeom>
+          <a:noFill/>
+          <a:ln>
+            <a:noFill/>
+          </a:ln>
+        </p:spPr>
+      </p:pic>
+      <p:pic>
+        <p:nvPicPr>
+          <p:cNvPr id="11" name="图片 10" descr="E:\GitHub\YADEM\Post-Processing\2D\Thesis\inlier-grid\erosion\square\boundary with mesh.png"/>
+          <p:cNvPicPr>
+            <a:picLocks noChangeAspect="1"/>
+          </p:cNvPicPr>
+          <p:nvPr/>
+        </p:nvPicPr>
+        <p:blipFill>
+          <a:blip r:embed="rId8" cstate="print">
+            <a:extLst>
+              <a:ext uri="{28A0092B-C50C-407E-A947-70E740481C1C}">
+                <a14:useLocalDpi xmlns:a14="http://schemas.microsoft.com/office/drawing/2010/main" val="0"/>
+              </a:ext>
+            </a:extLst>
+          </a:blip>
+          <a:srcRect/>
+          <a:stretch>
+            <a:fillRect/>
+          </a:stretch>
+        </p:blipFill>
+        <p:spPr bwMode="auto">
+          <a:xfrm>
+            <a:off x="8038200" y="1686831"/>
+            <a:ext cx="3600000" cy="3600000"/>
+          </a:xfrm>
+          <a:prstGeom prst="rect">
+            <a:avLst/>
+          </a:prstGeom>
+          <a:noFill/>
+          <a:ln>
+            <a:noFill/>
+          </a:ln>
+        </p:spPr>
+      </p:pic>
+    </p:spTree>
+    <p:extLst>
+      <p:ext uri="{BB962C8B-B14F-4D97-AF65-F5344CB8AC3E}">
+        <p14:creationId xmlns:p14="http://schemas.microsoft.com/office/powerpoint/2010/main" val="4129228310"/>
+      </p:ext>
+    </p:extLst>
+  </p:cSld>
+  <p:clrMapOvr>
+    <a:masterClrMapping/>
+  </p:clrMapOvr>
+  <mc:AlternateContent xmlns:mc="http://schemas.openxmlformats.org/markup-compatibility/2006" xmlns:p14="http://schemas.microsoft.com/office/powerpoint/2010/main">
+    <mc:Choice Requires="p14">
+      <p:transition spd="med" p14:dur="700">
+        <p:fade/>
+      </p:transition>
+    </mc:Choice>
+    <mc:Fallback xmlns="">
+      <p:transition spd="med">
+        <p:fade/>
+      </p:transition>
+    </mc:Fallback>
+  </mc:AlternateContent>
 </p:sld>
 </file>
 
@@ -8906,14 +8688,11 @@
           <a:p>
             <a:pPr marL="342900" indent="-342900"/>
             <a:r>
-              <a:rPr lang="en-US" altLang="zh-CN" sz="4000" dirty="0" smtClean="0">
+              <a:rPr lang="en-US" altLang="zh-CN" sz="4000" dirty="0">
                 <a:latin typeface="Bahnschrift SemiLight" panose="020B0502040204020203" pitchFamily="34" charset="0"/>
               </a:rPr>
               <a:t>Boundary Extraction</a:t>
             </a:r>
-            <a:endParaRPr lang="en-US" altLang="zh-CN" sz="4000" dirty="0">
-              <a:latin typeface="Bahnschrift SemiLight" panose="020B0502040204020203" pitchFamily="34" charset="0"/>
-            </a:endParaRPr>
           </a:p>
         </p:txBody>
       </p:sp>
@@ -9067,7 +8846,7 @@
       </p:pic>
       <p:pic>
         <p:nvPicPr>
-          <p:cNvPr id="9" name="图片 8" descr="E:\GitHub\YADEM\Post-Processing\2D\Thesis\inlier-grid\erosion\square\content with mesh.png"/>
+          <p:cNvPr id="13" name="图片 12" descr="E:\GitHub\YADEM\Post-Processing\2D\Thesis\inlier-grid\expansion\irregular\content with mesh.png"/>
           <p:cNvPicPr>
             <a:picLocks noChangeAspect="1"/>
           </p:cNvPicPr>
@@ -9088,7 +8867,7 @@
         </p:blipFill>
         <p:spPr bwMode="auto">
           <a:xfrm>
-            <a:off x="838200" y="1686831"/>
+            <a:off x="838200" y="1691343"/>
             <a:ext cx="3600000" cy="3600000"/>
           </a:xfrm>
           <a:prstGeom prst="rect">
@@ -9102,7 +8881,7 @@
       </p:pic>
       <p:pic>
         <p:nvPicPr>
-          <p:cNvPr id="10" name="图片 9" descr="E:\GitHub\YADEM\Post-Processing\2D\Thesis\inlier-grid\erosion\square\boundary with mesh and grid.png"/>
+          <p:cNvPr id="14" name="图片 13" descr="E:\GitHub\YADEM\Post-Processing\2D\Thesis\inlier-grid\erosion\irregular\boundary with mesh and grid.png"/>
           <p:cNvPicPr>
             <a:picLocks noChangeAspect="1"/>
           </p:cNvPicPr>
@@ -9123,7 +8902,7 @@
         </p:blipFill>
         <p:spPr bwMode="auto">
           <a:xfrm>
-            <a:off x="4438200" y="1686831"/>
+            <a:off x="4438200" y="1691343"/>
             <a:ext cx="3600000" cy="3600000"/>
           </a:xfrm>
           <a:prstGeom prst="rect">
@@ -9137,7 +8916,7 @@
       </p:pic>
       <p:pic>
         <p:nvPicPr>
-          <p:cNvPr id="11" name="图片 10" descr="E:\GitHub\YADEM\Post-Processing\2D\Thesis\inlier-grid\erosion\square\boundary with mesh.png"/>
+          <p:cNvPr id="15" name="图片 14" descr="E:\GitHub\YADEM\Post-Processing\2D\Thesis\inlier-grid\erosion\irregular\boundary with mesh.png"/>
           <p:cNvPicPr>
             <a:picLocks noChangeAspect="1"/>
           </p:cNvPicPr>
@@ -9158,7 +8937,7 @@
         </p:blipFill>
         <p:spPr bwMode="auto">
           <a:xfrm>
-            <a:off x="8038200" y="1686831"/>
+            <a:off x="8038200" y="1668453"/>
             <a:ext cx="3600000" cy="3600000"/>
           </a:xfrm>
           <a:prstGeom prst="rect">
@@ -9173,7 +8952,7 @@
     </p:spTree>
     <p:extLst>
       <p:ext uri="{BB962C8B-B14F-4D97-AF65-F5344CB8AC3E}">
-        <p14:creationId xmlns:p14="http://schemas.microsoft.com/office/powerpoint/2010/main" val="4129228310"/>
+        <p14:creationId xmlns:p14="http://schemas.microsoft.com/office/powerpoint/2010/main" val="1599505904"/>
       </p:ext>
     </p:extLst>
   </p:cSld>
@@ -9231,14 +9010,11 @@
           <a:p>
             <a:pPr marL="342900" indent="-342900"/>
             <a:r>
-              <a:rPr lang="en-US" altLang="zh-CN" sz="4000" dirty="0" smtClean="0">
+              <a:rPr lang="en-US" altLang="zh-CN" sz="4000" dirty="0">
                 <a:latin typeface="Bahnschrift SemiLight" panose="020B0502040204020203" pitchFamily="34" charset="0"/>
               </a:rPr>
               <a:t>Boundary Extraction</a:t>
             </a:r>
-            <a:endParaRPr lang="en-US" altLang="zh-CN" sz="4000" dirty="0">
-              <a:latin typeface="Bahnschrift SemiLight" panose="020B0502040204020203" pitchFamily="34" charset="0"/>
-            </a:endParaRPr>
           </a:p>
         </p:txBody>
       </p:sp>
@@ -9392,7 +9168,7 @@
       </p:pic>
       <p:pic>
         <p:nvPicPr>
-          <p:cNvPr id="13" name="图片 12" descr="E:\GitHub\YADEM\Post-Processing\2D\Thesis\inlier-grid\expansion\irregular\content with mesh.png"/>
+          <p:cNvPr id="7" name="图片 6" descr="E:\GitHub\YADEM\Post-Processing\2D\Thesis\rasterization\rasterization.png"/>
           <p:cNvPicPr>
             <a:picLocks noChangeAspect="1"/>
           </p:cNvPicPr>
@@ -9413,8 +9189,8 @@
         </p:blipFill>
         <p:spPr bwMode="auto">
           <a:xfrm>
-            <a:off x="838200" y="1691343"/>
-            <a:ext cx="3600000" cy="3600000"/>
+            <a:off x="838200" y="1690688"/>
+            <a:ext cx="4385767" cy="4320000"/>
           </a:xfrm>
           <a:prstGeom prst="rect">
             <a:avLst/>
@@ -9427,7 +9203,7 @@
       </p:pic>
       <p:pic>
         <p:nvPicPr>
-          <p:cNvPr id="14" name="图片 13" descr="E:\GitHub\YADEM\Post-Processing\2D\Thesis\inlier-grid\erosion\irregular\boundary with mesh and grid.png"/>
+          <p:cNvPr id="9" name="图片 8" descr="E:\GitHub\YADEM\Post-Processing\2D\Thesis\inlier\ROI boundary.png"/>
           <p:cNvPicPr>
             <a:picLocks noChangeAspect="1"/>
           </p:cNvPicPr>
@@ -9448,8 +9224,8 @@
         </p:blipFill>
         <p:spPr bwMode="auto">
           <a:xfrm>
-            <a:off x="4438200" y="1691343"/>
-            <a:ext cx="3600000" cy="3600000"/>
+            <a:off x="6096000" y="1690688"/>
+            <a:ext cx="4385767" cy="4320000"/>
           </a:xfrm>
           <a:prstGeom prst="rect">
             <a:avLst/>
@@ -9460,45 +9236,10 @@
           </a:ln>
         </p:spPr>
       </p:pic>
-      <p:pic>
-        <p:nvPicPr>
-          <p:cNvPr id="15" name="图片 14" descr="E:\GitHub\YADEM\Post-Processing\2D\Thesis\inlier-grid\erosion\irregular\boundary with mesh.png"/>
-          <p:cNvPicPr>
-            <a:picLocks noChangeAspect="1"/>
-          </p:cNvPicPr>
-          <p:nvPr/>
-        </p:nvPicPr>
-        <p:blipFill>
-          <a:blip r:embed="rId8" cstate="print">
-            <a:extLst>
-              <a:ext uri="{28A0092B-C50C-407E-A947-70E740481C1C}">
-                <a14:useLocalDpi xmlns:a14="http://schemas.microsoft.com/office/drawing/2010/main" val="0"/>
-              </a:ext>
-            </a:extLst>
-          </a:blip>
-          <a:srcRect/>
-          <a:stretch>
-            <a:fillRect/>
-          </a:stretch>
-        </p:blipFill>
-        <p:spPr bwMode="auto">
-          <a:xfrm>
-            <a:off x="8038200" y="1668453"/>
-            <a:ext cx="3600000" cy="3600000"/>
-          </a:xfrm>
-          <a:prstGeom prst="rect">
-            <a:avLst/>
-          </a:prstGeom>
-          <a:noFill/>
-          <a:ln>
-            <a:noFill/>
-          </a:ln>
-        </p:spPr>
-      </p:pic>
     </p:spTree>
     <p:extLst>
       <p:ext uri="{BB962C8B-B14F-4D97-AF65-F5344CB8AC3E}">
-        <p14:creationId xmlns:p14="http://schemas.microsoft.com/office/powerpoint/2010/main" val="1599505904"/>
+        <p14:creationId xmlns:p14="http://schemas.microsoft.com/office/powerpoint/2010/main" val="3471540092"/>
       </p:ext>
     </p:extLst>
   </p:cSld>
@@ -9556,14 +9297,11 @@
           <a:p>
             <a:pPr marL="342900" indent="-342900"/>
             <a:r>
-              <a:rPr lang="en-US" altLang="zh-CN" sz="4000" dirty="0" smtClean="0">
+              <a:rPr lang="en-US" altLang="zh-CN" sz="4000" dirty="0">
                 <a:latin typeface="Bahnschrift SemiLight" panose="020B0502040204020203" pitchFamily="34" charset="0"/>
               </a:rPr>
               <a:t>Boundary Extraction</a:t>
             </a:r>
-            <a:endParaRPr lang="en-US" altLang="zh-CN" sz="4000" dirty="0">
-              <a:latin typeface="Bahnschrift SemiLight" panose="020B0502040204020203" pitchFamily="34" charset="0"/>
-            </a:endParaRPr>
           </a:p>
         </p:txBody>
       </p:sp>
@@ -9717,7 +9455,7 @@
       </p:pic>
       <p:pic>
         <p:nvPicPr>
-          <p:cNvPr id="7" name="图片 6" descr="E:\GitHub\YADEM\Post-Processing\2D\Thesis\rasterization\rasterization.png"/>
+          <p:cNvPr id="10" name="图片 9" descr="E:\GitHub\YADEM\Post-Processing\2D\Thesis\strain-smoothed.png"/>
           <p:cNvPicPr>
             <a:picLocks noChangeAspect="1"/>
           </p:cNvPicPr>
@@ -9739,7 +9477,7 @@
         <p:spPr bwMode="auto">
           <a:xfrm>
             <a:off x="838200" y="1690688"/>
-            <a:ext cx="4385767" cy="4320000"/>
+            <a:ext cx="4400216" cy="4320000"/>
           </a:xfrm>
           <a:prstGeom prst="rect">
             <a:avLst/>
@@ -9752,7 +9490,7 @@
       </p:pic>
       <p:pic>
         <p:nvPicPr>
-          <p:cNvPr id="9" name="图片 8" descr="E:\GitHub\YADEM\Post-Processing\2D\Thesis\inlier\ROI boundary.png"/>
+          <p:cNvPr id="11" name="图片 10" descr="E:\GitHub\YADEM\Post-Processing\2D\Thesis\inlier\strain ROI.png"/>
           <p:cNvPicPr>
             <a:picLocks noChangeAspect="1"/>
           </p:cNvPicPr>
@@ -9773,7 +9511,7 @@
         </p:blipFill>
         <p:spPr bwMode="auto">
           <a:xfrm>
-            <a:off x="6096000" y="1690688"/>
+            <a:off x="6103224" y="1690688"/>
             <a:ext cx="4385767" cy="4320000"/>
           </a:xfrm>
           <a:prstGeom prst="rect">
@@ -9788,7 +9526,7 @@
     </p:spTree>
     <p:extLst>
       <p:ext uri="{BB962C8B-B14F-4D97-AF65-F5344CB8AC3E}">
-        <p14:creationId xmlns:p14="http://schemas.microsoft.com/office/powerpoint/2010/main" val="3471540092"/>
+        <p14:creationId xmlns:p14="http://schemas.microsoft.com/office/powerpoint/2010/main" val="1559366914"/>
       </p:ext>
     </p:extLst>
   </p:cSld>
@@ -9844,22 +9582,19 @@
           </a:bodyPr>
           <a:lstStyle/>
           <a:p>
-            <a:pPr marL="342900" indent="-342900"/>
-            <a:r>
-              <a:rPr lang="en-US" altLang="zh-CN" sz="4000" dirty="0" smtClean="0">
+            <a:r>
+              <a:rPr lang="en-US" altLang="zh-CN" sz="4000" dirty="0">
                 <a:latin typeface="Bahnschrift SemiLight" panose="020B0502040204020203" pitchFamily="34" charset="0"/>
               </a:rPr>
-              <a:t>Boundary Extraction</a:t>
-            </a:r>
-            <a:endParaRPr lang="en-US" altLang="zh-CN" sz="4000" dirty="0">
-              <a:latin typeface="Bahnschrift SemiLight" panose="020B0502040204020203" pitchFamily="34" charset="0"/>
-            </a:endParaRPr>
-          </a:p>
-        </p:txBody>
-      </p:sp>
-      <p:pic>
-        <p:nvPicPr>
-          <p:cNvPr id="4" name="Picture 4" descr="https://timgsa.baidu.com/timg?image&amp;quality=80&amp;size=b9999_10000&amp;sec=1571942598977&amp;di=62fda19cdc0fe8b6213b1b0e335bd1ba&amp;imgtype=0&amp;src=http%3A%2F%2Fcdn.onlinewebfonts.com%2Fsvg%2Fimg_326384.png"/>
+              <a:t>Outline Calculation</a:t>
+            </a:r>
+            <a:endParaRPr lang="zh-CN" altLang="en-US" sz="4000" dirty="0"/>
+          </a:p>
+        </p:txBody>
+      </p:sp>
+      <p:pic>
+        <p:nvPicPr>
+          <p:cNvPr id="8" name="Picture 4" descr="https://timgsa.baidu.com/timg?image&amp;quality=80&amp;size=b9999_10000&amp;sec=1571942598977&amp;di=62fda19cdc0fe8b6213b1b0e335bd1ba&amp;imgtype=0&amp;src=http%3A%2F%2Fcdn.onlinewebfonts.com%2Fsvg%2Fimg_326384.png"/>
           <p:cNvPicPr>
             <a:picLocks noChangeAspect="1" noChangeArrowheads="1"/>
           </p:cNvPicPr>
@@ -9900,7 +9635,7 @@
       </p:pic>
       <p:sp>
         <p:nvSpPr>
-          <p:cNvPr id="5" name="矩形 4"/>
+          <p:cNvPr id="9" name="矩形 8"/>
           <p:cNvSpPr/>
           <p:nvPr/>
         </p:nvSpPr>
@@ -9941,10 +9676,10 @@
       </p:sp>
       <p:pic>
         <p:nvPicPr>
-          <p:cNvPr id="12" name="图片 11">
+          <p:cNvPr id="11" name="图片 10">
             <a:extLst>
               <a:ext uri="{FF2B5EF4-FFF2-40B4-BE49-F238E27FC236}">
-                <a16:creationId xmlns:a16="http://schemas.microsoft.com/office/drawing/2014/main" id="{A2668651-BAAB-449F-920E-5253D657617C}"/>
+                <a16:creationId xmlns:a16="http://schemas.microsoft.com/office/drawing/2014/main" id="{658CEFC9-0A41-4083-91BD-1AD944F1ABEF}"/>
               </a:ext>
             </a:extLst>
           </p:cNvPr>
@@ -9977,7 +9712,7 @@
       </p:pic>
       <p:pic>
         <p:nvPicPr>
-          <p:cNvPr id="8" name="图片 7"/>
+          <p:cNvPr id="12" name="图片 11"/>
           <p:cNvPicPr>
             <a:picLocks noChangeAspect="1"/>
           </p:cNvPicPr>
@@ -10007,11 +9742,13 @@
       </p:pic>
       <p:pic>
         <p:nvPicPr>
-          <p:cNvPr id="10" name="图片 9" descr="E:\GitHub\YADEM\Post-Processing\2D\Thesis\strain-smoothed.png"/>
-          <p:cNvPicPr>
-            <a:picLocks noChangeAspect="1"/>
-          </p:cNvPicPr>
-          <p:nvPr/>
+          <p:cNvPr id="10" name="内容占位符 9" descr="E:\GitHub\YADEM\Post-Processing\2D\Thesis\inlier-grid\erosion\irregular\content with mesh.png"/>
+          <p:cNvPicPr>
+            <a:picLocks noGrp="1" noChangeAspect="1"/>
+          </p:cNvPicPr>
+          <p:nvPr>
+            <p:ph idx="1"/>
+          </p:nvPr>
         </p:nvPicPr>
         <p:blipFill>
           <a:blip r:embed="rId6" cstate="print">
@@ -10029,7 +9766,7 @@
         <p:spPr bwMode="auto">
           <a:xfrm>
             <a:off x="838200" y="1690688"/>
-            <a:ext cx="4400216" cy="4320000"/>
+            <a:ext cx="4320000" cy="4320000"/>
           </a:xfrm>
           <a:prstGeom prst="rect">
             <a:avLst/>
@@ -10042,7 +9779,7 @@
       </p:pic>
       <p:pic>
         <p:nvPicPr>
-          <p:cNvPr id="11" name="图片 10" descr="E:\GitHub\YADEM\Post-Processing\2D\Thesis\inlier\strain ROI.png"/>
+          <p:cNvPr id="13" name="图片 12" descr="E:\GitHub\YADEM\Post-Processing\2D\Thesis\inlier-grid\simple outlier with mesh.png"/>
           <p:cNvPicPr>
             <a:picLocks noChangeAspect="1"/>
           </p:cNvPicPr>
@@ -10063,8 +9800,8 @@
         </p:blipFill>
         <p:spPr bwMode="auto">
           <a:xfrm>
-            <a:off x="6103224" y="1690688"/>
-            <a:ext cx="4385767" cy="4320000"/>
+            <a:off x="6096000" y="1690688"/>
+            <a:ext cx="4320000" cy="4320000"/>
           </a:xfrm>
           <a:prstGeom prst="rect">
             <a:avLst/>
@@ -10078,7 +9815,7 @@
     </p:spTree>
     <p:extLst>
       <p:ext uri="{BB962C8B-B14F-4D97-AF65-F5344CB8AC3E}">
-        <p14:creationId xmlns:p14="http://schemas.microsoft.com/office/powerpoint/2010/main" val="1559366914"/>
+        <p14:creationId xmlns:p14="http://schemas.microsoft.com/office/powerpoint/2010/main" val="4239433960"/>
       </p:ext>
     </p:extLst>
   </p:cSld>
@@ -10135,7 +9872,7 @@
           <a:lstStyle/>
           <a:p>
             <a:r>
-              <a:rPr lang="en-US" altLang="zh-CN" sz="4000" dirty="0" smtClean="0">
+              <a:rPr lang="en-US" altLang="zh-CN" sz="4000" dirty="0">
                 <a:latin typeface="Bahnschrift SemiLight" panose="020B0502040204020203" pitchFamily="34" charset="0"/>
               </a:rPr>
               <a:t>Outline Calculation</a:t>
@@ -10294,7 +10031,7 @@
       </p:pic>
       <p:pic>
         <p:nvPicPr>
-          <p:cNvPr id="10" name="内容占位符 9" descr="E:\GitHub\YADEM\Post-Processing\2D\Thesis\inlier-grid\erosion\irregular\content with mesh.png"/>
+          <p:cNvPr id="14" name="内容占位符 13" descr="E:\GitHub\YADEM\Post-Processing\2D\Thesis\inlier-grid\simple outlier with grid and mesh.png"/>
           <p:cNvPicPr>
             <a:picLocks noGrp="1" noChangeAspect="1"/>
           </p:cNvPicPr>
@@ -10317,7 +10054,7 @@
         </p:blipFill>
         <p:spPr bwMode="auto">
           <a:xfrm>
-            <a:off x="838200" y="1690688"/>
+            <a:off x="838200" y="1686537"/>
             <a:ext cx="4320000" cy="4320000"/>
           </a:xfrm>
           <a:prstGeom prst="rect">
@@ -10331,7 +10068,7 @@
       </p:pic>
       <p:pic>
         <p:nvPicPr>
-          <p:cNvPr id="13" name="图片 12" descr="E:\GitHub\YADEM\Post-Processing\2D\Thesis\inlier-grid\simple outlier with mesh.png"/>
+          <p:cNvPr id="15" name="图片 14" descr="E:\GitHub\YADEM\Post-Processing\2D\Thesis\inlier-grid\fine outlier and mesh.png"/>
           <p:cNvPicPr>
             <a:picLocks noChangeAspect="1"/>
           </p:cNvPicPr>
@@ -10352,7 +10089,7 @@
         </p:blipFill>
         <p:spPr bwMode="auto">
           <a:xfrm>
-            <a:off x="6096000" y="1690688"/>
+            <a:off x="6096000" y="1686537"/>
             <a:ext cx="4320000" cy="4320000"/>
           </a:xfrm>
           <a:prstGeom prst="rect">
@@ -10367,7 +10104,7 @@
     </p:spTree>
     <p:extLst>
       <p:ext uri="{BB962C8B-B14F-4D97-AF65-F5344CB8AC3E}">
-        <p14:creationId xmlns:p14="http://schemas.microsoft.com/office/powerpoint/2010/main" val="4239433960"/>
+        <p14:creationId xmlns:p14="http://schemas.microsoft.com/office/powerpoint/2010/main" val="3531112036"/>
       </p:ext>
     </p:extLst>
   </p:cSld>
@@ -10424,7 +10161,7 @@
           <a:lstStyle/>
           <a:p>
             <a:r>
-              <a:rPr lang="en-US" altLang="zh-CN" sz="4000" dirty="0" smtClean="0">
+              <a:rPr lang="en-US" altLang="zh-CN" sz="4000" dirty="0">
                 <a:latin typeface="Bahnschrift SemiLight" panose="020B0502040204020203" pitchFamily="34" charset="0"/>
               </a:rPr>
               <a:t>Outline Calculation</a:t>
@@ -10583,7 +10320,7 @@
       </p:pic>
       <p:pic>
         <p:nvPicPr>
-          <p:cNvPr id="14" name="内容占位符 13" descr="E:\GitHub\YADEM\Post-Processing\2D\Thesis\inlier-grid\simple outlier with grid and mesh.png"/>
+          <p:cNvPr id="13" name="内容占位符 12" descr="E:\GitHub\YADEM\Post-Processing\2D\Thesis\content\content.png"/>
           <p:cNvPicPr>
             <a:picLocks noGrp="1" noChangeAspect="1"/>
           </p:cNvPicPr>
@@ -10606,8 +10343,8 @@
         </p:blipFill>
         <p:spPr bwMode="auto">
           <a:xfrm>
-            <a:off x="838200" y="1686537"/>
-            <a:ext cx="4320000" cy="4320000"/>
+            <a:off x="838200" y="1690688"/>
+            <a:ext cx="3659155" cy="3600000"/>
           </a:xfrm>
           <a:prstGeom prst="rect">
             <a:avLst/>
@@ -10620,7 +10357,7 @@
       </p:pic>
       <p:pic>
         <p:nvPicPr>
-          <p:cNvPr id="15" name="图片 14" descr="E:\GitHub\YADEM\Post-Processing\2D\Thesis\inlier-grid\fine outlier and mesh.png"/>
+          <p:cNvPr id="16" name="图片 15" descr="E:\GitHub\YADEM\Post-Processing\2D\Thesis\outlier\outlier.png"/>
           <p:cNvPicPr>
             <a:picLocks noChangeAspect="1"/>
           </p:cNvPicPr>
@@ -10641,8 +10378,8 @@
         </p:blipFill>
         <p:spPr bwMode="auto">
           <a:xfrm>
-            <a:off x="6096000" y="1686537"/>
-            <a:ext cx="4320000" cy="4320000"/>
+            <a:off x="4497355" y="1690688"/>
+            <a:ext cx="3658085" cy="3600000"/>
           </a:xfrm>
           <a:prstGeom prst="rect">
             <a:avLst/>
@@ -10653,10 +10390,45 @@
           </a:ln>
         </p:spPr>
       </p:pic>
+      <p:pic>
+        <p:nvPicPr>
+          <p:cNvPr id="17" name="图片 16" descr="E:\GitHub\YADEM\Post-Processing\2D\Thesis\outlier\outline improvement.png"/>
+          <p:cNvPicPr>
+            <a:picLocks noChangeAspect="1"/>
+          </p:cNvPicPr>
+          <p:nvPr/>
+        </p:nvPicPr>
+        <p:blipFill>
+          <a:blip r:embed="rId8" cstate="print">
+            <a:extLst>
+              <a:ext uri="{28A0092B-C50C-407E-A947-70E740481C1C}">
+                <a14:useLocalDpi xmlns:a14="http://schemas.microsoft.com/office/drawing/2010/main" val="0"/>
+              </a:ext>
+            </a:extLst>
+          </a:blip>
+          <a:srcRect/>
+          <a:stretch>
+            <a:fillRect/>
+          </a:stretch>
+        </p:blipFill>
+        <p:spPr bwMode="auto">
+          <a:xfrm>
+            <a:off x="8156510" y="1690688"/>
+            <a:ext cx="3658085" cy="3600000"/>
+          </a:xfrm>
+          <a:prstGeom prst="rect">
+            <a:avLst/>
+          </a:prstGeom>
+          <a:noFill/>
+          <a:ln>
+            <a:noFill/>
+          </a:ln>
+        </p:spPr>
+      </p:pic>
     </p:spTree>
     <p:extLst>
       <p:ext uri="{BB962C8B-B14F-4D97-AF65-F5344CB8AC3E}">
-        <p14:creationId xmlns:p14="http://schemas.microsoft.com/office/powerpoint/2010/main" val="3531112036"/>
+        <p14:creationId xmlns:p14="http://schemas.microsoft.com/office/powerpoint/2010/main" val="2503516940"/>
       </p:ext>
     </p:extLst>
   </p:cSld>
@@ -10765,18 +10537,13 @@
           </a:p>
           <a:p>
             <a:r>
-              <a:rPr lang="en-US" altLang="zh-CN" sz="2400" dirty="0" smtClean="0">
+              <a:rPr lang="en-US" altLang="zh-CN" sz="2400" dirty="0">
                 <a:latin typeface="Bahnschrift SemiLight" panose="020B0502040204020203" pitchFamily="34" charset="0"/>
                 <a:ea typeface="+mj-ea"/>
                 <a:cs typeface="+mj-cs"/>
               </a:rPr>
               <a:t>Aim</a:t>
             </a:r>
-            <a:endParaRPr lang="en-US" altLang="zh-CN" sz="2400" dirty="0">
-              <a:latin typeface="Bahnschrift SemiLight" panose="020B0502040204020203" pitchFamily="34" charset="0"/>
-              <a:ea typeface="+mj-ea"/>
-              <a:cs typeface="+mj-cs"/>
-            </a:endParaRPr>
           </a:p>
         </p:txBody>
       </p:sp>
@@ -10802,13 +10569,6 @@
       </p:transition>
     </mc:Fallback>
   </mc:AlternateContent>
-  <p:timing>
-    <p:tnLst>
-      <p:par>
-        <p:cTn id="1" dur="indefinite" restart="never" nodeType="tmRoot"/>
-      </p:par>
-    </p:tnLst>
-  </p:timing>
 </p:sld>
 </file>
 
@@ -10847,7 +10607,7 @@
           <a:lstStyle/>
           <a:p>
             <a:r>
-              <a:rPr lang="en-US" altLang="zh-CN" sz="4000" dirty="0" smtClean="0">
+              <a:rPr lang="en-US" altLang="zh-CN" sz="4000" dirty="0">
                 <a:latin typeface="Bahnschrift SemiLight" panose="020B0502040204020203" pitchFamily="34" charset="0"/>
               </a:rPr>
               <a:t>Outline Calculation</a:t>
@@ -11006,7 +10766,7 @@
       </p:pic>
       <p:pic>
         <p:nvPicPr>
-          <p:cNvPr id="13" name="内容占位符 12" descr="E:\GitHub\YADEM\Post-Processing\2D\Thesis\content\content.png"/>
+          <p:cNvPr id="14" name="内容占位符 13" descr="E:\GitHub\YADEM\Post-Processing\2D\Thesis\strain-smoothed.png"/>
           <p:cNvPicPr>
             <a:picLocks noGrp="1" noChangeAspect="1"/>
           </p:cNvPicPr>
@@ -11030,7 +10790,7 @@
         <p:spPr bwMode="auto">
           <a:xfrm>
             <a:off x="838200" y="1690688"/>
-            <a:ext cx="3659155" cy="3600000"/>
+            <a:ext cx="4391429" cy="4320000"/>
           </a:xfrm>
           <a:prstGeom prst="rect">
             <a:avLst/>
@@ -11043,7 +10803,7 @@
       </p:pic>
       <p:pic>
         <p:nvPicPr>
-          <p:cNvPr id="16" name="图片 15" descr="E:\GitHub\YADEM\Post-Processing\2D\Thesis\outlier\outlier.png"/>
+          <p:cNvPr id="15" name="图片 14" descr="E:\GitHub\YADEM\Post-Processing\2D\Thesis\inlier\strain ROI.png"/>
           <p:cNvPicPr>
             <a:picLocks noChangeAspect="1"/>
           </p:cNvPicPr>
@@ -11064,8 +10824,8 @@
         </p:blipFill>
         <p:spPr bwMode="auto">
           <a:xfrm>
-            <a:off x="4497355" y="1690688"/>
-            <a:ext cx="3658085" cy="3600000"/>
+            <a:off x="6094896" y="1690688"/>
+            <a:ext cx="4393636" cy="4320000"/>
           </a:xfrm>
           <a:prstGeom prst="rect">
             <a:avLst/>
@@ -11076,45 +10836,10 @@
           </a:ln>
         </p:spPr>
       </p:pic>
-      <p:pic>
-        <p:nvPicPr>
-          <p:cNvPr id="17" name="图片 16" descr="E:\GitHub\YADEM\Post-Processing\2D\Thesis\outlier\outline improvement.png"/>
-          <p:cNvPicPr>
-            <a:picLocks noChangeAspect="1"/>
-          </p:cNvPicPr>
-          <p:nvPr/>
-        </p:nvPicPr>
-        <p:blipFill>
-          <a:blip r:embed="rId8" cstate="print">
-            <a:extLst>
-              <a:ext uri="{28A0092B-C50C-407E-A947-70E740481C1C}">
-                <a14:useLocalDpi xmlns:a14="http://schemas.microsoft.com/office/drawing/2010/main" val="0"/>
-              </a:ext>
-            </a:extLst>
-          </a:blip>
-          <a:srcRect/>
-          <a:stretch>
-            <a:fillRect/>
-          </a:stretch>
-        </p:blipFill>
-        <p:spPr bwMode="auto">
-          <a:xfrm>
-            <a:off x="8156510" y="1690688"/>
-            <a:ext cx="3658085" cy="3600000"/>
-          </a:xfrm>
-          <a:prstGeom prst="rect">
-            <a:avLst/>
-          </a:prstGeom>
-          <a:noFill/>
-          <a:ln>
-            <a:noFill/>
-          </a:ln>
-        </p:spPr>
-      </p:pic>
     </p:spTree>
     <p:extLst>
       <p:ext uri="{BB962C8B-B14F-4D97-AF65-F5344CB8AC3E}">
-        <p14:creationId xmlns:p14="http://schemas.microsoft.com/office/powerpoint/2010/main" val="2503516940"/>
+        <p14:creationId xmlns:p14="http://schemas.microsoft.com/office/powerpoint/2010/main" val="3222656385"/>
       </p:ext>
     </p:extLst>
   </p:cSld>
@@ -11171,239 +10896,72 @@
           <a:lstStyle/>
           <a:p>
             <a:r>
-              <a:rPr lang="en-US" altLang="zh-CN" sz="4000" dirty="0" smtClean="0">
+              <a:rPr lang="en-US" altLang="zh-CN" sz="4000" dirty="0">
                 <a:latin typeface="Bahnschrift SemiLight" panose="020B0502040204020203" pitchFamily="34" charset="0"/>
               </a:rPr>
-              <a:t>Outline Calculation</a:t>
-            </a:r>
-            <a:endParaRPr lang="zh-CN" altLang="en-US" sz="4000" dirty="0"/>
-          </a:p>
-        </p:txBody>
-      </p:sp>
-      <p:pic>
-        <p:nvPicPr>
-          <p:cNvPr id="8" name="Picture 4" descr="https://timgsa.baidu.com/timg?image&amp;quality=80&amp;size=b9999_10000&amp;sec=1571942598977&amp;di=62fda19cdc0fe8b6213b1b0e335bd1ba&amp;imgtype=0&amp;src=http%3A%2F%2Fcdn.onlinewebfonts.com%2Fsvg%2Fimg_326384.png"/>
-          <p:cNvPicPr>
-            <a:picLocks noChangeAspect="1" noChangeArrowheads="1"/>
-          </p:cNvPicPr>
-          <p:nvPr/>
-        </p:nvPicPr>
-        <p:blipFill>
-          <a:blip r:embed="rId2" cstate="print">
-            <a:extLst>
-              <a:ext uri="{28A0092B-C50C-407E-A947-70E740481C1C}">
-                <a14:useLocalDpi xmlns:a14="http://schemas.microsoft.com/office/drawing/2010/main" val="0"/>
-              </a:ext>
-            </a:extLst>
-          </a:blip>
-          <a:srcRect/>
-          <a:stretch>
-            <a:fillRect/>
-          </a:stretch>
-        </p:blipFill>
-        <p:spPr bwMode="auto">
-          <a:xfrm>
-            <a:off x="11353800" y="5975393"/>
-            <a:ext cx="727364" cy="745624"/>
-          </a:xfrm>
-          <a:prstGeom prst="rect">
-            <a:avLst/>
-          </a:prstGeom>
-          <a:noFill/>
-          <a:extLst>
-            <a:ext uri="{909E8E84-426E-40DD-AFC4-6F175D3DCCD1}">
-              <a14:hiddenFill xmlns:a14="http://schemas.microsoft.com/office/drawing/2010/main">
-                <a:solidFill>
-                  <a:srgbClr val="FFFFFF"/>
-                </a:solidFill>
-              </a14:hiddenFill>
-            </a:ext>
-          </a:extLst>
-        </p:spPr>
-      </p:pic>
-      <p:sp>
-        <p:nvSpPr>
-          <p:cNvPr id="9" name="矩形 8"/>
-          <p:cNvSpPr/>
-          <p:nvPr/>
-        </p:nvSpPr>
-        <p:spPr>
-          <a:xfrm>
-            <a:off x="3587482" y="6383355"/>
-            <a:ext cx="7766318" cy="338554"/>
-          </a:xfrm>
-          <a:prstGeom prst="rect">
-            <a:avLst/>
-          </a:prstGeom>
-        </p:spPr>
-        <p:txBody>
-          <a:bodyPr wrap="square">
-            <a:spAutoFit/>
+              <a:t>Content</a:t>
+            </a:r>
+            <a:endParaRPr lang="zh-CN" altLang="en-US" sz="4000" dirty="0">
+              <a:latin typeface="Bahnschrift SemiLight" panose="020B0502040204020203" pitchFamily="34" charset="0"/>
+            </a:endParaRPr>
+          </a:p>
+        </p:txBody>
+      </p:sp>
+      <p:sp>
+        <p:nvSpPr>
+          <p:cNvPr id="3" name="内容占位符 2"/>
+          <p:cNvSpPr>
+            <a:spLocks noGrp="1"/>
+          </p:cNvSpPr>
+          <p:nvPr>
+            <p:ph idx="1"/>
+          </p:nvPr>
+        </p:nvSpPr>
+        <p:spPr/>
+        <p:txBody>
+          <a:bodyPr>
+            <a:normAutofit/>
           </a:bodyPr>
           <a:lstStyle/>
           <a:p>
-            <a:pPr algn="r"/>
-            <a:r>
-              <a:rPr lang="en-US" altLang="zh-CN" sz="1600" dirty="0">
+            <a:r>
+              <a:rPr lang="en-US" altLang="zh-CN" sz="2400" dirty="0">
                 <a:latin typeface="Bahnschrift SemiLight" panose="020B0502040204020203" pitchFamily="34" charset="0"/>
+                <a:ea typeface="+mj-ea"/>
+                <a:cs typeface="+mj-cs"/>
               </a:rPr>
-              <a:t>GitHub: </a:t>
-            </a:r>
-            <a:r>
-              <a:rPr lang="en-US" altLang="zh-CN" sz="1600" dirty="0">
+              <a:t>Background</a:t>
+            </a:r>
+          </a:p>
+          <a:p>
+            <a:r>
+              <a:rPr lang="en-US" altLang="zh-CN" sz="2400" dirty="0">
                 <a:latin typeface="Bahnschrift SemiLight" panose="020B0502040204020203" pitchFamily="34" charset="0"/>
-                <a:hlinkClick r:id="rId3"/>
+                <a:ea typeface="+mj-ea"/>
+                <a:cs typeface="+mj-cs"/>
               </a:rPr>
-              <a:t>https://github.com/jerryweihuajing/Post-Processing</a:t>
-            </a:r>
-            <a:endParaRPr lang="en-US" altLang="zh-CN" sz="1600" dirty="0">
-              <a:latin typeface="Bahnschrift SemiLight" panose="020B0502040204020203" pitchFamily="34" charset="0"/>
-            </a:endParaRPr>
-          </a:p>
-        </p:txBody>
-      </p:sp>
-      <p:pic>
-        <p:nvPicPr>
-          <p:cNvPr id="11" name="图片 10">
-            <a:extLst>
-              <a:ext uri="{FF2B5EF4-FFF2-40B4-BE49-F238E27FC236}">
-                <a16:creationId xmlns:a16="http://schemas.microsoft.com/office/drawing/2014/main" id="{658CEFC9-0A41-4083-91BD-1AD944F1ABEF}"/>
-              </a:ext>
-            </a:extLst>
-          </p:cNvPr>
-          <p:cNvPicPr>
-            <a:picLocks noChangeAspect="1"/>
-          </p:cNvPicPr>
-          <p:nvPr/>
-        </p:nvPicPr>
-        <p:blipFill>
-          <a:blip r:embed="rId4">
-            <a:extLst>
-              <a:ext uri="{28A0092B-C50C-407E-A947-70E740481C1C}">
-                <a14:useLocalDpi xmlns:a14="http://schemas.microsoft.com/office/drawing/2010/main" val="0"/>
-              </a:ext>
-            </a:extLst>
-          </a:blip>
-          <a:stretch>
-            <a:fillRect/>
-          </a:stretch>
-        </p:blipFill>
-        <p:spPr>
-          <a:xfrm>
-            <a:off x="9022080" y="681037"/>
-            <a:ext cx="2331720" cy="579454"/>
-          </a:xfrm>
-          <a:prstGeom prst="rect">
-            <a:avLst/>
-          </a:prstGeom>
-        </p:spPr>
-      </p:pic>
-      <p:pic>
-        <p:nvPicPr>
-          <p:cNvPr id="12" name="图片 11"/>
-          <p:cNvPicPr>
-            <a:picLocks noChangeAspect="1"/>
-          </p:cNvPicPr>
-          <p:nvPr/>
-        </p:nvPicPr>
-        <p:blipFill>
-          <a:blip r:embed="rId5" cstate="print">
-            <a:extLst>
-              <a:ext uri="{28A0092B-C50C-407E-A947-70E740481C1C}">
-                <a14:useLocalDpi xmlns:a14="http://schemas.microsoft.com/office/drawing/2010/main" val="0"/>
-              </a:ext>
-            </a:extLst>
-          </a:blip>
-          <a:stretch>
-            <a:fillRect/>
-          </a:stretch>
-        </p:blipFill>
-        <p:spPr>
-          <a:xfrm>
-            <a:off x="249935" y="6440600"/>
-            <a:ext cx="1176530" cy="280417"/>
-          </a:xfrm>
-          <a:prstGeom prst="rect">
-            <a:avLst/>
-          </a:prstGeom>
-        </p:spPr>
-      </p:pic>
-      <p:pic>
-        <p:nvPicPr>
-          <p:cNvPr id="14" name="内容占位符 13" descr="E:\GitHub\YADEM\Post-Processing\2D\Thesis\strain-smoothed.png"/>
-          <p:cNvPicPr>
-            <a:picLocks noGrp="1" noChangeAspect="1"/>
-          </p:cNvPicPr>
-          <p:nvPr>
-            <p:ph idx="1"/>
-          </p:nvPr>
-        </p:nvPicPr>
-        <p:blipFill>
-          <a:blip r:embed="rId6" cstate="print">
-            <a:extLst>
-              <a:ext uri="{28A0092B-C50C-407E-A947-70E740481C1C}">
-                <a14:useLocalDpi xmlns:a14="http://schemas.microsoft.com/office/drawing/2010/main" val="0"/>
-              </a:ext>
-            </a:extLst>
-          </a:blip>
-          <a:srcRect/>
-          <a:stretch>
-            <a:fillRect/>
-          </a:stretch>
-        </p:blipFill>
-        <p:spPr bwMode="auto">
-          <a:xfrm>
-            <a:off x="838200" y="1690688"/>
-            <a:ext cx="4391429" cy="4320000"/>
-          </a:xfrm>
-          <a:prstGeom prst="rect">
-            <a:avLst/>
-          </a:prstGeom>
-          <a:noFill/>
-          <a:ln>
-            <a:noFill/>
-          </a:ln>
-        </p:spPr>
-      </p:pic>
-      <p:pic>
-        <p:nvPicPr>
-          <p:cNvPr id="15" name="图片 14" descr="E:\GitHub\YADEM\Post-Processing\2D\Thesis\inlier\strain ROI.png"/>
-          <p:cNvPicPr>
-            <a:picLocks noChangeAspect="1"/>
-          </p:cNvPicPr>
-          <p:nvPr/>
-        </p:nvPicPr>
-        <p:blipFill>
-          <a:blip r:embed="rId7" cstate="print">
-            <a:extLst>
-              <a:ext uri="{28A0092B-C50C-407E-A947-70E740481C1C}">
-                <a14:useLocalDpi xmlns:a14="http://schemas.microsoft.com/office/drawing/2010/main" val="0"/>
-              </a:ext>
-            </a:extLst>
-          </a:blip>
-          <a:srcRect/>
-          <a:stretch>
-            <a:fillRect/>
-          </a:stretch>
-        </p:blipFill>
-        <p:spPr bwMode="auto">
-          <a:xfrm>
-            <a:off x="6094896" y="1690688"/>
-            <a:ext cx="4393636" cy="4320000"/>
-          </a:xfrm>
-          <a:prstGeom prst="rect">
-            <a:avLst/>
-          </a:prstGeom>
-          <a:noFill/>
-          <a:ln>
-            <a:noFill/>
-          </a:ln>
-        </p:spPr>
-      </p:pic>
+              <a:t>Algorithm</a:t>
+            </a:r>
+          </a:p>
+          <a:p>
+            <a:r>
+              <a:rPr lang="en-US" altLang="zh-CN" sz="2400" dirty="0">
+                <a:solidFill>
+                  <a:srgbClr val="FF0000"/>
+                </a:solidFill>
+                <a:latin typeface="Bahnschrift SemiLight" panose="020B0502040204020203" pitchFamily="34" charset="0"/>
+                <a:ea typeface="+mj-ea"/>
+                <a:cs typeface="+mj-cs"/>
+              </a:rPr>
+              <a:t>Aim</a:t>
+            </a:r>
+          </a:p>
+        </p:txBody>
+      </p:sp>
     </p:spTree>
     <p:extLst>
       <p:ext uri="{BB962C8B-B14F-4D97-AF65-F5344CB8AC3E}">
-        <p14:creationId xmlns:p14="http://schemas.microsoft.com/office/powerpoint/2010/main" val="3222656385"/>
+        <p14:creationId xmlns:p14="http://schemas.microsoft.com/office/powerpoint/2010/main" val="1275233354"/>
       </p:ext>
     </p:extLst>
   </p:cSld>
@@ -11463,7 +11021,7 @@
               <a:rPr lang="en-US" altLang="zh-CN" sz="4000" dirty="0">
                 <a:latin typeface="Bahnschrift SemiLight" panose="020B0502040204020203" pitchFamily="34" charset="0"/>
               </a:rPr>
-              <a:t>Content</a:t>
+              <a:t>Aim</a:t>
             </a:r>
             <a:endParaRPr lang="zh-CN" altLang="en-US" sz="4000" dirty="0">
               <a:latin typeface="Bahnschrift SemiLight" panose="020B0502040204020203" pitchFamily="34" charset="0"/>
@@ -11494,7 +11052,7 @@
                 <a:ea typeface="+mj-ea"/>
                 <a:cs typeface="+mj-cs"/>
               </a:rPr>
-              <a:t>Background</a:t>
+              <a:t>Viewing Transformation</a:t>
             </a:r>
           </a:p>
           <a:p>
@@ -11504,134 +11062,7 @@
                 <a:ea typeface="+mj-ea"/>
                 <a:cs typeface="+mj-cs"/>
               </a:rPr>
-              <a:t>Algorithm</a:t>
-            </a:r>
-          </a:p>
-          <a:p>
-            <a:r>
-              <a:rPr lang="en-US" altLang="zh-CN" sz="2400" dirty="0" smtClean="0">
-                <a:solidFill>
-                  <a:srgbClr val="FF0000"/>
-                </a:solidFill>
-                <a:latin typeface="Bahnschrift SemiLight" panose="020B0502040204020203" pitchFamily="34" charset="0"/>
-                <a:ea typeface="+mj-ea"/>
-                <a:cs typeface="+mj-cs"/>
-              </a:rPr>
-              <a:t>Aim</a:t>
-            </a:r>
-            <a:endParaRPr lang="en-US" altLang="zh-CN" sz="2400" dirty="0">
-              <a:solidFill>
-                <a:srgbClr val="FF0000"/>
-              </a:solidFill>
-              <a:latin typeface="Bahnschrift SemiLight" panose="020B0502040204020203" pitchFamily="34" charset="0"/>
-              <a:ea typeface="+mj-ea"/>
-              <a:cs typeface="+mj-cs"/>
-            </a:endParaRPr>
-          </a:p>
-        </p:txBody>
-      </p:sp>
-    </p:spTree>
-    <p:extLst>
-      <p:ext uri="{BB962C8B-B14F-4D97-AF65-F5344CB8AC3E}">
-        <p14:creationId xmlns:p14="http://schemas.microsoft.com/office/powerpoint/2010/main" val="1275233354"/>
-      </p:ext>
-    </p:extLst>
-  </p:cSld>
-  <p:clrMapOvr>
-    <a:masterClrMapping/>
-  </p:clrMapOvr>
-  <mc:AlternateContent xmlns:mc="http://schemas.openxmlformats.org/markup-compatibility/2006" xmlns:p14="http://schemas.microsoft.com/office/powerpoint/2010/main">
-    <mc:Choice Requires="p14">
-      <p:transition spd="med" p14:dur="700">
-        <p:fade/>
-      </p:transition>
-    </mc:Choice>
-    <mc:Fallback xmlns="">
-      <p:transition spd="med">
-        <p:fade/>
-      </p:transition>
-    </mc:Fallback>
-  </mc:AlternateContent>
-  <p:timing>
-    <p:tnLst>
-      <p:par>
-        <p:cTn id="1" dur="indefinite" restart="never" nodeType="tmRoot"/>
-      </p:par>
-    </p:tnLst>
-  </p:timing>
-</p:sld>
-</file>
-
-<file path=ppt/slides/slide33.xml><?xml version="1.0" encoding="utf-8"?>
-<p:sld xmlns:a="http://schemas.openxmlformats.org/drawingml/2006/main" xmlns:r="http://schemas.openxmlformats.org/officeDocument/2006/relationships" xmlns:p="http://schemas.openxmlformats.org/presentationml/2006/main">
-  <p:cSld>
-    <p:spTree>
-      <p:nvGrpSpPr>
-        <p:cNvPr id="1" name=""/>
-        <p:cNvGrpSpPr/>
-        <p:nvPr/>
-      </p:nvGrpSpPr>
-      <p:grpSpPr>
-        <a:xfrm>
-          <a:off x="0" y="0"/>
-          <a:ext cx="0" cy="0"/>
-          <a:chOff x="0" y="0"/>
-          <a:chExt cx="0" cy="0"/>
-        </a:xfrm>
-      </p:grpSpPr>
-      <p:sp>
-        <p:nvSpPr>
-          <p:cNvPr id="2" name="标题 1"/>
-          <p:cNvSpPr>
-            <a:spLocks noGrp="1"/>
-          </p:cNvSpPr>
-          <p:nvPr>
-            <p:ph type="title"/>
-          </p:nvPr>
-        </p:nvSpPr>
-        <p:spPr/>
-        <p:txBody>
-          <a:bodyPr>
-            <a:normAutofit/>
-          </a:bodyPr>
-          <a:lstStyle/>
-          <a:p>
-            <a:r>
-              <a:rPr lang="en-US" altLang="zh-CN" sz="4000" dirty="0" smtClean="0">
-                <a:latin typeface="Bahnschrift SemiLight" panose="020B0502040204020203" pitchFamily="34" charset="0"/>
-              </a:rPr>
-              <a:t>Aim</a:t>
-            </a:r>
-            <a:endParaRPr lang="zh-CN" altLang="en-US" sz="4000" dirty="0">
-              <a:latin typeface="Bahnschrift SemiLight" panose="020B0502040204020203" pitchFamily="34" charset="0"/>
-            </a:endParaRPr>
-          </a:p>
-        </p:txBody>
-      </p:sp>
-      <p:sp>
-        <p:nvSpPr>
-          <p:cNvPr id="3" name="内容占位符 2"/>
-          <p:cNvSpPr>
-            <a:spLocks noGrp="1"/>
-          </p:cNvSpPr>
-          <p:nvPr>
-            <p:ph idx="1"/>
-          </p:nvPr>
-        </p:nvSpPr>
-        <p:spPr/>
-        <p:txBody>
-          <a:bodyPr>
-            <a:normAutofit/>
-          </a:bodyPr>
-          <a:lstStyle/>
-          <a:p>
-            <a:r>
-              <a:rPr lang="en-US" altLang="zh-CN" sz="2400" dirty="0" smtClean="0">
-                <a:latin typeface="Bahnschrift SemiLight" panose="020B0502040204020203" pitchFamily="34" charset="0"/>
-                <a:ea typeface="+mj-ea"/>
-                <a:cs typeface="+mj-cs"/>
-              </a:rPr>
-              <a:t>Viewing Transformation</a:t>
+              <a:t>(Circle) Rasterization </a:t>
             </a:r>
           </a:p>
           <a:p>
@@ -11641,41 +11072,18 @@
                 <a:ea typeface="+mj-ea"/>
                 <a:cs typeface="+mj-cs"/>
               </a:rPr>
-              <a:t>(Circle</a:t>
-            </a:r>
-            <a:r>
-              <a:rPr lang="en-US" altLang="zh-CN" sz="2400" dirty="0" smtClean="0">
-                <a:latin typeface="Bahnschrift SemiLight" panose="020B0502040204020203" pitchFamily="34" charset="0"/>
-                <a:ea typeface="+mj-ea"/>
-                <a:cs typeface="+mj-cs"/>
-              </a:rPr>
-              <a:t>) Rasterization </a:t>
-            </a:r>
-          </a:p>
-          <a:p>
-            <a:r>
-              <a:rPr lang="en-US" altLang="zh-CN" sz="2400" dirty="0" smtClean="0">
-                <a:latin typeface="Bahnschrift SemiLight" panose="020B0502040204020203" pitchFamily="34" charset="0"/>
-                <a:ea typeface="+mj-ea"/>
-                <a:cs typeface="+mj-cs"/>
-              </a:rPr>
               <a:t>Spatial Interpolation</a:t>
             </a:r>
           </a:p>
           <a:p>
             <a:r>
-              <a:rPr lang="en-US" altLang="zh-CN" sz="2400" dirty="0" smtClean="0">
+              <a:rPr lang="en-US" altLang="zh-CN" sz="2400" dirty="0">
                 <a:latin typeface="Bahnschrift SemiLight" panose="020B0502040204020203" pitchFamily="34" charset="0"/>
                 <a:ea typeface="+mj-ea"/>
                 <a:cs typeface="+mj-cs"/>
               </a:rPr>
               <a:t>Z-Buffering</a:t>
             </a:r>
-            <a:endParaRPr lang="en-US" altLang="zh-CN" sz="2400" dirty="0">
-              <a:latin typeface="Bahnschrift SemiLight" panose="020B0502040204020203" pitchFamily="34" charset="0"/>
-              <a:ea typeface="+mj-ea"/>
-              <a:cs typeface="+mj-cs"/>
-            </a:endParaRPr>
           </a:p>
         </p:txBody>
       </p:sp>
@@ -11752,7 +11160,7 @@
 </p:sld>
 </file>
 
-<file path=ppt/slides/slide34.xml><?xml version="1.0" encoding="utf-8"?>
+<file path=ppt/slides/slide33.xml><?xml version="1.0" encoding="utf-8"?>
 <p:sld xmlns:a="http://schemas.openxmlformats.org/drawingml/2006/main" xmlns:r="http://schemas.openxmlformats.org/officeDocument/2006/relationships" xmlns:p="http://schemas.openxmlformats.org/presentationml/2006/main">
   <p:cSld>
     <p:spTree>
@@ -11953,20 +11361,12 @@
           </a:p>
           <a:p>
             <a:r>
-              <a:rPr lang="en-US" altLang="zh-CN" sz="2000" dirty="0" err="1">
-                <a:latin typeface="Bahnschrift SemiLight" panose="020B0502040204020203" pitchFamily="34" charset="0"/>
-                <a:ea typeface="+mj-ea"/>
-                <a:cs typeface="+mj-cs"/>
-              </a:rPr>
-              <a:t>Microgranular</a:t>
-            </a:r>
-            <a:r>
               <a:rPr lang="en-US" altLang="zh-CN" sz="2000" dirty="0">
                 <a:latin typeface="Bahnschrift SemiLight" panose="020B0502040204020203" pitchFamily="34" charset="0"/>
                 <a:ea typeface="+mj-ea"/>
                 <a:cs typeface="+mj-cs"/>
               </a:rPr>
-              <a:t> system for macroscopic object</a:t>
+              <a:t>Micro-granular system for macroscopic object</a:t>
             </a:r>
           </a:p>
           <a:p>
@@ -12162,13 +11562,6 @@
       </p:transition>
     </mc:Fallback>
   </mc:AlternateContent>
-  <p:timing>
-    <p:tnLst>
-      <p:par>
-        <p:cTn id="1" dur="indefinite" restart="never" nodeType="tmRoot"/>
-      </p:par>
-    </p:tnLst>
-  </p:timing>
 </p:sld>
 </file>
 
@@ -12347,13 +11740,6 @@
       </p:transition>
     </mc:Fallback>
   </mc:AlternateContent>
-  <p:timing>
-    <p:tnLst>
-      <p:par>
-        <p:cTn id="1" dur="indefinite" restart="never" nodeType="tmRoot"/>
-      </p:par>
-    </p:tnLst>
-  </p:timing>
 </p:sld>
 </file>
 
@@ -12392,7 +11778,7 @@
           <a:lstStyle/>
           <a:p>
             <a:r>
-              <a:rPr lang="en-US" altLang="zh-CN" sz="4000" dirty="0" smtClean="0">
+              <a:rPr lang="en-US" altLang="zh-CN" sz="4000" dirty="0">
                 <a:latin typeface="Bahnschrift SemiLight" panose="020B0502040204020203" pitchFamily="34" charset="0"/>
               </a:rPr>
               <a:t>Scenario</a:t>
@@ -12422,20 +11808,12 @@
               <a:buNone/>
             </a:pPr>
             <a:r>
-              <a:rPr lang="en-US" altLang="zh-CN" sz="2400" dirty="0" smtClean="0">
+              <a:rPr lang="en-US" altLang="zh-CN" sz="2400" dirty="0">
                 <a:latin typeface="Bahnschrift SemiLight" panose="020B0502040204020203" pitchFamily="34" charset="0"/>
                 <a:ea typeface="+mj-ea"/>
                 <a:cs typeface="+mj-cs"/>
               </a:rPr>
-              <a:t>Process of aerolite </a:t>
-            </a:r>
-            <a:r>
-              <a:rPr lang="en-US" altLang="zh-CN" sz="2400" dirty="0" smtClean="0">
-                <a:latin typeface="Bahnschrift SemiLight" panose="020B0502040204020203" pitchFamily="34" charset="0"/>
-                <a:ea typeface="+mj-ea"/>
-                <a:cs typeface="+mj-cs"/>
-              </a:rPr>
-              <a:t>collision </a:t>
+              <a:t>Process of aerolite collision </a:t>
             </a:r>
             <a:endParaRPr lang="zh-CN" altLang="en-US" sz="2400" dirty="0">
               <a:latin typeface="Bahnschrift SemiLight" panose="020B0502040204020203" pitchFamily="34" charset="0"/>
@@ -12563,13 +11941,6 @@
       </p:transition>
     </mc:Fallback>
   </mc:AlternateContent>
-  <p:timing>
-    <p:tnLst>
-      <p:par>
-        <p:cTn id="1" dur="indefinite" restart="never" nodeType="tmRoot"/>
-      </p:par>
-    </p:tnLst>
-  </p:timing>
 </p:sld>
 </file>
 
@@ -12608,7 +11979,7 @@
           <a:lstStyle/>
           <a:p>
             <a:r>
-              <a:rPr lang="en-US" altLang="zh-CN" sz="4000" dirty="0" smtClean="0">
+              <a:rPr lang="en-US" altLang="zh-CN" sz="4000" dirty="0">
                 <a:latin typeface="Bahnschrift SemiLight" panose="020B0502040204020203" pitchFamily="34" charset="0"/>
               </a:rPr>
               <a:t>Imaging Effect</a:t>
@@ -12758,13 +12129,6 @@
       </p:transition>
     </mc:Fallback>
   </mc:AlternateContent>
-  <p:timing>
-    <p:tnLst>
-      <p:par>
-        <p:cTn id="1" dur="indefinite" restart="never" nodeType="tmRoot"/>
-      </p:par>
-    </p:tnLst>
-  </p:timing>
 </p:sld>
 </file>
 
@@ -12855,18 +12219,13 @@
           </a:p>
           <a:p>
             <a:r>
-              <a:rPr lang="en-US" altLang="zh-CN" sz="2400" dirty="0" smtClean="0">
+              <a:rPr lang="en-US" altLang="zh-CN" sz="2400" dirty="0">
                 <a:latin typeface="Bahnschrift SemiLight" panose="020B0502040204020203" pitchFamily="34" charset="0"/>
                 <a:ea typeface="+mj-ea"/>
                 <a:cs typeface="+mj-cs"/>
               </a:rPr>
               <a:t>Aim</a:t>
             </a:r>
-            <a:endParaRPr lang="en-US" altLang="zh-CN" sz="2400" dirty="0">
-              <a:latin typeface="Bahnschrift SemiLight" panose="020B0502040204020203" pitchFamily="34" charset="0"/>
-              <a:ea typeface="+mj-ea"/>
-              <a:cs typeface="+mj-cs"/>
-            </a:endParaRPr>
           </a:p>
         </p:txBody>
       </p:sp>
@@ -12892,13 +12251,6 @@
       </p:transition>
     </mc:Fallback>
   </mc:AlternateContent>
-  <p:timing>
-    <p:tnLst>
-      <p:par>
-        <p:cTn id="1" dur="indefinite" restart="never" nodeType="tmRoot"/>
-      </p:par>
-    </p:tnLst>
-  </p:timing>
 </p:sld>
 </file>
 
@@ -13177,13 +12529,6 @@
       </p:transition>
     </mc:Fallback>
   </mc:AlternateContent>
-  <p:timing>
-    <p:tnLst>
-      <p:par>
-        <p:cTn id="1" dur="indefinite" restart="never" nodeType="tmRoot"/>
-      </p:par>
-    </p:tnLst>
-  </p:timing>
 </p:sld>
 </file>
 
@@ -13195,7 +12540,7 @@
         <a:sysClr val="windowText" lastClr="000000"/>
       </a:dk1>
       <a:lt1>
-        <a:sysClr val="window" lastClr="CCE8CF"/>
+        <a:sysClr val="window" lastClr="CEEACA"/>
       </a:lt1>
       <a:dk2>
         <a:srgbClr val="44546A"/>
@@ -13456,7 +12801,7 @@
         <a:sysClr val="windowText" lastClr="000000"/>
       </a:dk1>
       <a:lt1>
-        <a:sysClr val="window" lastClr="CCE8CF"/>
+        <a:sysClr val="window" lastClr="CEEACA"/>
       </a:lt1>
       <a:dk2>
         <a:srgbClr val="44546A"/>
